--- a/PPT and Video/BitToByte IEEE Syntax Squad PPT final (1).pptx
+++ b/PPT and Video/BitToByte IEEE Syntax Squad PPT final (1).pptx
@@ -134,7 +134,3038 @@
 </p:presentation>
 </file>
 
+<file path=ppt/revisionInfo.xml><?xml version="1.0" encoding="utf-8"?>
+<p1510:revInfo xmlns:a="http://schemas.openxmlformats.org/drawingml/2006/main" xmlns:r="http://schemas.openxmlformats.org/officeDocument/2006/relationships" xmlns:p1510="http://schemas.microsoft.com/office/powerpoint/2015/10/main">
+  <p1510:revLst>
+    <p1510:client id="{BF5EE2C2-52B4-4607-9B80-87F822E990B5}" v="132" dt="2024-10-06T19:18:42.135"/>
+  </p1510:revLst>
+</p1510:revInfo>
+</file>
+
 <file path=ppt/diagrams/colors1.xml><?xml version="1.0" encoding="utf-8"?>
+<dgm:colorsDef xmlns:dgm="http://schemas.openxmlformats.org/drawingml/2006/diagram" xmlns:a="http://schemas.openxmlformats.org/drawingml/2006/main" uniqueId="urn:microsoft.com/office/officeart/2005/8/colors/colorful3">
+  <dgm:title val=""/>
+  <dgm:desc val=""/>
+  <dgm:catLst>
+    <dgm:cat type="colorful" pri="10300"/>
+  </dgm:catLst>
+  <dgm:styleLbl name="node0">
+    <dgm:fillClrLst meth="repeat">
+      <a:schemeClr val="accent2"/>
+    </dgm:fillClrLst>
+    <dgm:linClrLst meth="repeat">
+      <a:schemeClr val="lt1"/>
+    </dgm:linClrLst>
+    <dgm:effectClrLst/>
+    <dgm:txLinClrLst/>
+    <dgm:txFillClrLst/>
+    <dgm:txEffectClrLst/>
+  </dgm:styleLbl>
+  <dgm:styleLbl name="node1">
+    <dgm:fillClrLst>
+      <a:schemeClr val="accent3"/>
+      <a:schemeClr val="accent4"/>
+    </dgm:fillClrLst>
+    <dgm:linClrLst meth="repeat">
+      <a:schemeClr val="lt1"/>
+    </dgm:linClrLst>
+    <dgm:effectClrLst/>
+    <dgm:txLinClrLst/>
+    <dgm:txFillClrLst/>
+    <dgm:txEffectClrLst/>
+  </dgm:styleLbl>
+  <dgm:styleLbl name="alignNode1">
+    <dgm:fillClrLst>
+      <a:schemeClr val="accent3"/>
+      <a:schemeClr val="accent4"/>
+    </dgm:fillClrLst>
+    <dgm:linClrLst>
+      <a:schemeClr val="accent3"/>
+      <a:schemeClr val="accent4"/>
+    </dgm:linClrLst>
+    <dgm:effectClrLst/>
+    <dgm:txLinClrLst/>
+    <dgm:txFillClrLst/>
+    <dgm:txEffectClrLst/>
+  </dgm:styleLbl>
+  <dgm:styleLbl name="lnNode1">
+    <dgm:fillClrLst>
+      <a:schemeClr val="accent3"/>
+      <a:schemeClr val="accent4"/>
+    </dgm:fillClrLst>
+    <dgm:linClrLst meth="repeat">
+      <a:schemeClr val="lt1"/>
+    </dgm:linClrLst>
+    <dgm:effectClrLst/>
+    <dgm:txLinClrLst/>
+    <dgm:txFillClrLst/>
+    <dgm:txEffectClrLst/>
+  </dgm:styleLbl>
+  <dgm:styleLbl name="vennNode1">
+    <dgm:fillClrLst>
+      <a:schemeClr val="accent3">
+        <a:alpha val="50000"/>
+      </a:schemeClr>
+      <a:schemeClr val="accent4">
+        <a:alpha val="50000"/>
+      </a:schemeClr>
+    </dgm:fillClrLst>
+    <dgm:linClrLst meth="repeat">
+      <a:schemeClr val="lt1"/>
+    </dgm:linClrLst>
+    <dgm:effectClrLst/>
+    <dgm:txLinClrLst/>
+    <dgm:txFillClrLst/>
+    <dgm:txEffectClrLst/>
+  </dgm:styleLbl>
+  <dgm:styleLbl name="node2">
+    <dgm:fillClrLst>
+      <a:schemeClr val="accent4"/>
+    </dgm:fillClrLst>
+    <dgm:linClrLst meth="repeat">
+      <a:schemeClr val="lt1"/>
+    </dgm:linClrLst>
+    <dgm:effectClrLst/>
+    <dgm:txLinClrLst/>
+    <dgm:txFillClrLst/>
+    <dgm:txEffectClrLst/>
+  </dgm:styleLbl>
+  <dgm:styleLbl name="node3">
+    <dgm:fillClrLst>
+      <a:schemeClr val="accent5"/>
+    </dgm:fillClrLst>
+    <dgm:linClrLst meth="repeat">
+      <a:schemeClr val="lt1"/>
+    </dgm:linClrLst>
+    <dgm:effectClrLst/>
+    <dgm:txLinClrLst/>
+    <dgm:txFillClrLst/>
+    <dgm:txEffectClrLst/>
+  </dgm:styleLbl>
+  <dgm:styleLbl name="node4">
+    <dgm:fillClrLst>
+      <a:schemeClr val="accent6"/>
+    </dgm:fillClrLst>
+    <dgm:linClrLst meth="repeat">
+      <a:schemeClr val="lt1"/>
+    </dgm:linClrLst>
+    <dgm:effectClrLst/>
+    <dgm:txLinClrLst/>
+    <dgm:txFillClrLst/>
+    <dgm:txEffectClrLst/>
+  </dgm:styleLbl>
+  <dgm:styleLbl name="fgImgPlace1">
+    <dgm:fillClrLst>
+      <a:schemeClr val="accent3">
+        <a:tint val="50000"/>
+      </a:schemeClr>
+      <a:schemeClr val="accent4">
+        <a:tint val="50000"/>
+      </a:schemeClr>
+    </dgm:fillClrLst>
+    <dgm:linClrLst meth="repeat">
+      <a:schemeClr val="lt1"/>
+    </dgm:linClrLst>
+    <dgm:effectClrLst/>
+    <dgm:txLinClrLst/>
+    <dgm:txFillClrLst meth="repeat">
+      <a:schemeClr val="lt1"/>
+    </dgm:txFillClrLst>
+    <dgm:txEffectClrLst/>
+  </dgm:styleLbl>
+  <dgm:styleLbl name="alignImgPlace1">
+    <dgm:fillClrLst>
+      <a:schemeClr val="accent3">
+        <a:tint val="50000"/>
+      </a:schemeClr>
+      <a:schemeClr val="accent4">
+        <a:tint val="20000"/>
+      </a:schemeClr>
+    </dgm:fillClrLst>
+    <dgm:linClrLst meth="repeat">
+      <a:schemeClr val="lt1"/>
+    </dgm:linClrLst>
+    <dgm:effectClrLst/>
+    <dgm:txLinClrLst/>
+    <dgm:txFillClrLst meth="repeat">
+      <a:schemeClr val="lt1"/>
+    </dgm:txFillClrLst>
+    <dgm:txEffectClrLst/>
+  </dgm:styleLbl>
+  <dgm:styleLbl name="bgImgPlace1">
+    <dgm:fillClrLst>
+      <a:schemeClr val="accent3">
+        <a:tint val="50000"/>
+      </a:schemeClr>
+      <a:schemeClr val="accent4">
+        <a:tint val="20000"/>
+      </a:schemeClr>
+    </dgm:fillClrLst>
+    <dgm:linClrLst meth="repeat">
+      <a:schemeClr val="lt1"/>
+    </dgm:linClrLst>
+    <dgm:effectClrLst/>
+    <dgm:txLinClrLst/>
+    <dgm:txFillClrLst meth="repeat">
+      <a:schemeClr val="lt1"/>
+    </dgm:txFillClrLst>
+    <dgm:txEffectClrLst/>
+  </dgm:styleLbl>
+  <dgm:styleLbl name="sibTrans2D1">
+    <dgm:fillClrLst>
+      <a:schemeClr val="accent3"/>
+      <a:schemeClr val="accent4"/>
+    </dgm:fillClrLst>
+    <dgm:linClrLst meth="repeat">
+      <a:schemeClr val="lt1"/>
+    </dgm:linClrLst>
+    <dgm:effectClrLst/>
+    <dgm:txLinClrLst/>
+    <dgm:txFillClrLst/>
+    <dgm:txEffectClrLst/>
+  </dgm:styleLbl>
+  <dgm:styleLbl name="fgSibTrans2D1">
+    <dgm:fillClrLst>
+      <a:schemeClr val="accent3"/>
+      <a:schemeClr val="accent4"/>
+    </dgm:fillClrLst>
+    <dgm:linClrLst meth="repeat">
+      <a:schemeClr val="lt1"/>
+    </dgm:linClrLst>
+    <dgm:effectClrLst/>
+    <dgm:txLinClrLst/>
+    <dgm:txFillClrLst meth="repeat">
+      <a:schemeClr val="lt1"/>
+    </dgm:txFillClrLst>
+    <dgm:txEffectClrLst/>
+  </dgm:styleLbl>
+  <dgm:styleLbl name="bgSibTrans2D1">
+    <dgm:fillClrLst>
+      <a:schemeClr val="accent3"/>
+      <a:schemeClr val="accent4"/>
+    </dgm:fillClrLst>
+    <dgm:linClrLst meth="repeat">
+      <a:schemeClr val="lt1"/>
+    </dgm:linClrLst>
+    <dgm:effectClrLst/>
+    <dgm:txLinClrLst/>
+    <dgm:txFillClrLst meth="repeat">
+      <a:schemeClr val="lt1"/>
+    </dgm:txFillClrLst>
+    <dgm:txEffectClrLst/>
+  </dgm:styleLbl>
+  <dgm:styleLbl name="sibTrans1D1">
+    <dgm:fillClrLst/>
+    <dgm:linClrLst>
+      <a:schemeClr val="accent3"/>
+      <a:schemeClr val="accent4"/>
+    </dgm:linClrLst>
+    <dgm:effectClrLst/>
+    <dgm:txLinClrLst/>
+    <dgm:txFillClrLst meth="repeat">
+      <a:schemeClr val="tx1"/>
+    </dgm:txFillClrLst>
+    <dgm:txEffectClrLst/>
+  </dgm:styleLbl>
+  <dgm:styleLbl name="callout">
+    <dgm:fillClrLst meth="repeat">
+      <a:schemeClr val="accent3"/>
+    </dgm:fillClrLst>
+    <dgm:linClrLst meth="repeat">
+      <a:schemeClr val="accent3">
+        <a:tint val="50000"/>
+      </a:schemeClr>
+    </dgm:linClrLst>
+    <dgm:effectClrLst/>
+    <dgm:txLinClrLst/>
+    <dgm:txFillClrLst meth="repeat">
+      <a:schemeClr val="tx1"/>
+    </dgm:txFillClrLst>
+    <dgm:txEffectClrLst/>
+  </dgm:styleLbl>
+  <dgm:styleLbl name="asst0">
+    <dgm:fillClrLst meth="repeat">
+      <a:schemeClr val="accent3"/>
+    </dgm:fillClrLst>
+    <dgm:linClrLst meth="repeat">
+      <a:schemeClr val="lt1">
+        <a:shade val="80000"/>
+      </a:schemeClr>
+    </dgm:linClrLst>
+    <dgm:effectClrLst/>
+    <dgm:txLinClrLst/>
+    <dgm:txFillClrLst/>
+    <dgm:txEffectClrLst/>
+  </dgm:styleLbl>
+  <dgm:styleLbl name="asst1">
+    <dgm:fillClrLst meth="repeat">
+      <a:schemeClr val="accent4"/>
+    </dgm:fillClrLst>
+    <dgm:linClrLst meth="repeat">
+      <a:schemeClr val="lt1">
+        <a:shade val="80000"/>
+      </a:schemeClr>
+    </dgm:linClrLst>
+    <dgm:effectClrLst/>
+    <dgm:txLinClrLst/>
+    <dgm:txFillClrLst/>
+    <dgm:txEffectClrLst/>
+  </dgm:styleLbl>
+  <dgm:styleLbl name="asst2">
+    <dgm:fillClrLst>
+      <a:schemeClr val="accent5"/>
+    </dgm:fillClrLst>
+    <dgm:linClrLst meth="repeat">
+      <a:schemeClr val="lt1"/>
+    </dgm:linClrLst>
+    <dgm:effectClrLst/>
+    <dgm:txLinClrLst/>
+    <dgm:txFillClrLst/>
+    <dgm:txEffectClrLst/>
+  </dgm:styleLbl>
+  <dgm:styleLbl name="asst3">
+    <dgm:fillClrLst>
+      <a:schemeClr val="accent6"/>
+    </dgm:fillClrLst>
+    <dgm:linClrLst meth="repeat">
+      <a:schemeClr val="lt1"/>
+    </dgm:linClrLst>
+    <dgm:effectClrLst/>
+    <dgm:txLinClrLst/>
+    <dgm:txFillClrLst/>
+    <dgm:txEffectClrLst/>
+  </dgm:styleLbl>
+  <dgm:styleLbl name="asst4">
+    <dgm:fillClrLst>
+      <a:schemeClr val="accent1"/>
+    </dgm:fillClrLst>
+    <dgm:linClrLst meth="repeat">
+      <a:schemeClr val="lt1"/>
+    </dgm:linClrLst>
+    <dgm:effectClrLst/>
+    <dgm:txLinClrLst/>
+    <dgm:txFillClrLst/>
+    <dgm:txEffectClrLst/>
+  </dgm:styleLbl>
+  <dgm:styleLbl name="parChTrans2D1">
+    <dgm:fillClrLst meth="repeat">
+      <a:schemeClr val="accent2"/>
+    </dgm:fillClrLst>
+    <dgm:linClrLst meth="repeat">
+      <a:schemeClr val="lt1"/>
+    </dgm:linClrLst>
+    <dgm:effectClrLst/>
+    <dgm:txLinClrLst/>
+    <dgm:txFillClrLst meth="repeat">
+      <a:schemeClr val="lt1"/>
+    </dgm:txFillClrLst>
+    <dgm:txEffectClrLst/>
+  </dgm:styleLbl>
+  <dgm:styleLbl name="parChTrans2D2">
+    <dgm:fillClrLst meth="repeat">
+      <a:schemeClr val="accent3"/>
+    </dgm:fillClrLst>
+    <dgm:linClrLst meth="repeat">
+      <a:schemeClr val="lt1"/>
+    </dgm:linClrLst>
+    <dgm:effectClrLst/>
+    <dgm:txLinClrLst/>
+    <dgm:txFillClrLst/>
+    <dgm:txEffectClrLst/>
+  </dgm:styleLbl>
+  <dgm:styleLbl name="parChTrans2D3">
+    <dgm:fillClrLst meth="repeat">
+      <a:schemeClr val="accent4"/>
+    </dgm:fillClrLst>
+    <dgm:linClrLst meth="repeat">
+      <a:schemeClr val="lt1"/>
+    </dgm:linClrLst>
+    <dgm:effectClrLst/>
+    <dgm:txLinClrLst/>
+    <dgm:txFillClrLst/>
+    <dgm:txEffectClrLst/>
+  </dgm:styleLbl>
+  <dgm:styleLbl name="parChTrans2D4">
+    <dgm:fillClrLst meth="repeat">
+      <a:schemeClr val="accent5"/>
+    </dgm:fillClrLst>
+    <dgm:linClrLst meth="repeat">
+      <a:schemeClr val="lt1"/>
+    </dgm:linClrLst>
+    <dgm:effectClrLst/>
+    <dgm:txLinClrLst/>
+    <dgm:txFillClrLst meth="repeat">
+      <a:schemeClr val="lt1"/>
+    </dgm:txFillClrLst>
+    <dgm:txEffectClrLst/>
+  </dgm:styleLbl>
+  <dgm:styleLbl name="parChTrans1D1">
+    <dgm:fillClrLst meth="repeat">
+      <a:schemeClr val="accent3"/>
+    </dgm:fillClrLst>
+    <dgm:linClrLst meth="repeat">
+      <a:schemeClr val="accent3"/>
+    </dgm:linClrLst>
+    <dgm:effectClrLst/>
+    <dgm:txLinClrLst/>
+    <dgm:txFillClrLst meth="repeat">
+      <a:schemeClr val="tx1"/>
+    </dgm:txFillClrLst>
+    <dgm:txEffectClrLst/>
+  </dgm:styleLbl>
+  <dgm:styleLbl name="parChTrans1D2">
+    <dgm:fillClrLst meth="repeat">
+      <a:schemeClr val="accent2">
+        <a:tint val="90000"/>
+      </a:schemeClr>
+    </dgm:fillClrLst>
+    <dgm:linClrLst meth="repeat">
+      <a:schemeClr val="accent4"/>
+    </dgm:linClrLst>
+    <dgm:effectClrLst/>
+    <dgm:txLinClrLst/>
+    <dgm:txFillClrLst meth="repeat">
+      <a:schemeClr val="tx1"/>
+    </dgm:txFillClrLst>
+    <dgm:txEffectClrLst/>
+  </dgm:styleLbl>
+  <dgm:styleLbl name="parChTrans1D3">
+    <dgm:fillClrLst meth="repeat">
+      <a:schemeClr val="accent2">
+        <a:tint val="70000"/>
+      </a:schemeClr>
+    </dgm:fillClrLst>
+    <dgm:linClrLst meth="repeat">
+      <a:schemeClr val="accent5"/>
+    </dgm:linClrLst>
+    <dgm:effectClrLst/>
+    <dgm:txLinClrLst/>
+    <dgm:txFillClrLst meth="repeat">
+      <a:schemeClr val="tx1"/>
+    </dgm:txFillClrLst>
+    <dgm:txEffectClrLst/>
+  </dgm:styleLbl>
+  <dgm:styleLbl name="parChTrans1D4">
+    <dgm:fillClrLst meth="repeat">
+      <a:schemeClr val="accent6">
+        <a:tint val="50000"/>
+      </a:schemeClr>
+    </dgm:fillClrLst>
+    <dgm:linClrLst meth="repeat">
+      <a:schemeClr val="accent6"/>
+    </dgm:linClrLst>
+    <dgm:effectClrLst/>
+    <dgm:txLinClrLst/>
+    <dgm:txFillClrLst meth="repeat">
+      <a:schemeClr val="tx1"/>
+    </dgm:txFillClrLst>
+    <dgm:txEffectClrLst/>
+  </dgm:styleLbl>
+  <dgm:styleLbl name="fgAcc1">
+    <dgm:fillClrLst meth="repeat">
+      <a:schemeClr val="lt1">
+        <a:alpha val="90000"/>
+      </a:schemeClr>
+    </dgm:fillClrLst>
+    <dgm:linClrLst>
+      <a:schemeClr val="accent3"/>
+      <a:schemeClr val="accent4"/>
+    </dgm:linClrLst>
+    <dgm:effectClrLst/>
+    <dgm:txLinClrLst/>
+    <dgm:txFillClrLst meth="repeat">
+      <a:schemeClr val="dk1"/>
+    </dgm:txFillClrLst>
+    <dgm:txEffectClrLst/>
+  </dgm:styleLbl>
+  <dgm:styleLbl name="conFgAcc1">
+    <dgm:fillClrLst meth="repeat">
+      <a:schemeClr val="lt1">
+        <a:alpha val="90000"/>
+      </a:schemeClr>
+    </dgm:fillClrLst>
+    <dgm:linClrLst>
+      <a:schemeClr val="accent3"/>
+      <a:schemeClr val="accent4"/>
+    </dgm:linClrLst>
+    <dgm:effectClrLst/>
+    <dgm:txLinClrLst/>
+    <dgm:txFillClrLst meth="repeat">
+      <a:schemeClr val="dk1"/>
+    </dgm:txFillClrLst>
+    <dgm:txEffectClrLst/>
+  </dgm:styleLbl>
+  <dgm:styleLbl name="alignAcc1">
+    <dgm:fillClrLst meth="repeat">
+      <a:schemeClr val="lt1">
+        <a:alpha val="90000"/>
+      </a:schemeClr>
+    </dgm:fillClrLst>
+    <dgm:linClrLst>
+      <a:schemeClr val="accent3"/>
+      <a:schemeClr val="accent4"/>
+    </dgm:linClrLst>
+    <dgm:effectClrLst/>
+    <dgm:txLinClrLst/>
+    <dgm:txFillClrLst meth="repeat">
+      <a:schemeClr val="dk1"/>
+    </dgm:txFillClrLst>
+    <dgm:txEffectClrLst/>
+  </dgm:styleLbl>
+  <dgm:styleLbl name="trAlignAcc1">
+    <dgm:fillClrLst meth="repeat">
+      <a:schemeClr val="lt1">
+        <a:alpha val="40000"/>
+      </a:schemeClr>
+    </dgm:fillClrLst>
+    <dgm:linClrLst meth="repeat">
+      <a:schemeClr val="accent2"/>
+    </dgm:linClrLst>
+    <dgm:effectClrLst/>
+    <dgm:txLinClrLst/>
+    <dgm:txFillClrLst meth="repeat">
+      <a:schemeClr val="dk1"/>
+    </dgm:txFillClrLst>
+    <dgm:txEffectClrLst/>
+  </dgm:styleLbl>
+  <dgm:styleLbl name="bgAcc1">
+    <dgm:fillClrLst meth="repeat">
+      <a:schemeClr val="lt1">
+        <a:alpha val="90000"/>
+      </a:schemeClr>
+    </dgm:fillClrLst>
+    <dgm:linClrLst>
+      <a:schemeClr val="accent3"/>
+      <a:schemeClr val="accent4"/>
+    </dgm:linClrLst>
+    <dgm:effectClrLst/>
+    <dgm:txLinClrLst/>
+    <dgm:txFillClrLst meth="repeat">
+      <a:schemeClr val="dk1"/>
+    </dgm:txFillClrLst>
+    <dgm:txEffectClrLst/>
+  </dgm:styleLbl>
+  <dgm:styleLbl name="solidFgAcc1">
+    <dgm:fillClrLst meth="repeat">
+      <a:schemeClr val="lt1"/>
+    </dgm:fillClrLst>
+    <dgm:linClrLst>
+      <a:schemeClr val="accent3"/>
+      <a:schemeClr val="accent4"/>
+    </dgm:linClrLst>
+    <dgm:effectClrLst/>
+    <dgm:txLinClrLst/>
+    <dgm:txFillClrLst meth="repeat">
+      <a:schemeClr val="dk1"/>
+    </dgm:txFillClrLst>
+    <dgm:txEffectClrLst/>
+  </dgm:styleLbl>
+  <dgm:styleLbl name="solidAlignAcc1">
+    <dgm:fillClrLst meth="repeat">
+      <a:schemeClr val="lt1"/>
+    </dgm:fillClrLst>
+    <dgm:linClrLst>
+      <a:schemeClr val="accent3"/>
+      <a:schemeClr val="accent4"/>
+    </dgm:linClrLst>
+    <dgm:effectClrLst/>
+    <dgm:txLinClrLst/>
+    <dgm:txFillClrLst meth="repeat">
+      <a:schemeClr val="dk1"/>
+    </dgm:txFillClrLst>
+    <dgm:txEffectClrLst/>
+  </dgm:styleLbl>
+  <dgm:styleLbl name="solidBgAcc1">
+    <dgm:fillClrLst meth="repeat">
+      <a:schemeClr val="lt1"/>
+    </dgm:fillClrLst>
+    <dgm:linClrLst>
+      <a:schemeClr val="accent3"/>
+      <a:schemeClr val="accent4"/>
+    </dgm:linClrLst>
+    <dgm:effectClrLst/>
+    <dgm:txLinClrLst/>
+    <dgm:txFillClrLst meth="repeat">
+      <a:schemeClr val="dk1"/>
+    </dgm:txFillClrLst>
+    <dgm:txEffectClrLst/>
+  </dgm:styleLbl>
+  <dgm:styleLbl name="fgAccFollowNode1">
+    <dgm:fillClrLst>
+      <a:schemeClr val="accent3">
+        <a:tint val="40000"/>
+        <a:alpha val="90000"/>
+      </a:schemeClr>
+      <a:schemeClr val="accent4">
+        <a:tint val="40000"/>
+        <a:alpha val="90000"/>
+      </a:schemeClr>
+    </dgm:fillClrLst>
+    <dgm:linClrLst>
+      <a:schemeClr val="accent3">
+        <a:tint val="40000"/>
+        <a:alpha val="90000"/>
+      </a:schemeClr>
+      <a:schemeClr val="accent4">
+        <a:tint val="40000"/>
+        <a:alpha val="90000"/>
+      </a:schemeClr>
+    </dgm:linClrLst>
+    <dgm:effectClrLst/>
+    <dgm:txLinClrLst/>
+    <dgm:txFillClrLst meth="repeat">
+      <a:schemeClr val="dk1"/>
+    </dgm:txFillClrLst>
+    <dgm:txEffectClrLst/>
+  </dgm:styleLbl>
+  <dgm:styleLbl name="alignAccFollowNode1">
+    <dgm:fillClrLst>
+      <a:schemeClr val="accent3">
+        <a:tint val="40000"/>
+        <a:alpha val="90000"/>
+      </a:schemeClr>
+      <a:schemeClr val="accent4">
+        <a:tint val="40000"/>
+        <a:alpha val="90000"/>
+      </a:schemeClr>
+    </dgm:fillClrLst>
+    <dgm:linClrLst>
+      <a:schemeClr val="accent3">
+        <a:tint val="40000"/>
+        <a:alpha val="90000"/>
+      </a:schemeClr>
+      <a:schemeClr val="accent4">
+        <a:tint val="40000"/>
+        <a:alpha val="90000"/>
+      </a:schemeClr>
+    </dgm:linClrLst>
+    <dgm:effectClrLst/>
+    <dgm:txLinClrLst/>
+    <dgm:txFillClrLst meth="repeat">
+      <a:schemeClr val="dk1"/>
+    </dgm:txFillClrLst>
+    <dgm:txEffectClrLst/>
+  </dgm:styleLbl>
+  <dgm:styleLbl name="bgAccFollowNode1">
+    <dgm:fillClrLst>
+      <a:schemeClr val="accent3">
+        <a:tint val="40000"/>
+        <a:alpha val="90000"/>
+      </a:schemeClr>
+      <a:schemeClr val="accent4">
+        <a:tint val="40000"/>
+        <a:alpha val="90000"/>
+      </a:schemeClr>
+    </dgm:fillClrLst>
+    <dgm:linClrLst>
+      <a:schemeClr val="accent3">
+        <a:tint val="40000"/>
+        <a:alpha val="90000"/>
+      </a:schemeClr>
+      <a:schemeClr val="accent4">
+        <a:tint val="40000"/>
+        <a:alpha val="90000"/>
+      </a:schemeClr>
+    </dgm:linClrLst>
+    <dgm:effectClrLst/>
+    <dgm:txLinClrLst/>
+    <dgm:txFillClrLst meth="repeat">
+      <a:schemeClr val="dk1"/>
+    </dgm:txFillClrLst>
+    <dgm:txEffectClrLst/>
+  </dgm:styleLbl>
+  <dgm:styleLbl name="fgAcc0">
+    <dgm:fillClrLst meth="repeat">
+      <a:schemeClr val="lt1">
+        <a:alpha val="90000"/>
+      </a:schemeClr>
+    </dgm:fillClrLst>
+    <dgm:linClrLst>
+      <a:schemeClr val="accent2"/>
+    </dgm:linClrLst>
+    <dgm:effectClrLst/>
+    <dgm:txLinClrLst/>
+    <dgm:txFillClrLst meth="repeat">
+      <a:schemeClr val="dk1"/>
+    </dgm:txFillClrLst>
+    <dgm:txEffectClrLst/>
+  </dgm:styleLbl>
+  <dgm:styleLbl name="fgAcc2">
+    <dgm:fillClrLst meth="repeat">
+      <a:schemeClr val="lt1">
+        <a:alpha val="90000"/>
+      </a:schemeClr>
+    </dgm:fillClrLst>
+    <dgm:linClrLst>
+      <a:schemeClr val="accent4"/>
+    </dgm:linClrLst>
+    <dgm:effectClrLst/>
+    <dgm:txLinClrLst/>
+    <dgm:txFillClrLst meth="repeat">
+      <a:schemeClr val="dk1"/>
+    </dgm:txFillClrLst>
+    <dgm:txEffectClrLst/>
+  </dgm:styleLbl>
+  <dgm:styleLbl name="fgAcc3">
+    <dgm:fillClrLst meth="repeat">
+      <a:schemeClr val="lt1">
+        <a:alpha val="90000"/>
+      </a:schemeClr>
+    </dgm:fillClrLst>
+    <dgm:linClrLst>
+      <a:schemeClr val="accent5"/>
+    </dgm:linClrLst>
+    <dgm:effectClrLst/>
+    <dgm:txLinClrLst/>
+    <dgm:txFillClrLst meth="repeat">
+      <a:schemeClr val="dk1"/>
+    </dgm:txFillClrLst>
+    <dgm:txEffectClrLst/>
+  </dgm:styleLbl>
+  <dgm:styleLbl name="fgAcc4">
+    <dgm:fillClrLst meth="repeat">
+      <a:schemeClr val="lt1">
+        <a:alpha val="90000"/>
+      </a:schemeClr>
+    </dgm:fillClrLst>
+    <dgm:linClrLst>
+      <a:schemeClr val="accent6"/>
+    </dgm:linClrLst>
+    <dgm:effectClrLst/>
+    <dgm:txLinClrLst/>
+    <dgm:txFillClrLst meth="repeat">
+      <a:schemeClr val="dk1"/>
+    </dgm:txFillClrLst>
+    <dgm:txEffectClrLst/>
+  </dgm:styleLbl>
+  <dgm:styleLbl name="bgShp">
+    <dgm:fillClrLst meth="repeat">
+      <a:schemeClr val="accent3">
+        <a:tint val="40000"/>
+      </a:schemeClr>
+    </dgm:fillClrLst>
+    <dgm:linClrLst meth="repeat">
+      <a:schemeClr val="dk1"/>
+    </dgm:linClrLst>
+    <dgm:effectClrLst/>
+    <dgm:txLinClrLst/>
+    <dgm:txFillClrLst meth="repeat">
+      <a:schemeClr val="dk1"/>
+    </dgm:txFillClrLst>
+    <dgm:txEffectClrLst/>
+  </dgm:styleLbl>
+  <dgm:styleLbl name="dkBgShp">
+    <dgm:fillClrLst meth="repeat">
+      <a:schemeClr val="accent3">
+        <a:shade val="90000"/>
+      </a:schemeClr>
+    </dgm:fillClrLst>
+    <dgm:linClrLst meth="repeat">
+      <a:schemeClr val="dk1"/>
+    </dgm:linClrLst>
+    <dgm:effectClrLst/>
+    <dgm:txLinClrLst/>
+    <dgm:txFillClrLst meth="repeat">
+      <a:schemeClr val="lt1"/>
+    </dgm:txFillClrLst>
+    <dgm:txEffectClrLst/>
+  </dgm:styleLbl>
+  <dgm:styleLbl name="trBgShp">
+    <dgm:fillClrLst meth="repeat">
+      <a:schemeClr val="accent2">
+        <a:tint val="50000"/>
+        <a:alpha val="40000"/>
+      </a:schemeClr>
+    </dgm:fillClrLst>
+    <dgm:linClrLst meth="repeat">
+      <a:schemeClr val="accent3"/>
+    </dgm:linClrLst>
+    <dgm:effectClrLst/>
+    <dgm:txLinClrLst/>
+    <dgm:txFillClrLst meth="repeat">
+      <a:schemeClr val="lt1"/>
+    </dgm:txFillClrLst>
+    <dgm:txEffectClrLst/>
+  </dgm:styleLbl>
+  <dgm:styleLbl name="fgShp">
+    <dgm:fillClrLst meth="repeat">
+      <a:schemeClr val="accent3">
+        <a:tint val="40000"/>
+      </a:schemeClr>
+    </dgm:fillClrLst>
+    <dgm:linClrLst meth="repeat">
+      <a:schemeClr val="lt1"/>
+    </dgm:linClrLst>
+    <dgm:effectClrLst/>
+    <dgm:txLinClrLst/>
+    <dgm:txFillClrLst meth="repeat">
+      <a:schemeClr val="dk1"/>
+    </dgm:txFillClrLst>
+    <dgm:txEffectClrLst/>
+  </dgm:styleLbl>
+  <dgm:styleLbl name="revTx">
+    <dgm:fillClrLst meth="repeat">
+      <a:schemeClr val="lt1">
+        <a:alpha val="0"/>
+      </a:schemeClr>
+    </dgm:fillClrLst>
+    <dgm:linClrLst meth="repeat">
+      <a:schemeClr val="dk1">
+        <a:alpha val="0"/>
+      </a:schemeClr>
+    </dgm:linClrLst>
+    <dgm:effectClrLst/>
+    <dgm:txLinClrLst/>
+    <dgm:txFillClrLst meth="repeat">
+      <a:schemeClr val="tx1"/>
+    </dgm:txFillClrLst>
+    <dgm:txEffectClrLst/>
+  </dgm:styleLbl>
+</dgm:colorsDef>
+</file>
+
+<file path=ppt/diagrams/colors2.xml><?xml version="1.0" encoding="utf-8"?>
+<dgm:colorsDef xmlns:dgm="http://schemas.openxmlformats.org/drawingml/2006/diagram" xmlns:a="http://schemas.openxmlformats.org/drawingml/2006/main" uniqueId="urn:microsoft.com/office/officeart/2005/8/colors/accent1_2">
+  <dgm:title val=""/>
+  <dgm:desc val=""/>
+  <dgm:catLst>
+    <dgm:cat type="accent1" pri="11200"/>
+  </dgm:catLst>
+  <dgm:styleLbl name="node0">
+    <dgm:fillClrLst meth="repeat">
+      <a:schemeClr val="accent1"/>
+    </dgm:fillClrLst>
+    <dgm:linClrLst meth="repeat">
+      <a:schemeClr val="lt1"/>
+    </dgm:linClrLst>
+    <dgm:effectClrLst/>
+    <dgm:txLinClrLst/>
+    <dgm:txFillClrLst/>
+    <dgm:txEffectClrLst/>
+  </dgm:styleLbl>
+  <dgm:styleLbl name="alignNode1">
+    <dgm:fillClrLst meth="repeat">
+      <a:schemeClr val="accent1"/>
+    </dgm:fillClrLst>
+    <dgm:linClrLst meth="repeat">
+      <a:schemeClr val="accent1"/>
+    </dgm:linClrLst>
+    <dgm:effectClrLst/>
+    <dgm:txLinClrLst/>
+    <dgm:txFillClrLst/>
+    <dgm:txEffectClrLst/>
+  </dgm:styleLbl>
+  <dgm:styleLbl name="node1">
+    <dgm:fillClrLst meth="repeat">
+      <a:schemeClr val="accent1"/>
+    </dgm:fillClrLst>
+    <dgm:linClrLst meth="repeat">
+      <a:schemeClr val="lt1"/>
+    </dgm:linClrLst>
+    <dgm:effectClrLst/>
+    <dgm:txLinClrLst/>
+    <dgm:txFillClrLst/>
+    <dgm:txEffectClrLst/>
+  </dgm:styleLbl>
+  <dgm:styleLbl name="lnNode1">
+    <dgm:fillClrLst meth="repeat">
+      <a:schemeClr val="accent1"/>
+    </dgm:fillClrLst>
+    <dgm:linClrLst meth="repeat">
+      <a:schemeClr val="lt1"/>
+    </dgm:linClrLst>
+    <dgm:effectClrLst/>
+    <dgm:txLinClrLst/>
+    <dgm:txFillClrLst/>
+    <dgm:txEffectClrLst/>
+  </dgm:styleLbl>
+  <dgm:styleLbl name="vennNode1">
+    <dgm:fillClrLst meth="repeat">
+      <a:schemeClr val="accent1">
+        <a:alpha val="50000"/>
+      </a:schemeClr>
+    </dgm:fillClrLst>
+    <dgm:linClrLst meth="repeat">
+      <a:schemeClr val="lt1"/>
+    </dgm:linClrLst>
+    <dgm:effectClrLst/>
+    <dgm:txLinClrLst/>
+    <dgm:txFillClrLst/>
+    <dgm:txEffectClrLst/>
+  </dgm:styleLbl>
+  <dgm:styleLbl name="node2">
+    <dgm:fillClrLst meth="repeat">
+      <a:schemeClr val="accent1"/>
+    </dgm:fillClrLst>
+    <dgm:linClrLst meth="repeat">
+      <a:schemeClr val="lt1"/>
+    </dgm:linClrLst>
+    <dgm:effectClrLst/>
+    <dgm:txLinClrLst/>
+    <dgm:txFillClrLst/>
+    <dgm:txEffectClrLst/>
+  </dgm:styleLbl>
+  <dgm:styleLbl name="node3">
+    <dgm:fillClrLst meth="repeat">
+      <a:schemeClr val="accent1"/>
+    </dgm:fillClrLst>
+    <dgm:linClrLst meth="repeat">
+      <a:schemeClr val="lt1"/>
+    </dgm:linClrLst>
+    <dgm:effectClrLst/>
+    <dgm:txLinClrLst/>
+    <dgm:txFillClrLst/>
+    <dgm:txEffectClrLst/>
+  </dgm:styleLbl>
+  <dgm:styleLbl name="node4">
+    <dgm:fillClrLst meth="repeat">
+      <a:schemeClr val="accent1"/>
+    </dgm:fillClrLst>
+    <dgm:linClrLst meth="repeat">
+      <a:schemeClr val="lt1"/>
+    </dgm:linClrLst>
+    <dgm:effectClrLst/>
+    <dgm:txLinClrLst/>
+    <dgm:txFillClrLst/>
+    <dgm:txEffectClrLst/>
+  </dgm:styleLbl>
+  <dgm:styleLbl name="fgImgPlace1">
+    <dgm:fillClrLst meth="repeat">
+      <a:schemeClr val="accent1">
+        <a:tint val="50000"/>
+      </a:schemeClr>
+    </dgm:fillClrLst>
+    <dgm:linClrLst meth="repeat">
+      <a:schemeClr val="lt1"/>
+    </dgm:linClrLst>
+    <dgm:effectClrLst/>
+    <dgm:txLinClrLst/>
+    <dgm:txFillClrLst meth="repeat">
+      <a:schemeClr val="lt1"/>
+    </dgm:txFillClrLst>
+    <dgm:txEffectClrLst/>
+  </dgm:styleLbl>
+  <dgm:styleLbl name="alignImgPlace1">
+    <dgm:fillClrLst meth="repeat">
+      <a:schemeClr val="accent1">
+        <a:tint val="50000"/>
+      </a:schemeClr>
+    </dgm:fillClrLst>
+    <dgm:linClrLst meth="repeat">
+      <a:schemeClr val="lt1"/>
+    </dgm:linClrLst>
+    <dgm:effectClrLst/>
+    <dgm:txLinClrLst/>
+    <dgm:txFillClrLst meth="repeat">
+      <a:schemeClr val="lt1"/>
+    </dgm:txFillClrLst>
+    <dgm:txEffectClrLst/>
+  </dgm:styleLbl>
+  <dgm:styleLbl name="bgImgPlace1">
+    <dgm:fillClrLst meth="repeat">
+      <a:schemeClr val="accent1">
+        <a:tint val="50000"/>
+      </a:schemeClr>
+    </dgm:fillClrLst>
+    <dgm:linClrLst meth="repeat">
+      <a:schemeClr val="lt1"/>
+    </dgm:linClrLst>
+    <dgm:effectClrLst/>
+    <dgm:txLinClrLst/>
+    <dgm:txFillClrLst meth="repeat">
+      <a:schemeClr val="lt1"/>
+    </dgm:txFillClrLst>
+    <dgm:txEffectClrLst/>
+  </dgm:styleLbl>
+  <dgm:styleLbl name="sibTrans2D1">
+    <dgm:fillClrLst meth="repeat">
+      <a:schemeClr val="accent1">
+        <a:tint val="60000"/>
+      </a:schemeClr>
+    </dgm:fillClrLst>
+    <dgm:linClrLst meth="repeat">
+      <a:schemeClr val="accent1">
+        <a:tint val="60000"/>
+      </a:schemeClr>
+    </dgm:linClrLst>
+    <dgm:effectClrLst/>
+    <dgm:txLinClrLst/>
+    <dgm:txFillClrLst/>
+    <dgm:txEffectClrLst/>
+  </dgm:styleLbl>
+  <dgm:styleLbl name="fgSibTrans2D1">
+    <dgm:fillClrLst meth="repeat">
+      <a:schemeClr val="accent1">
+        <a:tint val="60000"/>
+      </a:schemeClr>
+    </dgm:fillClrLst>
+    <dgm:linClrLst meth="repeat">
+      <a:schemeClr val="accent1">
+        <a:tint val="60000"/>
+      </a:schemeClr>
+    </dgm:linClrLst>
+    <dgm:effectClrLst/>
+    <dgm:txLinClrLst/>
+    <dgm:txFillClrLst/>
+    <dgm:txEffectClrLst/>
+  </dgm:styleLbl>
+  <dgm:styleLbl name="bgSibTrans2D1">
+    <dgm:fillClrLst meth="repeat">
+      <a:schemeClr val="accent1">
+        <a:tint val="60000"/>
+      </a:schemeClr>
+    </dgm:fillClrLst>
+    <dgm:linClrLst meth="repeat">
+      <a:schemeClr val="accent1">
+        <a:tint val="60000"/>
+      </a:schemeClr>
+    </dgm:linClrLst>
+    <dgm:effectClrLst/>
+    <dgm:txLinClrLst/>
+    <dgm:txFillClrLst/>
+    <dgm:txEffectClrLst/>
+  </dgm:styleLbl>
+  <dgm:styleLbl name="sibTrans1D1">
+    <dgm:fillClrLst meth="repeat">
+      <a:schemeClr val="accent1"/>
+    </dgm:fillClrLst>
+    <dgm:linClrLst meth="repeat">
+      <a:schemeClr val="accent1"/>
+    </dgm:linClrLst>
+    <dgm:effectClrLst/>
+    <dgm:txLinClrLst/>
+    <dgm:txFillClrLst meth="repeat">
+      <a:schemeClr val="tx1"/>
+    </dgm:txFillClrLst>
+    <dgm:txEffectClrLst/>
+  </dgm:styleLbl>
+  <dgm:styleLbl name="callout">
+    <dgm:fillClrLst meth="repeat">
+      <a:schemeClr val="accent1"/>
+    </dgm:fillClrLst>
+    <dgm:linClrLst meth="repeat">
+      <a:schemeClr val="accent1">
+        <a:tint val="50000"/>
+      </a:schemeClr>
+    </dgm:linClrLst>
+    <dgm:effectClrLst/>
+    <dgm:txLinClrLst/>
+    <dgm:txFillClrLst meth="repeat">
+      <a:schemeClr val="tx1"/>
+    </dgm:txFillClrLst>
+    <dgm:txEffectClrLst/>
+  </dgm:styleLbl>
+  <dgm:styleLbl name="asst0">
+    <dgm:fillClrLst meth="repeat">
+      <a:schemeClr val="accent1"/>
+    </dgm:fillClrLst>
+    <dgm:linClrLst meth="repeat">
+      <a:schemeClr val="lt1"/>
+    </dgm:linClrLst>
+    <dgm:effectClrLst/>
+    <dgm:txLinClrLst/>
+    <dgm:txFillClrLst/>
+    <dgm:txEffectClrLst/>
+  </dgm:styleLbl>
+  <dgm:styleLbl name="asst1">
+    <dgm:fillClrLst meth="repeat">
+      <a:schemeClr val="accent1"/>
+    </dgm:fillClrLst>
+    <dgm:linClrLst meth="repeat">
+      <a:schemeClr val="lt1"/>
+    </dgm:linClrLst>
+    <dgm:effectClrLst/>
+    <dgm:txLinClrLst/>
+    <dgm:txFillClrLst/>
+    <dgm:txEffectClrLst/>
+  </dgm:styleLbl>
+  <dgm:styleLbl name="asst2">
+    <dgm:fillClrLst meth="repeat">
+      <a:schemeClr val="accent1"/>
+    </dgm:fillClrLst>
+    <dgm:linClrLst meth="repeat">
+      <a:schemeClr val="lt1"/>
+    </dgm:linClrLst>
+    <dgm:effectClrLst/>
+    <dgm:txLinClrLst/>
+    <dgm:txFillClrLst/>
+    <dgm:txEffectClrLst/>
+  </dgm:styleLbl>
+  <dgm:styleLbl name="asst3">
+    <dgm:fillClrLst meth="repeat">
+      <a:schemeClr val="accent1"/>
+    </dgm:fillClrLst>
+    <dgm:linClrLst meth="repeat">
+      <a:schemeClr val="lt1"/>
+    </dgm:linClrLst>
+    <dgm:effectClrLst/>
+    <dgm:txLinClrLst/>
+    <dgm:txFillClrLst/>
+    <dgm:txEffectClrLst/>
+  </dgm:styleLbl>
+  <dgm:styleLbl name="asst4">
+    <dgm:fillClrLst meth="repeat">
+      <a:schemeClr val="accent1"/>
+    </dgm:fillClrLst>
+    <dgm:linClrLst meth="repeat">
+      <a:schemeClr val="lt1"/>
+    </dgm:linClrLst>
+    <dgm:effectClrLst/>
+    <dgm:txLinClrLst/>
+    <dgm:txFillClrLst/>
+    <dgm:txEffectClrLst/>
+  </dgm:styleLbl>
+  <dgm:styleLbl name="parChTrans2D1">
+    <dgm:fillClrLst meth="repeat">
+      <a:schemeClr val="accent1">
+        <a:tint val="60000"/>
+      </a:schemeClr>
+    </dgm:fillClrLst>
+    <dgm:linClrLst meth="repeat">
+      <a:schemeClr val="accent1">
+        <a:tint val="60000"/>
+      </a:schemeClr>
+    </dgm:linClrLst>
+    <dgm:effectClrLst/>
+    <dgm:txLinClrLst/>
+    <dgm:txFillClrLst meth="repeat">
+      <a:schemeClr val="lt1"/>
+    </dgm:txFillClrLst>
+    <dgm:txEffectClrLst/>
+  </dgm:styleLbl>
+  <dgm:styleLbl name="parChTrans2D2">
+    <dgm:fillClrLst meth="repeat">
+      <a:schemeClr val="accent1"/>
+    </dgm:fillClrLst>
+    <dgm:linClrLst meth="repeat">
+      <a:schemeClr val="accent1"/>
+    </dgm:linClrLst>
+    <dgm:effectClrLst/>
+    <dgm:txLinClrLst/>
+    <dgm:txFillClrLst meth="repeat">
+      <a:schemeClr val="lt1"/>
+    </dgm:txFillClrLst>
+    <dgm:txEffectClrLst/>
+  </dgm:styleLbl>
+  <dgm:styleLbl name="parChTrans2D3">
+    <dgm:fillClrLst meth="repeat">
+      <a:schemeClr val="accent1"/>
+    </dgm:fillClrLst>
+    <dgm:linClrLst meth="repeat">
+      <a:schemeClr val="accent1"/>
+    </dgm:linClrLst>
+    <dgm:effectClrLst/>
+    <dgm:txLinClrLst/>
+    <dgm:txFillClrLst meth="repeat">
+      <a:schemeClr val="lt1"/>
+    </dgm:txFillClrLst>
+    <dgm:txEffectClrLst/>
+  </dgm:styleLbl>
+  <dgm:styleLbl name="parChTrans2D4">
+    <dgm:fillClrLst meth="repeat">
+      <a:schemeClr val="accent1"/>
+    </dgm:fillClrLst>
+    <dgm:linClrLst meth="repeat">
+      <a:schemeClr val="accent1"/>
+    </dgm:linClrLst>
+    <dgm:effectClrLst/>
+    <dgm:txLinClrLst/>
+    <dgm:txFillClrLst meth="repeat">
+      <a:schemeClr val="lt1"/>
+    </dgm:txFillClrLst>
+    <dgm:txEffectClrLst/>
+  </dgm:styleLbl>
+  <dgm:styleLbl name="parChTrans1D1">
+    <dgm:fillClrLst meth="repeat">
+      <a:schemeClr val="accent1"/>
+    </dgm:fillClrLst>
+    <dgm:linClrLst meth="repeat">
+      <a:schemeClr val="accent1">
+        <a:shade val="60000"/>
+      </a:schemeClr>
+    </dgm:linClrLst>
+    <dgm:effectClrLst/>
+    <dgm:txLinClrLst/>
+    <dgm:txFillClrLst meth="repeat">
+      <a:schemeClr val="tx1"/>
+    </dgm:txFillClrLst>
+    <dgm:txEffectClrLst/>
+  </dgm:styleLbl>
+  <dgm:styleLbl name="parChTrans1D2">
+    <dgm:fillClrLst meth="repeat">
+      <a:schemeClr val="accent1"/>
+    </dgm:fillClrLst>
+    <dgm:linClrLst meth="repeat">
+      <a:schemeClr val="accent1">
+        <a:shade val="60000"/>
+      </a:schemeClr>
+    </dgm:linClrLst>
+    <dgm:effectClrLst/>
+    <dgm:txLinClrLst/>
+    <dgm:txFillClrLst meth="repeat">
+      <a:schemeClr val="tx1"/>
+    </dgm:txFillClrLst>
+    <dgm:txEffectClrLst/>
+  </dgm:styleLbl>
+  <dgm:styleLbl name="parChTrans1D3">
+    <dgm:fillClrLst meth="repeat">
+      <a:schemeClr val="accent1"/>
+    </dgm:fillClrLst>
+    <dgm:linClrLst meth="repeat">
+      <a:schemeClr val="accent1">
+        <a:shade val="80000"/>
+      </a:schemeClr>
+    </dgm:linClrLst>
+    <dgm:effectClrLst/>
+    <dgm:txLinClrLst/>
+    <dgm:txFillClrLst meth="repeat">
+      <a:schemeClr val="tx1"/>
+    </dgm:txFillClrLst>
+    <dgm:txEffectClrLst/>
+  </dgm:styleLbl>
+  <dgm:styleLbl name="parChTrans1D4">
+    <dgm:fillClrLst meth="repeat">
+      <a:schemeClr val="accent1"/>
+    </dgm:fillClrLst>
+    <dgm:linClrLst meth="repeat">
+      <a:schemeClr val="accent1">
+        <a:shade val="80000"/>
+      </a:schemeClr>
+    </dgm:linClrLst>
+    <dgm:effectClrLst/>
+    <dgm:txLinClrLst/>
+    <dgm:txFillClrLst meth="repeat">
+      <a:schemeClr val="tx1"/>
+    </dgm:txFillClrLst>
+    <dgm:txEffectClrLst/>
+  </dgm:styleLbl>
+  <dgm:styleLbl name="fgAcc1">
+    <dgm:fillClrLst meth="repeat">
+      <a:schemeClr val="lt1">
+        <a:alpha val="90000"/>
+      </a:schemeClr>
+    </dgm:fillClrLst>
+    <dgm:linClrLst meth="repeat">
+      <a:schemeClr val="accent1"/>
+    </dgm:linClrLst>
+    <dgm:effectClrLst/>
+    <dgm:txLinClrLst/>
+    <dgm:txFillClrLst meth="repeat">
+      <a:schemeClr val="dk1"/>
+    </dgm:txFillClrLst>
+    <dgm:txEffectClrLst/>
+  </dgm:styleLbl>
+  <dgm:styleLbl name="conFgAcc1">
+    <dgm:fillClrLst meth="repeat">
+      <a:schemeClr val="lt1">
+        <a:alpha val="90000"/>
+      </a:schemeClr>
+    </dgm:fillClrLst>
+    <dgm:linClrLst meth="repeat">
+      <a:schemeClr val="accent1"/>
+    </dgm:linClrLst>
+    <dgm:effectClrLst/>
+    <dgm:txLinClrLst/>
+    <dgm:txFillClrLst meth="repeat">
+      <a:schemeClr val="dk1"/>
+    </dgm:txFillClrLst>
+    <dgm:txEffectClrLst/>
+  </dgm:styleLbl>
+  <dgm:styleLbl name="alignAcc1">
+    <dgm:fillClrLst meth="repeat">
+      <a:schemeClr val="lt1">
+        <a:alpha val="90000"/>
+      </a:schemeClr>
+    </dgm:fillClrLst>
+    <dgm:linClrLst meth="repeat">
+      <a:schemeClr val="accent1"/>
+    </dgm:linClrLst>
+    <dgm:effectClrLst/>
+    <dgm:txLinClrLst/>
+    <dgm:txFillClrLst meth="repeat">
+      <a:schemeClr val="dk1"/>
+    </dgm:txFillClrLst>
+    <dgm:txEffectClrLst/>
+  </dgm:styleLbl>
+  <dgm:styleLbl name="trAlignAcc1">
+    <dgm:fillClrLst meth="repeat">
+      <a:schemeClr val="lt1">
+        <a:alpha val="40000"/>
+      </a:schemeClr>
+    </dgm:fillClrLst>
+    <dgm:linClrLst meth="repeat">
+      <a:schemeClr val="accent1"/>
+    </dgm:linClrLst>
+    <dgm:effectClrLst/>
+    <dgm:txLinClrLst/>
+    <dgm:txFillClrLst meth="repeat">
+      <a:schemeClr val="dk1"/>
+    </dgm:txFillClrLst>
+    <dgm:txEffectClrLst/>
+  </dgm:styleLbl>
+  <dgm:styleLbl name="bgAcc1">
+    <dgm:fillClrLst meth="repeat">
+      <a:schemeClr val="lt1">
+        <a:alpha val="90000"/>
+      </a:schemeClr>
+    </dgm:fillClrLst>
+    <dgm:linClrLst meth="repeat">
+      <a:schemeClr val="accent1"/>
+    </dgm:linClrLst>
+    <dgm:effectClrLst/>
+    <dgm:txLinClrLst/>
+    <dgm:txFillClrLst meth="repeat">
+      <a:schemeClr val="dk1"/>
+    </dgm:txFillClrLst>
+    <dgm:txEffectClrLst/>
+  </dgm:styleLbl>
+  <dgm:styleLbl name="solidFgAcc1">
+    <dgm:fillClrLst meth="repeat">
+      <a:schemeClr val="lt1"/>
+    </dgm:fillClrLst>
+    <dgm:linClrLst meth="repeat">
+      <a:schemeClr val="accent1"/>
+    </dgm:linClrLst>
+    <dgm:effectClrLst/>
+    <dgm:txLinClrLst/>
+    <dgm:txFillClrLst meth="repeat">
+      <a:schemeClr val="dk1"/>
+    </dgm:txFillClrLst>
+    <dgm:txEffectClrLst/>
+  </dgm:styleLbl>
+  <dgm:styleLbl name="solidAlignAcc1">
+    <dgm:fillClrLst meth="repeat">
+      <a:schemeClr val="lt1"/>
+    </dgm:fillClrLst>
+    <dgm:linClrLst meth="repeat">
+      <a:schemeClr val="accent1"/>
+    </dgm:linClrLst>
+    <dgm:effectClrLst/>
+    <dgm:txLinClrLst/>
+    <dgm:txFillClrLst meth="repeat">
+      <a:schemeClr val="dk1"/>
+    </dgm:txFillClrLst>
+    <dgm:txEffectClrLst/>
+  </dgm:styleLbl>
+  <dgm:styleLbl name="solidBgAcc1">
+    <dgm:fillClrLst meth="repeat">
+      <a:schemeClr val="lt1"/>
+    </dgm:fillClrLst>
+    <dgm:linClrLst meth="repeat">
+      <a:schemeClr val="accent1"/>
+    </dgm:linClrLst>
+    <dgm:effectClrLst/>
+    <dgm:txLinClrLst/>
+    <dgm:txFillClrLst meth="repeat">
+      <a:schemeClr val="dk1"/>
+    </dgm:txFillClrLst>
+    <dgm:txEffectClrLst/>
+  </dgm:styleLbl>
+  <dgm:styleLbl name="fgAccFollowNode1">
+    <dgm:fillClrLst meth="repeat">
+      <a:schemeClr val="accent1">
+        <a:alpha val="90000"/>
+        <a:tint val="40000"/>
+      </a:schemeClr>
+    </dgm:fillClrLst>
+    <dgm:linClrLst meth="repeat">
+      <a:schemeClr val="accent1">
+        <a:alpha val="90000"/>
+        <a:tint val="40000"/>
+      </a:schemeClr>
+    </dgm:linClrLst>
+    <dgm:effectClrLst/>
+    <dgm:txLinClrLst/>
+    <dgm:txFillClrLst meth="repeat">
+      <a:schemeClr val="dk1"/>
+    </dgm:txFillClrLst>
+    <dgm:txEffectClrLst/>
+  </dgm:styleLbl>
+  <dgm:styleLbl name="alignAccFollowNode1">
+    <dgm:fillClrLst meth="repeat">
+      <a:schemeClr val="accent1">
+        <a:alpha val="90000"/>
+        <a:tint val="40000"/>
+      </a:schemeClr>
+    </dgm:fillClrLst>
+    <dgm:linClrLst meth="repeat">
+      <a:schemeClr val="accent1">
+        <a:alpha val="90000"/>
+        <a:tint val="40000"/>
+      </a:schemeClr>
+    </dgm:linClrLst>
+    <dgm:effectClrLst/>
+    <dgm:txLinClrLst/>
+    <dgm:txFillClrLst meth="repeat">
+      <a:schemeClr val="dk1"/>
+    </dgm:txFillClrLst>
+    <dgm:txEffectClrLst/>
+  </dgm:styleLbl>
+  <dgm:styleLbl name="bgAccFollowNode1">
+    <dgm:fillClrLst meth="repeat">
+      <a:schemeClr val="accent1">
+        <a:alpha val="90000"/>
+        <a:tint val="40000"/>
+      </a:schemeClr>
+    </dgm:fillClrLst>
+    <dgm:linClrLst meth="repeat">
+      <a:schemeClr val="accent1">
+        <a:alpha val="90000"/>
+        <a:tint val="40000"/>
+      </a:schemeClr>
+    </dgm:linClrLst>
+    <dgm:effectClrLst/>
+    <dgm:txLinClrLst/>
+    <dgm:txFillClrLst meth="repeat">
+      <a:schemeClr val="dk1"/>
+    </dgm:txFillClrLst>
+    <dgm:txEffectClrLst/>
+  </dgm:styleLbl>
+  <dgm:styleLbl name="fgAcc0">
+    <dgm:fillClrLst meth="repeat">
+      <a:schemeClr val="lt1">
+        <a:alpha val="90000"/>
+      </a:schemeClr>
+    </dgm:fillClrLst>
+    <dgm:linClrLst meth="repeat">
+      <a:schemeClr val="accent1"/>
+    </dgm:linClrLst>
+    <dgm:effectClrLst/>
+    <dgm:txLinClrLst/>
+    <dgm:txFillClrLst meth="repeat">
+      <a:schemeClr val="dk1"/>
+    </dgm:txFillClrLst>
+    <dgm:txEffectClrLst/>
+  </dgm:styleLbl>
+  <dgm:styleLbl name="fgAcc2">
+    <dgm:fillClrLst meth="repeat">
+      <a:schemeClr val="lt1">
+        <a:alpha val="90000"/>
+      </a:schemeClr>
+    </dgm:fillClrLst>
+    <dgm:linClrLst meth="repeat">
+      <a:schemeClr val="accent1"/>
+    </dgm:linClrLst>
+    <dgm:effectClrLst/>
+    <dgm:txLinClrLst/>
+    <dgm:txFillClrLst meth="repeat">
+      <a:schemeClr val="dk1"/>
+    </dgm:txFillClrLst>
+    <dgm:txEffectClrLst/>
+  </dgm:styleLbl>
+  <dgm:styleLbl name="fgAcc3">
+    <dgm:fillClrLst meth="repeat">
+      <a:schemeClr val="lt1">
+        <a:alpha val="90000"/>
+      </a:schemeClr>
+    </dgm:fillClrLst>
+    <dgm:linClrLst meth="repeat">
+      <a:schemeClr val="accent1"/>
+    </dgm:linClrLst>
+    <dgm:effectClrLst/>
+    <dgm:txLinClrLst/>
+    <dgm:txFillClrLst meth="repeat">
+      <a:schemeClr val="dk1"/>
+    </dgm:txFillClrLst>
+    <dgm:txEffectClrLst/>
+  </dgm:styleLbl>
+  <dgm:styleLbl name="fgAcc4">
+    <dgm:fillClrLst meth="repeat">
+      <a:schemeClr val="lt1">
+        <a:alpha val="90000"/>
+      </a:schemeClr>
+    </dgm:fillClrLst>
+    <dgm:linClrLst meth="repeat">
+      <a:schemeClr val="accent1"/>
+    </dgm:linClrLst>
+    <dgm:effectClrLst/>
+    <dgm:txLinClrLst/>
+    <dgm:txFillClrLst meth="repeat">
+      <a:schemeClr val="dk1"/>
+    </dgm:txFillClrLst>
+    <dgm:txEffectClrLst/>
+  </dgm:styleLbl>
+  <dgm:styleLbl name="bgShp">
+    <dgm:fillClrLst meth="repeat">
+      <a:schemeClr val="accent1">
+        <a:tint val="40000"/>
+      </a:schemeClr>
+    </dgm:fillClrLst>
+    <dgm:linClrLst meth="repeat">
+      <a:schemeClr val="accent1"/>
+    </dgm:linClrLst>
+    <dgm:effectClrLst/>
+    <dgm:txLinClrLst/>
+    <dgm:txFillClrLst meth="repeat">
+      <a:schemeClr val="dk1"/>
+    </dgm:txFillClrLst>
+    <dgm:txEffectClrLst/>
+  </dgm:styleLbl>
+  <dgm:styleLbl name="dkBgShp">
+    <dgm:fillClrLst meth="repeat">
+      <a:schemeClr val="accent1">
+        <a:shade val="80000"/>
+      </a:schemeClr>
+    </dgm:fillClrLst>
+    <dgm:linClrLst meth="repeat">
+      <a:schemeClr val="accent1"/>
+    </dgm:linClrLst>
+    <dgm:effectClrLst/>
+    <dgm:txLinClrLst/>
+    <dgm:txFillClrLst meth="repeat">
+      <a:schemeClr val="lt1"/>
+    </dgm:txFillClrLst>
+    <dgm:txEffectClrLst/>
+  </dgm:styleLbl>
+  <dgm:styleLbl name="trBgShp">
+    <dgm:fillClrLst meth="repeat">
+      <a:schemeClr val="accent1">
+        <a:tint val="50000"/>
+        <a:alpha val="40000"/>
+      </a:schemeClr>
+    </dgm:fillClrLst>
+    <dgm:linClrLst meth="repeat">
+      <a:schemeClr val="accent1"/>
+    </dgm:linClrLst>
+    <dgm:effectClrLst/>
+    <dgm:txLinClrLst/>
+    <dgm:txFillClrLst meth="repeat">
+      <a:schemeClr val="lt1"/>
+    </dgm:txFillClrLst>
+    <dgm:txEffectClrLst/>
+  </dgm:styleLbl>
+  <dgm:styleLbl name="fgShp">
+    <dgm:fillClrLst meth="repeat">
+      <a:schemeClr val="accent1">
+        <a:tint val="60000"/>
+      </a:schemeClr>
+    </dgm:fillClrLst>
+    <dgm:linClrLst meth="repeat">
+      <a:schemeClr val="lt1"/>
+    </dgm:linClrLst>
+    <dgm:effectClrLst/>
+    <dgm:txLinClrLst/>
+    <dgm:txFillClrLst meth="repeat">
+      <a:schemeClr val="dk1"/>
+    </dgm:txFillClrLst>
+    <dgm:txEffectClrLst/>
+  </dgm:styleLbl>
+  <dgm:styleLbl name="revTx">
+    <dgm:fillClrLst meth="repeat">
+      <a:schemeClr val="lt1">
+        <a:alpha val="0"/>
+      </a:schemeClr>
+    </dgm:fillClrLst>
+    <dgm:linClrLst meth="repeat">
+      <a:schemeClr val="dk1">
+        <a:alpha val="0"/>
+      </a:schemeClr>
+    </dgm:linClrLst>
+    <dgm:effectClrLst/>
+    <dgm:txLinClrLst/>
+    <dgm:txFillClrLst meth="repeat">
+      <a:schemeClr val="tx1"/>
+    </dgm:txFillClrLst>
+    <dgm:txEffectClrLst/>
+  </dgm:styleLbl>
+</dgm:colorsDef>
+</file>
+
+<file path=ppt/diagrams/colors3.xml><?xml version="1.0" encoding="utf-8"?>
+<dgm:colorsDef xmlns:dgm="http://schemas.openxmlformats.org/drawingml/2006/diagram" xmlns:a="http://schemas.openxmlformats.org/drawingml/2006/main" uniqueId="urn:microsoft.com/office/officeart/2005/8/colors/accent1_2">
+  <dgm:title val=""/>
+  <dgm:desc val=""/>
+  <dgm:catLst>
+    <dgm:cat type="accent1" pri="11200"/>
+  </dgm:catLst>
+  <dgm:styleLbl name="node0">
+    <dgm:fillClrLst meth="repeat">
+      <a:schemeClr val="accent1"/>
+    </dgm:fillClrLst>
+    <dgm:linClrLst meth="repeat">
+      <a:schemeClr val="lt1"/>
+    </dgm:linClrLst>
+    <dgm:effectClrLst/>
+    <dgm:txLinClrLst/>
+    <dgm:txFillClrLst/>
+    <dgm:txEffectClrLst/>
+  </dgm:styleLbl>
+  <dgm:styleLbl name="alignNode1">
+    <dgm:fillClrLst meth="repeat">
+      <a:schemeClr val="accent1"/>
+    </dgm:fillClrLst>
+    <dgm:linClrLst meth="repeat">
+      <a:schemeClr val="accent1"/>
+    </dgm:linClrLst>
+    <dgm:effectClrLst/>
+    <dgm:txLinClrLst/>
+    <dgm:txFillClrLst/>
+    <dgm:txEffectClrLst/>
+  </dgm:styleLbl>
+  <dgm:styleLbl name="node1">
+    <dgm:fillClrLst meth="repeat">
+      <a:schemeClr val="accent1"/>
+    </dgm:fillClrLst>
+    <dgm:linClrLst meth="repeat">
+      <a:schemeClr val="lt1"/>
+    </dgm:linClrLst>
+    <dgm:effectClrLst/>
+    <dgm:txLinClrLst/>
+    <dgm:txFillClrLst/>
+    <dgm:txEffectClrLst/>
+  </dgm:styleLbl>
+  <dgm:styleLbl name="lnNode1">
+    <dgm:fillClrLst meth="repeat">
+      <a:schemeClr val="accent1"/>
+    </dgm:fillClrLst>
+    <dgm:linClrLst meth="repeat">
+      <a:schemeClr val="lt1"/>
+    </dgm:linClrLst>
+    <dgm:effectClrLst/>
+    <dgm:txLinClrLst/>
+    <dgm:txFillClrLst/>
+    <dgm:txEffectClrLst/>
+  </dgm:styleLbl>
+  <dgm:styleLbl name="vennNode1">
+    <dgm:fillClrLst meth="repeat">
+      <a:schemeClr val="accent1">
+        <a:alpha val="50000"/>
+      </a:schemeClr>
+    </dgm:fillClrLst>
+    <dgm:linClrLst meth="repeat">
+      <a:schemeClr val="lt1"/>
+    </dgm:linClrLst>
+    <dgm:effectClrLst/>
+    <dgm:txLinClrLst/>
+    <dgm:txFillClrLst/>
+    <dgm:txEffectClrLst/>
+  </dgm:styleLbl>
+  <dgm:styleLbl name="node2">
+    <dgm:fillClrLst meth="repeat">
+      <a:schemeClr val="accent1"/>
+    </dgm:fillClrLst>
+    <dgm:linClrLst meth="repeat">
+      <a:schemeClr val="lt1"/>
+    </dgm:linClrLst>
+    <dgm:effectClrLst/>
+    <dgm:txLinClrLst/>
+    <dgm:txFillClrLst/>
+    <dgm:txEffectClrLst/>
+  </dgm:styleLbl>
+  <dgm:styleLbl name="node3">
+    <dgm:fillClrLst meth="repeat">
+      <a:schemeClr val="accent1"/>
+    </dgm:fillClrLst>
+    <dgm:linClrLst meth="repeat">
+      <a:schemeClr val="lt1"/>
+    </dgm:linClrLst>
+    <dgm:effectClrLst/>
+    <dgm:txLinClrLst/>
+    <dgm:txFillClrLst/>
+    <dgm:txEffectClrLst/>
+  </dgm:styleLbl>
+  <dgm:styleLbl name="node4">
+    <dgm:fillClrLst meth="repeat">
+      <a:schemeClr val="accent1"/>
+    </dgm:fillClrLst>
+    <dgm:linClrLst meth="repeat">
+      <a:schemeClr val="lt1"/>
+    </dgm:linClrLst>
+    <dgm:effectClrLst/>
+    <dgm:txLinClrLst/>
+    <dgm:txFillClrLst/>
+    <dgm:txEffectClrLst/>
+  </dgm:styleLbl>
+  <dgm:styleLbl name="fgImgPlace1">
+    <dgm:fillClrLst meth="repeat">
+      <a:schemeClr val="accent1">
+        <a:tint val="50000"/>
+      </a:schemeClr>
+    </dgm:fillClrLst>
+    <dgm:linClrLst meth="repeat">
+      <a:schemeClr val="lt1"/>
+    </dgm:linClrLst>
+    <dgm:effectClrLst/>
+    <dgm:txLinClrLst/>
+    <dgm:txFillClrLst meth="repeat">
+      <a:schemeClr val="lt1"/>
+    </dgm:txFillClrLst>
+    <dgm:txEffectClrLst/>
+  </dgm:styleLbl>
+  <dgm:styleLbl name="alignImgPlace1">
+    <dgm:fillClrLst meth="repeat">
+      <a:schemeClr val="accent1">
+        <a:tint val="50000"/>
+      </a:schemeClr>
+    </dgm:fillClrLst>
+    <dgm:linClrLst meth="repeat">
+      <a:schemeClr val="lt1"/>
+    </dgm:linClrLst>
+    <dgm:effectClrLst/>
+    <dgm:txLinClrLst/>
+    <dgm:txFillClrLst meth="repeat">
+      <a:schemeClr val="lt1"/>
+    </dgm:txFillClrLst>
+    <dgm:txEffectClrLst/>
+  </dgm:styleLbl>
+  <dgm:styleLbl name="bgImgPlace1">
+    <dgm:fillClrLst meth="repeat">
+      <a:schemeClr val="accent1">
+        <a:tint val="50000"/>
+      </a:schemeClr>
+    </dgm:fillClrLst>
+    <dgm:linClrLst meth="repeat">
+      <a:schemeClr val="lt1"/>
+    </dgm:linClrLst>
+    <dgm:effectClrLst/>
+    <dgm:txLinClrLst/>
+    <dgm:txFillClrLst meth="repeat">
+      <a:schemeClr val="lt1"/>
+    </dgm:txFillClrLst>
+    <dgm:txEffectClrLst/>
+  </dgm:styleLbl>
+  <dgm:styleLbl name="sibTrans2D1">
+    <dgm:fillClrLst meth="repeat">
+      <a:schemeClr val="accent1">
+        <a:tint val="60000"/>
+      </a:schemeClr>
+    </dgm:fillClrLst>
+    <dgm:linClrLst meth="repeat">
+      <a:schemeClr val="accent1">
+        <a:tint val="60000"/>
+      </a:schemeClr>
+    </dgm:linClrLst>
+    <dgm:effectClrLst/>
+    <dgm:txLinClrLst/>
+    <dgm:txFillClrLst/>
+    <dgm:txEffectClrLst/>
+  </dgm:styleLbl>
+  <dgm:styleLbl name="fgSibTrans2D1">
+    <dgm:fillClrLst meth="repeat">
+      <a:schemeClr val="accent1">
+        <a:tint val="60000"/>
+      </a:schemeClr>
+    </dgm:fillClrLst>
+    <dgm:linClrLst meth="repeat">
+      <a:schemeClr val="accent1">
+        <a:tint val="60000"/>
+      </a:schemeClr>
+    </dgm:linClrLst>
+    <dgm:effectClrLst/>
+    <dgm:txLinClrLst/>
+    <dgm:txFillClrLst/>
+    <dgm:txEffectClrLst/>
+  </dgm:styleLbl>
+  <dgm:styleLbl name="bgSibTrans2D1">
+    <dgm:fillClrLst meth="repeat">
+      <a:schemeClr val="accent1">
+        <a:tint val="60000"/>
+      </a:schemeClr>
+    </dgm:fillClrLst>
+    <dgm:linClrLst meth="repeat">
+      <a:schemeClr val="accent1">
+        <a:tint val="60000"/>
+      </a:schemeClr>
+    </dgm:linClrLst>
+    <dgm:effectClrLst/>
+    <dgm:txLinClrLst/>
+    <dgm:txFillClrLst/>
+    <dgm:txEffectClrLst/>
+  </dgm:styleLbl>
+  <dgm:styleLbl name="sibTrans1D1">
+    <dgm:fillClrLst meth="repeat">
+      <a:schemeClr val="accent1"/>
+    </dgm:fillClrLst>
+    <dgm:linClrLst meth="repeat">
+      <a:schemeClr val="accent1"/>
+    </dgm:linClrLst>
+    <dgm:effectClrLst/>
+    <dgm:txLinClrLst/>
+    <dgm:txFillClrLst meth="repeat">
+      <a:schemeClr val="tx1"/>
+    </dgm:txFillClrLst>
+    <dgm:txEffectClrLst/>
+  </dgm:styleLbl>
+  <dgm:styleLbl name="callout">
+    <dgm:fillClrLst meth="repeat">
+      <a:schemeClr val="accent1"/>
+    </dgm:fillClrLst>
+    <dgm:linClrLst meth="repeat">
+      <a:schemeClr val="accent1">
+        <a:tint val="50000"/>
+      </a:schemeClr>
+    </dgm:linClrLst>
+    <dgm:effectClrLst/>
+    <dgm:txLinClrLst/>
+    <dgm:txFillClrLst meth="repeat">
+      <a:schemeClr val="tx1"/>
+    </dgm:txFillClrLst>
+    <dgm:txEffectClrLst/>
+  </dgm:styleLbl>
+  <dgm:styleLbl name="asst0">
+    <dgm:fillClrLst meth="repeat">
+      <a:schemeClr val="accent1"/>
+    </dgm:fillClrLst>
+    <dgm:linClrLst meth="repeat">
+      <a:schemeClr val="lt1"/>
+    </dgm:linClrLst>
+    <dgm:effectClrLst/>
+    <dgm:txLinClrLst/>
+    <dgm:txFillClrLst/>
+    <dgm:txEffectClrLst/>
+  </dgm:styleLbl>
+  <dgm:styleLbl name="asst1">
+    <dgm:fillClrLst meth="repeat">
+      <a:schemeClr val="accent1"/>
+    </dgm:fillClrLst>
+    <dgm:linClrLst meth="repeat">
+      <a:schemeClr val="lt1"/>
+    </dgm:linClrLst>
+    <dgm:effectClrLst/>
+    <dgm:txLinClrLst/>
+    <dgm:txFillClrLst/>
+    <dgm:txEffectClrLst/>
+  </dgm:styleLbl>
+  <dgm:styleLbl name="asst2">
+    <dgm:fillClrLst meth="repeat">
+      <a:schemeClr val="accent1"/>
+    </dgm:fillClrLst>
+    <dgm:linClrLst meth="repeat">
+      <a:schemeClr val="lt1"/>
+    </dgm:linClrLst>
+    <dgm:effectClrLst/>
+    <dgm:txLinClrLst/>
+    <dgm:txFillClrLst/>
+    <dgm:txEffectClrLst/>
+  </dgm:styleLbl>
+  <dgm:styleLbl name="asst3">
+    <dgm:fillClrLst meth="repeat">
+      <a:schemeClr val="accent1"/>
+    </dgm:fillClrLst>
+    <dgm:linClrLst meth="repeat">
+      <a:schemeClr val="lt1"/>
+    </dgm:linClrLst>
+    <dgm:effectClrLst/>
+    <dgm:txLinClrLst/>
+    <dgm:txFillClrLst/>
+    <dgm:txEffectClrLst/>
+  </dgm:styleLbl>
+  <dgm:styleLbl name="asst4">
+    <dgm:fillClrLst meth="repeat">
+      <a:schemeClr val="accent1"/>
+    </dgm:fillClrLst>
+    <dgm:linClrLst meth="repeat">
+      <a:schemeClr val="lt1"/>
+    </dgm:linClrLst>
+    <dgm:effectClrLst/>
+    <dgm:txLinClrLst/>
+    <dgm:txFillClrLst/>
+    <dgm:txEffectClrLst/>
+  </dgm:styleLbl>
+  <dgm:styleLbl name="parChTrans2D1">
+    <dgm:fillClrLst meth="repeat">
+      <a:schemeClr val="accent1">
+        <a:tint val="60000"/>
+      </a:schemeClr>
+    </dgm:fillClrLst>
+    <dgm:linClrLst meth="repeat">
+      <a:schemeClr val="accent1">
+        <a:tint val="60000"/>
+      </a:schemeClr>
+    </dgm:linClrLst>
+    <dgm:effectClrLst/>
+    <dgm:txLinClrLst/>
+    <dgm:txFillClrLst meth="repeat">
+      <a:schemeClr val="lt1"/>
+    </dgm:txFillClrLst>
+    <dgm:txEffectClrLst/>
+  </dgm:styleLbl>
+  <dgm:styleLbl name="parChTrans2D2">
+    <dgm:fillClrLst meth="repeat">
+      <a:schemeClr val="accent1"/>
+    </dgm:fillClrLst>
+    <dgm:linClrLst meth="repeat">
+      <a:schemeClr val="accent1"/>
+    </dgm:linClrLst>
+    <dgm:effectClrLst/>
+    <dgm:txLinClrLst/>
+    <dgm:txFillClrLst meth="repeat">
+      <a:schemeClr val="lt1"/>
+    </dgm:txFillClrLst>
+    <dgm:txEffectClrLst/>
+  </dgm:styleLbl>
+  <dgm:styleLbl name="parChTrans2D3">
+    <dgm:fillClrLst meth="repeat">
+      <a:schemeClr val="accent1"/>
+    </dgm:fillClrLst>
+    <dgm:linClrLst meth="repeat">
+      <a:schemeClr val="accent1"/>
+    </dgm:linClrLst>
+    <dgm:effectClrLst/>
+    <dgm:txLinClrLst/>
+    <dgm:txFillClrLst meth="repeat">
+      <a:schemeClr val="lt1"/>
+    </dgm:txFillClrLst>
+    <dgm:txEffectClrLst/>
+  </dgm:styleLbl>
+  <dgm:styleLbl name="parChTrans2D4">
+    <dgm:fillClrLst meth="repeat">
+      <a:schemeClr val="accent1"/>
+    </dgm:fillClrLst>
+    <dgm:linClrLst meth="repeat">
+      <a:schemeClr val="accent1"/>
+    </dgm:linClrLst>
+    <dgm:effectClrLst/>
+    <dgm:txLinClrLst/>
+    <dgm:txFillClrLst meth="repeat">
+      <a:schemeClr val="lt1"/>
+    </dgm:txFillClrLst>
+    <dgm:txEffectClrLst/>
+  </dgm:styleLbl>
+  <dgm:styleLbl name="parChTrans1D1">
+    <dgm:fillClrLst meth="repeat">
+      <a:schemeClr val="accent1"/>
+    </dgm:fillClrLst>
+    <dgm:linClrLst meth="repeat">
+      <a:schemeClr val="accent1">
+        <a:shade val="60000"/>
+      </a:schemeClr>
+    </dgm:linClrLst>
+    <dgm:effectClrLst/>
+    <dgm:txLinClrLst/>
+    <dgm:txFillClrLst meth="repeat">
+      <a:schemeClr val="tx1"/>
+    </dgm:txFillClrLst>
+    <dgm:txEffectClrLst/>
+  </dgm:styleLbl>
+  <dgm:styleLbl name="parChTrans1D2">
+    <dgm:fillClrLst meth="repeat">
+      <a:schemeClr val="accent1"/>
+    </dgm:fillClrLst>
+    <dgm:linClrLst meth="repeat">
+      <a:schemeClr val="accent1">
+        <a:shade val="60000"/>
+      </a:schemeClr>
+    </dgm:linClrLst>
+    <dgm:effectClrLst/>
+    <dgm:txLinClrLst/>
+    <dgm:txFillClrLst meth="repeat">
+      <a:schemeClr val="tx1"/>
+    </dgm:txFillClrLst>
+    <dgm:txEffectClrLst/>
+  </dgm:styleLbl>
+  <dgm:styleLbl name="parChTrans1D3">
+    <dgm:fillClrLst meth="repeat">
+      <a:schemeClr val="accent1"/>
+    </dgm:fillClrLst>
+    <dgm:linClrLst meth="repeat">
+      <a:schemeClr val="accent1">
+        <a:shade val="80000"/>
+      </a:schemeClr>
+    </dgm:linClrLst>
+    <dgm:effectClrLst/>
+    <dgm:txLinClrLst/>
+    <dgm:txFillClrLst meth="repeat">
+      <a:schemeClr val="tx1"/>
+    </dgm:txFillClrLst>
+    <dgm:txEffectClrLst/>
+  </dgm:styleLbl>
+  <dgm:styleLbl name="parChTrans1D4">
+    <dgm:fillClrLst meth="repeat">
+      <a:schemeClr val="accent1"/>
+    </dgm:fillClrLst>
+    <dgm:linClrLst meth="repeat">
+      <a:schemeClr val="accent1">
+        <a:shade val="80000"/>
+      </a:schemeClr>
+    </dgm:linClrLst>
+    <dgm:effectClrLst/>
+    <dgm:txLinClrLst/>
+    <dgm:txFillClrLst meth="repeat">
+      <a:schemeClr val="tx1"/>
+    </dgm:txFillClrLst>
+    <dgm:txEffectClrLst/>
+  </dgm:styleLbl>
+  <dgm:styleLbl name="fgAcc1">
+    <dgm:fillClrLst meth="repeat">
+      <a:schemeClr val="lt1">
+        <a:alpha val="90000"/>
+      </a:schemeClr>
+    </dgm:fillClrLst>
+    <dgm:linClrLst meth="repeat">
+      <a:schemeClr val="accent1"/>
+    </dgm:linClrLst>
+    <dgm:effectClrLst/>
+    <dgm:txLinClrLst/>
+    <dgm:txFillClrLst meth="repeat">
+      <a:schemeClr val="dk1"/>
+    </dgm:txFillClrLst>
+    <dgm:txEffectClrLst/>
+  </dgm:styleLbl>
+  <dgm:styleLbl name="conFgAcc1">
+    <dgm:fillClrLst meth="repeat">
+      <a:schemeClr val="lt1">
+        <a:alpha val="90000"/>
+      </a:schemeClr>
+    </dgm:fillClrLst>
+    <dgm:linClrLst meth="repeat">
+      <a:schemeClr val="accent1"/>
+    </dgm:linClrLst>
+    <dgm:effectClrLst/>
+    <dgm:txLinClrLst/>
+    <dgm:txFillClrLst meth="repeat">
+      <a:schemeClr val="dk1"/>
+    </dgm:txFillClrLst>
+    <dgm:txEffectClrLst/>
+  </dgm:styleLbl>
+  <dgm:styleLbl name="alignAcc1">
+    <dgm:fillClrLst meth="repeat">
+      <a:schemeClr val="lt1">
+        <a:alpha val="90000"/>
+      </a:schemeClr>
+    </dgm:fillClrLst>
+    <dgm:linClrLst meth="repeat">
+      <a:schemeClr val="accent1"/>
+    </dgm:linClrLst>
+    <dgm:effectClrLst/>
+    <dgm:txLinClrLst/>
+    <dgm:txFillClrLst meth="repeat">
+      <a:schemeClr val="dk1"/>
+    </dgm:txFillClrLst>
+    <dgm:txEffectClrLst/>
+  </dgm:styleLbl>
+  <dgm:styleLbl name="trAlignAcc1">
+    <dgm:fillClrLst meth="repeat">
+      <a:schemeClr val="lt1">
+        <a:alpha val="40000"/>
+      </a:schemeClr>
+    </dgm:fillClrLst>
+    <dgm:linClrLst meth="repeat">
+      <a:schemeClr val="accent1"/>
+    </dgm:linClrLst>
+    <dgm:effectClrLst/>
+    <dgm:txLinClrLst/>
+    <dgm:txFillClrLst meth="repeat">
+      <a:schemeClr val="dk1"/>
+    </dgm:txFillClrLst>
+    <dgm:txEffectClrLst/>
+  </dgm:styleLbl>
+  <dgm:styleLbl name="bgAcc1">
+    <dgm:fillClrLst meth="repeat">
+      <a:schemeClr val="lt1">
+        <a:alpha val="90000"/>
+      </a:schemeClr>
+    </dgm:fillClrLst>
+    <dgm:linClrLst meth="repeat">
+      <a:schemeClr val="accent1"/>
+    </dgm:linClrLst>
+    <dgm:effectClrLst/>
+    <dgm:txLinClrLst/>
+    <dgm:txFillClrLst meth="repeat">
+      <a:schemeClr val="dk1"/>
+    </dgm:txFillClrLst>
+    <dgm:txEffectClrLst/>
+  </dgm:styleLbl>
+  <dgm:styleLbl name="solidFgAcc1">
+    <dgm:fillClrLst meth="repeat">
+      <a:schemeClr val="lt1"/>
+    </dgm:fillClrLst>
+    <dgm:linClrLst meth="repeat">
+      <a:schemeClr val="accent1"/>
+    </dgm:linClrLst>
+    <dgm:effectClrLst/>
+    <dgm:txLinClrLst/>
+    <dgm:txFillClrLst meth="repeat">
+      <a:schemeClr val="dk1"/>
+    </dgm:txFillClrLst>
+    <dgm:txEffectClrLst/>
+  </dgm:styleLbl>
+  <dgm:styleLbl name="solidAlignAcc1">
+    <dgm:fillClrLst meth="repeat">
+      <a:schemeClr val="lt1"/>
+    </dgm:fillClrLst>
+    <dgm:linClrLst meth="repeat">
+      <a:schemeClr val="accent1"/>
+    </dgm:linClrLst>
+    <dgm:effectClrLst/>
+    <dgm:txLinClrLst/>
+    <dgm:txFillClrLst meth="repeat">
+      <a:schemeClr val="dk1"/>
+    </dgm:txFillClrLst>
+    <dgm:txEffectClrLst/>
+  </dgm:styleLbl>
+  <dgm:styleLbl name="solidBgAcc1">
+    <dgm:fillClrLst meth="repeat">
+      <a:schemeClr val="lt1"/>
+    </dgm:fillClrLst>
+    <dgm:linClrLst meth="repeat">
+      <a:schemeClr val="accent1"/>
+    </dgm:linClrLst>
+    <dgm:effectClrLst/>
+    <dgm:txLinClrLst/>
+    <dgm:txFillClrLst meth="repeat">
+      <a:schemeClr val="dk1"/>
+    </dgm:txFillClrLst>
+    <dgm:txEffectClrLst/>
+  </dgm:styleLbl>
+  <dgm:styleLbl name="fgAccFollowNode1">
+    <dgm:fillClrLst meth="repeat">
+      <a:schemeClr val="accent1">
+        <a:alpha val="90000"/>
+        <a:tint val="40000"/>
+      </a:schemeClr>
+    </dgm:fillClrLst>
+    <dgm:linClrLst meth="repeat">
+      <a:schemeClr val="accent1">
+        <a:alpha val="90000"/>
+        <a:tint val="40000"/>
+      </a:schemeClr>
+    </dgm:linClrLst>
+    <dgm:effectClrLst/>
+    <dgm:txLinClrLst/>
+    <dgm:txFillClrLst meth="repeat">
+      <a:schemeClr val="dk1"/>
+    </dgm:txFillClrLst>
+    <dgm:txEffectClrLst/>
+  </dgm:styleLbl>
+  <dgm:styleLbl name="alignAccFollowNode1">
+    <dgm:fillClrLst meth="repeat">
+      <a:schemeClr val="accent1">
+        <a:alpha val="90000"/>
+        <a:tint val="40000"/>
+      </a:schemeClr>
+    </dgm:fillClrLst>
+    <dgm:linClrLst meth="repeat">
+      <a:schemeClr val="accent1">
+        <a:alpha val="90000"/>
+        <a:tint val="40000"/>
+      </a:schemeClr>
+    </dgm:linClrLst>
+    <dgm:effectClrLst/>
+    <dgm:txLinClrLst/>
+    <dgm:txFillClrLst meth="repeat">
+      <a:schemeClr val="dk1"/>
+    </dgm:txFillClrLst>
+    <dgm:txEffectClrLst/>
+  </dgm:styleLbl>
+  <dgm:styleLbl name="bgAccFollowNode1">
+    <dgm:fillClrLst meth="repeat">
+      <a:schemeClr val="accent1">
+        <a:alpha val="90000"/>
+        <a:tint val="40000"/>
+      </a:schemeClr>
+    </dgm:fillClrLst>
+    <dgm:linClrLst meth="repeat">
+      <a:schemeClr val="accent1">
+        <a:alpha val="90000"/>
+        <a:tint val="40000"/>
+      </a:schemeClr>
+    </dgm:linClrLst>
+    <dgm:effectClrLst/>
+    <dgm:txLinClrLst/>
+    <dgm:txFillClrLst meth="repeat">
+      <a:schemeClr val="dk1"/>
+    </dgm:txFillClrLst>
+    <dgm:txEffectClrLst/>
+  </dgm:styleLbl>
+  <dgm:styleLbl name="fgAcc0">
+    <dgm:fillClrLst meth="repeat">
+      <a:schemeClr val="lt1">
+        <a:alpha val="90000"/>
+      </a:schemeClr>
+    </dgm:fillClrLst>
+    <dgm:linClrLst meth="repeat">
+      <a:schemeClr val="accent1"/>
+    </dgm:linClrLst>
+    <dgm:effectClrLst/>
+    <dgm:txLinClrLst/>
+    <dgm:txFillClrLst meth="repeat">
+      <a:schemeClr val="dk1"/>
+    </dgm:txFillClrLst>
+    <dgm:txEffectClrLst/>
+  </dgm:styleLbl>
+  <dgm:styleLbl name="fgAcc2">
+    <dgm:fillClrLst meth="repeat">
+      <a:schemeClr val="lt1">
+        <a:alpha val="90000"/>
+      </a:schemeClr>
+    </dgm:fillClrLst>
+    <dgm:linClrLst meth="repeat">
+      <a:schemeClr val="accent1"/>
+    </dgm:linClrLst>
+    <dgm:effectClrLst/>
+    <dgm:txLinClrLst/>
+    <dgm:txFillClrLst meth="repeat">
+      <a:schemeClr val="dk1"/>
+    </dgm:txFillClrLst>
+    <dgm:txEffectClrLst/>
+  </dgm:styleLbl>
+  <dgm:styleLbl name="fgAcc3">
+    <dgm:fillClrLst meth="repeat">
+      <a:schemeClr val="lt1">
+        <a:alpha val="90000"/>
+      </a:schemeClr>
+    </dgm:fillClrLst>
+    <dgm:linClrLst meth="repeat">
+      <a:schemeClr val="accent1"/>
+    </dgm:linClrLst>
+    <dgm:effectClrLst/>
+    <dgm:txLinClrLst/>
+    <dgm:txFillClrLst meth="repeat">
+      <a:schemeClr val="dk1"/>
+    </dgm:txFillClrLst>
+    <dgm:txEffectClrLst/>
+  </dgm:styleLbl>
+  <dgm:styleLbl name="fgAcc4">
+    <dgm:fillClrLst meth="repeat">
+      <a:schemeClr val="lt1">
+        <a:alpha val="90000"/>
+      </a:schemeClr>
+    </dgm:fillClrLst>
+    <dgm:linClrLst meth="repeat">
+      <a:schemeClr val="accent1"/>
+    </dgm:linClrLst>
+    <dgm:effectClrLst/>
+    <dgm:txLinClrLst/>
+    <dgm:txFillClrLst meth="repeat">
+      <a:schemeClr val="dk1"/>
+    </dgm:txFillClrLst>
+    <dgm:txEffectClrLst/>
+  </dgm:styleLbl>
+  <dgm:styleLbl name="bgShp">
+    <dgm:fillClrLst meth="repeat">
+      <a:schemeClr val="accent1">
+        <a:tint val="40000"/>
+      </a:schemeClr>
+    </dgm:fillClrLst>
+    <dgm:linClrLst meth="repeat">
+      <a:schemeClr val="accent1"/>
+    </dgm:linClrLst>
+    <dgm:effectClrLst/>
+    <dgm:txLinClrLst/>
+    <dgm:txFillClrLst meth="repeat">
+      <a:schemeClr val="dk1"/>
+    </dgm:txFillClrLst>
+    <dgm:txEffectClrLst/>
+  </dgm:styleLbl>
+  <dgm:styleLbl name="dkBgShp">
+    <dgm:fillClrLst meth="repeat">
+      <a:schemeClr val="accent1">
+        <a:shade val="80000"/>
+      </a:schemeClr>
+    </dgm:fillClrLst>
+    <dgm:linClrLst meth="repeat">
+      <a:schemeClr val="accent1"/>
+    </dgm:linClrLst>
+    <dgm:effectClrLst/>
+    <dgm:txLinClrLst/>
+    <dgm:txFillClrLst meth="repeat">
+      <a:schemeClr val="lt1"/>
+    </dgm:txFillClrLst>
+    <dgm:txEffectClrLst/>
+  </dgm:styleLbl>
+  <dgm:styleLbl name="trBgShp">
+    <dgm:fillClrLst meth="repeat">
+      <a:schemeClr val="accent1">
+        <a:tint val="50000"/>
+        <a:alpha val="40000"/>
+      </a:schemeClr>
+    </dgm:fillClrLst>
+    <dgm:linClrLst meth="repeat">
+      <a:schemeClr val="accent1"/>
+    </dgm:linClrLst>
+    <dgm:effectClrLst/>
+    <dgm:txLinClrLst/>
+    <dgm:txFillClrLst meth="repeat">
+      <a:schemeClr val="lt1"/>
+    </dgm:txFillClrLst>
+    <dgm:txEffectClrLst/>
+  </dgm:styleLbl>
+  <dgm:styleLbl name="fgShp">
+    <dgm:fillClrLst meth="repeat">
+      <a:schemeClr val="accent1">
+        <a:tint val="60000"/>
+      </a:schemeClr>
+    </dgm:fillClrLst>
+    <dgm:linClrLst meth="repeat">
+      <a:schemeClr val="lt1"/>
+    </dgm:linClrLst>
+    <dgm:effectClrLst/>
+    <dgm:txLinClrLst/>
+    <dgm:txFillClrLst meth="repeat">
+      <a:schemeClr val="dk1"/>
+    </dgm:txFillClrLst>
+    <dgm:txEffectClrLst/>
+  </dgm:styleLbl>
+  <dgm:styleLbl name="revTx">
+    <dgm:fillClrLst meth="repeat">
+      <a:schemeClr val="lt1">
+        <a:alpha val="0"/>
+      </a:schemeClr>
+    </dgm:fillClrLst>
+    <dgm:linClrLst meth="repeat">
+      <a:schemeClr val="dk1">
+        <a:alpha val="0"/>
+      </a:schemeClr>
+    </dgm:linClrLst>
+    <dgm:effectClrLst/>
+    <dgm:txLinClrLst/>
+    <dgm:txFillClrLst meth="repeat">
+      <a:schemeClr val="tx1"/>
+    </dgm:txFillClrLst>
+    <dgm:txEffectClrLst/>
+  </dgm:styleLbl>
+</dgm:colorsDef>
+</file>
+
+<file path=ppt/diagrams/colors4.xml><?xml version="1.0" encoding="utf-8"?>
+<dgm:colorsDef xmlns:dgm="http://schemas.openxmlformats.org/drawingml/2006/diagram" xmlns:a="http://schemas.openxmlformats.org/drawingml/2006/main" uniqueId="urn:microsoft.com/office/officeart/2005/8/colors/accent1_2">
+  <dgm:title val=""/>
+  <dgm:desc val=""/>
+  <dgm:catLst>
+    <dgm:cat type="accent1" pri="11200"/>
+  </dgm:catLst>
+  <dgm:styleLbl name="node0">
+    <dgm:fillClrLst meth="repeat">
+      <a:schemeClr val="accent1"/>
+    </dgm:fillClrLst>
+    <dgm:linClrLst meth="repeat">
+      <a:schemeClr val="lt1"/>
+    </dgm:linClrLst>
+    <dgm:effectClrLst/>
+    <dgm:txLinClrLst/>
+    <dgm:txFillClrLst/>
+    <dgm:txEffectClrLst/>
+  </dgm:styleLbl>
+  <dgm:styleLbl name="alignNode1">
+    <dgm:fillClrLst meth="repeat">
+      <a:schemeClr val="accent1"/>
+    </dgm:fillClrLst>
+    <dgm:linClrLst meth="repeat">
+      <a:schemeClr val="accent1"/>
+    </dgm:linClrLst>
+    <dgm:effectClrLst/>
+    <dgm:txLinClrLst/>
+    <dgm:txFillClrLst/>
+    <dgm:txEffectClrLst/>
+  </dgm:styleLbl>
+  <dgm:styleLbl name="node1">
+    <dgm:fillClrLst meth="repeat">
+      <a:schemeClr val="accent1"/>
+    </dgm:fillClrLst>
+    <dgm:linClrLst meth="repeat">
+      <a:schemeClr val="lt1"/>
+    </dgm:linClrLst>
+    <dgm:effectClrLst/>
+    <dgm:txLinClrLst/>
+    <dgm:txFillClrLst/>
+    <dgm:txEffectClrLst/>
+  </dgm:styleLbl>
+  <dgm:styleLbl name="lnNode1">
+    <dgm:fillClrLst meth="repeat">
+      <a:schemeClr val="accent1"/>
+    </dgm:fillClrLst>
+    <dgm:linClrLst meth="repeat">
+      <a:schemeClr val="lt1"/>
+    </dgm:linClrLst>
+    <dgm:effectClrLst/>
+    <dgm:txLinClrLst/>
+    <dgm:txFillClrLst/>
+    <dgm:txEffectClrLst/>
+  </dgm:styleLbl>
+  <dgm:styleLbl name="vennNode1">
+    <dgm:fillClrLst meth="repeat">
+      <a:schemeClr val="accent1">
+        <a:alpha val="50000"/>
+      </a:schemeClr>
+    </dgm:fillClrLst>
+    <dgm:linClrLst meth="repeat">
+      <a:schemeClr val="lt1"/>
+    </dgm:linClrLst>
+    <dgm:effectClrLst/>
+    <dgm:txLinClrLst/>
+    <dgm:txFillClrLst/>
+    <dgm:txEffectClrLst/>
+  </dgm:styleLbl>
+  <dgm:styleLbl name="node2">
+    <dgm:fillClrLst meth="repeat">
+      <a:schemeClr val="accent1"/>
+    </dgm:fillClrLst>
+    <dgm:linClrLst meth="repeat">
+      <a:schemeClr val="lt1"/>
+    </dgm:linClrLst>
+    <dgm:effectClrLst/>
+    <dgm:txLinClrLst/>
+    <dgm:txFillClrLst/>
+    <dgm:txEffectClrLst/>
+  </dgm:styleLbl>
+  <dgm:styleLbl name="node3">
+    <dgm:fillClrLst meth="repeat">
+      <a:schemeClr val="accent1"/>
+    </dgm:fillClrLst>
+    <dgm:linClrLst meth="repeat">
+      <a:schemeClr val="lt1"/>
+    </dgm:linClrLst>
+    <dgm:effectClrLst/>
+    <dgm:txLinClrLst/>
+    <dgm:txFillClrLst/>
+    <dgm:txEffectClrLst/>
+  </dgm:styleLbl>
+  <dgm:styleLbl name="node4">
+    <dgm:fillClrLst meth="repeat">
+      <a:schemeClr val="accent1"/>
+    </dgm:fillClrLst>
+    <dgm:linClrLst meth="repeat">
+      <a:schemeClr val="lt1"/>
+    </dgm:linClrLst>
+    <dgm:effectClrLst/>
+    <dgm:txLinClrLst/>
+    <dgm:txFillClrLst/>
+    <dgm:txEffectClrLst/>
+  </dgm:styleLbl>
+  <dgm:styleLbl name="fgImgPlace1">
+    <dgm:fillClrLst meth="repeat">
+      <a:schemeClr val="accent1">
+        <a:tint val="50000"/>
+      </a:schemeClr>
+    </dgm:fillClrLst>
+    <dgm:linClrLst meth="repeat">
+      <a:schemeClr val="lt1"/>
+    </dgm:linClrLst>
+    <dgm:effectClrLst/>
+    <dgm:txLinClrLst/>
+    <dgm:txFillClrLst meth="repeat">
+      <a:schemeClr val="lt1"/>
+    </dgm:txFillClrLst>
+    <dgm:txEffectClrLst/>
+  </dgm:styleLbl>
+  <dgm:styleLbl name="alignImgPlace1">
+    <dgm:fillClrLst meth="repeat">
+      <a:schemeClr val="accent1">
+        <a:tint val="50000"/>
+      </a:schemeClr>
+    </dgm:fillClrLst>
+    <dgm:linClrLst meth="repeat">
+      <a:schemeClr val="lt1"/>
+    </dgm:linClrLst>
+    <dgm:effectClrLst/>
+    <dgm:txLinClrLst/>
+    <dgm:txFillClrLst meth="repeat">
+      <a:schemeClr val="lt1"/>
+    </dgm:txFillClrLst>
+    <dgm:txEffectClrLst/>
+  </dgm:styleLbl>
+  <dgm:styleLbl name="bgImgPlace1">
+    <dgm:fillClrLst meth="repeat">
+      <a:schemeClr val="accent1">
+        <a:tint val="50000"/>
+      </a:schemeClr>
+    </dgm:fillClrLst>
+    <dgm:linClrLst meth="repeat">
+      <a:schemeClr val="lt1"/>
+    </dgm:linClrLst>
+    <dgm:effectClrLst/>
+    <dgm:txLinClrLst/>
+    <dgm:txFillClrLst meth="repeat">
+      <a:schemeClr val="lt1"/>
+    </dgm:txFillClrLst>
+    <dgm:txEffectClrLst/>
+  </dgm:styleLbl>
+  <dgm:styleLbl name="sibTrans2D1">
+    <dgm:fillClrLst meth="repeat">
+      <a:schemeClr val="accent1">
+        <a:tint val="60000"/>
+      </a:schemeClr>
+    </dgm:fillClrLst>
+    <dgm:linClrLst meth="repeat">
+      <a:schemeClr val="accent1">
+        <a:tint val="60000"/>
+      </a:schemeClr>
+    </dgm:linClrLst>
+    <dgm:effectClrLst/>
+    <dgm:txLinClrLst/>
+    <dgm:txFillClrLst/>
+    <dgm:txEffectClrLst/>
+  </dgm:styleLbl>
+  <dgm:styleLbl name="fgSibTrans2D1">
+    <dgm:fillClrLst meth="repeat">
+      <a:schemeClr val="accent1">
+        <a:tint val="60000"/>
+      </a:schemeClr>
+    </dgm:fillClrLst>
+    <dgm:linClrLst meth="repeat">
+      <a:schemeClr val="accent1">
+        <a:tint val="60000"/>
+      </a:schemeClr>
+    </dgm:linClrLst>
+    <dgm:effectClrLst/>
+    <dgm:txLinClrLst/>
+    <dgm:txFillClrLst/>
+    <dgm:txEffectClrLst/>
+  </dgm:styleLbl>
+  <dgm:styleLbl name="bgSibTrans2D1">
+    <dgm:fillClrLst meth="repeat">
+      <a:schemeClr val="accent1">
+        <a:tint val="60000"/>
+      </a:schemeClr>
+    </dgm:fillClrLst>
+    <dgm:linClrLst meth="repeat">
+      <a:schemeClr val="accent1">
+        <a:tint val="60000"/>
+      </a:schemeClr>
+    </dgm:linClrLst>
+    <dgm:effectClrLst/>
+    <dgm:txLinClrLst/>
+    <dgm:txFillClrLst/>
+    <dgm:txEffectClrLst/>
+  </dgm:styleLbl>
+  <dgm:styleLbl name="sibTrans1D1">
+    <dgm:fillClrLst meth="repeat">
+      <a:schemeClr val="accent1"/>
+    </dgm:fillClrLst>
+    <dgm:linClrLst meth="repeat">
+      <a:schemeClr val="accent1"/>
+    </dgm:linClrLst>
+    <dgm:effectClrLst/>
+    <dgm:txLinClrLst/>
+    <dgm:txFillClrLst meth="repeat">
+      <a:schemeClr val="tx1"/>
+    </dgm:txFillClrLst>
+    <dgm:txEffectClrLst/>
+  </dgm:styleLbl>
+  <dgm:styleLbl name="callout">
+    <dgm:fillClrLst meth="repeat">
+      <a:schemeClr val="accent1"/>
+    </dgm:fillClrLst>
+    <dgm:linClrLst meth="repeat">
+      <a:schemeClr val="accent1">
+        <a:tint val="50000"/>
+      </a:schemeClr>
+    </dgm:linClrLst>
+    <dgm:effectClrLst/>
+    <dgm:txLinClrLst/>
+    <dgm:txFillClrLst meth="repeat">
+      <a:schemeClr val="tx1"/>
+    </dgm:txFillClrLst>
+    <dgm:txEffectClrLst/>
+  </dgm:styleLbl>
+  <dgm:styleLbl name="asst0">
+    <dgm:fillClrLst meth="repeat">
+      <a:schemeClr val="accent1"/>
+    </dgm:fillClrLst>
+    <dgm:linClrLst meth="repeat">
+      <a:schemeClr val="lt1"/>
+    </dgm:linClrLst>
+    <dgm:effectClrLst/>
+    <dgm:txLinClrLst/>
+    <dgm:txFillClrLst/>
+    <dgm:txEffectClrLst/>
+  </dgm:styleLbl>
+  <dgm:styleLbl name="asst1">
+    <dgm:fillClrLst meth="repeat">
+      <a:schemeClr val="accent1"/>
+    </dgm:fillClrLst>
+    <dgm:linClrLst meth="repeat">
+      <a:schemeClr val="lt1"/>
+    </dgm:linClrLst>
+    <dgm:effectClrLst/>
+    <dgm:txLinClrLst/>
+    <dgm:txFillClrLst/>
+    <dgm:txEffectClrLst/>
+  </dgm:styleLbl>
+  <dgm:styleLbl name="asst2">
+    <dgm:fillClrLst meth="repeat">
+      <a:schemeClr val="accent1"/>
+    </dgm:fillClrLst>
+    <dgm:linClrLst meth="repeat">
+      <a:schemeClr val="lt1"/>
+    </dgm:linClrLst>
+    <dgm:effectClrLst/>
+    <dgm:txLinClrLst/>
+    <dgm:txFillClrLst/>
+    <dgm:txEffectClrLst/>
+  </dgm:styleLbl>
+  <dgm:styleLbl name="asst3">
+    <dgm:fillClrLst meth="repeat">
+      <a:schemeClr val="accent1"/>
+    </dgm:fillClrLst>
+    <dgm:linClrLst meth="repeat">
+      <a:schemeClr val="lt1"/>
+    </dgm:linClrLst>
+    <dgm:effectClrLst/>
+    <dgm:txLinClrLst/>
+    <dgm:txFillClrLst/>
+    <dgm:txEffectClrLst/>
+  </dgm:styleLbl>
+  <dgm:styleLbl name="asst4">
+    <dgm:fillClrLst meth="repeat">
+      <a:schemeClr val="accent1"/>
+    </dgm:fillClrLst>
+    <dgm:linClrLst meth="repeat">
+      <a:schemeClr val="lt1"/>
+    </dgm:linClrLst>
+    <dgm:effectClrLst/>
+    <dgm:txLinClrLst/>
+    <dgm:txFillClrLst/>
+    <dgm:txEffectClrLst/>
+  </dgm:styleLbl>
+  <dgm:styleLbl name="parChTrans2D1">
+    <dgm:fillClrLst meth="repeat">
+      <a:schemeClr val="accent1">
+        <a:tint val="60000"/>
+      </a:schemeClr>
+    </dgm:fillClrLst>
+    <dgm:linClrLst meth="repeat">
+      <a:schemeClr val="accent1">
+        <a:tint val="60000"/>
+      </a:schemeClr>
+    </dgm:linClrLst>
+    <dgm:effectClrLst/>
+    <dgm:txLinClrLst/>
+    <dgm:txFillClrLst meth="repeat">
+      <a:schemeClr val="lt1"/>
+    </dgm:txFillClrLst>
+    <dgm:txEffectClrLst/>
+  </dgm:styleLbl>
+  <dgm:styleLbl name="parChTrans2D2">
+    <dgm:fillClrLst meth="repeat">
+      <a:schemeClr val="accent1"/>
+    </dgm:fillClrLst>
+    <dgm:linClrLst meth="repeat">
+      <a:schemeClr val="accent1"/>
+    </dgm:linClrLst>
+    <dgm:effectClrLst/>
+    <dgm:txLinClrLst/>
+    <dgm:txFillClrLst meth="repeat">
+      <a:schemeClr val="lt1"/>
+    </dgm:txFillClrLst>
+    <dgm:txEffectClrLst/>
+  </dgm:styleLbl>
+  <dgm:styleLbl name="parChTrans2D3">
+    <dgm:fillClrLst meth="repeat">
+      <a:schemeClr val="accent1"/>
+    </dgm:fillClrLst>
+    <dgm:linClrLst meth="repeat">
+      <a:schemeClr val="accent1"/>
+    </dgm:linClrLst>
+    <dgm:effectClrLst/>
+    <dgm:txLinClrLst/>
+    <dgm:txFillClrLst meth="repeat">
+      <a:schemeClr val="lt1"/>
+    </dgm:txFillClrLst>
+    <dgm:txEffectClrLst/>
+  </dgm:styleLbl>
+  <dgm:styleLbl name="parChTrans2D4">
+    <dgm:fillClrLst meth="repeat">
+      <a:schemeClr val="accent1"/>
+    </dgm:fillClrLst>
+    <dgm:linClrLst meth="repeat">
+      <a:schemeClr val="accent1"/>
+    </dgm:linClrLst>
+    <dgm:effectClrLst/>
+    <dgm:txLinClrLst/>
+    <dgm:txFillClrLst meth="repeat">
+      <a:schemeClr val="lt1"/>
+    </dgm:txFillClrLst>
+    <dgm:txEffectClrLst/>
+  </dgm:styleLbl>
+  <dgm:styleLbl name="parChTrans1D1">
+    <dgm:fillClrLst meth="repeat">
+      <a:schemeClr val="accent1"/>
+    </dgm:fillClrLst>
+    <dgm:linClrLst meth="repeat">
+      <a:schemeClr val="accent1">
+        <a:shade val="60000"/>
+      </a:schemeClr>
+    </dgm:linClrLst>
+    <dgm:effectClrLst/>
+    <dgm:txLinClrLst/>
+    <dgm:txFillClrLst meth="repeat">
+      <a:schemeClr val="tx1"/>
+    </dgm:txFillClrLst>
+    <dgm:txEffectClrLst/>
+  </dgm:styleLbl>
+  <dgm:styleLbl name="parChTrans1D2">
+    <dgm:fillClrLst meth="repeat">
+      <a:schemeClr val="accent1"/>
+    </dgm:fillClrLst>
+    <dgm:linClrLst meth="repeat">
+      <a:schemeClr val="accent1">
+        <a:shade val="60000"/>
+      </a:schemeClr>
+    </dgm:linClrLst>
+    <dgm:effectClrLst/>
+    <dgm:txLinClrLst/>
+    <dgm:txFillClrLst meth="repeat">
+      <a:schemeClr val="tx1"/>
+    </dgm:txFillClrLst>
+    <dgm:txEffectClrLst/>
+  </dgm:styleLbl>
+  <dgm:styleLbl name="parChTrans1D3">
+    <dgm:fillClrLst meth="repeat">
+      <a:schemeClr val="accent1"/>
+    </dgm:fillClrLst>
+    <dgm:linClrLst meth="repeat">
+      <a:schemeClr val="accent1">
+        <a:shade val="80000"/>
+      </a:schemeClr>
+    </dgm:linClrLst>
+    <dgm:effectClrLst/>
+    <dgm:txLinClrLst/>
+    <dgm:txFillClrLst meth="repeat">
+      <a:schemeClr val="tx1"/>
+    </dgm:txFillClrLst>
+    <dgm:txEffectClrLst/>
+  </dgm:styleLbl>
+  <dgm:styleLbl name="parChTrans1D4">
+    <dgm:fillClrLst meth="repeat">
+      <a:schemeClr val="accent1"/>
+    </dgm:fillClrLst>
+    <dgm:linClrLst meth="repeat">
+      <a:schemeClr val="accent1">
+        <a:shade val="80000"/>
+      </a:schemeClr>
+    </dgm:linClrLst>
+    <dgm:effectClrLst/>
+    <dgm:txLinClrLst/>
+    <dgm:txFillClrLst meth="repeat">
+      <a:schemeClr val="tx1"/>
+    </dgm:txFillClrLst>
+    <dgm:txEffectClrLst/>
+  </dgm:styleLbl>
+  <dgm:styleLbl name="fgAcc1">
+    <dgm:fillClrLst meth="repeat">
+      <a:schemeClr val="lt1">
+        <a:alpha val="90000"/>
+      </a:schemeClr>
+    </dgm:fillClrLst>
+    <dgm:linClrLst meth="repeat">
+      <a:schemeClr val="accent1"/>
+    </dgm:linClrLst>
+    <dgm:effectClrLst/>
+    <dgm:txLinClrLst/>
+    <dgm:txFillClrLst meth="repeat">
+      <a:schemeClr val="dk1"/>
+    </dgm:txFillClrLst>
+    <dgm:txEffectClrLst/>
+  </dgm:styleLbl>
+  <dgm:styleLbl name="conFgAcc1">
+    <dgm:fillClrLst meth="repeat">
+      <a:schemeClr val="lt1">
+        <a:alpha val="90000"/>
+      </a:schemeClr>
+    </dgm:fillClrLst>
+    <dgm:linClrLst meth="repeat">
+      <a:schemeClr val="accent1"/>
+    </dgm:linClrLst>
+    <dgm:effectClrLst/>
+    <dgm:txLinClrLst/>
+    <dgm:txFillClrLst meth="repeat">
+      <a:schemeClr val="dk1"/>
+    </dgm:txFillClrLst>
+    <dgm:txEffectClrLst/>
+  </dgm:styleLbl>
+  <dgm:styleLbl name="alignAcc1">
+    <dgm:fillClrLst meth="repeat">
+      <a:schemeClr val="lt1">
+        <a:alpha val="90000"/>
+      </a:schemeClr>
+    </dgm:fillClrLst>
+    <dgm:linClrLst meth="repeat">
+      <a:schemeClr val="accent1"/>
+    </dgm:linClrLst>
+    <dgm:effectClrLst/>
+    <dgm:txLinClrLst/>
+    <dgm:txFillClrLst meth="repeat">
+      <a:schemeClr val="dk1"/>
+    </dgm:txFillClrLst>
+    <dgm:txEffectClrLst/>
+  </dgm:styleLbl>
+  <dgm:styleLbl name="trAlignAcc1">
+    <dgm:fillClrLst meth="repeat">
+      <a:schemeClr val="lt1">
+        <a:alpha val="40000"/>
+      </a:schemeClr>
+    </dgm:fillClrLst>
+    <dgm:linClrLst meth="repeat">
+      <a:schemeClr val="accent1"/>
+    </dgm:linClrLst>
+    <dgm:effectClrLst/>
+    <dgm:txLinClrLst/>
+    <dgm:txFillClrLst meth="repeat">
+      <a:schemeClr val="dk1"/>
+    </dgm:txFillClrLst>
+    <dgm:txEffectClrLst/>
+  </dgm:styleLbl>
+  <dgm:styleLbl name="bgAcc1">
+    <dgm:fillClrLst meth="repeat">
+      <a:schemeClr val="lt1">
+        <a:alpha val="90000"/>
+      </a:schemeClr>
+    </dgm:fillClrLst>
+    <dgm:linClrLst meth="repeat">
+      <a:schemeClr val="accent1"/>
+    </dgm:linClrLst>
+    <dgm:effectClrLst/>
+    <dgm:txLinClrLst/>
+    <dgm:txFillClrLst meth="repeat">
+      <a:schemeClr val="dk1"/>
+    </dgm:txFillClrLst>
+    <dgm:txEffectClrLst/>
+  </dgm:styleLbl>
+  <dgm:styleLbl name="solidFgAcc1">
+    <dgm:fillClrLst meth="repeat">
+      <a:schemeClr val="lt1"/>
+    </dgm:fillClrLst>
+    <dgm:linClrLst meth="repeat">
+      <a:schemeClr val="accent1"/>
+    </dgm:linClrLst>
+    <dgm:effectClrLst/>
+    <dgm:txLinClrLst/>
+    <dgm:txFillClrLst meth="repeat">
+      <a:schemeClr val="dk1"/>
+    </dgm:txFillClrLst>
+    <dgm:txEffectClrLst/>
+  </dgm:styleLbl>
+  <dgm:styleLbl name="solidAlignAcc1">
+    <dgm:fillClrLst meth="repeat">
+      <a:schemeClr val="lt1"/>
+    </dgm:fillClrLst>
+    <dgm:linClrLst meth="repeat">
+      <a:schemeClr val="accent1"/>
+    </dgm:linClrLst>
+    <dgm:effectClrLst/>
+    <dgm:txLinClrLst/>
+    <dgm:txFillClrLst meth="repeat">
+      <a:schemeClr val="dk1"/>
+    </dgm:txFillClrLst>
+    <dgm:txEffectClrLst/>
+  </dgm:styleLbl>
+  <dgm:styleLbl name="solidBgAcc1">
+    <dgm:fillClrLst meth="repeat">
+      <a:schemeClr val="lt1"/>
+    </dgm:fillClrLst>
+    <dgm:linClrLst meth="repeat">
+      <a:schemeClr val="accent1"/>
+    </dgm:linClrLst>
+    <dgm:effectClrLst/>
+    <dgm:txLinClrLst/>
+    <dgm:txFillClrLst meth="repeat">
+      <a:schemeClr val="dk1"/>
+    </dgm:txFillClrLst>
+    <dgm:txEffectClrLst/>
+  </dgm:styleLbl>
+  <dgm:styleLbl name="fgAccFollowNode1">
+    <dgm:fillClrLst meth="repeat">
+      <a:schemeClr val="accent1">
+        <a:alpha val="90000"/>
+        <a:tint val="40000"/>
+      </a:schemeClr>
+    </dgm:fillClrLst>
+    <dgm:linClrLst meth="repeat">
+      <a:schemeClr val="accent1">
+        <a:alpha val="90000"/>
+        <a:tint val="40000"/>
+      </a:schemeClr>
+    </dgm:linClrLst>
+    <dgm:effectClrLst/>
+    <dgm:txLinClrLst/>
+    <dgm:txFillClrLst meth="repeat">
+      <a:schemeClr val="dk1"/>
+    </dgm:txFillClrLst>
+    <dgm:txEffectClrLst/>
+  </dgm:styleLbl>
+  <dgm:styleLbl name="alignAccFollowNode1">
+    <dgm:fillClrLst meth="repeat">
+      <a:schemeClr val="accent1">
+        <a:alpha val="90000"/>
+        <a:tint val="40000"/>
+      </a:schemeClr>
+    </dgm:fillClrLst>
+    <dgm:linClrLst meth="repeat">
+      <a:schemeClr val="accent1">
+        <a:alpha val="90000"/>
+        <a:tint val="40000"/>
+      </a:schemeClr>
+    </dgm:linClrLst>
+    <dgm:effectClrLst/>
+    <dgm:txLinClrLst/>
+    <dgm:txFillClrLst meth="repeat">
+      <a:schemeClr val="dk1"/>
+    </dgm:txFillClrLst>
+    <dgm:txEffectClrLst/>
+  </dgm:styleLbl>
+  <dgm:styleLbl name="bgAccFollowNode1">
+    <dgm:fillClrLst meth="repeat">
+      <a:schemeClr val="accent1">
+        <a:alpha val="90000"/>
+        <a:tint val="40000"/>
+      </a:schemeClr>
+    </dgm:fillClrLst>
+    <dgm:linClrLst meth="repeat">
+      <a:schemeClr val="accent1">
+        <a:alpha val="90000"/>
+        <a:tint val="40000"/>
+      </a:schemeClr>
+    </dgm:linClrLst>
+    <dgm:effectClrLst/>
+    <dgm:txLinClrLst/>
+    <dgm:txFillClrLst meth="repeat">
+      <a:schemeClr val="dk1"/>
+    </dgm:txFillClrLst>
+    <dgm:txEffectClrLst/>
+  </dgm:styleLbl>
+  <dgm:styleLbl name="fgAcc0">
+    <dgm:fillClrLst meth="repeat">
+      <a:schemeClr val="lt1">
+        <a:alpha val="90000"/>
+      </a:schemeClr>
+    </dgm:fillClrLst>
+    <dgm:linClrLst meth="repeat">
+      <a:schemeClr val="accent1"/>
+    </dgm:linClrLst>
+    <dgm:effectClrLst/>
+    <dgm:txLinClrLst/>
+    <dgm:txFillClrLst meth="repeat">
+      <a:schemeClr val="dk1"/>
+    </dgm:txFillClrLst>
+    <dgm:txEffectClrLst/>
+  </dgm:styleLbl>
+  <dgm:styleLbl name="fgAcc2">
+    <dgm:fillClrLst meth="repeat">
+      <a:schemeClr val="lt1">
+        <a:alpha val="90000"/>
+      </a:schemeClr>
+    </dgm:fillClrLst>
+    <dgm:linClrLst meth="repeat">
+      <a:schemeClr val="accent1"/>
+    </dgm:linClrLst>
+    <dgm:effectClrLst/>
+    <dgm:txLinClrLst/>
+    <dgm:txFillClrLst meth="repeat">
+      <a:schemeClr val="dk1"/>
+    </dgm:txFillClrLst>
+    <dgm:txEffectClrLst/>
+  </dgm:styleLbl>
+  <dgm:styleLbl name="fgAcc3">
+    <dgm:fillClrLst meth="repeat">
+      <a:schemeClr val="lt1">
+        <a:alpha val="90000"/>
+      </a:schemeClr>
+    </dgm:fillClrLst>
+    <dgm:linClrLst meth="repeat">
+      <a:schemeClr val="accent1"/>
+    </dgm:linClrLst>
+    <dgm:effectClrLst/>
+    <dgm:txLinClrLst/>
+    <dgm:txFillClrLst meth="repeat">
+      <a:schemeClr val="dk1"/>
+    </dgm:txFillClrLst>
+    <dgm:txEffectClrLst/>
+  </dgm:styleLbl>
+  <dgm:styleLbl name="fgAcc4">
+    <dgm:fillClrLst meth="repeat">
+      <a:schemeClr val="lt1">
+        <a:alpha val="90000"/>
+      </a:schemeClr>
+    </dgm:fillClrLst>
+    <dgm:linClrLst meth="repeat">
+      <a:schemeClr val="accent1"/>
+    </dgm:linClrLst>
+    <dgm:effectClrLst/>
+    <dgm:txLinClrLst/>
+    <dgm:txFillClrLst meth="repeat">
+      <a:schemeClr val="dk1"/>
+    </dgm:txFillClrLst>
+    <dgm:txEffectClrLst/>
+  </dgm:styleLbl>
+  <dgm:styleLbl name="bgShp">
+    <dgm:fillClrLst meth="repeat">
+      <a:schemeClr val="accent1">
+        <a:tint val="40000"/>
+      </a:schemeClr>
+    </dgm:fillClrLst>
+    <dgm:linClrLst meth="repeat">
+      <a:schemeClr val="accent1"/>
+    </dgm:linClrLst>
+    <dgm:effectClrLst/>
+    <dgm:txLinClrLst/>
+    <dgm:txFillClrLst meth="repeat">
+      <a:schemeClr val="dk1"/>
+    </dgm:txFillClrLst>
+    <dgm:txEffectClrLst/>
+  </dgm:styleLbl>
+  <dgm:styleLbl name="dkBgShp">
+    <dgm:fillClrLst meth="repeat">
+      <a:schemeClr val="accent1">
+        <a:shade val="80000"/>
+      </a:schemeClr>
+    </dgm:fillClrLst>
+    <dgm:linClrLst meth="repeat">
+      <a:schemeClr val="accent1"/>
+    </dgm:linClrLst>
+    <dgm:effectClrLst/>
+    <dgm:txLinClrLst/>
+    <dgm:txFillClrLst meth="repeat">
+      <a:schemeClr val="lt1"/>
+    </dgm:txFillClrLst>
+    <dgm:txEffectClrLst/>
+  </dgm:styleLbl>
+  <dgm:styleLbl name="trBgShp">
+    <dgm:fillClrLst meth="repeat">
+      <a:schemeClr val="accent1">
+        <a:tint val="50000"/>
+        <a:alpha val="40000"/>
+      </a:schemeClr>
+    </dgm:fillClrLst>
+    <dgm:linClrLst meth="repeat">
+      <a:schemeClr val="accent1"/>
+    </dgm:linClrLst>
+    <dgm:effectClrLst/>
+    <dgm:txLinClrLst/>
+    <dgm:txFillClrLst meth="repeat">
+      <a:schemeClr val="lt1"/>
+    </dgm:txFillClrLst>
+    <dgm:txEffectClrLst/>
+  </dgm:styleLbl>
+  <dgm:styleLbl name="fgShp">
+    <dgm:fillClrLst meth="repeat">
+      <a:schemeClr val="accent1">
+        <a:tint val="60000"/>
+      </a:schemeClr>
+    </dgm:fillClrLst>
+    <dgm:linClrLst meth="repeat">
+      <a:schemeClr val="lt1"/>
+    </dgm:linClrLst>
+    <dgm:effectClrLst/>
+    <dgm:txLinClrLst/>
+    <dgm:txFillClrLst meth="repeat">
+      <a:schemeClr val="dk1"/>
+    </dgm:txFillClrLst>
+    <dgm:txEffectClrLst/>
+  </dgm:styleLbl>
+  <dgm:styleLbl name="revTx">
+    <dgm:fillClrLst meth="repeat">
+      <a:schemeClr val="lt1">
+        <a:alpha val="0"/>
+      </a:schemeClr>
+    </dgm:fillClrLst>
+    <dgm:linClrLst meth="repeat">
+      <a:schemeClr val="dk1">
+        <a:alpha val="0"/>
+      </a:schemeClr>
+    </dgm:linClrLst>
+    <dgm:effectClrLst/>
+    <dgm:txLinClrLst/>
+    <dgm:txFillClrLst meth="repeat">
+      <a:schemeClr val="tx1"/>
+    </dgm:txFillClrLst>
+    <dgm:txEffectClrLst/>
+  </dgm:styleLbl>
+</dgm:colorsDef>
+</file>
+
+<file path=ppt/diagrams/colors5.xml><?xml version="1.0" encoding="utf-8"?>
 <dgm:colorsDef xmlns:dgm="http://schemas.openxmlformats.org/drawingml/2006/diagram" xmlns:a="http://schemas.openxmlformats.org/drawingml/2006/main" uniqueId="urn:microsoft.com/office/officeart/2005/8/colors/colorful5">
   <dgm:title val=""/>
   <dgm:desc val=""/>
@@ -916,2994 +3947,6 @@
 </dgm:colorsDef>
 </file>
 
-<file path=ppt/diagrams/colors2.xml><?xml version="1.0" encoding="utf-8"?>
-<dgm:colorsDef xmlns:dgm="http://schemas.openxmlformats.org/drawingml/2006/diagram" xmlns:a="http://schemas.openxmlformats.org/drawingml/2006/main" uniqueId="urn:microsoft.com/office/officeart/2005/8/colors/accent1_2">
-  <dgm:title val=""/>
-  <dgm:desc val=""/>
-  <dgm:catLst>
-    <dgm:cat type="accent1" pri="11200"/>
-  </dgm:catLst>
-  <dgm:styleLbl name="node0">
-    <dgm:fillClrLst meth="repeat">
-      <a:schemeClr val="accent1"/>
-    </dgm:fillClrLst>
-    <dgm:linClrLst meth="repeat">
-      <a:schemeClr val="lt1"/>
-    </dgm:linClrLst>
-    <dgm:effectClrLst/>
-    <dgm:txLinClrLst/>
-    <dgm:txFillClrLst/>
-    <dgm:txEffectClrLst/>
-  </dgm:styleLbl>
-  <dgm:styleLbl name="alignNode1">
-    <dgm:fillClrLst meth="repeat">
-      <a:schemeClr val="accent1"/>
-    </dgm:fillClrLst>
-    <dgm:linClrLst meth="repeat">
-      <a:schemeClr val="accent1"/>
-    </dgm:linClrLst>
-    <dgm:effectClrLst/>
-    <dgm:txLinClrLst/>
-    <dgm:txFillClrLst/>
-    <dgm:txEffectClrLst/>
-  </dgm:styleLbl>
-  <dgm:styleLbl name="node1">
-    <dgm:fillClrLst meth="repeat">
-      <a:schemeClr val="accent1"/>
-    </dgm:fillClrLst>
-    <dgm:linClrLst meth="repeat">
-      <a:schemeClr val="lt1"/>
-    </dgm:linClrLst>
-    <dgm:effectClrLst/>
-    <dgm:txLinClrLst/>
-    <dgm:txFillClrLst/>
-    <dgm:txEffectClrLst/>
-  </dgm:styleLbl>
-  <dgm:styleLbl name="lnNode1">
-    <dgm:fillClrLst meth="repeat">
-      <a:schemeClr val="accent1"/>
-    </dgm:fillClrLst>
-    <dgm:linClrLst meth="repeat">
-      <a:schemeClr val="lt1"/>
-    </dgm:linClrLst>
-    <dgm:effectClrLst/>
-    <dgm:txLinClrLst/>
-    <dgm:txFillClrLst/>
-    <dgm:txEffectClrLst/>
-  </dgm:styleLbl>
-  <dgm:styleLbl name="vennNode1">
-    <dgm:fillClrLst meth="repeat">
-      <a:schemeClr val="accent1">
-        <a:alpha val="50000"/>
-      </a:schemeClr>
-    </dgm:fillClrLst>
-    <dgm:linClrLst meth="repeat">
-      <a:schemeClr val="lt1"/>
-    </dgm:linClrLst>
-    <dgm:effectClrLst/>
-    <dgm:txLinClrLst/>
-    <dgm:txFillClrLst/>
-    <dgm:txEffectClrLst/>
-  </dgm:styleLbl>
-  <dgm:styleLbl name="node2">
-    <dgm:fillClrLst meth="repeat">
-      <a:schemeClr val="accent1"/>
-    </dgm:fillClrLst>
-    <dgm:linClrLst meth="repeat">
-      <a:schemeClr val="lt1"/>
-    </dgm:linClrLst>
-    <dgm:effectClrLst/>
-    <dgm:txLinClrLst/>
-    <dgm:txFillClrLst/>
-    <dgm:txEffectClrLst/>
-  </dgm:styleLbl>
-  <dgm:styleLbl name="node3">
-    <dgm:fillClrLst meth="repeat">
-      <a:schemeClr val="accent1"/>
-    </dgm:fillClrLst>
-    <dgm:linClrLst meth="repeat">
-      <a:schemeClr val="lt1"/>
-    </dgm:linClrLst>
-    <dgm:effectClrLst/>
-    <dgm:txLinClrLst/>
-    <dgm:txFillClrLst/>
-    <dgm:txEffectClrLst/>
-  </dgm:styleLbl>
-  <dgm:styleLbl name="node4">
-    <dgm:fillClrLst meth="repeat">
-      <a:schemeClr val="accent1"/>
-    </dgm:fillClrLst>
-    <dgm:linClrLst meth="repeat">
-      <a:schemeClr val="lt1"/>
-    </dgm:linClrLst>
-    <dgm:effectClrLst/>
-    <dgm:txLinClrLst/>
-    <dgm:txFillClrLst/>
-    <dgm:txEffectClrLst/>
-  </dgm:styleLbl>
-  <dgm:styleLbl name="fgImgPlace1">
-    <dgm:fillClrLst meth="repeat">
-      <a:schemeClr val="accent1">
-        <a:tint val="50000"/>
-      </a:schemeClr>
-    </dgm:fillClrLst>
-    <dgm:linClrLst meth="repeat">
-      <a:schemeClr val="lt1"/>
-    </dgm:linClrLst>
-    <dgm:effectClrLst/>
-    <dgm:txLinClrLst/>
-    <dgm:txFillClrLst meth="repeat">
-      <a:schemeClr val="lt1"/>
-    </dgm:txFillClrLst>
-    <dgm:txEffectClrLst/>
-  </dgm:styleLbl>
-  <dgm:styleLbl name="alignImgPlace1">
-    <dgm:fillClrLst meth="repeat">
-      <a:schemeClr val="accent1">
-        <a:tint val="50000"/>
-      </a:schemeClr>
-    </dgm:fillClrLst>
-    <dgm:linClrLst meth="repeat">
-      <a:schemeClr val="lt1"/>
-    </dgm:linClrLst>
-    <dgm:effectClrLst/>
-    <dgm:txLinClrLst/>
-    <dgm:txFillClrLst meth="repeat">
-      <a:schemeClr val="lt1"/>
-    </dgm:txFillClrLst>
-    <dgm:txEffectClrLst/>
-  </dgm:styleLbl>
-  <dgm:styleLbl name="bgImgPlace1">
-    <dgm:fillClrLst meth="repeat">
-      <a:schemeClr val="accent1">
-        <a:tint val="50000"/>
-      </a:schemeClr>
-    </dgm:fillClrLst>
-    <dgm:linClrLst meth="repeat">
-      <a:schemeClr val="lt1"/>
-    </dgm:linClrLst>
-    <dgm:effectClrLst/>
-    <dgm:txLinClrLst/>
-    <dgm:txFillClrLst meth="repeat">
-      <a:schemeClr val="lt1"/>
-    </dgm:txFillClrLst>
-    <dgm:txEffectClrLst/>
-  </dgm:styleLbl>
-  <dgm:styleLbl name="sibTrans2D1">
-    <dgm:fillClrLst meth="repeat">
-      <a:schemeClr val="accent1">
-        <a:tint val="60000"/>
-      </a:schemeClr>
-    </dgm:fillClrLst>
-    <dgm:linClrLst meth="repeat">
-      <a:schemeClr val="accent1">
-        <a:tint val="60000"/>
-      </a:schemeClr>
-    </dgm:linClrLst>
-    <dgm:effectClrLst/>
-    <dgm:txLinClrLst/>
-    <dgm:txFillClrLst/>
-    <dgm:txEffectClrLst/>
-  </dgm:styleLbl>
-  <dgm:styleLbl name="fgSibTrans2D1">
-    <dgm:fillClrLst meth="repeat">
-      <a:schemeClr val="accent1">
-        <a:tint val="60000"/>
-      </a:schemeClr>
-    </dgm:fillClrLst>
-    <dgm:linClrLst meth="repeat">
-      <a:schemeClr val="accent1">
-        <a:tint val="60000"/>
-      </a:schemeClr>
-    </dgm:linClrLst>
-    <dgm:effectClrLst/>
-    <dgm:txLinClrLst/>
-    <dgm:txFillClrLst/>
-    <dgm:txEffectClrLst/>
-  </dgm:styleLbl>
-  <dgm:styleLbl name="bgSibTrans2D1">
-    <dgm:fillClrLst meth="repeat">
-      <a:schemeClr val="accent1">
-        <a:tint val="60000"/>
-      </a:schemeClr>
-    </dgm:fillClrLst>
-    <dgm:linClrLst meth="repeat">
-      <a:schemeClr val="accent1">
-        <a:tint val="60000"/>
-      </a:schemeClr>
-    </dgm:linClrLst>
-    <dgm:effectClrLst/>
-    <dgm:txLinClrLst/>
-    <dgm:txFillClrLst/>
-    <dgm:txEffectClrLst/>
-  </dgm:styleLbl>
-  <dgm:styleLbl name="sibTrans1D1">
-    <dgm:fillClrLst meth="repeat">
-      <a:schemeClr val="accent1"/>
-    </dgm:fillClrLst>
-    <dgm:linClrLst meth="repeat">
-      <a:schemeClr val="accent1"/>
-    </dgm:linClrLst>
-    <dgm:effectClrLst/>
-    <dgm:txLinClrLst/>
-    <dgm:txFillClrLst meth="repeat">
-      <a:schemeClr val="tx1"/>
-    </dgm:txFillClrLst>
-    <dgm:txEffectClrLst/>
-  </dgm:styleLbl>
-  <dgm:styleLbl name="callout">
-    <dgm:fillClrLst meth="repeat">
-      <a:schemeClr val="accent1"/>
-    </dgm:fillClrLst>
-    <dgm:linClrLst meth="repeat">
-      <a:schemeClr val="accent1">
-        <a:tint val="50000"/>
-      </a:schemeClr>
-    </dgm:linClrLst>
-    <dgm:effectClrLst/>
-    <dgm:txLinClrLst/>
-    <dgm:txFillClrLst meth="repeat">
-      <a:schemeClr val="tx1"/>
-    </dgm:txFillClrLst>
-    <dgm:txEffectClrLst/>
-  </dgm:styleLbl>
-  <dgm:styleLbl name="asst0">
-    <dgm:fillClrLst meth="repeat">
-      <a:schemeClr val="accent1"/>
-    </dgm:fillClrLst>
-    <dgm:linClrLst meth="repeat">
-      <a:schemeClr val="lt1"/>
-    </dgm:linClrLst>
-    <dgm:effectClrLst/>
-    <dgm:txLinClrLst/>
-    <dgm:txFillClrLst/>
-    <dgm:txEffectClrLst/>
-  </dgm:styleLbl>
-  <dgm:styleLbl name="asst1">
-    <dgm:fillClrLst meth="repeat">
-      <a:schemeClr val="accent1"/>
-    </dgm:fillClrLst>
-    <dgm:linClrLst meth="repeat">
-      <a:schemeClr val="lt1"/>
-    </dgm:linClrLst>
-    <dgm:effectClrLst/>
-    <dgm:txLinClrLst/>
-    <dgm:txFillClrLst/>
-    <dgm:txEffectClrLst/>
-  </dgm:styleLbl>
-  <dgm:styleLbl name="asst2">
-    <dgm:fillClrLst meth="repeat">
-      <a:schemeClr val="accent1"/>
-    </dgm:fillClrLst>
-    <dgm:linClrLst meth="repeat">
-      <a:schemeClr val="lt1"/>
-    </dgm:linClrLst>
-    <dgm:effectClrLst/>
-    <dgm:txLinClrLst/>
-    <dgm:txFillClrLst/>
-    <dgm:txEffectClrLst/>
-  </dgm:styleLbl>
-  <dgm:styleLbl name="asst3">
-    <dgm:fillClrLst meth="repeat">
-      <a:schemeClr val="accent1"/>
-    </dgm:fillClrLst>
-    <dgm:linClrLst meth="repeat">
-      <a:schemeClr val="lt1"/>
-    </dgm:linClrLst>
-    <dgm:effectClrLst/>
-    <dgm:txLinClrLst/>
-    <dgm:txFillClrLst/>
-    <dgm:txEffectClrLst/>
-  </dgm:styleLbl>
-  <dgm:styleLbl name="asst4">
-    <dgm:fillClrLst meth="repeat">
-      <a:schemeClr val="accent1"/>
-    </dgm:fillClrLst>
-    <dgm:linClrLst meth="repeat">
-      <a:schemeClr val="lt1"/>
-    </dgm:linClrLst>
-    <dgm:effectClrLst/>
-    <dgm:txLinClrLst/>
-    <dgm:txFillClrLst/>
-    <dgm:txEffectClrLst/>
-  </dgm:styleLbl>
-  <dgm:styleLbl name="parChTrans2D1">
-    <dgm:fillClrLst meth="repeat">
-      <a:schemeClr val="accent1">
-        <a:tint val="60000"/>
-      </a:schemeClr>
-    </dgm:fillClrLst>
-    <dgm:linClrLst meth="repeat">
-      <a:schemeClr val="accent1">
-        <a:tint val="60000"/>
-      </a:schemeClr>
-    </dgm:linClrLst>
-    <dgm:effectClrLst/>
-    <dgm:txLinClrLst/>
-    <dgm:txFillClrLst meth="repeat">
-      <a:schemeClr val="lt1"/>
-    </dgm:txFillClrLst>
-    <dgm:txEffectClrLst/>
-  </dgm:styleLbl>
-  <dgm:styleLbl name="parChTrans2D2">
-    <dgm:fillClrLst meth="repeat">
-      <a:schemeClr val="accent1"/>
-    </dgm:fillClrLst>
-    <dgm:linClrLst meth="repeat">
-      <a:schemeClr val="accent1"/>
-    </dgm:linClrLst>
-    <dgm:effectClrLst/>
-    <dgm:txLinClrLst/>
-    <dgm:txFillClrLst meth="repeat">
-      <a:schemeClr val="lt1"/>
-    </dgm:txFillClrLst>
-    <dgm:txEffectClrLst/>
-  </dgm:styleLbl>
-  <dgm:styleLbl name="parChTrans2D3">
-    <dgm:fillClrLst meth="repeat">
-      <a:schemeClr val="accent1"/>
-    </dgm:fillClrLst>
-    <dgm:linClrLst meth="repeat">
-      <a:schemeClr val="accent1"/>
-    </dgm:linClrLst>
-    <dgm:effectClrLst/>
-    <dgm:txLinClrLst/>
-    <dgm:txFillClrLst meth="repeat">
-      <a:schemeClr val="lt1"/>
-    </dgm:txFillClrLst>
-    <dgm:txEffectClrLst/>
-  </dgm:styleLbl>
-  <dgm:styleLbl name="parChTrans2D4">
-    <dgm:fillClrLst meth="repeat">
-      <a:schemeClr val="accent1"/>
-    </dgm:fillClrLst>
-    <dgm:linClrLst meth="repeat">
-      <a:schemeClr val="accent1"/>
-    </dgm:linClrLst>
-    <dgm:effectClrLst/>
-    <dgm:txLinClrLst/>
-    <dgm:txFillClrLst meth="repeat">
-      <a:schemeClr val="lt1"/>
-    </dgm:txFillClrLst>
-    <dgm:txEffectClrLst/>
-  </dgm:styleLbl>
-  <dgm:styleLbl name="parChTrans1D1">
-    <dgm:fillClrLst meth="repeat">
-      <a:schemeClr val="accent1"/>
-    </dgm:fillClrLst>
-    <dgm:linClrLst meth="repeat">
-      <a:schemeClr val="accent1">
-        <a:shade val="60000"/>
-      </a:schemeClr>
-    </dgm:linClrLst>
-    <dgm:effectClrLst/>
-    <dgm:txLinClrLst/>
-    <dgm:txFillClrLst meth="repeat">
-      <a:schemeClr val="tx1"/>
-    </dgm:txFillClrLst>
-    <dgm:txEffectClrLst/>
-  </dgm:styleLbl>
-  <dgm:styleLbl name="parChTrans1D2">
-    <dgm:fillClrLst meth="repeat">
-      <a:schemeClr val="accent1"/>
-    </dgm:fillClrLst>
-    <dgm:linClrLst meth="repeat">
-      <a:schemeClr val="accent1">
-        <a:shade val="60000"/>
-      </a:schemeClr>
-    </dgm:linClrLst>
-    <dgm:effectClrLst/>
-    <dgm:txLinClrLst/>
-    <dgm:txFillClrLst meth="repeat">
-      <a:schemeClr val="tx1"/>
-    </dgm:txFillClrLst>
-    <dgm:txEffectClrLst/>
-  </dgm:styleLbl>
-  <dgm:styleLbl name="parChTrans1D3">
-    <dgm:fillClrLst meth="repeat">
-      <a:schemeClr val="accent1"/>
-    </dgm:fillClrLst>
-    <dgm:linClrLst meth="repeat">
-      <a:schemeClr val="accent1">
-        <a:shade val="80000"/>
-      </a:schemeClr>
-    </dgm:linClrLst>
-    <dgm:effectClrLst/>
-    <dgm:txLinClrLst/>
-    <dgm:txFillClrLst meth="repeat">
-      <a:schemeClr val="tx1"/>
-    </dgm:txFillClrLst>
-    <dgm:txEffectClrLst/>
-  </dgm:styleLbl>
-  <dgm:styleLbl name="parChTrans1D4">
-    <dgm:fillClrLst meth="repeat">
-      <a:schemeClr val="accent1"/>
-    </dgm:fillClrLst>
-    <dgm:linClrLst meth="repeat">
-      <a:schemeClr val="accent1">
-        <a:shade val="80000"/>
-      </a:schemeClr>
-    </dgm:linClrLst>
-    <dgm:effectClrLst/>
-    <dgm:txLinClrLst/>
-    <dgm:txFillClrLst meth="repeat">
-      <a:schemeClr val="tx1"/>
-    </dgm:txFillClrLst>
-    <dgm:txEffectClrLst/>
-  </dgm:styleLbl>
-  <dgm:styleLbl name="fgAcc1">
-    <dgm:fillClrLst meth="repeat">
-      <a:schemeClr val="lt1">
-        <a:alpha val="90000"/>
-      </a:schemeClr>
-    </dgm:fillClrLst>
-    <dgm:linClrLst meth="repeat">
-      <a:schemeClr val="accent1"/>
-    </dgm:linClrLst>
-    <dgm:effectClrLst/>
-    <dgm:txLinClrLst/>
-    <dgm:txFillClrLst meth="repeat">
-      <a:schemeClr val="dk1"/>
-    </dgm:txFillClrLst>
-    <dgm:txEffectClrLst/>
-  </dgm:styleLbl>
-  <dgm:styleLbl name="conFgAcc1">
-    <dgm:fillClrLst meth="repeat">
-      <a:schemeClr val="lt1">
-        <a:alpha val="90000"/>
-      </a:schemeClr>
-    </dgm:fillClrLst>
-    <dgm:linClrLst meth="repeat">
-      <a:schemeClr val="accent1"/>
-    </dgm:linClrLst>
-    <dgm:effectClrLst/>
-    <dgm:txLinClrLst/>
-    <dgm:txFillClrLst meth="repeat">
-      <a:schemeClr val="dk1"/>
-    </dgm:txFillClrLst>
-    <dgm:txEffectClrLst/>
-  </dgm:styleLbl>
-  <dgm:styleLbl name="alignAcc1">
-    <dgm:fillClrLst meth="repeat">
-      <a:schemeClr val="lt1">
-        <a:alpha val="90000"/>
-      </a:schemeClr>
-    </dgm:fillClrLst>
-    <dgm:linClrLst meth="repeat">
-      <a:schemeClr val="accent1"/>
-    </dgm:linClrLst>
-    <dgm:effectClrLst/>
-    <dgm:txLinClrLst/>
-    <dgm:txFillClrLst meth="repeat">
-      <a:schemeClr val="dk1"/>
-    </dgm:txFillClrLst>
-    <dgm:txEffectClrLst/>
-  </dgm:styleLbl>
-  <dgm:styleLbl name="trAlignAcc1">
-    <dgm:fillClrLst meth="repeat">
-      <a:schemeClr val="lt1">
-        <a:alpha val="40000"/>
-      </a:schemeClr>
-    </dgm:fillClrLst>
-    <dgm:linClrLst meth="repeat">
-      <a:schemeClr val="accent1"/>
-    </dgm:linClrLst>
-    <dgm:effectClrLst/>
-    <dgm:txLinClrLst/>
-    <dgm:txFillClrLst meth="repeat">
-      <a:schemeClr val="dk1"/>
-    </dgm:txFillClrLst>
-    <dgm:txEffectClrLst/>
-  </dgm:styleLbl>
-  <dgm:styleLbl name="bgAcc1">
-    <dgm:fillClrLst meth="repeat">
-      <a:schemeClr val="lt1">
-        <a:alpha val="90000"/>
-      </a:schemeClr>
-    </dgm:fillClrLst>
-    <dgm:linClrLst meth="repeat">
-      <a:schemeClr val="accent1"/>
-    </dgm:linClrLst>
-    <dgm:effectClrLst/>
-    <dgm:txLinClrLst/>
-    <dgm:txFillClrLst meth="repeat">
-      <a:schemeClr val="dk1"/>
-    </dgm:txFillClrLst>
-    <dgm:txEffectClrLst/>
-  </dgm:styleLbl>
-  <dgm:styleLbl name="solidFgAcc1">
-    <dgm:fillClrLst meth="repeat">
-      <a:schemeClr val="lt1"/>
-    </dgm:fillClrLst>
-    <dgm:linClrLst meth="repeat">
-      <a:schemeClr val="accent1"/>
-    </dgm:linClrLst>
-    <dgm:effectClrLst/>
-    <dgm:txLinClrLst/>
-    <dgm:txFillClrLst meth="repeat">
-      <a:schemeClr val="dk1"/>
-    </dgm:txFillClrLst>
-    <dgm:txEffectClrLst/>
-  </dgm:styleLbl>
-  <dgm:styleLbl name="solidAlignAcc1">
-    <dgm:fillClrLst meth="repeat">
-      <a:schemeClr val="lt1"/>
-    </dgm:fillClrLst>
-    <dgm:linClrLst meth="repeat">
-      <a:schemeClr val="accent1"/>
-    </dgm:linClrLst>
-    <dgm:effectClrLst/>
-    <dgm:txLinClrLst/>
-    <dgm:txFillClrLst meth="repeat">
-      <a:schemeClr val="dk1"/>
-    </dgm:txFillClrLst>
-    <dgm:txEffectClrLst/>
-  </dgm:styleLbl>
-  <dgm:styleLbl name="solidBgAcc1">
-    <dgm:fillClrLst meth="repeat">
-      <a:schemeClr val="lt1"/>
-    </dgm:fillClrLst>
-    <dgm:linClrLst meth="repeat">
-      <a:schemeClr val="accent1"/>
-    </dgm:linClrLst>
-    <dgm:effectClrLst/>
-    <dgm:txLinClrLst/>
-    <dgm:txFillClrLst meth="repeat">
-      <a:schemeClr val="dk1"/>
-    </dgm:txFillClrLst>
-    <dgm:txEffectClrLst/>
-  </dgm:styleLbl>
-  <dgm:styleLbl name="fgAccFollowNode1">
-    <dgm:fillClrLst meth="repeat">
-      <a:schemeClr val="accent1">
-        <a:alpha val="90000"/>
-        <a:tint val="40000"/>
-      </a:schemeClr>
-    </dgm:fillClrLst>
-    <dgm:linClrLst meth="repeat">
-      <a:schemeClr val="accent1">
-        <a:alpha val="90000"/>
-        <a:tint val="40000"/>
-      </a:schemeClr>
-    </dgm:linClrLst>
-    <dgm:effectClrLst/>
-    <dgm:txLinClrLst/>
-    <dgm:txFillClrLst meth="repeat">
-      <a:schemeClr val="dk1"/>
-    </dgm:txFillClrLst>
-    <dgm:txEffectClrLst/>
-  </dgm:styleLbl>
-  <dgm:styleLbl name="alignAccFollowNode1">
-    <dgm:fillClrLst meth="repeat">
-      <a:schemeClr val="accent1">
-        <a:alpha val="90000"/>
-        <a:tint val="40000"/>
-      </a:schemeClr>
-    </dgm:fillClrLst>
-    <dgm:linClrLst meth="repeat">
-      <a:schemeClr val="accent1">
-        <a:alpha val="90000"/>
-        <a:tint val="40000"/>
-      </a:schemeClr>
-    </dgm:linClrLst>
-    <dgm:effectClrLst/>
-    <dgm:txLinClrLst/>
-    <dgm:txFillClrLst meth="repeat">
-      <a:schemeClr val="dk1"/>
-    </dgm:txFillClrLst>
-    <dgm:txEffectClrLst/>
-  </dgm:styleLbl>
-  <dgm:styleLbl name="bgAccFollowNode1">
-    <dgm:fillClrLst meth="repeat">
-      <a:schemeClr val="accent1">
-        <a:alpha val="90000"/>
-        <a:tint val="40000"/>
-      </a:schemeClr>
-    </dgm:fillClrLst>
-    <dgm:linClrLst meth="repeat">
-      <a:schemeClr val="accent1">
-        <a:alpha val="90000"/>
-        <a:tint val="40000"/>
-      </a:schemeClr>
-    </dgm:linClrLst>
-    <dgm:effectClrLst/>
-    <dgm:txLinClrLst/>
-    <dgm:txFillClrLst meth="repeat">
-      <a:schemeClr val="dk1"/>
-    </dgm:txFillClrLst>
-    <dgm:txEffectClrLst/>
-  </dgm:styleLbl>
-  <dgm:styleLbl name="fgAcc0">
-    <dgm:fillClrLst meth="repeat">
-      <a:schemeClr val="lt1">
-        <a:alpha val="90000"/>
-      </a:schemeClr>
-    </dgm:fillClrLst>
-    <dgm:linClrLst meth="repeat">
-      <a:schemeClr val="accent1"/>
-    </dgm:linClrLst>
-    <dgm:effectClrLst/>
-    <dgm:txLinClrLst/>
-    <dgm:txFillClrLst meth="repeat">
-      <a:schemeClr val="dk1"/>
-    </dgm:txFillClrLst>
-    <dgm:txEffectClrLst/>
-  </dgm:styleLbl>
-  <dgm:styleLbl name="fgAcc2">
-    <dgm:fillClrLst meth="repeat">
-      <a:schemeClr val="lt1">
-        <a:alpha val="90000"/>
-      </a:schemeClr>
-    </dgm:fillClrLst>
-    <dgm:linClrLst meth="repeat">
-      <a:schemeClr val="accent1"/>
-    </dgm:linClrLst>
-    <dgm:effectClrLst/>
-    <dgm:txLinClrLst/>
-    <dgm:txFillClrLst meth="repeat">
-      <a:schemeClr val="dk1"/>
-    </dgm:txFillClrLst>
-    <dgm:txEffectClrLst/>
-  </dgm:styleLbl>
-  <dgm:styleLbl name="fgAcc3">
-    <dgm:fillClrLst meth="repeat">
-      <a:schemeClr val="lt1">
-        <a:alpha val="90000"/>
-      </a:schemeClr>
-    </dgm:fillClrLst>
-    <dgm:linClrLst meth="repeat">
-      <a:schemeClr val="accent1"/>
-    </dgm:linClrLst>
-    <dgm:effectClrLst/>
-    <dgm:txLinClrLst/>
-    <dgm:txFillClrLst meth="repeat">
-      <a:schemeClr val="dk1"/>
-    </dgm:txFillClrLst>
-    <dgm:txEffectClrLst/>
-  </dgm:styleLbl>
-  <dgm:styleLbl name="fgAcc4">
-    <dgm:fillClrLst meth="repeat">
-      <a:schemeClr val="lt1">
-        <a:alpha val="90000"/>
-      </a:schemeClr>
-    </dgm:fillClrLst>
-    <dgm:linClrLst meth="repeat">
-      <a:schemeClr val="accent1"/>
-    </dgm:linClrLst>
-    <dgm:effectClrLst/>
-    <dgm:txLinClrLst/>
-    <dgm:txFillClrLst meth="repeat">
-      <a:schemeClr val="dk1"/>
-    </dgm:txFillClrLst>
-    <dgm:txEffectClrLst/>
-  </dgm:styleLbl>
-  <dgm:styleLbl name="bgShp">
-    <dgm:fillClrLst meth="repeat">
-      <a:schemeClr val="accent1">
-        <a:tint val="40000"/>
-      </a:schemeClr>
-    </dgm:fillClrLst>
-    <dgm:linClrLst meth="repeat">
-      <a:schemeClr val="accent1"/>
-    </dgm:linClrLst>
-    <dgm:effectClrLst/>
-    <dgm:txLinClrLst/>
-    <dgm:txFillClrLst meth="repeat">
-      <a:schemeClr val="dk1"/>
-    </dgm:txFillClrLst>
-    <dgm:txEffectClrLst/>
-  </dgm:styleLbl>
-  <dgm:styleLbl name="dkBgShp">
-    <dgm:fillClrLst meth="repeat">
-      <a:schemeClr val="accent1">
-        <a:shade val="80000"/>
-      </a:schemeClr>
-    </dgm:fillClrLst>
-    <dgm:linClrLst meth="repeat">
-      <a:schemeClr val="accent1"/>
-    </dgm:linClrLst>
-    <dgm:effectClrLst/>
-    <dgm:txLinClrLst/>
-    <dgm:txFillClrLst meth="repeat">
-      <a:schemeClr val="lt1"/>
-    </dgm:txFillClrLst>
-    <dgm:txEffectClrLst/>
-  </dgm:styleLbl>
-  <dgm:styleLbl name="trBgShp">
-    <dgm:fillClrLst meth="repeat">
-      <a:schemeClr val="accent1">
-        <a:tint val="50000"/>
-        <a:alpha val="40000"/>
-      </a:schemeClr>
-    </dgm:fillClrLst>
-    <dgm:linClrLst meth="repeat">
-      <a:schemeClr val="accent1"/>
-    </dgm:linClrLst>
-    <dgm:effectClrLst/>
-    <dgm:txLinClrLst/>
-    <dgm:txFillClrLst meth="repeat">
-      <a:schemeClr val="lt1"/>
-    </dgm:txFillClrLst>
-    <dgm:txEffectClrLst/>
-  </dgm:styleLbl>
-  <dgm:styleLbl name="fgShp">
-    <dgm:fillClrLst meth="repeat">
-      <a:schemeClr val="accent1">
-        <a:tint val="60000"/>
-      </a:schemeClr>
-    </dgm:fillClrLst>
-    <dgm:linClrLst meth="repeat">
-      <a:schemeClr val="lt1"/>
-    </dgm:linClrLst>
-    <dgm:effectClrLst/>
-    <dgm:txLinClrLst/>
-    <dgm:txFillClrLst meth="repeat">
-      <a:schemeClr val="dk1"/>
-    </dgm:txFillClrLst>
-    <dgm:txEffectClrLst/>
-  </dgm:styleLbl>
-  <dgm:styleLbl name="revTx">
-    <dgm:fillClrLst meth="repeat">
-      <a:schemeClr val="lt1">
-        <a:alpha val="0"/>
-      </a:schemeClr>
-    </dgm:fillClrLst>
-    <dgm:linClrLst meth="repeat">
-      <a:schemeClr val="dk1">
-        <a:alpha val="0"/>
-      </a:schemeClr>
-    </dgm:linClrLst>
-    <dgm:effectClrLst/>
-    <dgm:txLinClrLst/>
-    <dgm:txFillClrLst meth="repeat">
-      <a:schemeClr val="tx1"/>
-    </dgm:txFillClrLst>
-    <dgm:txEffectClrLst/>
-  </dgm:styleLbl>
-</dgm:colorsDef>
-</file>
-
-<file path=ppt/diagrams/colors3.xml><?xml version="1.0" encoding="utf-8"?>
-<dgm:colorsDef xmlns:dgm="http://schemas.openxmlformats.org/drawingml/2006/diagram" xmlns:a="http://schemas.openxmlformats.org/drawingml/2006/main" uniqueId="urn:microsoft.com/office/officeart/2005/8/colors/accent1_2">
-  <dgm:title val=""/>
-  <dgm:desc val=""/>
-  <dgm:catLst>
-    <dgm:cat type="accent1" pri="11200"/>
-  </dgm:catLst>
-  <dgm:styleLbl name="node0">
-    <dgm:fillClrLst meth="repeat">
-      <a:schemeClr val="accent1"/>
-    </dgm:fillClrLst>
-    <dgm:linClrLst meth="repeat">
-      <a:schemeClr val="lt1"/>
-    </dgm:linClrLst>
-    <dgm:effectClrLst/>
-    <dgm:txLinClrLst/>
-    <dgm:txFillClrLst/>
-    <dgm:txEffectClrLst/>
-  </dgm:styleLbl>
-  <dgm:styleLbl name="alignNode1">
-    <dgm:fillClrLst meth="repeat">
-      <a:schemeClr val="accent1"/>
-    </dgm:fillClrLst>
-    <dgm:linClrLst meth="repeat">
-      <a:schemeClr val="accent1"/>
-    </dgm:linClrLst>
-    <dgm:effectClrLst/>
-    <dgm:txLinClrLst/>
-    <dgm:txFillClrLst/>
-    <dgm:txEffectClrLst/>
-  </dgm:styleLbl>
-  <dgm:styleLbl name="node1">
-    <dgm:fillClrLst meth="repeat">
-      <a:schemeClr val="accent1"/>
-    </dgm:fillClrLst>
-    <dgm:linClrLst meth="repeat">
-      <a:schemeClr val="lt1"/>
-    </dgm:linClrLst>
-    <dgm:effectClrLst/>
-    <dgm:txLinClrLst/>
-    <dgm:txFillClrLst/>
-    <dgm:txEffectClrLst/>
-  </dgm:styleLbl>
-  <dgm:styleLbl name="lnNode1">
-    <dgm:fillClrLst meth="repeat">
-      <a:schemeClr val="accent1"/>
-    </dgm:fillClrLst>
-    <dgm:linClrLst meth="repeat">
-      <a:schemeClr val="lt1"/>
-    </dgm:linClrLst>
-    <dgm:effectClrLst/>
-    <dgm:txLinClrLst/>
-    <dgm:txFillClrLst/>
-    <dgm:txEffectClrLst/>
-  </dgm:styleLbl>
-  <dgm:styleLbl name="vennNode1">
-    <dgm:fillClrLst meth="repeat">
-      <a:schemeClr val="accent1">
-        <a:alpha val="50000"/>
-      </a:schemeClr>
-    </dgm:fillClrLst>
-    <dgm:linClrLst meth="repeat">
-      <a:schemeClr val="lt1"/>
-    </dgm:linClrLst>
-    <dgm:effectClrLst/>
-    <dgm:txLinClrLst/>
-    <dgm:txFillClrLst/>
-    <dgm:txEffectClrLst/>
-  </dgm:styleLbl>
-  <dgm:styleLbl name="node2">
-    <dgm:fillClrLst meth="repeat">
-      <a:schemeClr val="accent1"/>
-    </dgm:fillClrLst>
-    <dgm:linClrLst meth="repeat">
-      <a:schemeClr val="lt1"/>
-    </dgm:linClrLst>
-    <dgm:effectClrLst/>
-    <dgm:txLinClrLst/>
-    <dgm:txFillClrLst/>
-    <dgm:txEffectClrLst/>
-  </dgm:styleLbl>
-  <dgm:styleLbl name="node3">
-    <dgm:fillClrLst meth="repeat">
-      <a:schemeClr val="accent1"/>
-    </dgm:fillClrLst>
-    <dgm:linClrLst meth="repeat">
-      <a:schemeClr val="lt1"/>
-    </dgm:linClrLst>
-    <dgm:effectClrLst/>
-    <dgm:txLinClrLst/>
-    <dgm:txFillClrLst/>
-    <dgm:txEffectClrLst/>
-  </dgm:styleLbl>
-  <dgm:styleLbl name="node4">
-    <dgm:fillClrLst meth="repeat">
-      <a:schemeClr val="accent1"/>
-    </dgm:fillClrLst>
-    <dgm:linClrLst meth="repeat">
-      <a:schemeClr val="lt1"/>
-    </dgm:linClrLst>
-    <dgm:effectClrLst/>
-    <dgm:txLinClrLst/>
-    <dgm:txFillClrLst/>
-    <dgm:txEffectClrLst/>
-  </dgm:styleLbl>
-  <dgm:styleLbl name="fgImgPlace1">
-    <dgm:fillClrLst meth="repeat">
-      <a:schemeClr val="accent1">
-        <a:tint val="50000"/>
-      </a:schemeClr>
-    </dgm:fillClrLst>
-    <dgm:linClrLst meth="repeat">
-      <a:schemeClr val="lt1"/>
-    </dgm:linClrLst>
-    <dgm:effectClrLst/>
-    <dgm:txLinClrLst/>
-    <dgm:txFillClrLst meth="repeat">
-      <a:schemeClr val="lt1"/>
-    </dgm:txFillClrLst>
-    <dgm:txEffectClrLst/>
-  </dgm:styleLbl>
-  <dgm:styleLbl name="alignImgPlace1">
-    <dgm:fillClrLst meth="repeat">
-      <a:schemeClr val="accent1">
-        <a:tint val="50000"/>
-      </a:schemeClr>
-    </dgm:fillClrLst>
-    <dgm:linClrLst meth="repeat">
-      <a:schemeClr val="lt1"/>
-    </dgm:linClrLst>
-    <dgm:effectClrLst/>
-    <dgm:txLinClrLst/>
-    <dgm:txFillClrLst meth="repeat">
-      <a:schemeClr val="lt1"/>
-    </dgm:txFillClrLst>
-    <dgm:txEffectClrLst/>
-  </dgm:styleLbl>
-  <dgm:styleLbl name="bgImgPlace1">
-    <dgm:fillClrLst meth="repeat">
-      <a:schemeClr val="accent1">
-        <a:tint val="50000"/>
-      </a:schemeClr>
-    </dgm:fillClrLst>
-    <dgm:linClrLst meth="repeat">
-      <a:schemeClr val="lt1"/>
-    </dgm:linClrLst>
-    <dgm:effectClrLst/>
-    <dgm:txLinClrLst/>
-    <dgm:txFillClrLst meth="repeat">
-      <a:schemeClr val="lt1"/>
-    </dgm:txFillClrLst>
-    <dgm:txEffectClrLst/>
-  </dgm:styleLbl>
-  <dgm:styleLbl name="sibTrans2D1">
-    <dgm:fillClrLst meth="repeat">
-      <a:schemeClr val="accent1">
-        <a:tint val="60000"/>
-      </a:schemeClr>
-    </dgm:fillClrLst>
-    <dgm:linClrLst meth="repeat">
-      <a:schemeClr val="accent1">
-        <a:tint val="60000"/>
-      </a:schemeClr>
-    </dgm:linClrLst>
-    <dgm:effectClrLst/>
-    <dgm:txLinClrLst/>
-    <dgm:txFillClrLst/>
-    <dgm:txEffectClrLst/>
-  </dgm:styleLbl>
-  <dgm:styleLbl name="fgSibTrans2D1">
-    <dgm:fillClrLst meth="repeat">
-      <a:schemeClr val="accent1">
-        <a:tint val="60000"/>
-      </a:schemeClr>
-    </dgm:fillClrLst>
-    <dgm:linClrLst meth="repeat">
-      <a:schemeClr val="accent1">
-        <a:tint val="60000"/>
-      </a:schemeClr>
-    </dgm:linClrLst>
-    <dgm:effectClrLst/>
-    <dgm:txLinClrLst/>
-    <dgm:txFillClrLst/>
-    <dgm:txEffectClrLst/>
-  </dgm:styleLbl>
-  <dgm:styleLbl name="bgSibTrans2D1">
-    <dgm:fillClrLst meth="repeat">
-      <a:schemeClr val="accent1">
-        <a:tint val="60000"/>
-      </a:schemeClr>
-    </dgm:fillClrLst>
-    <dgm:linClrLst meth="repeat">
-      <a:schemeClr val="accent1">
-        <a:tint val="60000"/>
-      </a:schemeClr>
-    </dgm:linClrLst>
-    <dgm:effectClrLst/>
-    <dgm:txLinClrLst/>
-    <dgm:txFillClrLst/>
-    <dgm:txEffectClrLst/>
-  </dgm:styleLbl>
-  <dgm:styleLbl name="sibTrans1D1">
-    <dgm:fillClrLst meth="repeat">
-      <a:schemeClr val="accent1"/>
-    </dgm:fillClrLst>
-    <dgm:linClrLst meth="repeat">
-      <a:schemeClr val="accent1"/>
-    </dgm:linClrLst>
-    <dgm:effectClrLst/>
-    <dgm:txLinClrLst/>
-    <dgm:txFillClrLst meth="repeat">
-      <a:schemeClr val="tx1"/>
-    </dgm:txFillClrLst>
-    <dgm:txEffectClrLst/>
-  </dgm:styleLbl>
-  <dgm:styleLbl name="callout">
-    <dgm:fillClrLst meth="repeat">
-      <a:schemeClr val="accent1"/>
-    </dgm:fillClrLst>
-    <dgm:linClrLst meth="repeat">
-      <a:schemeClr val="accent1">
-        <a:tint val="50000"/>
-      </a:schemeClr>
-    </dgm:linClrLst>
-    <dgm:effectClrLst/>
-    <dgm:txLinClrLst/>
-    <dgm:txFillClrLst meth="repeat">
-      <a:schemeClr val="tx1"/>
-    </dgm:txFillClrLst>
-    <dgm:txEffectClrLst/>
-  </dgm:styleLbl>
-  <dgm:styleLbl name="asst0">
-    <dgm:fillClrLst meth="repeat">
-      <a:schemeClr val="accent1"/>
-    </dgm:fillClrLst>
-    <dgm:linClrLst meth="repeat">
-      <a:schemeClr val="lt1"/>
-    </dgm:linClrLst>
-    <dgm:effectClrLst/>
-    <dgm:txLinClrLst/>
-    <dgm:txFillClrLst/>
-    <dgm:txEffectClrLst/>
-  </dgm:styleLbl>
-  <dgm:styleLbl name="asst1">
-    <dgm:fillClrLst meth="repeat">
-      <a:schemeClr val="accent1"/>
-    </dgm:fillClrLst>
-    <dgm:linClrLst meth="repeat">
-      <a:schemeClr val="lt1"/>
-    </dgm:linClrLst>
-    <dgm:effectClrLst/>
-    <dgm:txLinClrLst/>
-    <dgm:txFillClrLst/>
-    <dgm:txEffectClrLst/>
-  </dgm:styleLbl>
-  <dgm:styleLbl name="asst2">
-    <dgm:fillClrLst meth="repeat">
-      <a:schemeClr val="accent1"/>
-    </dgm:fillClrLst>
-    <dgm:linClrLst meth="repeat">
-      <a:schemeClr val="lt1"/>
-    </dgm:linClrLst>
-    <dgm:effectClrLst/>
-    <dgm:txLinClrLst/>
-    <dgm:txFillClrLst/>
-    <dgm:txEffectClrLst/>
-  </dgm:styleLbl>
-  <dgm:styleLbl name="asst3">
-    <dgm:fillClrLst meth="repeat">
-      <a:schemeClr val="accent1"/>
-    </dgm:fillClrLst>
-    <dgm:linClrLst meth="repeat">
-      <a:schemeClr val="lt1"/>
-    </dgm:linClrLst>
-    <dgm:effectClrLst/>
-    <dgm:txLinClrLst/>
-    <dgm:txFillClrLst/>
-    <dgm:txEffectClrLst/>
-  </dgm:styleLbl>
-  <dgm:styleLbl name="asst4">
-    <dgm:fillClrLst meth="repeat">
-      <a:schemeClr val="accent1"/>
-    </dgm:fillClrLst>
-    <dgm:linClrLst meth="repeat">
-      <a:schemeClr val="lt1"/>
-    </dgm:linClrLst>
-    <dgm:effectClrLst/>
-    <dgm:txLinClrLst/>
-    <dgm:txFillClrLst/>
-    <dgm:txEffectClrLst/>
-  </dgm:styleLbl>
-  <dgm:styleLbl name="parChTrans2D1">
-    <dgm:fillClrLst meth="repeat">
-      <a:schemeClr val="accent1">
-        <a:tint val="60000"/>
-      </a:schemeClr>
-    </dgm:fillClrLst>
-    <dgm:linClrLst meth="repeat">
-      <a:schemeClr val="accent1">
-        <a:tint val="60000"/>
-      </a:schemeClr>
-    </dgm:linClrLst>
-    <dgm:effectClrLst/>
-    <dgm:txLinClrLst/>
-    <dgm:txFillClrLst meth="repeat">
-      <a:schemeClr val="lt1"/>
-    </dgm:txFillClrLst>
-    <dgm:txEffectClrLst/>
-  </dgm:styleLbl>
-  <dgm:styleLbl name="parChTrans2D2">
-    <dgm:fillClrLst meth="repeat">
-      <a:schemeClr val="accent1"/>
-    </dgm:fillClrLst>
-    <dgm:linClrLst meth="repeat">
-      <a:schemeClr val="accent1"/>
-    </dgm:linClrLst>
-    <dgm:effectClrLst/>
-    <dgm:txLinClrLst/>
-    <dgm:txFillClrLst meth="repeat">
-      <a:schemeClr val="lt1"/>
-    </dgm:txFillClrLst>
-    <dgm:txEffectClrLst/>
-  </dgm:styleLbl>
-  <dgm:styleLbl name="parChTrans2D3">
-    <dgm:fillClrLst meth="repeat">
-      <a:schemeClr val="accent1"/>
-    </dgm:fillClrLst>
-    <dgm:linClrLst meth="repeat">
-      <a:schemeClr val="accent1"/>
-    </dgm:linClrLst>
-    <dgm:effectClrLst/>
-    <dgm:txLinClrLst/>
-    <dgm:txFillClrLst meth="repeat">
-      <a:schemeClr val="lt1"/>
-    </dgm:txFillClrLst>
-    <dgm:txEffectClrLst/>
-  </dgm:styleLbl>
-  <dgm:styleLbl name="parChTrans2D4">
-    <dgm:fillClrLst meth="repeat">
-      <a:schemeClr val="accent1"/>
-    </dgm:fillClrLst>
-    <dgm:linClrLst meth="repeat">
-      <a:schemeClr val="accent1"/>
-    </dgm:linClrLst>
-    <dgm:effectClrLst/>
-    <dgm:txLinClrLst/>
-    <dgm:txFillClrLst meth="repeat">
-      <a:schemeClr val="lt1"/>
-    </dgm:txFillClrLst>
-    <dgm:txEffectClrLst/>
-  </dgm:styleLbl>
-  <dgm:styleLbl name="parChTrans1D1">
-    <dgm:fillClrLst meth="repeat">
-      <a:schemeClr val="accent1"/>
-    </dgm:fillClrLst>
-    <dgm:linClrLst meth="repeat">
-      <a:schemeClr val="accent1">
-        <a:shade val="60000"/>
-      </a:schemeClr>
-    </dgm:linClrLst>
-    <dgm:effectClrLst/>
-    <dgm:txLinClrLst/>
-    <dgm:txFillClrLst meth="repeat">
-      <a:schemeClr val="tx1"/>
-    </dgm:txFillClrLst>
-    <dgm:txEffectClrLst/>
-  </dgm:styleLbl>
-  <dgm:styleLbl name="parChTrans1D2">
-    <dgm:fillClrLst meth="repeat">
-      <a:schemeClr val="accent1"/>
-    </dgm:fillClrLst>
-    <dgm:linClrLst meth="repeat">
-      <a:schemeClr val="accent1">
-        <a:shade val="60000"/>
-      </a:schemeClr>
-    </dgm:linClrLst>
-    <dgm:effectClrLst/>
-    <dgm:txLinClrLst/>
-    <dgm:txFillClrLst meth="repeat">
-      <a:schemeClr val="tx1"/>
-    </dgm:txFillClrLst>
-    <dgm:txEffectClrLst/>
-  </dgm:styleLbl>
-  <dgm:styleLbl name="parChTrans1D3">
-    <dgm:fillClrLst meth="repeat">
-      <a:schemeClr val="accent1"/>
-    </dgm:fillClrLst>
-    <dgm:linClrLst meth="repeat">
-      <a:schemeClr val="accent1">
-        <a:shade val="80000"/>
-      </a:schemeClr>
-    </dgm:linClrLst>
-    <dgm:effectClrLst/>
-    <dgm:txLinClrLst/>
-    <dgm:txFillClrLst meth="repeat">
-      <a:schemeClr val="tx1"/>
-    </dgm:txFillClrLst>
-    <dgm:txEffectClrLst/>
-  </dgm:styleLbl>
-  <dgm:styleLbl name="parChTrans1D4">
-    <dgm:fillClrLst meth="repeat">
-      <a:schemeClr val="accent1"/>
-    </dgm:fillClrLst>
-    <dgm:linClrLst meth="repeat">
-      <a:schemeClr val="accent1">
-        <a:shade val="80000"/>
-      </a:schemeClr>
-    </dgm:linClrLst>
-    <dgm:effectClrLst/>
-    <dgm:txLinClrLst/>
-    <dgm:txFillClrLst meth="repeat">
-      <a:schemeClr val="tx1"/>
-    </dgm:txFillClrLst>
-    <dgm:txEffectClrLst/>
-  </dgm:styleLbl>
-  <dgm:styleLbl name="fgAcc1">
-    <dgm:fillClrLst meth="repeat">
-      <a:schemeClr val="lt1">
-        <a:alpha val="90000"/>
-      </a:schemeClr>
-    </dgm:fillClrLst>
-    <dgm:linClrLst meth="repeat">
-      <a:schemeClr val="accent1"/>
-    </dgm:linClrLst>
-    <dgm:effectClrLst/>
-    <dgm:txLinClrLst/>
-    <dgm:txFillClrLst meth="repeat">
-      <a:schemeClr val="dk1"/>
-    </dgm:txFillClrLst>
-    <dgm:txEffectClrLst/>
-  </dgm:styleLbl>
-  <dgm:styleLbl name="conFgAcc1">
-    <dgm:fillClrLst meth="repeat">
-      <a:schemeClr val="lt1">
-        <a:alpha val="90000"/>
-      </a:schemeClr>
-    </dgm:fillClrLst>
-    <dgm:linClrLst meth="repeat">
-      <a:schemeClr val="accent1"/>
-    </dgm:linClrLst>
-    <dgm:effectClrLst/>
-    <dgm:txLinClrLst/>
-    <dgm:txFillClrLst meth="repeat">
-      <a:schemeClr val="dk1"/>
-    </dgm:txFillClrLst>
-    <dgm:txEffectClrLst/>
-  </dgm:styleLbl>
-  <dgm:styleLbl name="alignAcc1">
-    <dgm:fillClrLst meth="repeat">
-      <a:schemeClr val="lt1">
-        <a:alpha val="90000"/>
-      </a:schemeClr>
-    </dgm:fillClrLst>
-    <dgm:linClrLst meth="repeat">
-      <a:schemeClr val="accent1"/>
-    </dgm:linClrLst>
-    <dgm:effectClrLst/>
-    <dgm:txLinClrLst/>
-    <dgm:txFillClrLst meth="repeat">
-      <a:schemeClr val="dk1"/>
-    </dgm:txFillClrLst>
-    <dgm:txEffectClrLst/>
-  </dgm:styleLbl>
-  <dgm:styleLbl name="trAlignAcc1">
-    <dgm:fillClrLst meth="repeat">
-      <a:schemeClr val="lt1">
-        <a:alpha val="40000"/>
-      </a:schemeClr>
-    </dgm:fillClrLst>
-    <dgm:linClrLst meth="repeat">
-      <a:schemeClr val="accent1"/>
-    </dgm:linClrLst>
-    <dgm:effectClrLst/>
-    <dgm:txLinClrLst/>
-    <dgm:txFillClrLst meth="repeat">
-      <a:schemeClr val="dk1"/>
-    </dgm:txFillClrLst>
-    <dgm:txEffectClrLst/>
-  </dgm:styleLbl>
-  <dgm:styleLbl name="bgAcc1">
-    <dgm:fillClrLst meth="repeat">
-      <a:schemeClr val="lt1">
-        <a:alpha val="90000"/>
-      </a:schemeClr>
-    </dgm:fillClrLst>
-    <dgm:linClrLst meth="repeat">
-      <a:schemeClr val="accent1"/>
-    </dgm:linClrLst>
-    <dgm:effectClrLst/>
-    <dgm:txLinClrLst/>
-    <dgm:txFillClrLst meth="repeat">
-      <a:schemeClr val="dk1"/>
-    </dgm:txFillClrLst>
-    <dgm:txEffectClrLst/>
-  </dgm:styleLbl>
-  <dgm:styleLbl name="solidFgAcc1">
-    <dgm:fillClrLst meth="repeat">
-      <a:schemeClr val="lt1"/>
-    </dgm:fillClrLst>
-    <dgm:linClrLst meth="repeat">
-      <a:schemeClr val="accent1"/>
-    </dgm:linClrLst>
-    <dgm:effectClrLst/>
-    <dgm:txLinClrLst/>
-    <dgm:txFillClrLst meth="repeat">
-      <a:schemeClr val="dk1"/>
-    </dgm:txFillClrLst>
-    <dgm:txEffectClrLst/>
-  </dgm:styleLbl>
-  <dgm:styleLbl name="solidAlignAcc1">
-    <dgm:fillClrLst meth="repeat">
-      <a:schemeClr val="lt1"/>
-    </dgm:fillClrLst>
-    <dgm:linClrLst meth="repeat">
-      <a:schemeClr val="accent1"/>
-    </dgm:linClrLst>
-    <dgm:effectClrLst/>
-    <dgm:txLinClrLst/>
-    <dgm:txFillClrLst meth="repeat">
-      <a:schemeClr val="dk1"/>
-    </dgm:txFillClrLst>
-    <dgm:txEffectClrLst/>
-  </dgm:styleLbl>
-  <dgm:styleLbl name="solidBgAcc1">
-    <dgm:fillClrLst meth="repeat">
-      <a:schemeClr val="lt1"/>
-    </dgm:fillClrLst>
-    <dgm:linClrLst meth="repeat">
-      <a:schemeClr val="accent1"/>
-    </dgm:linClrLst>
-    <dgm:effectClrLst/>
-    <dgm:txLinClrLst/>
-    <dgm:txFillClrLst meth="repeat">
-      <a:schemeClr val="dk1"/>
-    </dgm:txFillClrLst>
-    <dgm:txEffectClrLst/>
-  </dgm:styleLbl>
-  <dgm:styleLbl name="fgAccFollowNode1">
-    <dgm:fillClrLst meth="repeat">
-      <a:schemeClr val="accent1">
-        <a:alpha val="90000"/>
-        <a:tint val="40000"/>
-      </a:schemeClr>
-    </dgm:fillClrLst>
-    <dgm:linClrLst meth="repeat">
-      <a:schemeClr val="accent1">
-        <a:alpha val="90000"/>
-        <a:tint val="40000"/>
-      </a:schemeClr>
-    </dgm:linClrLst>
-    <dgm:effectClrLst/>
-    <dgm:txLinClrLst/>
-    <dgm:txFillClrLst meth="repeat">
-      <a:schemeClr val="dk1"/>
-    </dgm:txFillClrLst>
-    <dgm:txEffectClrLst/>
-  </dgm:styleLbl>
-  <dgm:styleLbl name="alignAccFollowNode1">
-    <dgm:fillClrLst meth="repeat">
-      <a:schemeClr val="accent1">
-        <a:alpha val="90000"/>
-        <a:tint val="40000"/>
-      </a:schemeClr>
-    </dgm:fillClrLst>
-    <dgm:linClrLst meth="repeat">
-      <a:schemeClr val="accent1">
-        <a:alpha val="90000"/>
-        <a:tint val="40000"/>
-      </a:schemeClr>
-    </dgm:linClrLst>
-    <dgm:effectClrLst/>
-    <dgm:txLinClrLst/>
-    <dgm:txFillClrLst meth="repeat">
-      <a:schemeClr val="dk1"/>
-    </dgm:txFillClrLst>
-    <dgm:txEffectClrLst/>
-  </dgm:styleLbl>
-  <dgm:styleLbl name="bgAccFollowNode1">
-    <dgm:fillClrLst meth="repeat">
-      <a:schemeClr val="accent1">
-        <a:alpha val="90000"/>
-        <a:tint val="40000"/>
-      </a:schemeClr>
-    </dgm:fillClrLst>
-    <dgm:linClrLst meth="repeat">
-      <a:schemeClr val="accent1">
-        <a:alpha val="90000"/>
-        <a:tint val="40000"/>
-      </a:schemeClr>
-    </dgm:linClrLst>
-    <dgm:effectClrLst/>
-    <dgm:txLinClrLst/>
-    <dgm:txFillClrLst meth="repeat">
-      <a:schemeClr val="dk1"/>
-    </dgm:txFillClrLst>
-    <dgm:txEffectClrLst/>
-  </dgm:styleLbl>
-  <dgm:styleLbl name="fgAcc0">
-    <dgm:fillClrLst meth="repeat">
-      <a:schemeClr val="lt1">
-        <a:alpha val="90000"/>
-      </a:schemeClr>
-    </dgm:fillClrLst>
-    <dgm:linClrLst meth="repeat">
-      <a:schemeClr val="accent1"/>
-    </dgm:linClrLst>
-    <dgm:effectClrLst/>
-    <dgm:txLinClrLst/>
-    <dgm:txFillClrLst meth="repeat">
-      <a:schemeClr val="dk1"/>
-    </dgm:txFillClrLst>
-    <dgm:txEffectClrLst/>
-  </dgm:styleLbl>
-  <dgm:styleLbl name="fgAcc2">
-    <dgm:fillClrLst meth="repeat">
-      <a:schemeClr val="lt1">
-        <a:alpha val="90000"/>
-      </a:schemeClr>
-    </dgm:fillClrLst>
-    <dgm:linClrLst meth="repeat">
-      <a:schemeClr val="accent1"/>
-    </dgm:linClrLst>
-    <dgm:effectClrLst/>
-    <dgm:txLinClrLst/>
-    <dgm:txFillClrLst meth="repeat">
-      <a:schemeClr val="dk1"/>
-    </dgm:txFillClrLst>
-    <dgm:txEffectClrLst/>
-  </dgm:styleLbl>
-  <dgm:styleLbl name="fgAcc3">
-    <dgm:fillClrLst meth="repeat">
-      <a:schemeClr val="lt1">
-        <a:alpha val="90000"/>
-      </a:schemeClr>
-    </dgm:fillClrLst>
-    <dgm:linClrLst meth="repeat">
-      <a:schemeClr val="accent1"/>
-    </dgm:linClrLst>
-    <dgm:effectClrLst/>
-    <dgm:txLinClrLst/>
-    <dgm:txFillClrLst meth="repeat">
-      <a:schemeClr val="dk1"/>
-    </dgm:txFillClrLst>
-    <dgm:txEffectClrLst/>
-  </dgm:styleLbl>
-  <dgm:styleLbl name="fgAcc4">
-    <dgm:fillClrLst meth="repeat">
-      <a:schemeClr val="lt1">
-        <a:alpha val="90000"/>
-      </a:schemeClr>
-    </dgm:fillClrLst>
-    <dgm:linClrLst meth="repeat">
-      <a:schemeClr val="accent1"/>
-    </dgm:linClrLst>
-    <dgm:effectClrLst/>
-    <dgm:txLinClrLst/>
-    <dgm:txFillClrLst meth="repeat">
-      <a:schemeClr val="dk1"/>
-    </dgm:txFillClrLst>
-    <dgm:txEffectClrLst/>
-  </dgm:styleLbl>
-  <dgm:styleLbl name="bgShp">
-    <dgm:fillClrLst meth="repeat">
-      <a:schemeClr val="accent1">
-        <a:tint val="40000"/>
-      </a:schemeClr>
-    </dgm:fillClrLst>
-    <dgm:linClrLst meth="repeat">
-      <a:schemeClr val="accent1"/>
-    </dgm:linClrLst>
-    <dgm:effectClrLst/>
-    <dgm:txLinClrLst/>
-    <dgm:txFillClrLst meth="repeat">
-      <a:schemeClr val="dk1"/>
-    </dgm:txFillClrLst>
-    <dgm:txEffectClrLst/>
-  </dgm:styleLbl>
-  <dgm:styleLbl name="dkBgShp">
-    <dgm:fillClrLst meth="repeat">
-      <a:schemeClr val="accent1">
-        <a:shade val="80000"/>
-      </a:schemeClr>
-    </dgm:fillClrLst>
-    <dgm:linClrLst meth="repeat">
-      <a:schemeClr val="accent1"/>
-    </dgm:linClrLst>
-    <dgm:effectClrLst/>
-    <dgm:txLinClrLst/>
-    <dgm:txFillClrLst meth="repeat">
-      <a:schemeClr val="lt1"/>
-    </dgm:txFillClrLst>
-    <dgm:txEffectClrLst/>
-  </dgm:styleLbl>
-  <dgm:styleLbl name="trBgShp">
-    <dgm:fillClrLst meth="repeat">
-      <a:schemeClr val="accent1">
-        <a:tint val="50000"/>
-        <a:alpha val="40000"/>
-      </a:schemeClr>
-    </dgm:fillClrLst>
-    <dgm:linClrLst meth="repeat">
-      <a:schemeClr val="accent1"/>
-    </dgm:linClrLst>
-    <dgm:effectClrLst/>
-    <dgm:txLinClrLst/>
-    <dgm:txFillClrLst meth="repeat">
-      <a:schemeClr val="lt1"/>
-    </dgm:txFillClrLst>
-    <dgm:txEffectClrLst/>
-  </dgm:styleLbl>
-  <dgm:styleLbl name="fgShp">
-    <dgm:fillClrLst meth="repeat">
-      <a:schemeClr val="accent1">
-        <a:tint val="60000"/>
-      </a:schemeClr>
-    </dgm:fillClrLst>
-    <dgm:linClrLst meth="repeat">
-      <a:schemeClr val="lt1"/>
-    </dgm:linClrLst>
-    <dgm:effectClrLst/>
-    <dgm:txLinClrLst/>
-    <dgm:txFillClrLst meth="repeat">
-      <a:schemeClr val="dk1"/>
-    </dgm:txFillClrLst>
-    <dgm:txEffectClrLst/>
-  </dgm:styleLbl>
-  <dgm:styleLbl name="revTx">
-    <dgm:fillClrLst meth="repeat">
-      <a:schemeClr val="lt1">
-        <a:alpha val="0"/>
-      </a:schemeClr>
-    </dgm:fillClrLst>
-    <dgm:linClrLst meth="repeat">
-      <a:schemeClr val="dk1">
-        <a:alpha val="0"/>
-      </a:schemeClr>
-    </dgm:linClrLst>
-    <dgm:effectClrLst/>
-    <dgm:txLinClrLst/>
-    <dgm:txFillClrLst meth="repeat">
-      <a:schemeClr val="tx1"/>
-    </dgm:txFillClrLst>
-    <dgm:txEffectClrLst/>
-  </dgm:styleLbl>
-</dgm:colorsDef>
-</file>
-
-<file path=ppt/diagrams/colors4.xml><?xml version="1.0" encoding="utf-8"?>
-<dgm:colorsDef xmlns:dgm="http://schemas.openxmlformats.org/drawingml/2006/diagram" xmlns:a="http://schemas.openxmlformats.org/drawingml/2006/main" uniqueId="urn:microsoft.com/office/officeart/2005/8/colors/accent1_2">
-  <dgm:title val=""/>
-  <dgm:desc val=""/>
-  <dgm:catLst>
-    <dgm:cat type="accent1" pri="11200"/>
-  </dgm:catLst>
-  <dgm:styleLbl name="node0">
-    <dgm:fillClrLst meth="repeat">
-      <a:schemeClr val="accent1"/>
-    </dgm:fillClrLst>
-    <dgm:linClrLst meth="repeat">
-      <a:schemeClr val="lt1"/>
-    </dgm:linClrLst>
-    <dgm:effectClrLst/>
-    <dgm:txLinClrLst/>
-    <dgm:txFillClrLst/>
-    <dgm:txEffectClrLst/>
-  </dgm:styleLbl>
-  <dgm:styleLbl name="alignNode1">
-    <dgm:fillClrLst meth="repeat">
-      <a:schemeClr val="accent1"/>
-    </dgm:fillClrLst>
-    <dgm:linClrLst meth="repeat">
-      <a:schemeClr val="accent1"/>
-    </dgm:linClrLst>
-    <dgm:effectClrLst/>
-    <dgm:txLinClrLst/>
-    <dgm:txFillClrLst/>
-    <dgm:txEffectClrLst/>
-  </dgm:styleLbl>
-  <dgm:styleLbl name="node1">
-    <dgm:fillClrLst meth="repeat">
-      <a:schemeClr val="accent1"/>
-    </dgm:fillClrLst>
-    <dgm:linClrLst meth="repeat">
-      <a:schemeClr val="lt1"/>
-    </dgm:linClrLst>
-    <dgm:effectClrLst/>
-    <dgm:txLinClrLst/>
-    <dgm:txFillClrLst/>
-    <dgm:txEffectClrLst/>
-  </dgm:styleLbl>
-  <dgm:styleLbl name="lnNode1">
-    <dgm:fillClrLst meth="repeat">
-      <a:schemeClr val="accent1"/>
-    </dgm:fillClrLst>
-    <dgm:linClrLst meth="repeat">
-      <a:schemeClr val="lt1"/>
-    </dgm:linClrLst>
-    <dgm:effectClrLst/>
-    <dgm:txLinClrLst/>
-    <dgm:txFillClrLst/>
-    <dgm:txEffectClrLst/>
-  </dgm:styleLbl>
-  <dgm:styleLbl name="vennNode1">
-    <dgm:fillClrLst meth="repeat">
-      <a:schemeClr val="accent1">
-        <a:alpha val="50000"/>
-      </a:schemeClr>
-    </dgm:fillClrLst>
-    <dgm:linClrLst meth="repeat">
-      <a:schemeClr val="lt1"/>
-    </dgm:linClrLst>
-    <dgm:effectClrLst/>
-    <dgm:txLinClrLst/>
-    <dgm:txFillClrLst/>
-    <dgm:txEffectClrLst/>
-  </dgm:styleLbl>
-  <dgm:styleLbl name="node2">
-    <dgm:fillClrLst meth="repeat">
-      <a:schemeClr val="accent1"/>
-    </dgm:fillClrLst>
-    <dgm:linClrLst meth="repeat">
-      <a:schemeClr val="lt1"/>
-    </dgm:linClrLst>
-    <dgm:effectClrLst/>
-    <dgm:txLinClrLst/>
-    <dgm:txFillClrLst/>
-    <dgm:txEffectClrLst/>
-  </dgm:styleLbl>
-  <dgm:styleLbl name="node3">
-    <dgm:fillClrLst meth="repeat">
-      <a:schemeClr val="accent1"/>
-    </dgm:fillClrLst>
-    <dgm:linClrLst meth="repeat">
-      <a:schemeClr val="lt1"/>
-    </dgm:linClrLst>
-    <dgm:effectClrLst/>
-    <dgm:txLinClrLst/>
-    <dgm:txFillClrLst/>
-    <dgm:txEffectClrLst/>
-  </dgm:styleLbl>
-  <dgm:styleLbl name="node4">
-    <dgm:fillClrLst meth="repeat">
-      <a:schemeClr val="accent1"/>
-    </dgm:fillClrLst>
-    <dgm:linClrLst meth="repeat">
-      <a:schemeClr val="lt1"/>
-    </dgm:linClrLst>
-    <dgm:effectClrLst/>
-    <dgm:txLinClrLst/>
-    <dgm:txFillClrLst/>
-    <dgm:txEffectClrLst/>
-  </dgm:styleLbl>
-  <dgm:styleLbl name="fgImgPlace1">
-    <dgm:fillClrLst meth="repeat">
-      <a:schemeClr val="accent1">
-        <a:tint val="50000"/>
-      </a:schemeClr>
-    </dgm:fillClrLst>
-    <dgm:linClrLst meth="repeat">
-      <a:schemeClr val="lt1"/>
-    </dgm:linClrLst>
-    <dgm:effectClrLst/>
-    <dgm:txLinClrLst/>
-    <dgm:txFillClrLst meth="repeat">
-      <a:schemeClr val="lt1"/>
-    </dgm:txFillClrLst>
-    <dgm:txEffectClrLst/>
-  </dgm:styleLbl>
-  <dgm:styleLbl name="alignImgPlace1">
-    <dgm:fillClrLst meth="repeat">
-      <a:schemeClr val="accent1">
-        <a:tint val="50000"/>
-      </a:schemeClr>
-    </dgm:fillClrLst>
-    <dgm:linClrLst meth="repeat">
-      <a:schemeClr val="lt1"/>
-    </dgm:linClrLst>
-    <dgm:effectClrLst/>
-    <dgm:txLinClrLst/>
-    <dgm:txFillClrLst meth="repeat">
-      <a:schemeClr val="lt1"/>
-    </dgm:txFillClrLst>
-    <dgm:txEffectClrLst/>
-  </dgm:styleLbl>
-  <dgm:styleLbl name="bgImgPlace1">
-    <dgm:fillClrLst meth="repeat">
-      <a:schemeClr val="accent1">
-        <a:tint val="50000"/>
-      </a:schemeClr>
-    </dgm:fillClrLst>
-    <dgm:linClrLst meth="repeat">
-      <a:schemeClr val="lt1"/>
-    </dgm:linClrLst>
-    <dgm:effectClrLst/>
-    <dgm:txLinClrLst/>
-    <dgm:txFillClrLst meth="repeat">
-      <a:schemeClr val="lt1"/>
-    </dgm:txFillClrLst>
-    <dgm:txEffectClrLst/>
-  </dgm:styleLbl>
-  <dgm:styleLbl name="sibTrans2D1">
-    <dgm:fillClrLst meth="repeat">
-      <a:schemeClr val="accent1">
-        <a:tint val="60000"/>
-      </a:schemeClr>
-    </dgm:fillClrLst>
-    <dgm:linClrLst meth="repeat">
-      <a:schemeClr val="accent1">
-        <a:tint val="60000"/>
-      </a:schemeClr>
-    </dgm:linClrLst>
-    <dgm:effectClrLst/>
-    <dgm:txLinClrLst/>
-    <dgm:txFillClrLst/>
-    <dgm:txEffectClrLst/>
-  </dgm:styleLbl>
-  <dgm:styleLbl name="fgSibTrans2D1">
-    <dgm:fillClrLst meth="repeat">
-      <a:schemeClr val="accent1">
-        <a:tint val="60000"/>
-      </a:schemeClr>
-    </dgm:fillClrLst>
-    <dgm:linClrLst meth="repeat">
-      <a:schemeClr val="accent1">
-        <a:tint val="60000"/>
-      </a:schemeClr>
-    </dgm:linClrLst>
-    <dgm:effectClrLst/>
-    <dgm:txLinClrLst/>
-    <dgm:txFillClrLst/>
-    <dgm:txEffectClrLst/>
-  </dgm:styleLbl>
-  <dgm:styleLbl name="bgSibTrans2D1">
-    <dgm:fillClrLst meth="repeat">
-      <a:schemeClr val="accent1">
-        <a:tint val="60000"/>
-      </a:schemeClr>
-    </dgm:fillClrLst>
-    <dgm:linClrLst meth="repeat">
-      <a:schemeClr val="accent1">
-        <a:tint val="60000"/>
-      </a:schemeClr>
-    </dgm:linClrLst>
-    <dgm:effectClrLst/>
-    <dgm:txLinClrLst/>
-    <dgm:txFillClrLst/>
-    <dgm:txEffectClrLst/>
-  </dgm:styleLbl>
-  <dgm:styleLbl name="sibTrans1D1">
-    <dgm:fillClrLst meth="repeat">
-      <a:schemeClr val="accent1"/>
-    </dgm:fillClrLst>
-    <dgm:linClrLst meth="repeat">
-      <a:schemeClr val="accent1"/>
-    </dgm:linClrLst>
-    <dgm:effectClrLst/>
-    <dgm:txLinClrLst/>
-    <dgm:txFillClrLst meth="repeat">
-      <a:schemeClr val="tx1"/>
-    </dgm:txFillClrLst>
-    <dgm:txEffectClrLst/>
-  </dgm:styleLbl>
-  <dgm:styleLbl name="callout">
-    <dgm:fillClrLst meth="repeat">
-      <a:schemeClr val="accent1"/>
-    </dgm:fillClrLst>
-    <dgm:linClrLst meth="repeat">
-      <a:schemeClr val="accent1">
-        <a:tint val="50000"/>
-      </a:schemeClr>
-    </dgm:linClrLst>
-    <dgm:effectClrLst/>
-    <dgm:txLinClrLst/>
-    <dgm:txFillClrLst meth="repeat">
-      <a:schemeClr val="tx1"/>
-    </dgm:txFillClrLst>
-    <dgm:txEffectClrLst/>
-  </dgm:styleLbl>
-  <dgm:styleLbl name="asst0">
-    <dgm:fillClrLst meth="repeat">
-      <a:schemeClr val="accent1"/>
-    </dgm:fillClrLst>
-    <dgm:linClrLst meth="repeat">
-      <a:schemeClr val="lt1"/>
-    </dgm:linClrLst>
-    <dgm:effectClrLst/>
-    <dgm:txLinClrLst/>
-    <dgm:txFillClrLst/>
-    <dgm:txEffectClrLst/>
-  </dgm:styleLbl>
-  <dgm:styleLbl name="asst1">
-    <dgm:fillClrLst meth="repeat">
-      <a:schemeClr val="accent1"/>
-    </dgm:fillClrLst>
-    <dgm:linClrLst meth="repeat">
-      <a:schemeClr val="lt1"/>
-    </dgm:linClrLst>
-    <dgm:effectClrLst/>
-    <dgm:txLinClrLst/>
-    <dgm:txFillClrLst/>
-    <dgm:txEffectClrLst/>
-  </dgm:styleLbl>
-  <dgm:styleLbl name="asst2">
-    <dgm:fillClrLst meth="repeat">
-      <a:schemeClr val="accent1"/>
-    </dgm:fillClrLst>
-    <dgm:linClrLst meth="repeat">
-      <a:schemeClr val="lt1"/>
-    </dgm:linClrLst>
-    <dgm:effectClrLst/>
-    <dgm:txLinClrLst/>
-    <dgm:txFillClrLst/>
-    <dgm:txEffectClrLst/>
-  </dgm:styleLbl>
-  <dgm:styleLbl name="asst3">
-    <dgm:fillClrLst meth="repeat">
-      <a:schemeClr val="accent1"/>
-    </dgm:fillClrLst>
-    <dgm:linClrLst meth="repeat">
-      <a:schemeClr val="lt1"/>
-    </dgm:linClrLst>
-    <dgm:effectClrLst/>
-    <dgm:txLinClrLst/>
-    <dgm:txFillClrLst/>
-    <dgm:txEffectClrLst/>
-  </dgm:styleLbl>
-  <dgm:styleLbl name="asst4">
-    <dgm:fillClrLst meth="repeat">
-      <a:schemeClr val="accent1"/>
-    </dgm:fillClrLst>
-    <dgm:linClrLst meth="repeat">
-      <a:schemeClr val="lt1"/>
-    </dgm:linClrLst>
-    <dgm:effectClrLst/>
-    <dgm:txLinClrLst/>
-    <dgm:txFillClrLst/>
-    <dgm:txEffectClrLst/>
-  </dgm:styleLbl>
-  <dgm:styleLbl name="parChTrans2D1">
-    <dgm:fillClrLst meth="repeat">
-      <a:schemeClr val="accent1">
-        <a:tint val="60000"/>
-      </a:schemeClr>
-    </dgm:fillClrLst>
-    <dgm:linClrLst meth="repeat">
-      <a:schemeClr val="accent1">
-        <a:tint val="60000"/>
-      </a:schemeClr>
-    </dgm:linClrLst>
-    <dgm:effectClrLst/>
-    <dgm:txLinClrLst/>
-    <dgm:txFillClrLst meth="repeat">
-      <a:schemeClr val="lt1"/>
-    </dgm:txFillClrLst>
-    <dgm:txEffectClrLst/>
-  </dgm:styleLbl>
-  <dgm:styleLbl name="parChTrans2D2">
-    <dgm:fillClrLst meth="repeat">
-      <a:schemeClr val="accent1"/>
-    </dgm:fillClrLst>
-    <dgm:linClrLst meth="repeat">
-      <a:schemeClr val="accent1"/>
-    </dgm:linClrLst>
-    <dgm:effectClrLst/>
-    <dgm:txLinClrLst/>
-    <dgm:txFillClrLst meth="repeat">
-      <a:schemeClr val="lt1"/>
-    </dgm:txFillClrLst>
-    <dgm:txEffectClrLst/>
-  </dgm:styleLbl>
-  <dgm:styleLbl name="parChTrans2D3">
-    <dgm:fillClrLst meth="repeat">
-      <a:schemeClr val="accent1"/>
-    </dgm:fillClrLst>
-    <dgm:linClrLst meth="repeat">
-      <a:schemeClr val="accent1"/>
-    </dgm:linClrLst>
-    <dgm:effectClrLst/>
-    <dgm:txLinClrLst/>
-    <dgm:txFillClrLst meth="repeat">
-      <a:schemeClr val="lt1"/>
-    </dgm:txFillClrLst>
-    <dgm:txEffectClrLst/>
-  </dgm:styleLbl>
-  <dgm:styleLbl name="parChTrans2D4">
-    <dgm:fillClrLst meth="repeat">
-      <a:schemeClr val="accent1"/>
-    </dgm:fillClrLst>
-    <dgm:linClrLst meth="repeat">
-      <a:schemeClr val="accent1"/>
-    </dgm:linClrLst>
-    <dgm:effectClrLst/>
-    <dgm:txLinClrLst/>
-    <dgm:txFillClrLst meth="repeat">
-      <a:schemeClr val="lt1"/>
-    </dgm:txFillClrLst>
-    <dgm:txEffectClrLst/>
-  </dgm:styleLbl>
-  <dgm:styleLbl name="parChTrans1D1">
-    <dgm:fillClrLst meth="repeat">
-      <a:schemeClr val="accent1"/>
-    </dgm:fillClrLst>
-    <dgm:linClrLst meth="repeat">
-      <a:schemeClr val="accent1">
-        <a:shade val="60000"/>
-      </a:schemeClr>
-    </dgm:linClrLst>
-    <dgm:effectClrLst/>
-    <dgm:txLinClrLst/>
-    <dgm:txFillClrLst meth="repeat">
-      <a:schemeClr val="tx1"/>
-    </dgm:txFillClrLst>
-    <dgm:txEffectClrLst/>
-  </dgm:styleLbl>
-  <dgm:styleLbl name="parChTrans1D2">
-    <dgm:fillClrLst meth="repeat">
-      <a:schemeClr val="accent1"/>
-    </dgm:fillClrLst>
-    <dgm:linClrLst meth="repeat">
-      <a:schemeClr val="accent1">
-        <a:shade val="60000"/>
-      </a:schemeClr>
-    </dgm:linClrLst>
-    <dgm:effectClrLst/>
-    <dgm:txLinClrLst/>
-    <dgm:txFillClrLst meth="repeat">
-      <a:schemeClr val="tx1"/>
-    </dgm:txFillClrLst>
-    <dgm:txEffectClrLst/>
-  </dgm:styleLbl>
-  <dgm:styleLbl name="parChTrans1D3">
-    <dgm:fillClrLst meth="repeat">
-      <a:schemeClr val="accent1"/>
-    </dgm:fillClrLst>
-    <dgm:linClrLst meth="repeat">
-      <a:schemeClr val="accent1">
-        <a:shade val="80000"/>
-      </a:schemeClr>
-    </dgm:linClrLst>
-    <dgm:effectClrLst/>
-    <dgm:txLinClrLst/>
-    <dgm:txFillClrLst meth="repeat">
-      <a:schemeClr val="tx1"/>
-    </dgm:txFillClrLst>
-    <dgm:txEffectClrLst/>
-  </dgm:styleLbl>
-  <dgm:styleLbl name="parChTrans1D4">
-    <dgm:fillClrLst meth="repeat">
-      <a:schemeClr val="accent1"/>
-    </dgm:fillClrLst>
-    <dgm:linClrLst meth="repeat">
-      <a:schemeClr val="accent1">
-        <a:shade val="80000"/>
-      </a:schemeClr>
-    </dgm:linClrLst>
-    <dgm:effectClrLst/>
-    <dgm:txLinClrLst/>
-    <dgm:txFillClrLst meth="repeat">
-      <a:schemeClr val="tx1"/>
-    </dgm:txFillClrLst>
-    <dgm:txEffectClrLst/>
-  </dgm:styleLbl>
-  <dgm:styleLbl name="fgAcc1">
-    <dgm:fillClrLst meth="repeat">
-      <a:schemeClr val="lt1">
-        <a:alpha val="90000"/>
-      </a:schemeClr>
-    </dgm:fillClrLst>
-    <dgm:linClrLst meth="repeat">
-      <a:schemeClr val="accent1"/>
-    </dgm:linClrLst>
-    <dgm:effectClrLst/>
-    <dgm:txLinClrLst/>
-    <dgm:txFillClrLst meth="repeat">
-      <a:schemeClr val="dk1"/>
-    </dgm:txFillClrLst>
-    <dgm:txEffectClrLst/>
-  </dgm:styleLbl>
-  <dgm:styleLbl name="conFgAcc1">
-    <dgm:fillClrLst meth="repeat">
-      <a:schemeClr val="lt1">
-        <a:alpha val="90000"/>
-      </a:schemeClr>
-    </dgm:fillClrLst>
-    <dgm:linClrLst meth="repeat">
-      <a:schemeClr val="accent1"/>
-    </dgm:linClrLst>
-    <dgm:effectClrLst/>
-    <dgm:txLinClrLst/>
-    <dgm:txFillClrLst meth="repeat">
-      <a:schemeClr val="dk1"/>
-    </dgm:txFillClrLst>
-    <dgm:txEffectClrLst/>
-  </dgm:styleLbl>
-  <dgm:styleLbl name="alignAcc1">
-    <dgm:fillClrLst meth="repeat">
-      <a:schemeClr val="lt1">
-        <a:alpha val="90000"/>
-      </a:schemeClr>
-    </dgm:fillClrLst>
-    <dgm:linClrLst meth="repeat">
-      <a:schemeClr val="accent1"/>
-    </dgm:linClrLst>
-    <dgm:effectClrLst/>
-    <dgm:txLinClrLst/>
-    <dgm:txFillClrLst meth="repeat">
-      <a:schemeClr val="dk1"/>
-    </dgm:txFillClrLst>
-    <dgm:txEffectClrLst/>
-  </dgm:styleLbl>
-  <dgm:styleLbl name="trAlignAcc1">
-    <dgm:fillClrLst meth="repeat">
-      <a:schemeClr val="lt1">
-        <a:alpha val="40000"/>
-      </a:schemeClr>
-    </dgm:fillClrLst>
-    <dgm:linClrLst meth="repeat">
-      <a:schemeClr val="accent1"/>
-    </dgm:linClrLst>
-    <dgm:effectClrLst/>
-    <dgm:txLinClrLst/>
-    <dgm:txFillClrLst meth="repeat">
-      <a:schemeClr val="dk1"/>
-    </dgm:txFillClrLst>
-    <dgm:txEffectClrLst/>
-  </dgm:styleLbl>
-  <dgm:styleLbl name="bgAcc1">
-    <dgm:fillClrLst meth="repeat">
-      <a:schemeClr val="lt1">
-        <a:alpha val="90000"/>
-      </a:schemeClr>
-    </dgm:fillClrLst>
-    <dgm:linClrLst meth="repeat">
-      <a:schemeClr val="accent1"/>
-    </dgm:linClrLst>
-    <dgm:effectClrLst/>
-    <dgm:txLinClrLst/>
-    <dgm:txFillClrLst meth="repeat">
-      <a:schemeClr val="dk1"/>
-    </dgm:txFillClrLst>
-    <dgm:txEffectClrLst/>
-  </dgm:styleLbl>
-  <dgm:styleLbl name="solidFgAcc1">
-    <dgm:fillClrLst meth="repeat">
-      <a:schemeClr val="lt1"/>
-    </dgm:fillClrLst>
-    <dgm:linClrLst meth="repeat">
-      <a:schemeClr val="accent1"/>
-    </dgm:linClrLst>
-    <dgm:effectClrLst/>
-    <dgm:txLinClrLst/>
-    <dgm:txFillClrLst meth="repeat">
-      <a:schemeClr val="dk1"/>
-    </dgm:txFillClrLst>
-    <dgm:txEffectClrLst/>
-  </dgm:styleLbl>
-  <dgm:styleLbl name="solidAlignAcc1">
-    <dgm:fillClrLst meth="repeat">
-      <a:schemeClr val="lt1"/>
-    </dgm:fillClrLst>
-    <dgm:linClrLst meth="repeat">
-      <a:schemeClr val="accent1"/>
-    </dgm:linClrLst>
-    <dgm:effectClrLst/>
-    <dgm:txLinClrLst/>
-    <dgm:txFillClrLst meth="repeat">
-      <a:schemeClr val="dk1"/>
-    </dgm:txFillClrLst>
-    <dgm:txEffectClrLst/>
-  </dgm:styleLbl>
-  <dgm:styleLbl name="solidBgAcc1">
-    <dgm:fillClrLst meth="repeat">
-      <a:schemeClr val="lt1"/>
-    </dgm:fillClrLst>
-    <dgm:linClrLst meth="repeat">
-      <a:schemeClr val="accent1"/>
-    </dgm:linClrLst>
-    <dgm:effectClrLst/>
-    <dgm:txLinClrLst/>
-    <dgm:txFillClrLst meth="repeat">
-      <a:schemeClr val="dk1"/>
-    </dgm:txFillClrLst>
-    <dgm:txEffectClrLst/>
-  </dgm:styleLbl>
-  <dgm:styleLbl name="fgAccFollowNode1">
-    <dgm:fillClrLst meth="repeat">
-      <a:schemeClr val="accent1">
-        <a:alpha val="90000"/>
-        <a:tint val="40000"/>
-      </a:schemeClr>
-    </dgm:fillClrLst>
-    <dgm:linClrLst meth="repeat">
-      <a:schemeClr val="accent1">
-        <a:alpha val="90000"/>
-        <a:tint val="40000"/>
-      </a:schemeClr>
-    </dgm:linClrLst>
-    <dgm:effectClrLst/>
-    <dgm:txLinClrLst/>
-    <dgm:txFillClrLst meth="repeat">
-      <a:schemeClr val="dk1"/>
-    </dgm:txFillClrLst>
-    <dgm:txEffectClrLst/>
-  </dgm:styleLbl>
-  <dgm:styleLbl name="alignAccFollowNode1">
-    <dgm:fillClrLst meth="repeat">
-      <a:schemeClr val="accent1">
-        <a:alpha val="90000"/>
-        <a:tint val="40000"/>
-      </a:schemeClr>
-    </dgm:fillClrLst>
-    <dgm:linClrLst meth="repeat">
-      <a:schemeClr val="accent1">
-        <a:alpha val="90000"/>
-        <a:tint val="40000"/>
-      </a:schemeClr>
-    </dgm:linClrLst>
-    <dgm:effectClrLst/>
-    <dgm:txLinClrLst/>
-    <dgm:txFillClrLst meth="repeat">
-      <a:schemeClr val="dk1"/>
-    </dgm:txFillClrLst>
-    <dgm:txEffectClrLst/>
-  </dgm:styleLbl>
-  <dgm:styleLbl name="bgAccFollowNode1">
-    <dgm:fillClrLst meth="repeat">
-      <a:schemeClr val="accent1">
-        <a:alpha val="90000"/>
-        <a:tint val="40000"/>
-      </a:schemeClr>
-    </dgm:fillClrLst>
-    <dgm:linClrLst meth="repeat">
-      <a:schemeClr val="accent1">
-        <a:alpha val="90000"/>
-        <a:tint val="40000"/>
-      </a:schemeClr>
-    </dgm:linClrLst>
-    <dgm:effectClrLst/>
-    <dgm:txLinClrLst/>
-    <dgm:txFillClrLst meth="repeat">
-      <a:schemeClr val="dk1"/>
-    </dgm:txFillClrLst>
-    <dgm:txEffectClrLst/>
-  </dgm:styleLbl>
-  <dgm:styleLbl name="fgAcc0">
-    <dgm:fillClrLst meth="repeat">
-      <a:schemeClr val="lt1">
-        <a:alpha val="90000"/>
-      </a:schemeClr>
-    </dgm:fillClrLst>
-    <dgm:linClrLst meth="repeat">
-      <a:schemeClr val="accent1"/>
-    </dgm:linClrLst>
-    <dgm:effectClrLst/>
-    <dgm:txLinClrLst/>
-    <dgm:txFillClrLst meth="repeat">
-      <a:schemeClr val="dk1"/>
-    </dgm:txFillClrLst>
-    <dgm:txEffectClrLst/>
-  </dgm:styleLbl>
-  <dgm:styleLbl name="fgAcc2">
-    <dgm:fillClrLst meth="repeat">
-      <a:schemeClr val="lt1">
-        <a:alpha val="90000"/>
-      </a:schemeClr>
-    </dgm:fillClrLst>
-    <dgm:linClrLst meth="repeat">
-      <a:schemeClr val="accent1"/>
-    </dgm:linClrLst>
-    <dgm:effectClrLst/>
-    <dgm:txLinClrLst/>
-    <dgm:txFillClrLst meth="repeat">
-      <a:schemeClr val="dk1"/>
-    </dgm:txFillClrLst>
-    <dgm:txEffectClrLst/>
-  </dgm:styleLbl>
-  <dgm:styleLbl name="fgAcc3">
-    <dgm:fillClrLst meth="repeat">
-      <a:schemeClr val="lt1">
-        <a:alpha val="90000"/>
-      </a:schemeClr>
-    </dgm:fillClrLst>
-    <dgm:linClrLst meth="repeat">
-      <a:schemeClr val="accent1"/>
-    </dgm:linClrLst>
-    <dgm:effectClrLst/>
-    <dgm:txLinClrLst/>
-    <dgm:txFillClrLst meth="repeat">
-      <a:schemeClr val="dk1"/>
-    </dgm:txFillClrLst>
-    <dgm:txEffectClrLst/>
-  </dgm:styleLbl>
-  <dgm:styleLbl name="fgAcc4">
-    <dgm:fillClrLst meth="repeat">
-      <a:schemeClr val="lt1">
-        <a:alpha val="90000"/>
-      </a:schemeClr>
-    </dgm:fillClrLst>
-    <dgm:linClrLst meth="repeat">
-      <a:schemeClr val="accent1"/>
-    </dgm:linClrLst>
-    <dgm:effectClrLst/>
-    <dgm:txLinClrLst/>
-    <dgm:txFillClrLst meth="repeat">
-      <a:schemeClr val="dk1"/>
-    </dgm:txFillClrLst>
-    <dgm:txEffectClrLst/>
-  </dgm:styleLbl>
-  <dgm:styleLbl name="bgShp">
-    <dgm:fillClrLst meth="repeat">
-      <a:schemeClr val="accent1">
-        <a:tint val="40000"/>
-      </a:schemeClr>
-    </dgm:fillClrLst>
-    <dgm:linClrLst meth="repeat">
-      <a:schemeClr val="accent1"/>
-    </dgm:linClrLst>
-    <dgm:effectClrLst/>
-    <dgm:txLinClrLst/>
-    <dgm:txFillClrLst meth="repeat">
-      <a:schemeClr val="dk1"/>
-    </dgm:txFillClrLst>
-    <dgm:txEffectClrLst/>
-  </dgm:styleLbl>
-  <dgm:styleLbl name="dkBgShp">
-    <dgm:fillClrLst meth="repeat">
-      <a:schemeClr val="accent1">
-        <a:shade val="80000"/>
-      </a:schemeClr>
-    </dgm:fillClrLst>
-    <dgm:linClrLst meth="repeat">
-      <a:schemeClr val="accent1"/>
-    </dgm:linClrLst>
-    <dgm:effectClrLst/>
-    <dgm:txLinClrLst/>
-    <dgm:txFillClrLst meth="repeat">
-      <a:schemeClr val="lt1"/>
-    </dgm:txFillClrLst>
-    <dgm:txEffectClrLst/>
-  </dgm:styleLbl>
-  <dgm:styleLbl name="trBgShp">
-    <dgm:fillClrLst meth="repeat">
-      <a:schemeClr val="accent1">
-        <a:tint val="50000"/>
-        <a:alpha val="40000"/>
-      </a:schemeClr>
-    </dgm:fillClrLst>
-    <dgm:linClrLst meth="repeat">
-      <a:schemeClr val="accent1"/>
-    </dgm:linClrLst>
-    <dgm:effectClrLst/>
-    <dgm:txLinClrLst/>
-    <dgm:txFillClrLst meth="repeat">
-      <a:schemeClr val="lt1"/>
-    </dgm:txFillClrLst>
-    <dgm:txEffectClrLst/>
-  </dgm:styleLbl>
-  <dgm:styleLbl name="fgShp">
-    <dgm:fillClrLst meth="repeat">
-      <a:schemeClr val="accent1">
-        <a:tint val="60000"/>
-      </a:schemeClr>
-    </dgm:fillClrLst>
-    <dgm:linClrLst meth="repeat">
-      <a:schemeClr val="lt1"/>
-    </dgm:linClrLst>
-    <dgm:effectClrLst/>
-    <dgm:txLinClrLst/>
-    <dgm:txFillClrLst meth="repeat">
-      <a:schemeClr val="dk1"/>
-    </dgm:txFillClrLst>
-    <dgm:txEffectClrLst/>
-  </dgm:styleLbl>
-  <dgm:styleLbl name="revTx">
-    <dgm:fillClrLst meth="repeat">
-      <a:schemeClr val="lt1">
-        <a:alpha val="0"/>
-      </a:schemeClr>
-    </dgm:fillClrLst>
-    <dgm:linClrLst meth="repeat">
-      <a:schemeClr val="dk1">
-        <a:alpha val="0"/>
-      </a:schemeClr>
-    </dgm:linClrLst>
-    <dgm:effectClrLst/>
-    <dgm:txLinClrLst/>
-    <dgm:txFillClrLst meth="repeat">
-      <a:schemeClr val="tx1"/>
-    </dgm:txFillClrLst>
-    <dgm:txEffectClrLst/>
-  </dgm:styleLbl>
-</dgm:colorsDef>
-</file>
-
-<file path=ppt/diagrams/colors5.xml><?xml version="1.0" encoding="utf-8"?>
-<dgm:colorsDef xmlns:dgm="http://schemas.openxmlformats.org/drawingml/2006/diagram" xmlns:a="http://schemas.openxmlformats.org/drawingml/2006/main" uniqueId="urn:microsoft.com/office/officeart/2005/8/colors/accent6_2">
-  <dgm:title val=""/>
-  <dgm:desc val=""/>
-  <dgm:catLst>
-    <dgm:cat type="accent6" pri="11200"/>
-  </dgm:catLst>
-  <dgm:styleLbl name="node0">
-    <dgm:fillClrLst meth="repeat">
-      <a:schemeClr val="accent6"/>
-    </dgm:fillClrLst>
-    <dgm:linClrLst meth="repeat">
-      <a:schemeClr val="lt1"/>
-    </dgm:linClrLst>
-    <dgm:effectClrLst/>
-    <dgm:txLinClrLst/>
-    <dgm:txFillClrLst/>
-    <dgm:txEffectClrLst/>
-  </dgm:styleLbl>
-  <dgm:styleLbl name="node1">
-    <dgm:fillClrLst meth="repeat">
-      <a:schemeClr val="accent6"/>
-    </dgm:fillClrLst>
-    <dgm:linClrLst meth="repeat">
-      <a:schemeClr val="lt1"/>
-    </dgm:linClrLst>
-    <dgm:effectClrLst/>
-    <dgm:txLinClrLst/>
-    <dgm:txFillClrLst/>
-    <dgm:txEffectClrLst/>
-  </dgm:styleLbl>
-  <dgm:styleLbl name="alignNode1">
-    <dgm:fillClrLst meth="repeat">
-      <a:schemeClr val="accent6"/>
-    </dgm:fillClrLst>
-    <dgm:linClrLst meth="repeat">
-      <a:schemeClr val="accent6"/>
-    </dgm:linClrLst>
-    <dgm:effectClrLst/>
-    <dgm:txLinClrLst/>
-    <dgm:txFillClrLst/>
-    <dgm:txEffectClrLst/>
-  </dgm:styleLbl>
-  <dgm:styleLbl name="lnNode1">
-    <dgm:fillClrLst meth="repeat">
-      <a:schemeClr val="accent6"/>
-    </dgm:fillClrLst>
-    <dgm:linClrLst meth="repeat">
-      <a:schemeClr val="lt1"/>
-    </dgm:linClrLst>
-    <dgm:effectClrLst/>
-    <dgm:txLinClrLst/>
-    <dgm:txFillClrLst/>
-    <dgm:txEffectClrLst/>
-  </dgm:styleLbl>
-  <dgm:styleLbl name="vennNode1">
-    <dgm:fillClrLst meth="repeat">
-      <a:schemeClr val="accent6">
-        <a:alpha val="50000"/>
-      </a:schemeClr>
-    </dgm:fillClrLst>
-    <dgm:linClrLst meth="repeat">
-      <a:schemeClr val="lt1"/>
-    </dgm:linClrLst>
-    <dgm:effectClrLst/>
-    <dgm:txLinClrLst/>
-    <dgm:txFillClrLst/>
-    <dgm:txEffectClrLst/>
-  </dgm:styleLbl>
-  <dgm:styleLbl name="node2">
-    <dgm:fillClrLst meth="repeat">
-      <a:schemeClr val="accent6"/>
-    </dgm:fillClrLst>
-    <dgm:linClrLst meth="repeat">
-      <a:schemeClr val="lt1"/>
-    </dgm:linClrLst>
-    <dgm:effectClrLst/>
-    <dgm:txLinClrLst/>
-    <dgm:txFillClrLst/>
-    <dgm:txEffectClrLst/>
-  </dgm:styleLbl>
-  <dgm:styleLbl name="node3">
-    <dgm:fillClrLst meth="repeat">
-      <a:schemeClr val="accent6"/>
-    </dgm:fillClrLst>
-    <dgm:linClrLst meth="repeat">
-      <a:schemeClr val="lt1"/>
-    </dgm:linClrLst>
-    <dgm:effectClrLst/>
-    <dgm:txLinClrLst/>
-    <dgm:txFillClrLst/>
-    <dgm:txEffectClrLst/>
-  </dgm:styleLbl>
-  <dgm:styleLbl name="node4">
-    <dgm:fillClrLst meth="repeat">
-      <a:schemeClr val="accent6"/>
-    </dgm:fillClrLst>
-    <dgm:linClrLst meth="repeat">
-      <a:schemeClr val="lt1"/>
-    </dgm:linClrLst>
-    <dgm:effectClrLst/>
-    <dgm:txLinClrLst/>
-    <dgm:txFillClrLst/>
-    <dgm:txEffectClrLst/>
-  </dgm:styleLbl>
-  <dgm:styleLbl name="fgImgPlace1">
-    <dgm:fillClrLst meth="repeat">
-      <a:schemeClr val="accent6">
-        <a:tint val="50000"/>
-      </a:schemeClr>
-    </dgm:fillClrLst>
-    <dgm:linClrLst meth="repeat">
-      <a:schemeClr val="lt1"/>
-    </dgm:linClrLst>
-    <dgm:effectClrLst/>
-    <dgm:txLinClrLst/>
-    <dgm:txFillClrLst meth="repeat">
-      <a:schemeClr val="lt1"/>
-    </dgm:txFillClrLst>
-    <dgm:txEffectClrLst/>
-  </dgm:styleLbl>
-  <dgm:styleLbl name="alignImgPlace1">
-    <dgm:fillClrLst meth="repeat">
-      <a:schemeClr val="accent6">
-        <a:tint val="50000"/>
-      </a:schemeClr>
-    </dgm:fillClrLst>
-    <dgm:linClrLst meth="repeat">
-      <a:schemeClr val="lt1"/>
-    </dgm:linClrLst>
-    <dgm:effectClrLst/>
-    <dgm:txLinClrLst/>
-    <dgm:txFillClrLst meth="repeat">
-      <a:schemeClr val="lt1"/>
-    </dgm:txFillClrLst>
-    <dgm:txEffectClrLst/>
-  </dgm:styleLbl>
-  <dgm:styleLbl name="bgImgPlace1">
-    <dgm:fillClrLst meth="repeat">
-      <a:schemeClr val="accent6">
-        <a:tint val="50000"/>
-      </a:schemeClr>
-    </dgm:fillClrLst>
-    <dgm:linClrLst meth="repeat">
-      <a:schemeClr val="lt1"/>
-    </dgm:linClrLst>
-    <dgm:effectClrLst/>
-    <dgm:txLinClrLst/>
-    <dgm:txFillClrLst meth="repeat">
-      <a:schemeClr val="lt1"/>
-    </dgm:txFillClrLst>
-    <dgm:txEffectClrLst/>
-  </dgm:styleLbl>
-  <dgm:styleLbl name="sibTrans2D1">
-    <dgm:fillClrLst meth="repeat">
-      <a:schemeClr val="accent6">
-        <a:tint val="60000"/>
-      </a:schemeClr>
-    </dgm:fillClrLst>
-    <dgm:linClrLst meth="repeat">
-      <a:schemeClr val="accent6">
-        <a:tint val="60000"/>
-      </a:schemeClr>
-    </dgm:linClrLst>
-    <dgm:effectClrLst/>
-    <dgm:txLinClrLst/>
-    <dgm:txFillClrLst/>
-    <dgm:txEffectClrLst/>
-  </dgm:styleLbl>
-  <dgm:styleLbl name="fgSibTrans2D1">
-    <dgm:fillClrLst meth="repeat">
-      <a:schemeClr val="accent6">
-        <a:tint val="60000"/>
-      </a:schemeClr>
-    </dgm:fillClrLst>
-    <dgm:linClrLst meth="repeat">
-      <a:schemeClr val="accent6">
-        <a:tint val="60000"/>
-      </a:schemeClr>
-    </dgm:linClrLst>
-    <dgm:effectClrLst/>
-    <dgm:txLinClrLst/>
-    <dgm:txFillClrLst/>
-    <dgm:txEffectClrLst/>
-  </dgm:styleLbl>
-  <dgm:styleLbl name="bgSibTrans2D1">
-    <dgm:fillClrLst meth="repeat">
-      <a:schemeClr val="accent6">
-        <a:tint val="60000"/>
-      </a:schemeClr>
-    </dgm:fillClrLst>
-    <dgm:linClrLst meth="repeat">
-      <a:schemeClr val="accent6">
-        <a:tint val="60000"/>
-      </a:schemeClr>
-    </dgm:linClrLst>
-    <dgm:effectClrLst/>
-    <dgm:txLinClrLst/>
-    <dgm:txFillClrLst/>
-    <dgm:txEffectClrLst/>
-  </dgm:styleLbl>
-  <dgm:styleLbl name="sibTrans1D1">
-    <dgm:fillClrLst meth="repeat">
-      <a:schemeClr val="accent6"/>
-    </dgm:fillClrLst>
-    <dgm:linClrLst meth="repeat">
-      <a:schemeClr val="accent6"/>
-    </dgm:linClrLst>
-    <dgm:effectClrLst/>
-    <dgm:txLinClrLst/>
-    <dgm:txFillClrLst meth="repeat">
-      <a:schemeClr val="tx1"/>
-    </dgm:txFillClrLst>
-    <dgm:txEffectClrLst/>
-  </dgm:styleLbl>
-  <dgm:styleLbl name="callout">
-    <dgm:fillClrLst meth="repeat">
-      <a:schemeClr val="accent6"/>
-    </dgm:fillClrLst>
-    <dgm:linClrLst meth="repeat">
-      <a:schemeClr val="accent6">
-        <a:tint val="50000"/>
-      </a:schemeClr>
-    </dgm:linClrLst>
-    <dgm:effectClrLst/>
-    <dgm:txLinClrLst/>
-    <dgm:txFillClrLst meth="repeat">
-      <a:schemeClr val="tx1"/>
-    </dgm:txFillClrLst>
-    <dgm:txEffectClrLst/>
-  </dgm:styleLbl>
-  <dgm:styleLbl name="asst0">
-    <dgm:fillClrLst meth="repeat">
-      <a:schemeClr val="accent6"/>
-    </dgm:fillClrLst>
-    <dgm:linClrLst meth="repeat">
-      <a:schemeClr val="lt1"/>
-    </dgm:linClrLst>
-    <dgm:effectClrLst/>
-    <dgm:txLinClrLst/>
-    <dgm:txFillClrLst/>
-    <dgm:txEffectClrLst/>
-  </dgm:styleLbl>
-  <dgm:styleLbl name="asst1">
-    <dgm:fillClrLst meth="repeat">
-      <a:schemeClr val="accent6"/>
-    </dgm:fillClrLst>
-    <dgm:linClrLst meth="repeat">
-      <a:schemeClr val="lt1"/>
-    </dgm:linClrLst>
-    <dgm:effectClrLst/>
-    <dgm:txLinClrLst/>
-    <dgm:txFillClrLst/>
-    <dgm:txEffectClrLst/>
-  </dgm:styleLbl>
-  <dgm:styleLbl name="asst2">
-    <dgm:fillClrLst meth="repeat">
-      <a:schemeClr val="accent6"/>
-    </dgm:fillClrLst>
-    <dgm:linClrLst meth="repeat">
-      <a:schemeClr val="lt1"/>
-    </dgm:linClrLst>
-    <dgm:effectClrLst/>
-    <dgm:txLinClrLst/>
-    <dgm:txFillClrLst/>
-    <dgm:txEffectClrLst/>
-  </dgm:styleLbl>
-  <dgm:styleLbl name="asst3">
-    <dgm:fillClrLst meth="repeat">
-      <a:schemeClr val="accent6"/>
-    </dgm:fillClrLst>
-    <dgm:linClrLst meth="repeat">
-      <a:schemeClr val="lt1"/>
-    </dgm:linClrLst>
-    <dgm:effectClrLst/>
-    <dgm:txLinClrLst/>
-    <dgm:txFillClrLst/>
-    <dgm:txEffectClrLst/>
-  </dgm:styleLbl>
-  <dgm:styleLbl name="asst4">
-    <dgm:fillClrLst meth="repeat">
-      <a:schemeClr val="accent6"/>
-    </dgm:fillClrLst>
-    <dgm:linClrLst meth="repeat">
-      <a:schemeClr val="lt1"/>
-    </dgm:linClrLst>
-    <dgm:effectClrLst/>
-    <dgm:txLinClrLst/>
-    <dgm:txFillClrLst/>
-    <dgm:txEffectClrLst/>
-  </dgm:styleLbl>
-  <dgm:styleLbl name="parChTrans2D1">
-    <dgm:fillClrLst meth="repeat">
-      <a:schemeClr val="accent6">
-        <a:tint val="60000"/>
-      </a:schemeClr>
-    </dgm:fillClrLst>
-    <dgm:linClrLst meth="repeat">
-      <a:schemeClr val="accent6">
-        <a:tint val="60000"/>
-      </a:schemeClr>
-    </dgm:linClrLst>
-    <dgm:effectClrLst/>
-    <dgm:txLinClrLst/>
-    <dgm:txFillClrLst meth="repeat">
-      <a:schemeClr val="lt1"/>
-    </dgm:txFillClrLst>
-    <dgm:txEffectClrLst/>
-  </dgm:styleLbl>
-  <dgm:styleLbl name="parChTrans2D2">
-    <dgm:fillClrLst meth="repeat">
-      <a:schemeClr val="accent6"/>
-    </dgm:fillClrLst>
-    <dgm:linClrLst meth="repeat">
-      <a:schemeClr val="accent6"/>
-    </dgm:linClrLst>
-    <dgm:effectClrLst/>
-    <dgm:txLinClrLst/>
-    <dgm:txFillClrLst meth="repeat">
-      <a:schemeClr val="lt1"/>
-    </dgm:txFillClrLst>
-    <dgm:txEffectClrLst/>
-  </dgm:styleLbl>
-  <dgm:styleLbl name="parChTrans2D3">
-    <dgm:fillClrLst meth="repeat">
-      <a:schemeClr val="accent6"/>
-    </dgm:fillClrLst>
-    <dgm:linClrLst meth="repeat">
-      <a:schemeClr val="accent6"/>
-    </dgm:linClrLst>
-    <dgm:effectClrLst/>
-    <dgm:txLinClrLst/>
-    <dgm:txFillClrLst meth="repeat">
-      <a:schemeClr val="lt1"/>
-    </dgm:txFillClrLst>
-    <dgm:txEffectClrLst/>
-  </dgm:styleLbl>
-  <dgm:styleLbl name="parChTrans2D4">
-    <dgm:fillClrLst meth="repeat">
-      <a:schemeClr val="accent6"/>
-    </dgm:fillClrLst>
-    <dgm:linClrLst meth="repeat">
-      <a:schemeClr val="accent6"/>
-    </dgm:linClrLst>
-    <dgm:effectClrLst/>
-    <dgm:txLinClrLst/>
-    <dgm:txFillClrLst meth="repeat">
-      <a:schemeClr val="lt1"/>
-    </dgm:txFillClrLst>
-    <dgm:txEffectClrLst/>
-  </dgm:styleLbl>
-  <dgm:styleLbl name="parChTrans1D1">
-    <dgm:fillClrLst meth="repeat">
-      <a:schemeClr val="accent6"/>
-    </dgm:fillClrLst>
-    <dgm:linClrLst meth="repeat">
-      <a:schemeClr val="accent6">
-        <a:shade val="60000"/>
-      </a:schemeClr>
-    </dgm:linClrLst>
-    <dgm:effectClrLst/>
-    <dgm:txLinClrLst/>
-    <dgm:txFillClrLst meth="repeat">
-      <a:schemeClr val="tx1"/>
-    </dgm:txFillClrLst>
-    <dgm:txEffectClrLst/>
-  </dgm:styleLbl>
-  <dgm:styleLbl name="parChTrans1D2">
-    <dgm:fillClrLst meth="repeat">
-      <a:schemeClr val="accent6"/>
-    </dgm:fillClrLst>
-    <dgm:linClrLst meth="repeat">
-      <a:schemeClr val="accent6">
-        <a:shade val="60000"/>
-      </a:schemeClr>
-    </dgm:linClrLst>
-    <dgm:effectClrLst/>
-    <dgm:txLinClrLst/>
-    <dgm:txFillClrLst meth="repeat">
-      <a:schemeClr val="tx1"/>
-    </dgm:txFillClrLst>
-    <dgm:txEffectClrLst/>
-  </dgm:styleLbl>
-  <dgm:styleLbl name="parChTrans1D3">
-    <dgm:fillClrLst meth="repeat">
-      <a:schemeClr val="accent6"/>
-    </dgm:fillClrLst>
-    <dgm:linClrLst meth="repeat">
-      <a:schemeClr val="accent6">
-        <a:shade val="80000"/>
-      </a:schemeClr>
-    </dgm:linClrLst>
-    <dgm:effectClrLst/>
-    <dgm:txLinClrLst/>
-    <dgm:txFillClrLst meth="repeat">
-      <a:schemeClr val="tx1"/>
-    </dgm:txFillClrLst>
-    <dgm:txEffectClrLst/>
-  </dgm:styleLbl>
-  <dgm:styleLbl name="parChTrans1D4">
-    <dgm:fillClrLst meth="repeat">
-      <a:schemeClr val="accent6"/>
-    </dgm:fillClrLst>
-    <dgm:linClrLst meth="repeat">
-      <a:schemeClr val="accent6">
-        <a:shade val="80000"/>
-      </a:schemeClr>
-    </dgm:linClrLst>
-    <dgm:effectClrLst/>
-    <dgm:txLinClrLst/>
-    <dgm:txFillClrLst meth="repeat">
-      <a:schemeClr val="tx1"/>
-    </dgm:txFillClrLst>
-    <dgm:txEffectClrLst/>
-  </dgm:styleLbl>
-  <dgm:styleLbl name="fgAcc1">
-    <dgm:fillClrLst meth="repeat">
-      <a:schemeClr val="lt1">
-        <a:alpha val="90000"/>
-      </a:schemeClr>
-    </dgm:fillClrLst>
-    <dgm:linClrLst meth="repeat">
-      <a:schemeClr val="accent6"/>
-    </dgm:linClrLst>
-    <dgm:effectClrLst/>
-    <dgm:txLinClrLst/>
-    <dgm:txFillClrLst meth="repeat">
-      <a:schemeClr val="dk1"/>
-    </dgm:txFillClrLst>
-    <dgm:txEffectClrLst/>
-  </dgm:styleLbl>
-  <dgm:styleLbl name="conFgAcc1">
-    <dgm:fillClrLst meth="repeat">
-      <a:schemeClr val="lt1">
-        <a:alpha val="90000"/>
-      </a:schemeClr>
-    </dgm:fillClrLst>
-    <dgm:linClrLst meth="repeat">
-      <a:schemeClr val="accent6"/>
-    </dgm:linClrLst>
-    <dgm:effectClrLst/>
-    <dgm:txLinClrLst/>
-    <dgm:txFillClrLst meth="repeat">
-      <a:schemeClr val="dk1"/>
-    </dgm:txFillClrLst>
-    <dgm:txEffectClrLst/>
-  </dgm:styleLbl>
-  <dgm:styleLbl name="alignAcc1">
-    <dgm:fillClrLst meth="repeat">
-      <a:schemeClr val="lt1">
-        <a:alpha val="90000"/>
-      </a:schemeClr>
-    </dgm:fillClrLst>
-    <dgm:linClrLst meth="repeat">
-      <a:schemeClr val="accent6"/>
-    </dgm:linClrLst>
-    <dgm:effectClrLst/>
-    <dgm:txLinClrLst/>
-    <dgm:txFillClrLst meth="repeat">
-      <a:schemeClr val="dk1"/>
-    </dgm:txFillClrLst>
-    <dgm:txEffectClrLst/>
-  </dgm:styleLbl>
-  <dgm:styleLbl name="trAlignAcc1">
-    <dgm:fillClrLst meth="repeat">
-      <a:schemeClr val="lt1">
-        <a:alpha val="40000"/>
-      </a:schemeClr>
-    </dgm:fillClrLst>
-    <dgm:linClrLst meth="repeat">
-      <a:schemeClr val="accent6"/>
-    </dgm:linClrLst>
-    <dgm:effectClrLst/>
-    <dgm:txLinClrLst/>
-    <dgm:txFillClrLst meth="repeat">
-      <a:schemeClr val="dk1"/>
-    </dgm:txFillClrLst>
-    <dgm:txEffectClrLst/>
-  </dgm:styleLbl>
-  <dgm:styleLbl name="bgAcc1">
-    <dgm:fillClrLst meth="repeat">
-      <a:schemeClr val="lt1">
-        <a:alpha val="90000"/>
-      </a:schemeClr>
-    </dgm:fillClrLst>
-    <dgm:linClrLst meth="repeat">
-      <a:schemeClr val="accent6"/>
-    </dgm:linClrLst>
-    <dgm:effectClrLst/>
-    <dgm:txLinClrLst/>
-    <dgm:txFillClrLst meth="repeat">
-      <a:schemeClr val="dk1"/>
-    </dgm:txFillClrLst>
-    <dgm:txEffectClrLst/>
-  </dgm:styleLbl>
-  <dgm:styleLbl name="solidFgAcc1">
-    <dgm:fillClrLst meth="repeat">
-      <a:schemeClr val="lt1"/>
-    </dgm:fillClrLst>
-    <dgm:linClrLst meth="repeat">
-      <a:schemeClr val="accent6"/>
-    </dgm:linClrLst>
-    <dgm:effectClrLst/>
-    <dgm:txLinClrLst/>
-    <dgm:txFillClrLst meth="repeat">
-      <a:schemeClr val="dk1"/>
-    </dgm:txFillClrLst>
-    <dgm:txEffectClrLst/>
-  </dgm:styleLbl>
-  <dgm:styleLbl name="solidAlignAcc1">
-    <dgm:fillClrLst meth="repeat">
-      <a:schemeClr val="lt1"/>
-    </dgm:fillClrLst>
-    <dgm:linClrLst meth="repeat">
-      <a:schemeClr val="accent6"/>
-    </dgm:linClrLst>
-    <dgm:effectClrLst/>
-    <dgm:txLinClrLst/>
-    <dgm:txFillClrLst meth="repeat">
-      <a:schemeClr val="dk1"/>
-    </dgm:txFillClrLst>
-    <dgm:txEffectClrLst/>
-  </dgm:styleLbl>
-  <dgm:styleLbl name="solidBgAcc1">
-    <dgm:fillClrLst meth="repeat">
-      <a:schemeClr val="lt1"/>
-    </dgm:fillClrLst>
-    <dgm:linClrLst meth="repeat">
-      <a:schemeClr val="accent6"/>
-    </dgm:linClrLst>
-    <dgm:effectClrLst/>
-    <dgm:txLinClrLst/>
-    <dgm:txFillClrLst meth="repeat">
-      <a:schemeClr val="dk1"/>
-    </dgm:txFillClrLst>
-    <dgm:txEffectClrLst/>
-  </dgm:styleLbl>
-  <dgm:styleLbl name="fgAccFollowNode1">
-    <dgm:fillClrLst meth="repeat">
-      <a:schemeClr val="accent6">
-        <a:alpha val="90000"/>
-        <a:tint val="40000"/>
-      </a:schemeClr>
-    </dgm:fillClrLst>
-    <dgm:linClrLst meth="repeat">
-      <a:schemeClr val="accent6">
-        <a:alpha val="90000"/>
-        <a:tint val="40000"/>
-      </a:schemeClr>
-    </dgm:linClrLst>
-    <dgm:effectClrLst/>
-    <dgm:txLinClrLst/>
-    <dgm:txFillClrLst meth="repeat">
-      <a:schemeClr val="dk1"/>
-    </dgm:txFillClrLst>
-    <dgm:txEffectClrLst/>
-  </dgm:styleLbl>
-  <dgm:styleLbl name="alignAccFollowNode1">
-    <dgm:fillClrLst meth="repeat">
-      <a:schemeClr val="accent6">
-        <a:alpha val="90000"/>
-        <a:tint val="40000"/>
-      </a:schemeClr>
-    </dgm:fillClrLst>
-    <dgm:linClrLst meth="repeat">
-      <a:schemeClr val="accent6">
-        <a:alpha val="90000"/>
-        <a:tint val="40000"/>
-      </a:schemeClr>
-    </dgm:linClrLst>
-    <dgm:effectClrLst/>
-    <dgm:txLinClrLst/>
-    <dgm:txFillClrLst meth="repeat">
-      <a:schemeClr val="dk1"/>
-    </dgm:txFillClrLst>
-    <dgm:txEffectClrLst/>
-  </dgm:styleLbl>
-  <dgm:styleLbl name="bgAccFollowNode1">
-    <dgm:fillClrLst meth="repeat">
-      <a:schemeClr val="accent6">
-        <a:alpha val="90000"/>
-        <a:tint val="40000"/>
-      </a:schemeClr>
-    </dgm:fillClrLst>
-    <dgm:linClrLst meth="repeat">
-      <a:schemeClr val="accent6">
-        <a:alpha val="90000"/>
-        <a:tint val="40000"/>
-      </a:schemeClr>
-    </dgm:linClrLst>
-    <dgm:effectClrLst/>
-    <dgm:txLinClrLst/>
-    <dgm:txFillClrLst meth="repeat">
-      <a:schemeClr val="dk1"/>
-    </dgm:txFillClrLst>
-    <dgm:txEffectClrLst/>
-  </dgm:styleLbl>
-  <dgm:styleLbl name="fgAcc0">
-    <dgm:fillClrLst meth="repeat">
-      <a:schemeClr val="lt1">
-        <a:alpha val="90000"/>
-      </a:schemeClr>
-    </dgm:fillClrLst>
-    <dgm:linClrLst meth="repeat">
-      <a:schemeClr val="accent6"/>
-    </dgm:linClrLst>
-    <dgm:effectClrLst/>
-    <dgm:txLinClrLst/>
-    <dgm:txFillClrLst meth="repeat">
-      <a:schemeClr val="dk1"/>
-    </dgm:txFillClrLst>
-    <dgm:txEffectClrLst/>
-  </dgm:styleLbl>
-  <dgm:styleLbl name="fgAcc2">
-    <dgm:fillClrLst meth="repeat">
-      <a:schemeClr val="lt1">
-        <a:alpha val="90000"/>
-      </a:schemeClr>
-    </dgm:fillClrLst>
-    <dgm:linClrLst meth="repeat">
-      <a:schemeClr val="accent6"/>
-    </dgm:linClrLst>
-    <dgm:effectClrLst/>
-    <dgm:txLinClrLst/>
-    <dgm:txFillClrLst meth="repeat">
-      <a:schemeClr val="dk1"/>
-    </dgm:txFillClrLst>
-    <dgm:txEffectClrLst/>
-  </dgm:styleLbl>
-  <dgm:styleLbl name="fgAcc3">
-    <dgm:fillClrLst meth="repeat">
-      <a:schemeClr val="lt1">
-        <a:alpha val="90000"/>
-      </a:schemeClr>
-    </dgm:fillClrLst>
-    <dgm:linClrLst meth="repeat">
-      <a:schemeClr val="accent6"/>
-    </dgm:linClrLst>
-    <dgm:effectClrLst/>
-    <dgm:txLinClrLst/>
-    <dgm:txFillClrLst meth="repeat">
-      <a:schemeClr val="dk1"/>
-    </dgm:txFillClrLst>
-    <dgm:txEffectClrLst/>
-  </dgm:styleLbl>
-  <dgm:styleLbl name="fgAcc4">
-    <dgm:fillClrLst meth="repeat">
-      <a:schemeClr val="lt1">
-        <a:alpha val="90000"/>
-      </a:schemeClr>
-    </dgm:fillClrLst>
-    <dgm:linClrLst meth="repeat">
-      <a:schemeClr val="accent6"/>
-    </dgm:linClrLst>
-    <dgm:effectClrLst/>
-    <dgm:txLinClrLst/>
-    <dgm:txFillClrLst meth="repeat">
-      <a:schemeClr val="dk1"/>
-    </dgm:txFillClrLst>
-    <dgm:txEffectClrLst/>
-  </dgm:styleLbl>
-  <dgm:styleLbl name="bgShp">
-    <dgm:fillClrLst meth="repeat">
-      <a:schemeClr val="accent6">
-        <a:tint val="40000"/>
-      </a:schemeClr>
-    </dgm:fillClrLst>
-    <dgm:linClrLst meth="repeat">
-      <a:schemeClr val="accent6"/>
-    </dgm:linClrLst>
-    <dgm:effectClrLst/>
-    <dgm:txLinClrLst/>
-    <dgm:txFillClrLst meth="repeat">
-      <a:schemeClr val="dk1"/>
-    </dgm:txFillClrLst>
-    <dgm:txEffectClrLst/>
-  </dgm:styleLbl>
-  <dgm:styleLbl name="dkBgShp">
-    <dgm:fillClrLst meth="repeat">
-      <a:schemeClr val="accent6">
-        <a:shade val="80000"/>
-      </a:schemeClr>
-    </dgm:fillClrLst>
-    <dgm:linClrLst meth="repeat">
-      <a:schemeClr val="accent6"/>
-    </dgm:linClrLst>
-    <dgm:effectClrLst/>
-    <dgm:txLinClrLst/>
-    <dgm:txFillClrLst meth="repeat">
-      <a:schemeClr val="lt1"/>
-    </dgm:txFillClrLst>
-    <dgm:txEffectClrLst/>
-  </dgm:styleLbl>
-  <dgm:styleLbl name="trBgShp">
-    <dgm:fillClrLst meth="repeat">
-      <a:schemeClr val="accent6">
-        <a:tint val="50000"/>
-        <a:alpha val="40000"/>
-      </a:schemeClr>
-    </dgm:fillClrLst>
-    <dgm:linClrLst meth="repeat">
-      <a:schemeClr val="accent6"/>
-    </dgm:linClrLst>
-    <dgm:effectClrLst/>
-    <dgm:txLinClrLst/>
-    <dgm:txFillClrLst meth="repeat">
-      <a:schemeClr val="lt1"/>
-    </dgm:txFillClrLst>
-    <dgm:txEffectClrLst/>
-  </dgm:styleLbl>
-  <dgm:styleLbl name="fgShp">
-    <dgm:fillClrLst meth="repeat">
-      <a:schemeClr val="accent6">
-        <a:tint val="60000"/>
-      </a:schemeClr>
-    </dgm:fillClrLst>
-    <dgm:linClrLst meth="repeat">
-      <a:schemeClr val="lt1"/>
-    </dgm:linClrLst>
-    <dgm:effectClrLst/>
-    <dgm:txLinClrLst/>
-    <dgm:txFillClrLst meth="repeat">
-      <a:schemeClr val="dk1"/>
-    </dgm:txFillClrLst>
-    <dgm:txEffectClrLst/>
-  </dgm:styleLbl>
-  <dgm:styleLbl name="revTx">
-    <dgm:fillClrLst meth="repeat">
-      <a:schemeClr val="lt1">
-        <a:alpha val="0"/>
-      </a:schemeClr>
-    </dgm:fillClrLst>
-    <dgm:linClrLst meth="repeat">
-      <a:schemeClr val="dk1">
-        <a:alpha val="0"/>
-      </a:schemeClr>
-    </dgm:linClrLst>
-    <dgm:effectClrLst/>
-    <dgm:txLinClrLst/>
-    <dgm:txFillClrLst meth="repeat">
-      <a:schemeClr val="tx1"/>
-    </dgm:txFillClrLst>
-    <dgm:txEffectClrLst/>
-  </dgm:styleLbl>
-</dgm:colorsDef>
-</file>
-
 <file path=ppt/diagrams/colors6.xml><?xml version="1.0" encoding="utf-8"?>
 <dgm:colorsDef xmlns:dgm="http://schemas.openxmlformats.org/drawingml/2006/diagram" xmlns:a="http://schemas.openxmlformats.org/drawingml/2006/main" uniqueId="urn:microsoft.com/office/officeart/2005/8/colors/colorful2">
   <dgm:title val=""/>
@@ -5472,7 +5515,7 @@
 <dgm:dataModel xmlns:dgm="http://schemas.openxmlformats.org/drawingml/2006/diagram" xmlns:a="http://schemas.openxmlformats.org/drawingml/2006/main">
   <dgm:ptLst>
     <dgm:pt modelId="{5980BA94-4F30-47C3-AE43-7736B9EC685E}" type="doc">
-      <dgm:prSet loTypeId="urn:microsoft.com/office/officeart/2005/8/layout/vList2" loCatId="list" qsTypeId="urn:microsoft.com/office/officeart/2005/8/quickstyle/simple4" qsCatId="simple" csTypeId="urn:microsoft.com/office/officeart/2005/8/colors/colorful5" csCatId="colorful" phldr="1"/>
+      <dgm:prSet loTypeId="urn:microsoft.com/office/officeart/2005/8/layout/vList2" loCatId="list" qsTypeId="urn:microsoft.com/office/officeart/2005/8/quickstyle/simple4" qsCatId="simple" csTypeId="urn:microsoft.com/office/officeart/2005/8/colors/colorful3" csCatId="colorful" phldr="1"/>
       <dgm:spPr/>
       <dgm:t>
         <a:bodyPr/>
@@ -5490,18 +5533,10 @@
         <a:lstStyle/>
         <a:p>
           <a:r>
-            <a:rPr lang="en-US" b="1" dirty="0">
-              <a:solidFill>
-                <a:schemeClr val="bg1"/>
-              </a:solidFill>
-            </a:rPr>
+            <a:rPr lang="en-US" b="1"/>
             <a:t>Insufficient access to Medical Expertise</a:t>
           </a:r>
-          <a:endParaRPr lang="en-US" dirty="0">
-            <a:solidFill>
-              <a:schemeClr val="bg1"/>
-            </a:solidFill>
-          </a:endParaRPr>
+          <a:endParaRPr lang="en-US"/>
         </a:p>
       </dgm:t>
     </dgm:pt>
@@ -5535,18 +5570,10 @@
         <a:lstStyle/>
         <a:p>
           <a:r>
-            <a:rPr lang="en-US" b="1" dirty="0">
-              <a:solidFill>
-                <a:schemeClr val="bg1"/>
-              </a:solidFill>
-            </a:rPr>
+            <a:rPr lang="en-US" b="1"/>
             <a:t>Misdiagnosis and Overlooked Symptoms</a:t>
           </a:r>
-          <a:endParaRPr lang="en-US" dirty="0">
-            <a:solidFill>
-              <a:schemeClr val="bg1"/>
-            </a:solidFill>
-          </a:endParaRPr>
+          <a:endParaRPr lang="en-US"/>
         </a:p>
       </dgm:t>
     </dgm:pt>
@@ -5580,18 +5607,10 @@
         <a:lstStyle/>
         <a:p>
           <a:r>
-            <a:rPr lang="en-US" b="1" dirty="0">
-              <a:solidFill>
-                <a:schemeClr val="bg1"/>
-              </a:solidFill>
-            </a:rPr>
+            <a:rPr lang="en-US" b="1"/>
             <a:t>Long Wait Times in Clinics</a:t>
           </a:r>
-          <a:endParaRPr lang="en-US" dirty="0">
-            <a:solidFill>
-              <a:schemeClr val="bg1"/>
-            </a:solidFill>
-          </a:endParaRPr>
+          <a:endParaRPr lang="en-US"/>
         </a:p>
       </dgm:t>
     </dgm:pt>
@@ -5625,18 +5644,10 @@
         <a:lstStyle/>
         <a:p>
           <a:r>
-            <a:rPr lang="en-US" b="1">
-              <a:solidFill>
-                <a:schemeClr val="bg1"/>
-              </a:solidFill>
-            </a:rPr>
+            <a:rPr lang="en-US" b="1"/>
             <a:t>High Healthcare Costs</a:t>
           </a:r>
-          <a:endParaRPr lang="en-US">
-            <a:solidFill>
-              <a:schemeClr val="bg1"/>
-            </a:solidFill>
-          </a:endParaRPr>
+          <a:endParaRPr lang="en-US"/>
         </a:p>
       </dgm:t>
     </dgm:pt>
@@ -5670,11 +5681,7 @@
         <a:lstStyle/>
         <a:p>
           <a:r>
-            <a:rPr lang="en-US" b="1" dirty="0">
-              <a:solidFill>
-                <a:schemeClr val="bg1"/>
-              </a:solidFill>
-            </a:rPr>
+            <a:rPr lang="en-US" b="1"/>
             <a:t>Lack of Health Literacy</a:t>
           </a:r>
         </a:p>
@@ -5710,18 +5717,10 @@
         <a:lstStyle/>
         <a:p>
           <a:r>
-            <a:rPr lang="en-US" b="1" dirty="0">
-              <a:solidFill>
-                <a:schemeClr val="bg1"/>
-              </a:solidFill>
-            </a:rPr>
+            <a:rPr lang="en-US" b="1"/>
             <a:t>Inefficient Symptom Assessment with existing systems</a:t>
           </a:r>
-          <a:endParaRPr lang="en-US" dirty="0">
-            <a:solidFill>
-              <a:schemeClr val="bg1"/>
-            </a:solidFill>
-          </a:endParaRPr>
+          <a:endParaRPr lang="en-US"/>
         </a:p>
       </dgm:t>
     </dgm:pt>
@@ -5755,18 +5754,10 @@
         <a:lstStyle/>
         <a:p>
           <a:r>
-            <a:rPr lang="en-US" b="1" dirty="0">
-              <a:solidFill>
-                <a:schemeClr val="bg1"/>
-              </a:solidFill>
-            </a:rPr>
+            <a:rPr lang="en-US" b="1"/>
             <a:t>Limited Use of Technology in Initial Assessment</a:t>
           </a:r>
-          <a:endParaRPr lang="en-US" dirty="0">
-            <a:solidFill>
-              <a:schemeClr val="bg1"/>
-            </a:solidFill>
-          </a:endParaRPr>
+          <a:endParaRPr lang="en-US"/>
         </a:p>
       </dgm:t>
     </dgm:pt>
@@ -5962,7 +5953,7 @@
                 <a:noFill/>
               </a:ln>
               <a:solidFill>
-                <a:schemeClr val="tx1"/>
+                <a:schemeClr val="bg2"/>
               </a:solidFill>
               <a:effectLst/>
               <a:latin typeface="Arial" panose="020B0604020202020204" pitchFamily="34" charset="0"/>
@@ -5975,14 +5966,18 @@
                 <a:noFill/>
               </a:ln>
               <a:solidFill>
-                <a:schemeClr val="tx1"/>
+                <a:schemeClr val="bg2"/>
               </a:solidFill>
               <a:effectLst/>
               <a:latin typeface="Arial" panose="020B0604020202020204" pitchFamily="34" charset="0"/>
             </a:rPr>
             <a:t>: Utilizes machine learning algorithms to accurately analyze user-reported symptoms and predict potential diseases.</a:t>
           </a:r>
-          <a:endParaRPr lang="en-IN"/>
+          <a:endParaRPr lang="en-IN">
+            <a:solidFill>
+              <a:schemeClr val="bg2"/>
+            </a:solidFill>
+          </a:endParaRPr>
         </a:p>
       </dgm:t>
     </dgm:pt>
@@ -5993,7 +5988,11 @@
         <a:bodyPr/>
         <a:lstStyle/>
         <a:p>
-          <a:endParaRPr lang="en-IN"/>
+          <a:endParaRPr lang="en-IN">
+            <a:solidFill>
+              <a:schemeClr val="bg2"/>
+            </a:solidFill>
+          </a:endParaRPr>
         </a:p>
       </dgm:t>
     </dgm:pt>
@@ -6004,7 +6003,11 @@
         <a:bodyPr/>
         <a:lstStyle/>
         <a:p>
-          <a:endParaRPr lang="en-IN"/>
+          <a:endParaRPr lang="en-IN">
+            <a:solidFill>
+              <a:schemeClr val="bg2"/>
+            </a:solidFill>
+          </a:endParaRPr>
         </a:p>
       </dgm:t>
     </dgm:pt>
@@ -6021,7 +6024,7 @@
                 <a:noFill/>
               </a:ln>
               <a:solidFill>
-                <a:schemeClr val="tx1"/>
+                <a:schemeClr val="bg2"/>
               </a:solidFill>
               <a:effectLst/>
               <a:latin typeface="Arial" panose="020B0604020202020204" pitchFamily="34" charset="0"/>
@@ -6034,7 +6037,7 @@
                 <a:noFill/>
               </a:ln>
               <a:solidFill>
-                <a:schemeClr val="tx1"/>
+                <a:schemeClr val="bg2"/>
               </a:solidFill>
               <a:effectLst/>
               <a:latin typeface="Arial" panose="020B0604020202020204" pitchFamily="34" charset="0"/>
@@ -6051,7 +6054,11 @@
         <a:bodyPr/>
         <a:lstStyle/>
         <a:p>
-          <a:endParaRPr lang="en-IN"/>
+          <a:endParaRPr lang="en-IN">
+            <a:solidFill>
+              <a:schemeClr val="bg2"/>
+            </a:solidFill>
+          </a:endParaRPr>
         </a:p>
       </dgm:t>
     </dgm:pt>
@@ -6062,7 +6069,11 @@
         <a:bodyPr/>
         <a:lstStyle/>
         <a:p>
-          <a:endParaRPr lang="en-IN"/>
+          <a:endParaRPr lang="en-IN">
+            <a:solidFill>
+              <a:schemeClr val="bg2"/>
+            </a:solidFill>
+          </a:endParaRPr>
         </a:p>
       </dgm:t>
     </dgm:pt>
@@ -6079,7 +6090,7 @@
                 <a:noFill/>
               </a:ln>
               <a:solidFill>
-                <a:schemeClr val="tx1"/>
+                <a:schemeClr val="bg2"/>
               </a:solidFill>
               <a:effectLst/>
               <a:latin typeface="Arial" panose="020B0604020202020204" pitchFamily="34" charset="0"/>
@@ -6092,7 +6103,7 @@
                 <a:noFill/>
               </a:ln>
               <a:solidFill>
-                <a:schemeClr val="tx1"/>
+                <a:schemeClr val="bg2"/>
               </a:solidFill>
               <a:effectLst/>
               <a:latin typeface="Arial" panose="020B0604020202020204" pitchFamily="34" charset="0"/>
@@ -6109,7 +6120,11 @@
         <a:bodyPr/>
         <a:lstStyle/>
         <a:p>
-          <a:endParaRPr lang="en-IN"/>
+          <a:endParaRPr lang="en-IN">
+            <a:solidFill>
+              <a:schemeClr val="bg2"/>
+            </a:solidFill>
+          </a:endParaRPr>
         </a:p>
       </dgm:t>
     </dgm:pt>
@@ -6120,7 +6135,11 @@
         <a:bodyPr/>
         <a:lstStyle/>
         <a:p>
-          <a:endParaRPr lang="en-IN"/>
+          <a:endParaRPr lang="en-IN">
+            <a:solidFill>
+              <a:schemeClr val="bg2"/>
+            </a:solidFill>
+          </a:endParaRPr>
         </a:p>
       </dgm:t>
     </dgm:pt>
@@ -6137,7 +6156,7 @@
                 <a:noFill/>
               </a:ln>
               <a:solidFill>
-                <a:schemeClr val="tx1"/>
+                <a:schemeClr val="bg2"/>
               </a:solidFill>
               <a:effectLst/>
               <a:latin typeface="Arial" panose="020B0604020202020204" pitchFamily="34" charset="0"/>
@@ -6150,7 +6169,7 @@
                 <a:noFill/>
               </a:ln>
               <a:solidFill>
-                <a:schemeClr val="tx1"/>
+                <a:schemeClr val="bg2"/>
               </a:solidFill>
               <a:effectLst/>
               <a:latin typeface="Arial" panose="020B0604020202020204" pitchFamily="34" charset="0"/>
@@ -6163,7 +6182,7 @@
                 <a:noFill/>
               </a:ln>
               <a:solidFill>
-                <a:schemeClr val="tx1"/>
+                <a:schemeClr val="bg2"/>
               </a:solidFill>
               <a:effectLst/>
               <a:latin typeface="Arial" panose="020B0604020202020204" pitchFamily="34" charset="0"/>
@@ -6176,7 +6195,7 @@
                 <a:noFill/>
               </a:ln>
               <a:solidFill>
-                <a:schemeClr val="tx1"/>
+                <a:schemeClr val="bg2"/>
               </a:solidFill>
               <a:effectLst/>
               <a:latin typeface="Arial" panose="020B0604020202020204" pitchFamily="34" charset="0"/>
@@ -6193,7 +6212,11 @@
         <a:bodyPr/>
         <a:lstStyle/>
         <a:p>
-          <a:endParaRPr lang="en-IN"/>
+          <a:endParaRPr lang="en-IN">
+            <a:solidFill>
+              <a:schemeClr val="bg2"/>
+            </a:solidFill>
+          </a:endParaRPr>
         </a:p>
       </dgm:t>
     </dgm:pt>
@@ -6204,7 +6227,11 @@
         <a:bodyPr/>
         <a:lstStyle/>
         <a:p>
-          <a:endParaRPr lang="en-IN"/>
+          <a:endParaRPr lang="en-IN">
+            <a:solidFill>
+              <a:schemeClr val="bg2"/>
+            </a:solidFill>
+          </a:endParaRPr>
         </a:p>
       </dgm:t>
     </dgm:pt>
@@ -6221,7 +6248,7 @@
                 <a:noFill/>
               </a:ln>
               <a:solidFill>
-                <a:schemeClr val="tx1"/>
+                <a:schemeClr val="bg2"/>
               </a:solidFill>
               <a:effectLst/>
               <a:latin typeface="Arial" panose="020B0604020202020204" pitchFamily="34" charset="0"/>
@@ -6234,7 +6261,7 @@
                 <a:noFill/>
               </a:ln>
               <a:solidFill>
-                <a:schemeClr val="tx1"/>
+                <a:schemeClr val="bg2"/>
               </a:solidFill>
               <a:effectLst/>
               <a:latin typeface="Arial" panose="020B0604020202020204" pitchFamily="34" charset="0"/>
@@ -6251,7 +6278,11 @@
         <a:bodyPr/>
         <a:lstStyle/>
         <a:p>
-          <a:endParaRPr lang="en-IN"/>
+          <a:endParaRPr lang="en-IN">
+            <a:solidFill>
+              <a:schemeClr val="bg2"/>
+            </a:solidFill>
+          </a:endParaRPr>
         </a:p>
       </dgm:t>
     </dgm:pt>
@@ -6262,7 +6293,11 @@
         <a:bodyPr/>
         <a:lstStyle/>
         <a:p>
-          <a:endParaRPr lang="en-IN"/>
+          <a:endParaRPr lang="en-IN">
+            <a:solidFill>
+              <a:schemeClr val="bg2"/>
+            </a:solidFill>
+          </a:endParaRPr>
         </a:p>
       </dgm:t>
     </dgm:pt>
@@ -6961,7 +6996,7 @@
 <dgm:dataModel xmlns:dgm="http://schemas.openxmlformats.org/drawingml/2006/diagram" xmlns:a="http://schemas.openxmlformats.org/drawingml/2006/main">
   <dgm:ptLst>
     <dgm:pt modelId="{320EFE05-8114-49CB-9E12-52116181BBF2}" type="doc">
-      <dgm:prSet loTypeId="urn:microsoft.com/office/officeart/2005/8/layout/default" loCatId="list" qsTypeId="urn:microsoft.com/office/officeart/2005/8/quickstyle/simple4" qsCatId="simple" csTypeId="urn:microsoft.com/office/officeart/2005/8/colors/accent6_2" csCatId="accent6" phldr="1"/>
+      <dgm:prSet loTypeId="urn:microsoft.com/office/officeart/2005/8/layout/default" loCatId="list" qsTypeId="urn:microsoft.com/office/officeart/2005/8/quickstyle/simple4" qsCatId="simple" csTypeId="urn:microsoft.com/office/officeart/2005/8/colors/colorful5" csCatId="colorful" phldr="1"/>
       <dgm:spPr/>
       <dgm:t>
         <a:bodyPr/>
@@ -7370,13 +7405,19 @@
             <a:buChar char="•"/>
           </a:pPr>
           <a:r>
-            <a:rPr lang="en-US" sz="1600" b="1">
+            <a:rPr lang="en-US" sz="2000" b="1">
+              <a:solidFill>
+                <a:srgbClr val="010000"/>
+              </a:solidFill>
               <a:latin typeface="+mj-lt"/>
             </a:rPr>
             <a:t>Comprehensive Health Assessments</a:t>
           </a:r>
           <a:r>
-            <a:rPr lang="en-US" sz="1600">
+            <a:rPr lang="en-US" sz="2000">
+              <a:solidFill>
+                <a:srgbClr val="010000"/>
+              </a:solidFill>
               <a:latin typeface="+mj-lt"/>
             </a:rPr>
             <a:t>: Include evaluations for chronic conditions and lifestyle factors for holistic recommendations.</a:t>
@@ -7391,7 +7432,11 @@
         <a:bodyPr/>
         <a:lstStyle/>
         <a:p>
-          <a:endParaRPr lang="en-IN"/>
+          <a:endParaRPr lang="en-IN">
+            <a:solidFill>
+              <a:srgbClr val="010000"/>
+            </a:solidFill>
+          </a:endParaRPr>
         </a:p>
       </dgm:t>
     </dgm:pt>
@@ -7402,7 +7447,11 @@
         <a:bodyPr/>
         <a:lstStyle/>
         <a:p>
-          <a:endParaRPr lang="en-IN"/>
+          <a:endParaRPr lang="en-IN">
+            <a:solidFill>
+              <a:srgbClr val="010000"/>
+            </a:solidFill>
+          </a:endParaRPr>
         </a:p>
       </dgm:t>
     </dgm:pt>
@@ -7418,13 +7467,19 @@
             <a:buChar char="•"/>
           </a:pPr>
           <a:r>
-            <a:rPr lang="en-US" sz="1600" b="1">
+            <a:rPr lang="en-US" sz="2000" b="1">
+              <a:solidFill>
+                <a:srgbClr val="010000"/>
+              </a:solidFill>
               <a:latin typeface="+mj-lt"/>
             </a:rPr>
             <a:t>Real-Time Monitoring</a:t>
           </a:r>
           <a:r>
-            <a:rPr lang="en-US" sz="1600">
+            <a:rPr lang="en-US" sz="2000">
+              <a:solidFill>
+                <a:srgbClr val="010000"/>
+              </a:solidFill>
               <a:latin typeface="+mj-lt"/>
             </a:rPr>
             <a:t>: Collaborate with wearable tech companies to integrate biometric data for enhanced analysis.</a:t>
@@ -7439,7 +7494,11 @@
         <a:bodyPr/>
         <a:lstStyle/>
         <a:p>
-          <a:endParaRPr lang="en-IN"/>
+          <a:endParaRPr lang="en-IN">
+            <a:solidFill>
+              <a:srgbClr val="010000"/>
+            </a:solidFill>
+          </a:endParaRPr>
         </a:p>
       </dgm:t>
     </dgm:pt>
@@ -7450,7 +7509,11 @@
         <a:bodyPr/>
         <a:lstStyle/>
         <a:p>
-          <a:endParaRPr lang="en-IN"/>
+          <a:endParaRPr lang="en-IN">
+            <a:solidFill>
+              <a:srgbClr val="010000"/>
+            </a:solidFill>
+          </a:endParaRPr>
         </a:p>
       </dgm:t>
     </dgm:pt>
@@ -7466,13 +7529,19 @@
             <a:buChar char="•"/>
           </a:pPr>
           <a:r>
-            <a:rPr lang="en-US" sz="1600" b="1">
+            <a:rPr lang="en-US" sz="2000" b="1">
+              <a:solidFill>
+                <a:srgbClr val="010000"/>
+              </a:solidFill>
               <a:latin typeface="+mj-lt"/>
             </a:rPr>
             <a:t>Referral Networks</a:t>
           </a:r>
           <a:r>
-            <a:rPr lang="en-US" sz="1600">
+            <a:rPr lang="en-US" sz="2000">
+              <a:solidFill>
+                <a:srgbClr val="010000"/>
+              </a:solidFill>
               <a:latin typeface="+mj-lt"/>
             </a:rPr>
             <a:t>: Establish connections to specialists based on symptom evaluations.</a:t>
@@ -7487,7 +7556,11 @@
         <a:bodyPr/>
         <a:lstStyle/>
         <a:p>
-          <a:endParaRPr lang="en-IN"/>
+          <a:endParaRPr lang="en-IN">
+            <a:solidFill>
+              <a:srgbClr val="010000"/>
+            </a:solidFill>
+          </a:endParaRPr>
         </a:p>
       </dgm:t>
     </dgm:pt>
@@ -7498,7 +7571,11 @@
         <a:bodyPr/>
         <a:lstStyle/>
         <a:p>
-          <a:endParaRPr lang="en-IN"/>
+          <a:endParaRPr lang="en-IN">
+            <a:solidFill>
+              <a:srgbClr val="010000"/>
+            </a:solidFill>
+          </a:endParaRPr>
         </a:p>
       </dgm:t>
     </dgm:pt>
@@ -7514,13 +7591,19 @@
             <a:buChar char="•"/>
           </a:pPr>
           <a:r>
-            <a:rPr lang="en-US" sz="1600" b="1">
+            <a:rPr lang="en-US" sz="2000" b="1">
+              <a:solidFill>
+                <a:srgbClr val="010000"/>
+              </a:solidFill>
               <a:latin typeface="+mj-lt"/>
             </a:rPr>
             <a:t>Partnerships</a:t>
           </a:r>
           <a:r>
-            <a:rPr lang="en-US" sz="1600">
+            <a:rPr lang="en-US" sz="2000">
+              <a:solidFill>
+                <a:srgbClr val="010000"/>
+              </a:solidFill>
               <a:latin typeface="+mj-lt"/>
             </a:rPr>
             <a:t>: Collaborate with organizations like the WHO for global relevance.</a:t>
@@ -7535,7 +7618,11 @@
         <a:bodyPr/>
         <a:lstStyle/>
         <a:p>
-          <a:endParaRPr lang="en-IN"/>
+          <a:endParaRPr lang="en-IN">
+            <a:solidFill>
+              <a:srgbClr val="010000"/>
+            </a:solidFill>
+          </a:endParaRPr>
         </a:p>
       </dgm:t>
     </dgm:pt>
@@ -7546,7 +7633,11 @@
         <a:bodyPr/>
         <a:lstStyle/>
         <a:p>
-          <a:endParaRPr lang="en-IN"/>
+          <a:endParaRPr lang="en-IN">
+            <a:solidFill>
+              <a:srgbClr val="010000"/>
+            </a:solidFill>
+          </a:endParaRPr>
         </a:p>
       </dgm:t>
     </dgm:pt>
@@ -7562,13 +7653,19 @@
             <a:buChar char="•"/>
           </a:pPr>
           <a:r>
-            <a:rPr lang="en-US" sz="1600" b="1">
+            <a:rPr lang="en-US" sz="2000" b="1">
+              <a:solidFill>
+                <a:srgbClr val="010000"/>
+              </a:solidFill>
               <a:latin typeface="+mj-lt"/>
             </a:rPr>
             <a:t>Research Collaborations</a:t>
           </a:r>
           <a:r>
-            <a:rPr lang="en-US" sz="1600">
+            <a:rPr lang="en-US" sz="2000">
+              <a:solidFill>
+                <a:srgbClr val="010000"/>
+              </a:solidFill>
               <a:latin typeface="+mj-lt"/>
             </a:rPr>
             <a:t>: Partner with academic institutions to utilize collected data for research.</a:t>
@@ -7583,7 +7680,11 @@
         <a:bodyPr/>
         <a:lstStyle/>
         <a:p>
-          <a:endParaRPr lang="en-IN"/>
+          <a:endParaRPr lang="en-IN">
+            <a:solidFill>
+              <a:srgbClr val="010000"/>
+            </a:solidFill>
+          </a:endParaRPr>
         </a:p>
       </dgm:t>
     </dgm:pt>
@@ -7594,7 +7695,11 @@
         <a:bodyPr/>
         <a:lstStyle/>
         <a:p>
-          <a:endParaRPr lang="en-IN"/>
+          <a:endParaRPr lang="en-IN">
+            <a:solidFill>
+              <a:srgbClr val="010000"/>
+            </a:solidFill>
+          </a:endParaRPr>
         </a:p>
       </dgm:t>
     </dgm:pt>
@@ -7610,13 +7715,19 @@
             <a:buChar char="•"/>
           </a:pPr>
           <a:r>
-            <a:rPr lang="en-US" sz="1600" b="1">
+            <a:rPr lang="en-US" sz="2000" b="1">
+              <a:solidFill>
+                <a:srgbClr val="010000"/>
+              </a:solidFill>
               <a:latin typeface="+mj-lt"/>
             </a:rPr>
             <a:t>Health Ecosystem</a:t>
           </a:r>
           <a:r>
-            <a:rPr lang="en-US" sz="1600">
+            <a:rPr lang="en-US" sz="2000">
+              <a:solidFill>
+                <a:srgbClr val="010000"/>
+              </a:solidFill>
               <a:latin typeface="+mj-lt"/>
             </a:rPr>
             <a:t>: Partner with existing health apps to provide a comprehensive management platform.</a:t>
@@ -7631,7 +7742,11 @@
         <a:bodyPr/>
         <a:lstStyle/>
         <a:p>
-          <a:endParaRPr lang="en-IN"/>
+          <a:endParaRPr lang="en-IN">
+            <a:solidFill>
+              <a:srgbClr val="010000"/>
+            </a:solidFill>
+          </a:endParaRPr>
         </a:p>
       </dgm:t>
     </dgm:pt>
@@ -7642,7 +7757,11 @@
         <a:bodyPr/>
         <a:lstStyle/>
         <a:p>
-          <a:endParaRPr lang="en-IN"/>
+          <a:endParaRPr lang="en-IN">
+            <a:solidFill>
+              <a:srgbClr val="010000"/>
+            </a:solidFill>
+          </a:endParaRPr>
         </a:p>
       </dgm:t>
     </dgm:pt>
@@ -7658,13 +7777,19 @@
             <a:buChar char="•"/>
           </a:pPr>
           <a:r>
-            <a:rPr lang="en-US" sz="1600" b="1">
+            <a:rPr lang="en-US" sz="2000" b="1">
+              <a:solidFill>
+                <a:srgbClr val="010000"/>
+              </a:solidFill>
               <a:latin typeface="+mj-lt"/>
             </a:rPr>
             <a:t>Health Literacy Programs</a:t>
           </a:r>
           <a:r>
-            <a:rPr lang="en-US" sz="1600">
+            <a:rPr lang="en-US" sz="2000">
+              <a:solidFill>
+                <a:srgbClr val="010000"/>
+              </a:solidFill>
               <a:latin typeface="+mj-lt"/>
             </a:rPr>
             <a:t>: Include educational modules to enhance users' understanding of health topics.</a:t>
@@ -7679,7 +7804,11 @@
         <a:bodyPr/>
         <a:lstStyle/>
         <a:p>
-          <a:endParaRPr lang="en-IN"/>
+          <a:endParaRPr lang="en-IN">
+            <a:solidFill>
+              <a:srgbClr val="010000"/>
+            </a:solidFill>
+          </a:endParaRPr>
         </a:p>
       </dgm:t>
     </dgm:pt>
@@ -7690,7 +7819,11 @@
         <a:bodyPr/>
         <a:lstStyle/>
         <a:p>
-          <a:endParaRPr lang="en-IN"/>
+          <a:endParaRPr lang="en-IN">
+            <a:solidFill>
+              <a:srgbClr val="010000"/>
+            </a:solidFill>
+          </a:endParaRPr>
         </a:p>
       </dgm:t>
     </dgm:pt>
@@ -7706,13 +7839,19 @@
             <a:buChar char="•"/>
           </a:pPr>
           <a:r>
-            <a:rPr lang="en-US" sz="1600" b="1">
+            <a:rPr lang="en-US" sz="2000" b="1">
+              <a:solidFill>
+                <a:srgbClr val="010000"/>
+              </a:solidFill>
               <a:latin typeface="+mj-lt"/>
             </a:rPr>
             <a:t>Community Forums</a:t>
           </a:r>
           <a:r>
-            <a:rPr lang="en-US" sz="1600">
+            <a:rPr lang="en-US" sz="2000">
+              <a:solidFill>
+                <a:srgbClr val="010000"/>
+              </a:solidFill>
               <a:latin typeface="+mj-lt"/>
             </a:rPr>
             <a:t>: Establish platforms for users to connect and support each other in health management.</a:t>
@@ -7727,7 +7866,11 @@
         <a:bodyPr/>
         <a:lstStyle/>
         <a:p>
-          <a:endParaRPr lang="en-IN"/>
+          <a:endParaRPr lang="en-IN">
+            <a:solidFill>
+              <a:srgbClr val="010000"/>
+            </a:solidFill>
+          </a:endParaRPr>
         </a:p>
       </dgm:t>
     </dgm:pt>
@@ -7738,7 +7881,11 @@
         <a:bodyPr/>
         <a:lstStyle/>
         <a:p>
-          <a:endParaRPr lang="en-IN"/>
+          <a:endParaRPr lang="en-IN">
+            <a:solidFill>
+              <a:srgbClr val="010000"/>
+            </a:solidFill>
+          </a:endParaRPr>
         </a:p>
       </dgm:t>
     </dgm:pt>
@@ -7966,7 +8113,7 @@
         <a:gradFill rotWithShape="0">
           <a:gsLst>
             <a:gs pos="0">
-              <a:schemeClr val="accent5">
+              <a:schemeClr val="accent3">
                 <a:hueOff val="0"/>
                 <a:satOff val="0"/>
                 <a:lumOff val="0"/>
@@ -7977,7 +8124,7 @@
               </a:schemeClr>
             </a:gs>
             <a:gs pos="100000">
-              <a:schemeClr val="accent5">
+              <a:schemeClr val="accent3">
                 <a:hueOff val="0"/>
                 <a:satOff val="0"/>
                 <a:lumOff val="0"/>
@@ -8028,18 +8175,10 @@
             <a:buNone/>
           </a:pPr>
           <a:r>
-            <a:rPr lang="en-US" sz="1900" b="1" kern="1200" dirty="0">
-              <a:solidFill>
-                <a:schemeClr val="bg1"/>
-              </a:solidFill>
-            </a:rPr>
+            <a:rPr lang="en-US" sz="1900" b="1" kern="1200"/>
             <a:t>Insufficient access to Medical Expertise</a:t>
           </a:r>
-          <a:endParaRPr lang="en-US" sz="1900" kern="1200" dirty="0">
-            <a:solidFill>
-              <a:schemeClr val="bg1"/>
-            </a:solidFill>
-          </a:endParaRPr>
+          <a:endParaRPr lang="en-US" sz="1900" kern="1200"/>
         </a:p>
       </dsp:txBody>
       <dsp:txXfrm>
@@ -8063,10 +8202,10 @@
         <a:gradFill rotWithShape="0">
           <a:gsLst>
             <a:gs pos="0">
-              <a:schemeClr val="accent5">
-                <a:hueOff val="1001784"/>
-                <a:satOff val="-4397"/>
-                <a:lumOff val="1307"/>
+              <a:schemeClr val="accent3">
+                <a:hueOff val="71428"/>
+                <a:satOff val="-8015"/>
+                <a:lumOff val="1373"/>
                 <a:alphaOff val="0"/>
                 <a:tint val="94000"/>
                 <a:satMod val="105000"/>
@@ -8074,10 +8213,10 @@
               </a:schemeClr>
             </a:gs>
             <a:gs pos="100000">
-              <a:schemeClr val="accent5">
-                <a:hueOff val="1001784"/>
-                <a:satOff val="-4397"/>
-                <a:lumOff val="1307"/>
+              <a:schemeClr val="accent3">
+                <a:hueOff val="71428"/>
+                <a:satOff val="-8015"/>
+                <a:lumOff val="1373"/>
                 <a:alphaOff val="0"/>
                 <a:shade val="74000"/>
                 <a:satMod val="128000"/>
@@ -8125,18 +8264,10 @@
             <a:buNone/>
           </a:pPr>
           <a:r>
-            <a:rPr lang="en-US" sz="1900" b="1" kern="1200" dirty="0">
-              <a:solidFill>
-                <a:schemeClr val="bg1"/>
-              </a:solidFill>
-            </a:rPr>
+            <a:rPr lang="en-US" sz="1900" b="1" kern="1200"/>
             <a:t>Misdiagnosis and Overlooked Symptoms</a:t>
           </a:r>
-          <a:endParaRPr lang="en-US" sz="1900" kern="1200" dirty="0">
-            <a:solidFill>
-              <a:schemeClr val="bg1"/>
-            </a:solidFill>
-          </a:endParaRPr>
+          <a:endParaRPr lang="en-US" sz="1900" kern="1200"/>
         </a:p>
       </dsp:txBody>
       <dsp:txXfrm>
@@ -8160,10 +8291,10 @@
         <a:gradFill rotWithShape="0">
           <a:gsLst>
             <a:gs pos="0">
-              <a:schemeClr val="accent5">
-                <a:hueOff val="2003568"/>
-                <a:satOff val="-8793"/>
-                <a:lumOff val="2614"/>
+              <a:schemeClr val="accent3">
+                <a:hueOff val="142856"/>
+                <a:satOff val="-16031"/>
+                <a:lumOff val="2745"/>
                 <a:alphaOff val="0"/>
                 <a:tint val="94000"/>
                 <a:satMod val="105000"/>
@@ -8171,10 +8302,10 @@
               </a:schemeClr>
             </a:gs>
             <a:gs pos="100000">
-              <a:schemeClr val="accent5">
-                <a:hueOff val="2003568"/>
-                <a:satOff val="-8793"/>
-                <a:lumOff val="2614"/>
+              <a:schemeClr val="accent3">
+                <a:hueOff val="142856"/>
+                <a:satOff val="-16031"/>
+                <a:lumOff val="2745"/>
                 <a:alphaOff val="0"/>
                 <a:shade val="74000"/>
                 <a:satMod val="128000"/>
@@ -8222,18 +8353,10 @@
             <a:buNone/>
           </a:pPr>
           <a:r>
-            <a:rPr lang="en-US" sz="1900" b="1" kern="1200" dirty="0">
-              <a:solidFill>
-                <a:schemeClr val="bg1"/>
-              </a:solidFill>
-            </a:rPr>
+            <a:rPr lang="en-US" sz="1900" b="1" kern="1200"/>
             <a:t>Long Wait Times in Clinics</a:t>
           </a:r>
-          <a:endParaRPr lang="en-US" sz="1900" kern="1200" dirty="0">
-            <a:solidFill>
-              <a:schemeClr val="bg1"/>
-            </a:solidFill>
-          </a:endParaRPr>
+          <a:endParaRPr lang="en-US" sz="1900" kern="1200"/>
         </a:p>
       </dsp:txBody>
       <dsp:txXfrm>
@@ -8257,10 +8380,10 @@
         <a:gradFill rotWithShape="0">
           <a:gsLst>
             <a:gs pos="0">
-              <a:schemeClr val="accent5">
-                <a:hueOff val="3005351"/>
-                <a:satOff val="-13190"/>
-                <a:lumOff val="3921"/>
+              <a:schemeClr val="accent3">
+                <a:hueOff val="214284"/>
+                <a:satOff val="-24046"/>
+                <a:lumOff val="4118"/>
                 <a:alphaOff val="0"/>
                 <a:tint val="94000"/>
                 <a:satMod val="105000"/>
@@ -8268,10 +8391,10 @@
               </a:schemeClr>
             </a:gs>
             <a:gs pos="100000">
-              <a:schemeClr val="accent5">
-                <a:hueOff val="3005351"/>
-                <a:satOff val="-13190"/>
-                <a:lumOff val="3921"/>
+              <a:schemeClr val="accent3">
+                <a:hueOff val="214284"/>
+                <a:satOff val="-24046"/>
+                <a:lumOff val="4118"/>
                 <a:alphaOff val="0"/>
                 <a:shade val="74000"/>
                 <a:satMod val="128000"/>
@@ -8319,18 +8442,10 @@
             <a:buNone/>
           </a:pPr>
           <a:r>
-            <a:rPr lang="en-US" sz="1900" b="1" kern="1200">
-              <a:solidFill>
-                <a:schemeClr val="bg1"/>
-              </a:solidFill>
-            </a:rPr>
+            <a:rPr lang="en-US" sz="1900" b="1" kern="1200"/>
             <a:t>High Healthcare Costs</a:t>
           </a:r>
-          <a:endParaRPr lang="en-US" sz="1900" kern="1200">
-            <a:solidFill>
-              <a:schemeClr val="bg1"/>
-            </a:solidFill>
-          </a:endParaRPr>
+          <a:endParaRPr lang="en-US" sz="1900" kern="1200"/>
         </a:p>
       </dsp:txBody>
       <dsp:txXfrm>
@@ -8354,10 +8469,10 @@
         <a:gradFill rotWithShape="0">
           <a:gsLst>
             <a:gs pos="0">
-              <a:schemeClr val="accent5">
-                <a:hueOff val="4007135"/>
-                <a:satOff val="-17587"/>
-                <a:lumOff val="5229"/>
+              <a:schemeClr val="accent3">
+                <a:hueOff val="285712"/>
+                <a:satOff val="-32061"/>
+                <a:lumOff val="5491"/>
                 <a:alphaOff val="0"/>
                 <a:tint val="94000"/>
                 <a:satMod val="105000"/>
@@ -8365,10 +8480,10 @@
               </a:schemeClr>
             </a:gs>
             <a:gs pos="100000">
-              <a:schemeClr val="accent5">
-                <a:hueOff val="4007135"/>
-                <a:satOff val="-17587"/>
-                <a:lumOff val="5229"/>
+              <a:schemeClr val="accent3">
+                <a:hueOff val="285712"/>
+                <a:satOff val="-32061"/>
+                <a:lumOff val="5491"/>
                 <a:alphaOff val="0"/>
                 <a:shade val="74000"/>
                 <a:satMod val="128000"/>
@@ -8416,11 +8531,7 @@
             <a:buNone/>
           </a:pPr>
           <a:r>
-            <a:rPr lang="en-US" sz="1900" b="1" kern="1200" dirty="0">
-              <a:solidFill>
-                <a:schemeClr val="bg1"/>
-              </a:solidFill>
-            </a:rPr>
+            <a:rPr lang="en-US" sz="1900" b="1" kern="1200"/>
             <a:t>Lack of Health Literacy</a:t>
           </a:r>
         </a:p>
@@ -8446,10 +8557,10 @@
         <a:gradFill rotWithShape="0">
           <a:gsLst>
             <a:gs pos="0">
-              <a:schemeClr val="accent5">
-                <a:hueOff val="5008919"/>
-                <a:satOff val="-21983"/>
-                <a:lumOff val="6536"/>
+              <a:schemeClr val="accent3">
+                <a:hueOff val="357140"/>
+                <a:satOff val="-40077"/>
+                <a:lumOff val="6863"/>
                 <a:alphaOff val="0"/>
                 <a:tint val="94000"/>
                 <a:satMod val="105000"/>
@@ -8457,10 +8568,10 @@
               </a:schemeClr>
             </a:gs>
             <a:gs pos="100000">
-              <a:schemeClr val="accent5">
-                <a:hueOff val="5008919"/>
-                <a:satOff val="-21983"/>
-                <a:lumOff val="6536"/>
+              <a:schemeClr val="accent3">
+                <a:hueOff val="357140"/>
+                <a:satOff val="-40077"/>
+                <a:lumOff val="6863"/>
                 <a:alphaOff val="0"/>
                 <a:shade val="74000"/>
                 <a:satMod val="128000"/>
@@ -8508,18 +8619,10 @@
             <a:buNone/>
           </a:pPr>
           <a:r>
-            <a:rPr lang="en-US" sz="1900" b="1" kern="1200" dirty="0">
-              <a:solidFill>
-                <a:schemeClr val="bg1"/>
-              </a:solidFill>
-            </a:rPr>
+            <a:rPr lang="en-US" sz="1900" b="1" kern="1200"/>
             <a:t>Inefficient Symptom Assessment with existing systems</a:t>
           </a:r>
-          <a:endParaRPr lang="en-US" sz="1900" kern="1200" dirty="0">
-            <a:solidFill>
-              <a:schemeClr val="bg1"/>
-            </a:solidFill>
-          </a:endParaRPr>
+          <a:endParaRPr lang="en-US" sz="1900" kern="1200"/>
         </a:p>
       </dsp:txBody>
       <dsp:txXfrm>
@@ -8543,10 +8646,10 @@
         <a:gradFill rotWithShape="0">
           <a:gsLst>
             <a:gs pos="0">
-              <a:schemeClr val="accent5">
-                <a:hueOff val="6010703"/>
-                <a:satOff val="-26380"/>
-                <a:lumOff val="7843"/>
+              <a:schemeClr val="accent3">
+                <a:hueOff val="428568"/>
+                <a:satOff val="-48092"/>
+                <a:lumOff val="8236"/>
                 <a:alphaOff val="0"/>
                 <a:tint val="94000"/>
                 <a:satMod val="105000"/>
@@ -8554,10 +8657,10 @@
               </a:schemeClr>
             </a:gs>
             <a:gs pos="100000">
-              <a:schemeClr val="accent5">
-                <a:hueOff val="6010703"/>
-                <a:satOff val="-26380"/>
-                <a:lumOff val="7843"/>
+              <a:schemeClr val="accent3">
+                <a:hueOff val="428568"/>
+                <a:satOff val="-48092"/>
+                <a:lumOff val="8236"/>
                 <a:alphaOff val="0"/>
                 <a:shade val="74000"/>
                 <a:satMod val="128000"/>
@@ -8605,18 +8708,10 @@
             <a:buNone/>
           </a:pPr>
           <a:r>
-            <a:rPr lang="en-US" sz="1900" b="1" kern="1200" dirty="0">
-              <a:solidFill>
-                <a:schemeClr val="bg1"/>
-              </a:solidFill>
-            </a:rPr>
+            <a:rPr lang="en-US" sz="1900" b="1" kern="1200"/>
             <a:t>Limited Use of Technology in Initial Assessment</a:t>
           </a:r>
-          <a:endParaRPr lang="en-US" sz="1900" kern="1200" dirty="0">
-            <a:solidFill>
-              <a:schemeClr val="bg1"/>
-            </a:solidFill>
-          </a:endParaRPr>
+          <a:endParaRPr lang="en-US" sz="1900" kern="1200"/>
         </a:p>
       </dsp:txBody>
       <dsp:txXfrm>
@@ -8743,7 +8838,7 @@
                 <a:noFill/>
               </a:ln>
               <a:solidFill>
-                <a:schemeClr val="tx1"/>
+                <a:schemeClr val="bg2"/>
               </a:solidFill>
               <a:effectLst/>
               <a:latin typeface="Arial" panose="020B0604020202020204" pitchFamily="34" charset="0"/>
@@ -8756,14 +8851,18 @@
                 <a:noFill/>
               </a:ln>
               <a:solidFill>
-                <a:schemeClr val="tx1"/>
+                <a:schemeClr val="bg2"/>
               </a:solidFill>
               <a:effectLst/>
               <a:latin typeface="Arial" panose="020B0604020202020204" pitchFamily="34" charset="0"/>
             </a:rPr>
             <a:t>: Utilizes machine learning algorithms to accurately analyze user-reported symptoms and predict potential diseases.</a:t>
           </a:r>
-          <a:endParaRPr lang="en-IN" sz="1800" kern="1200"/>
+          <a:endParaRPr lang="en-IN" sz="1800" kern="1200">
+            <a:solidFill>
+              <a:schemeClr val="bg2"/>
+            </a:solidFill>
+          </a:endParaRPr>
         </a:p>
       </dsp:txBody>
       <dsp:txXfrm>
@@ -8875,7 +8974,7 @@
                 <a:noFill/>
               </a:ln>
               <a:solidFill>
-                <a:schemeClr val="tx1"/>
+                <a:schemeClr val="bg2"/>
               </a:solidFill>
               <a:effectLst/>
               <a:latin typeface="Arial" panose="020B0604020202020204" pitchFamily="34" charset="0"/>
@@ -8888,7 +8987,7 @@
                 <a:noFill/>
               </a:ln>
               <a:solidFill>
-                <a:schemeClr val="tx1"/>
+                <a:schemeClr val="bg2"/>
               </a:solidFill>
               <a:effectLst/>
               <a:latin typeface="Arial" panose="020B0604020202020204" pitchFamily="34" charset="0"/>
@@ -9006,7 +9105,7 @@
                 <a:noFill/>
               </a:ln>
               <a:solidFill>
-                <a:schemeClr val="tx1"/>
+                <a:schemeClr val="bg2"/>
               </a:solidFill>
               <a:effectLst/>
               <a:latin typeface="Arial" panose="020B0604020202020204" pitchFamily="34" charset="0"/>
@@ -9019,7 +9118,7 @@
                 <a:noFill/>
               </a:ln>
               <a:solidFill>
-                <a:schemeClr val="tx1"/>
+                <a:schemeClr val="bg2"/>
               </a:solidFill>
               <a:effectLst/>
               <a:latin typeface="Arial" panose="020B0604020202020204" pitchFamily="34" charset="0"/>
@@ -9137,7 +9236,7 @@
                 <a:noFill/>
               </a:ln>
               <a:solidFill>
-                <a:schemeClr val="tx1"/>
+                <a:schemeClr val="bg2"/>
               </a:solidFill>
               <a:effectLst/>
               <a:latin typeface="Arial" panose="020B0604020202020204" pitchFamily="34" charset="0"/>
@@ -9150,7 +9249,7 @@
                 <a:noFill/>
               </a:ln>
               <a:solidFill>
-                <a:schemeClr val="tx1"/>
+                <a:schemeClr val="bg2"/>
               </a:solidFill>
               <a:effectLst/>
               <a:latin typeface="Arial" panose="020B0604020202020204" pitchFamily="34" charset="0"/>
@@ -9163,7 +9262,7 @@
                 <a:noFill/>
               </a:ln>
               <a:solidFill>
-                <a:schemeClr val="tx1"/>
+                <a:schemeClr val="bg2"/>
               </a:solidFill>
               <a:effectLst/>
               <a:latin typeface="Arial" panose="020B0604020202020204" pitchFamily="34" charset="0"/>
@@ -9176,7 +9275,7 @@
                 <a:noFill/>
               </a:ln>
               <a:solidFill>
-                <a:schemeClr val="tx1"/>
+                <a:schemeClr val="bg2"/>
               </a:solidFill>
               <a:effectLst/>
               <a:latin typeface="Arial" panose="020B0604020202020204" pitchFamily="34" charset="0"/>
@@ -9294,7 +9393,7 @@
                 <a:noFill/>
               </a:ln>
               <a:solidFill>
-                <a:schemeClr val="tx1"/>
+                <a:schemeClr val="bg2"/>
               </a:solidFill>
               <a:effectLst/>
               <a:latin typeface="Arial" panose="020B0604020202020204" pitchFamily="34" charset="0"/>
@@ -9307,7 +9406,7 @@
                 <a:noFill/>
               </a:ln>
               <a:solidFill>
-                <a:schemeClr val="tx1"/>
+                <a:schemeClr val="bg2"/>
               </a:solidFill>
               <a:effectLst/>
               <a:latin typeface="Arial" panose="020B0604020202020204" pitchFamily="34" charset="0"/>
@@ -10174,7 +10273,7 @@
         <a:gradFill rotWithShape="0">
           <a:gsLst>
             <a:gs pos="0">
-              <a:schemeClr val="accent6">
+              <a:schemeClr val="accent5">
                 <a:hueOff val="0"/>
                 <a:satOff val="0"/>
                 <a:lumOff val="0"/>
@@ -10185,7 +10284,7 @@
               </a:schemeClr>
             </a:gs>
             <a:gs pos="100000">
-              <a:schemeClr val="accent6">
+              <a:schemeClr val="accent5">
                 <a:hueOff val="0"/>
                 <a:satOff val="0"/>
                 <a:lumOff val="0"/>
@@ -10263,10 +10362,10 @@
         <a:gradFill rotWithShape="0">
           <a:gsLst>
             <a:gs pos="0">
-              <a:schemeClr val="accent6">
-                <a:hueOff val="0"/>
-                <a:satOff val="0"/>
-                <a:lumOff val="0"/>
+              <a:schemeClr val="accent5">
+                <a:hueOff val="1202141"/>
+                <a:satOff val="-5276"/>
+                <a:lumOff val="1569"/>
                 <a:alphaOff val="0"/>
                 <a:tint val="94000"/>
                 <a:satMod val="105000"/>
@@ -10274,10 +10373,10 @@
               </a:schemeClr>
             </a:gs>
             <a:gs pos="100000">
-              <a:schemeClr val="accent6">
-                <a:hueOff val="0"/>
-                <a:satOff val="0"/>
-                <a:lumOff val="0"/>
+              <a:schemeClr val="accent5">
+                <a:hueOff val="1202141"/>
+                <a:satOff val="-5276"/>
+                <a:lumOff val="1569"/>
                 <a:alphaOff val="0"/>
                 <a:shade val="74000"/>
                 <a:satMod val="128000"/>
@@ -10352,10 +10451,10 @@
         <a:gradFill rotWithShape="0">
           <a:gsLst>
             <a:gs pos="0">
-              <a:schemeClr val="accent6">
-                <a:hueOff val="0"/>
-                <a:satOff val="0"/>
-                <a:lumOff val="0"/>
+              <a:schemeClr val="accent5">
+                <a:hueOff val="2404281"/>
+                <a:satOff val="-10552"/>
+                <a:lumOff val="3137"/>
                 <a:alphaOff val="0"/>
                 <a:tint val="94000"/>
                 <a:satMod val="105000"/>
@@ -10363,10 +10462,10 @@
               </a:schemeClr>
             </a:gs>
             <a:gs pos="100000">
-              <a:schemeClr val="accent6">
-                <a:hueOff val="0"/>
-                <a:satOff val="0"/>
-                <a:lumOff val="0"/>
+              <a:schemeClr val="accent5">
+                <a:hueOff val="2404281"/>
+                <a:satOff val="-10552"/>
+                <a:lumOff val="3137"/>
                 <a:alphaOff val="0"/>
                 <a:shade val="74000"/>
                 <a:satMod val="128000"/>
@@ -10441,10 +10540,10 @@
         <a:gradFill rotWithShape="0">
           <a:gsLst>
             <a:gs pos="0">
-              <a:schemeClr val="accent6">
-                <a:hueOff val="0"/>
-                <a:satOff val="0"/>
-                <a:lumOff val="0"/>
+              <a:schemeClr val="accent5">
+                <a:hueOff val="3606422"/>
+                <a:satOff val="-15828"/>
+                <a:lumOff val="4706"/>
                 <a:alphaOff val="0"/>
                 <a:tint val="94000"/>
                 <a:satMod val="105000"/>
@@ -10452,10 +10551,10 @@
               </a:schemeClr>
             </a:gs>
             <a:gs pos="100000">
-              <a:schemeClr val="accent6">
-                <a:hueOff val="0"/>
-                <a:satOff val="0"/>
-                <a:lumOff val="0"/>
+              <a:schemeClr val="accent5">
+                <a:hueOff val="3606422"/>
+                <a:satOff val="-15828"/>
+                <a:lumOff val="4706"/>
                 <a:alphaOff val="0"/>
                 <a:shade val="74000"/>
                 <a:satMod val="128000"/>
@@ -10530,10 +10629,10 @@
         <a:gradFill rotWithShape="0">
           <a:gsLst>
             <a:gs pos="0">
-              <a:schemeClr val="accent6">
-                <a:hueOff val="0"/>
-                <a:satOff val="0"/>
-                <a:lumOff val="0"/>
+              <a:schemeClr val="accent5">
+                <a:hueOff val="4808562"/>
+                <a:satOff val="-21104"/>
+                <a:lumOff val="6274"/>
                 <a:alphaOff val="0"/>
                 <a:tint val="94000"/>
                 <a:satMod val="105000"/>
@@ -10541,10 +10640,10 @@
               </a:schemeClr>
             </a:gs>
             <a:gs pos="100000">
-              <a:schemeClr val="accent6">
-                <a:hueOff val="0"/>
-                <a:satOff val="0"/>
-                <a:lumOff val="0"/>
+              <a:schemeClr val="accent5">
+                <a:hueOff val="4808562"/>
+                <a:satOff val="-21104"/>
+                <a:lumOff val="6274"/>
                 <a:alphaOff val="0"/>
                 <a:shade val="74000"/>
                 <a:satMod val="128000"/>
@@ -10619,10 +10718,10 @@
         <a:gradFill rotWithShape="0">
           <a:gsLst>
             <a:gs pos="0">
-              <a:schemeClr val="accent6">
-                <a:hueOff val="0"/>
-                <a:satOff val="0"/>
-                <a:lumOff val="0"/>
+              <a:schemeClr val="accent5">
+                <a:hueOff val="6010703"/>
+                <a:satOff val="-26380"/>
+                <a:lumOff val="7843"/>
                 <a:alphaOff val="0"/>
                 <a:tint val="94000"/>
                 <a:satMod val="105000"/>
@@ -10630,10 +10729,10 @@
               </a:schemeClr>
             </a:gs>
             <a:gs pos="100000">
-              <a:schemeClr val="accent6">
-                <a:hueOff val="0"/>
-                <a:satOff val="0"/>
-                <a:lumOff val="0"/>
+              <a:schemeClr val="accent5">
+                <a:hueOff val="6010703"/>
+                <a:satOff val="-26380"/>
+                <a:lumOff val="7843"/>
                 <a:alphaOff val="0"/>
                 <a:shade val="74000"/>
                 <a:satMod val="128000"/>
@@ -10816,12 +10915,12 @@
         <a:fontRef idx="minor"/>
       </dsp:style>
       <dsp:txBody>
-        <a:bodyPr spcFirstLastPara="0" vert="horz" wrap="square" lIns="60960" tIns="60960" rIns="60960" bIns="60960" numCol="1" spcCol="1270" anchor="t" anchorCtr="0">
+        <a:bodyPr spcFirstLastPara="0" vert="horz" wrap="square" lIns="76200" tIns="76200" rIns="76200" bIns="76200" numCol="1" spcCol="1270" anchor="t" anchorCtr="0">
           <a:noAutofit/>
         </a:bodyPr>
         <a:lstStyle/>
         <a:p>
-          <a:pPr marL="0" lvl="0" indent="0" algn="l" defTabSz="711200">
+          <a:pPr marL="0" lvl="0" indent="0" algn="l" defTabSz="889000">
             <a:lnSpc>
               <a:spcPct val="90000"/>
             </a:lnSpc>
@@ -10835,13 +10934,19 @@
             <a:buNone/>
           </a:pPr>
           <a:r>
-            <a:rPr lang="en-US" sz="1600" b="1" kern="1200">
+            <a:rPr lang="en-US" sz="2000" b="1" kern="1200">
+              <a:solidFill>
+                <a:srgbClr val="010000"/>
+              </a:solidFill>
               <a:latin typeface="+mj-lt"/>
             </a:rPr>
             <a:t>Comprehensive Health Assessments</a:t>
           </a:r>
           <a:r>
-            <a:rPr lang="en-US" sz="1600" kern="1200">
+            <a:rPr lang="en-US" sz="2000" kern="1200">
+              <a:solidFill>
+                <a:srgbClr val="010000"/>
+              </a:solidFill>
               <a:latin typeface="+mj-lt"/>
             </a:rPr>
             <a:t>: Include evaluations for chronic conditions and lifestyle factors for holistic recommendations.</a:t>
@@ -10953,12 +11058,12 @@
         <a:fontRef idx="minor"/>
       </dsp:style>
       <dsp:txBody>
-        <a:bodyPr spcFirstLastPara="0" vert="horz" wrap="square" lIns="60960" tIns="60960" rIns="60960" bIns="60960" numCol="1" spcCol="1270" anchor="t" anchorCtr="0">
+        <a:bodyPr spcFirstLastPara="0" vert="horz" wrap="square" lIns="76200" tIns="76200" rIns="76200" bIns="76200" numCol="1" spcCol="1270" anchor="t" anchorCtr="0">
           <a:noAutofit/>
         </a:bodyPr>
         <a:lstStyle/>
         <a:p>
-          <a:pPr marL="0" lvl="0" indent="0" algn="l" defTabSz="711200">
+          <a:pPr marL="0" lvl="0" indent="0" algn="l" defTabSz="889000">
             <a:lnSpc>
               <a:spcPct val="90000"/>
             </a:lnSpc>
@@ -10972,13 +11077,19 @@
             <a:buNone/>
           </a:pPr>
           <a:r>
-            <a:rPr lang="en-US" sz="1600" b="1" kern="1200">
+            <a:rPr lang="en-US" sz="2000" b="1" kern="1200">
+              <a:solidFill>
+                <a:srgbClr val="010000"/>
+              </a:solidFill>
               <a:latin typeface="+mj-lt"/>
             </a:rPr>
             <a:t>Real-Time Monitoring</a:t>
           </a:r>
           <a:r>
-            <a:rPr lang="en-US" sz="1600" kern="1200">
+            <a:rPr lang="en-US" sz="2000" kern="1200">
+              <a:solidFill>
+                <a:srgbClr val="010000"/>
+              </a:solidFill>
               <a:latin typeface="+mj-lt"/>
             </a:rPr>
             <a:t>: Collaborate with wearable tech companies to integrate biometric data for enhanced analysis.</a:t>
@@ -11090,12 +11201,12 @@
         <a:fontRef idx="minor"/>
       </dsp:style>
       <dsp:txBody>
-        <a:bodyPr spcFirstLastPara="0" vert="horz" wrap="square" lIns="60960" tIns="60960" rIns="60960" bIns="60960" numCol="1" spcCol="1270" anchor="t" anchorCtr="0">
+        <a:bodyPr spcFirstLastPara="0" vert="horz" wrap="square" lIns="76200" tIns="76200" rIns="76200" bIns="76200" numCol="1" spcCol="1270" anchor="t" anchorCtr="0">
           <a:noAutofit/>
         </a:bodyPr>
         <a:lstStyle/>
         <a:p>
-          <a:pPr marL="0" lvl="0" indent="0" algn="l" defTabSz="711200">
+          <a:pPr marL="0" lvl="0" indent="0" algn="l" defTabSz="889000">
             <a:lnSpc>
               <a:spcPct val="90000"/>
             </a:lnSpc>
@@ -11109,13 +11220,19 @@
             <a:buNone/>
           </a:pPr>
           <a:r>
-            <a:rPr lang="en-US" sz="1600" b="1" kern="1200">
+            <a:rPr lang="en-US" sz="2000" b="1" kern="1200">
+              <a:solidFill>
+                <a:srgbClr val="010000"/>
+              </a:solidFill>
               <a:latin typeface="+mj-lt"/>
             </a:rPr>
             <a:t>Referral Networks</a:t>
           </a:r>
           <a:r>
-            <a:rPr lang="en-US" sz="1600" kern="1200">
+            <a:rPr lang="en-US" sz="2000" kern="1200">
+              <a:solidFill>
+                <a:srgbClr val="010000"/>
+              </a:solidFill>
               <a:latin typeface="+mj-lt"/>
             </a:rPr>
             <a:t>: Establish connections to specialists based on symptom evaluations.</a:t>
@@ -11227,12 +11344,12 @@
         <a:fontRef idx="minor"/>
       </dsp:style>
       <dsp:txBody>
-        <a:bodyPr spcFirstLastPara="0" vert="horz" wrap="square" lIns="60960" tIns="60960" rIns="60960" bIns="60960" numCol="1" spcCol="1270" anchor="t" anchorCtr="0">
+        <a:bodyPr spcFirstLastPara="0" vert="horz" wrap="square" lIns="76200" tIns="76200" rIns="76200" bIns="76200" numCol="1" spcCol="1270" anchor="t" anchorCtr="0">
           <a:noAutofit/>
         </a:bodyPr>
         <a:lstStyle/>
         <a:p>
-          <a:pPr marL="0" lvl="0" indent="0" algn="l" defTabSz="711200">
+          <a:pPr marL="0" lvl="0" indent="0" algn="l" defTabSz="889000">
             <a:lnSpc>
               <a:spcPct val="90000"/>
             </a:lnSpc>
@@ -11246,13 +11363,19 @@
             <a:buNone/>
           </a:pPr>
           <a:r>
-            <a:rPr lang="en-US" sz="1600" b="1" kern="1200">
+            <a:rPr lang="en-US" sz="2000" b="1" kern="1200">
+              <a:solidFill>
+                <a:srgbClr val="010000"/>
+              </a:solidFill>
               <a:latin typeface="+mj-lt"/>
             </a:rPr>
             <a:t>Partnerships</a:t>
           </a:r>
           <a:r>
-            <a:rPr lang="en-US" sz="1600" kern="1200">
+            <a:rPr lang="en-US" sz="2000" kern="1200">
+              <a:solidFill>
+                <a:srgbClr val="010000"/>
+              </a:solidFill>
               <a:latin typeface="+mj-lt"/>
             </a:rPr>
             <a:t>: Collaborate with organizations like the WHO for global relevance.</a:t>
@@ -11364,12 +11487,12 @@
         <a:fontRef idx="minor"/>
       </dsp:style>
       <dsp:txBody>
-        <a:bodyPr spcFirstLastPara="0" vert="horz" wrap="square" lIns="60960" tIns="60960" rIns="60960" bIns="60960" numCol="1" spcCol="1270" anchor="t" anchorCtr="0">
+        <a:bodyPr spcFirstLastPara="0" vert="horz" wrap="square" lIns="76200" tIns="76200" rIns="76200" bIns="76200" numCol="1" spcCol="1270" anchor="t" anchorCtr="0">
           <a:noAutofit/>
         </a:bodyPr>
         <a:lstStyle/>
         <a:p>
-          <a:pPr marL="0" lvl="0" indent="0" algn="l" defTabSz="711200">
+          <a:pPr marL="0" lvl="0" indent="0" algn="l" defTabSz="889000">
             <a:lnSpc>
               <a:spcPct val="90000"/>
             </a:lnSpc>
@@ -11383,13 +11506,19 @@
             <a:buNone/>
           </a:pPr>
           <a:r>
-            <a:rPr lang="en-US" sz="1600" b="1" kern="1200">
+            <a:rPr lang="en-US" sz="2000" b="1" kern="1200">
+              <a:solidFill>
+                <a:srgbClr val="010000"/>
+              </a:solidFill>
               <a:latin typeface="+mj-lt"/>
             </a:rPr>
             <a:t>Research Collaborations</a:t>
           </a:r>
           <a:r>
-            <a:rPr lang="en-US" sz="1600" kern="1200">
+            <a:rPr lang="en-US" sz="2000" kern="1200">
+              <a:solidFill>
+                <a:srgbClr val="010000"/>
+              </a:solidFill>
               <a:latin typeface="+mj-lt"/>
             </a:rPr>
             <a:t>: Partner with academic institutions to utilize collected data for research.</a:t>
@@ -11501,12 +11630,12 @@
         <a:fontRef idx="minor"/>
       </dsp:style>
       <dsp:txBody>
-        <a:bodyPr spcFirstLastPara="0" vert="horz" wrap="square" lIns="60960" tIns="60960" rIns="60960" bIns="60960" numCol="1" spcCol="1270" anchor="t" anchorCtr="0">
+        <a:bodyPr spcFirstLastPara="0" vert="horz" wrap="square" lIns="76200" tIns="76200" rIns="76200" bIns="76200" numCol="1" spcCol="1270" anchor="t" anchorCtr="0">
           <a:noAutofit/>
         </a:bodyPr>
         <a:lstStyle/>
         <a:p>
-          <a:pPr marL="0" lvl="0" indent="0" algn="l" defTabSz="711200">
+          <a:pPr marL="0" lvl="0" indent="0" algn="l" defTabSz="889000">
             <a:lnSpc>
               <a:spcPct val="90000"/>
             </a:lnSpc>
@@ -11520,13 +11649,19 @@
             <a:buNone/>
           </a:pPr>
           <a:r>
-            <a:rPr lang="en-US" sz="1600" b="1" kern="1200">
+            <a:rPr lang="en-US" sz="2000" b="1" kern="1200">
+              <a:solidFill>
+                <a:srgbClr val="010000"/>
+              </a:solidFill>
               <a:latin typeface="+mj-lt"/>
             </a:rPr>
             <a:t>Health Ecosystem</a:t>
           </a:r>
           <a:r>
-            <a:rPr lang="en-US" sz="1600" kern="1200">
+            <a:rPr lang="en-US" sz="2000" kern="1200">
+              <a:solidFill>
+                <a:srgbClr val="010000"/>
+              </a:solidFill>
               <a:latin typeface="+mj-lt"/>
             </a:rPr>
             <a:t>: Partner with existing health apps to provide a comprehensive management platform.</a:t>
@@ -11638,12 +11773,12 @@
         <a:fontRef idx="minor"/>
       </dsp:style>
       <dsp:txBody>
-        <a:bodyPr spcFirstLastPara="0" vert="horz" wrap="square" lIns="60960" tIns="60960" rIns="60960" bIns="60960" numCol="1" spcCol="1270" anchor="t" anchorCtr="0">
+        <a:bodyPr spcFirstLastPara="0" vert="horz" wrap="square" lIns="76200" tIns="76200" rIns="76200" bIns="76200" numCol="1" spcCol="1270" anchor="t" anchorCtr="0">
           <a:noAutofit/>
         </a:bodyPr>
         <a:lstStyle/>
         <a:p>
-          <a:pPr marL="0" lvl="0" indent="0" algn="l" defTabSz="711200">
+          <a:pPr marL="0" lvl="0" indent="0" algn="l" defTabSz="889000">
             <a:lnSpc>
               <a:spcPct val="90000"/>
             </a:lnSpc>
@@ -11657,13 +11792,19 @@
             <a:buNone/>
           </a:pPr>
           <a:r>
-            <a:rPr lang="en-US" sz="1600" b="1" kern="1200">
+            <a:rPr lang="en-US" sz="2000" b="1" kern="1200">
+              <a:solidFill>
+                <a:srgbClr val="010000"/>
+              </a:solidFill>
               <a:latin typeface="+mj-lt"/>
             </a:rPr>
             <a:t>Health Literacy Programs</a:t>
           </a:r>
           <a:r>
-            <a:rPr lang="en-US" sz="1600" kern="1200">
+            <a:rPr lang="en-US" sz="2000" kern="1200">
+              <a:solidFill>
+                <a:srgbClr val="010000"/>
+              </a:solidFill>
               <a:latin typeface="+mj-lt"/>
             </a:rPr>
             <a:t>: Include educational modules to enhance users' understanding of health topics.</a:t>
@@ -11775,12 +11916,12 @@
         <a:fontRef idx="minor"/>
       </dsp:style>
       <dsp:txBody>
-        <a:bodyPr spcFirstLastPara="0" vert="horz" wrap="square" lIns="60960" tIns="60960" rIns="60960" bIns="60960" numCol="1" spcCol="1270" anchor="t" anchorCtr="0">
+        <a:bodyPr spcFirstLastPara="0" vert="horz" wrap="square" lIns="76200" tIns="76200" rIns="76200" bIns="76200" numCol="1" spcCol="1270" anchor="t" anchorCtr="0">
           <a:noAutofit/>
         </a:bodyPr>
         <a:lstStyle/>
         <a:p>
-          <a:pPr marL="0" lvl="0" indent="0" algn="l" defTabSz="711200">
+          <a:pPr marL="0" lvl="0" indent="0" algn="l" defTabSz="889000">
             <a:lnSpc>
               <a:spcPct val="90000"/>
             </a:lnSpc>
@@ -11794,13 +11935,19 @@
             <a:buNone/>
           </a:pPr>
           <a:r>
-            <a:rPr lang="en-US" sz="1600" b="1" kern="1200">
+            <a:rPr lang="en-US" sz="2000" b="1" kern="1200">
+              <a:solidFill>
+                <a:srgbClr val="010000"/>
+              </a:solidFill>
               <a:latin typeface="+mj-lt"/>
             </a:rPr>
             <a:t>Community Forums</a:t>
           </a:r>
           <a:r>
-            <a:rPr lang="en-US" sz="1600" kern="1200">
+            <a:rPr lang="en-US" sz="2000" kern="1200">
+              <a:solidFill>
+                <a:srgbClr val="010000"/>
+              </a:solidFill>
               <a:latin typeface="+mj-lt"/>
             </a:rPr>
             <a:t>: Establish platforms for users to connect and support each other in health management.</a:t>
@@ -20843,7 +20990,7 @@
             <a:fld id="{C4D5ADD5-2BBC-4A94-8F86-D9013941F742}" type="datetimeFigureOut">
               <a:rPr lang="en-US"/>
               <a:pPr/>
-              <a:t>10/6/2024</a:t>
+              <a:t>10/7/2024</a:t>
             </a:fld>
             <a:endParaRPr lang="en-US"/>
           </a:p>
@@ -26800,7 +26947,7 @@
           <a:p>
             <a:fld id="{065D320C-F40F-419B-A4D5-A6EFE7612D1D}" type="datetime1">
               <a:rPr lang="en-US" smtClean="0"/>
-              <a:t>10/6/2024</a:t>
+              <a:t>10/7/2024</a:t>
             </a:fld>
             <a:endParaRPr lang="en-US"/>
           </a:p>
@@ -27069,7 +27216,7 @@
           <a:p>
             <a:fld id="{AFD47682-D0B4-4510-AABF-6D84FC7A1EBE}" type="datetime1">
               <a:rPr lang="en-US" smtClean="0"/>
-              <a:t>10/6/2024</a:t>
+              <a:t>10/7/2024</a:t>
             </a:fld>
             <a:endParaRPr lang="en-US"/>
           </a:p>
@@ -27269,7 +27416,7 @@
           <a:p>
             <a:fld id="{AFD47682-D0B4-4510-AABF-6D84FC7A1EBE}" type="datetime1">
               <a:rPr lang="en-US" smtClean="0"/>
-              <a:t>10/6/2024</a:t>
+              <a:t>10/7/2024</a:t>
             </a:fld>
             <a:endParaRPr lang="en-US"/>
           </a:p>
@@ -27536,7 +27683,7 @@
           <a:p>
             <a:fld id="{AFD47682-D0B4-4510-AABF-6D84FC7A1EBE}" type="datetime1">
               <a:rPr lang="en-US" smtClean="0"/>
-              <a:t>10/6/2024</a:t>
+              <a:t>10/7/2024</a:t>
             </a:fld>
             <a:endParaRPr lang="en-US"/>
           </a:p>
@@ -27974,7 +28121,7 @@
           <a:p>
             <a:fld id="{AFD47682-D0B4-4510-AABF-6D84FC7A1EBE}" type="datetime1">
               <a:rPr lang="en-US" smtClean="0"/>
-              <a:t>10/6/2024</a:t>
+              <a:t>10/7/2024</a:t>
             </a:fld>
             <a:endParaRPr lang="en-US"/>
           </a:p>
@@ -28524,7 +28671,7 @@
           <a:p>
             <a:fld id="{AFD47682-D0B4-4510-AABF-6D84FC7A1EBE}" type="datetime1">
               <a:rPr lang="en-US" smtClean="0"/>
-              <a:t>10/6/2024</a:t>
+              <a:t>10/7/2024</a:t>
             </a:fld>
             <a:endParaRPr lang="en-US"/>
           </a:p>
@@ -29245,7 +29392,7 @@
           <a:p>
             <a:fld id="{AFD47682-D0B4-4510-AABF-6D84FC7A1EBE}" type="datetime1">
               <a:rPr lang="en-US" smtClean="0"/>
-              <a:t>10/6/2024</a:t>
+              <a:t>10/7/2024</a:t>
             </a:fld>
             <a:endParaRPr lang="en-US"/>
           </a:p>
@@ -29418,7 +29565,7 @@
           <a:p>
             <a:fld id="{2187ABE0-F006-4E38-BC3D-0358EBEFA934}" type="datetime1">
               <a:rPr lang="en-US" smtClean="0"/>
-              <a:t>10/6/2024</a:t>
+              <a:t>10/7/2024</a:t>
             </a:fld>
             <a:endParaRPr lang="en-US"/>
           </a:p>
@@ -29600,7 +29747,7 @@
           <a:p>
             <a:fld id="{D722DB52-524F-43D8-A19D-5809B8EF724B}" type="datetime1">
               <a:rPr lang="en-US" smtClean="0"/>
-              <a:t>10/6/2024</a:t>
+              <a:t>10/7/2024</a:t>
             </a:fld>
             <a:endParaRPr lang="en-US"/>
           </a:p>
@@ -29772,7 +29919,7 @@
           <a:p>
             <a:fld id="{383CA1CA-35F5-4BF9-A84F-C027E42CE013}" type="datetime1">
               <a:rPr lang="en-US" smtClean="0"/>
-              <a:t>10/6/2024</a:t>
+              <a:t>10/7/2024</a:t>
             </a:fld>
             <a:endParaRPr lang="en-US"/>
           </a:p>
@@ -30025,7 +30172,7 @@
           <a:p>
             <a:fld id="{212EB4C8-4CF7-4A69-BEED-ABAE129D73ED}" type="datetime1">
               <a:rPr lang="en-US" smtClean="0"/>
-              <a:t>10/6/2024</a:t>
+              <a:t>10/7/2024</a:t>
             </a:fld>
             <a:endParaRPr lang="en-US"/>
           </a:p>
@@ -30258,7 +30405,7 @@
           <a:p>
             <a:fld id="{527EEB21-8710-4E52-83D8-6206AB11FA2C}" type="datetime1">
               <a:rPr lang="en-US" smtClean="0"/>
-              <a:t>10/6/2024</a:t>
+              <a:t>10/7/2024</a:t>
             </a:fld>
             <a:endParaRPr lang="en-US"/>
           </a:p>
@@ -30640,7 +30787,7 @@
           <a:p>
             <a:fld id="{3B0FBC4F-CF79-408B-B165-FDF08642A357}" type="datetime1">
               <a:rPr lang="en-US" smtClean="0"/>
-              <a:t>10/6/2024</a:t>
+              <a:t>10/7/2024</a:t>
             </a:fld>
             <a:endParaRPr lang="en-US"/>
           </a:p>
@@ -30761,7 +30908,7 @@
           <a:p>
             <a:fld id="{EB08C51E-7317-40BC-B485-552283F288CF}" type="datetime1">
               <a:rPr lang="en-US" smtClean="0"/>
-              <a:t>10/6/2024</a:t>
+              <a:t>10/7/2024</a:t>
             </a:fld>
             <a:endParaRPr lang="en-US"/>
           </a:p>
@@ -30860,7 +31007,7 @@
           <a:p>
             <a:fld id="{C81C933D-1B66-44C6-A9B9-6382026C3D8E}" type="datetime1">
               <a:rPr lang="en-US" smtClean="0"/>
-              <a:t>10/6/2024</a:t>
+              <a:t>10/7/2024</a:t>
             </a:fld>
             <a:endParaRPr lang="en-US"/>
           </a:p>
@@ -31111,7 +31258,7 @@
           <a:p>
             <a:fld id="{4071B4F4-C759-40F8-A981-97C103068727}" type="datetime1">
               <a:rPr lang="en-US" smtClean="0"/>
-              <a:t>10/6/2024</a:t>
+              <a:t>10/7/2024</a:t>
             </a:fld>
             <a:endParaRPr lang="en-US"/>
           </a:p>
@@ -31393,7 +31540,7 @@
           <a:p>
             <a:fld id="{0B31B6BD-46E1-44DD-8F2F-0D69C259ED05}" type="datetime1">
               <a:rPr lang="en-US" smtClean="0"/>
-              <a:t>10/6/2024</a:t>
+              <a:t>10/7/2024</a:t>
             </a:fld>
             <a:endParaRPr lang="en-US"/>
           </a:p>
@@ -34473,7 +34620,7 @@
           <a:p>
             <a:fld id="{AFD47682-D0B4-4510-AABF-6D84FC7A1EBE}" type="datetime1">
               <a:rPr lang="en-US" smtClean="0"/>
-              <a:t>10/6/2024</a:t>
+              <a:t>10/7/2024</a:t>
             </a:fld>
             <a:endParaRPr lang="en-US"/>
           </a:p>
@@ -34884,6 +35031,17 @@
 <file path=ppt/slides/slide1.xml><?xml version="1.0" encoding="utf-8"?>
 <p:sld xmlns:a="http://schemas.openxmlformats.org/drawingml/2006/main" xmlns:r="http://schemas.openxmlformats.org/officeDocument/2006/relationships" xmlns:p="http://schemas.openxmlformats.org/presentationml/2006/main">
   <p:cSld>
+    <p:bg>
+      <p:bgPr>
+        <a:solidFill>
+          <a:schemeClr val="accent2">
+            <a:lumMod val="20000"/>
+            <a:lumOff val="80000"/>
+          </a:schemeClr>
+        </a:solidFill>
+        <a:effectLst/>
+      </p:bgPr>
+    </p:bg>
     <p:spTree>
       <p:nvGrpSpPr>
         <p:cNvPr id="1" name=""/>
@@ -34981,7 +35139,7 @@
                   <a:noFill/>
                 </a:ln>
                 <a:solidFill>
-                  <a:prstClr val="white"/>
+                  <a:schemeClr val="bg1"/>
                 </a:solidFill>
                 <a:effectLst/>
                 <a:uLnTx/>
@@ -34998,7 +35156,7 @@
                   <a:noFill/>
                 </a:ln>
                 <a:solidFill>
-                  <a:prstClr val="white"/>
+                  <a:schemeClr val="bg1"/>
                 </a:solidFill>
                 <a:effectLst/>
                 <a:uLnTx/>
@@ -35034,7 +35192,7 @@
                   <a:noFill/>
                 </a:ln>
                 <a:solidFill>
-                  <a:prstClr val="white"/>
+                  <a:schemeClr val="bg1"/>
                 </a:solidFill>
                 <a:effectLst/>
                 <a:uLnTx/>
@@ -35051,7 +35209,7 @@
                   <a:noFill/>
                 </a:ln>
                 <a:solidFill>
-                  <a:prstClr val="white"/>
+                  <a:schemeClr val="bg1"/>
                 </a:solidFill>
                 <a:effectLst/>
                 <a:uLnTx/>
@@ -35087,7 +35245,7 @@
                   <a:noFill/>
                 </a:ln>
                 <a:solidFill>
-                  <a:prstClr val="white"/>
+                  <a:schemeClr val="bg1"/>
                 </a:solidFill>
                 <a:effectLst/>
                 <a:uLnTx/>
@@ -35104,7 +35262,7 @@
                   <a:noFill/>
                 </a:ln>
                 <a:solidFill>
-                  <a:prstClr val="white"/>
+                  <a:schemeClr val="bg1"/>
                 </a:solidFill>
                 <a:effectLst/>
                 <a:uLnTx/>
@@ -35140,7 +35298,7 @@
                   <a:noFill/>
                 </a:ln>
                 <a:solidFill>
-                  <a:prstClr val="white"/>
+                  <a:schemeClr val="bg1"/>
                 </a:solidFill>
                 <a:effectLst/>
                 <a:uLnTx/>
@@ -35154,7 +35312,7 @@
             <a:r>
               <a:rPr lang="en-US" sz="2400" b="1" u="sng" cap="none" dirty="0">
                 <a:solidFill>
-                  <a:prstClr val="white"/>
+                  <a:schemeClr val="bg1"/>
                 </a:solidFill>
                 <a:latin typeface="+mn-lt"/>
                 <a:ea typeface="+mn-ea"/>
@@ -35163,6 +35321,9 @@
               <a:t>Kanak Raj Arora</a:t>
             </a:r>
             <a:endParaRPr lang="en-IN" sz="2400" b="1" dirty="0">
+              <a:solidFill>
+                <a:schemeClr val="bg1"/>
+              </a:solidFill>
               <a:latin typeface="+mn-lt"/>
             </a:endParaRPr>
           </a:p>
@@ -35226,6 +35387,20 @@
           <a:prstGeom prst="rect">
             <a:avLst/>
           </a:prstGeom>
+          <a:ln w="38100" cap="sq">
+            <a:solidFill>
+              <a:srgbClr val="000000"/>
+            </a:solidFill>
+            <a:prstDash val="solid"/>
+            <a:miter lim="800000"/>
+          </a:ln>
+          <a:effectLst>
+            <a:outerShdw blurRad="50800" dist="38100" dir="2700000" algn="tl" rotWithShape="0">
+              <a:srgbClr val="000000">
+                <a:alpha val="43000"/>
+              </a:srgbClr>
+            </a:outerShdw>
+          </a:effectLst>
         </p:spPr>
       </p:pic>
     </p:spTree>
@@ -35368,6 +35543,17 @@
 <file path=ppt/slides/slide2.xml><?xml version="1.0" encoding="utf-8"?>
 <p:sld xmlns:a="http://schemas.openxmlformats.org/drawingml/2006/main" xmlns:r="http://schemas.openxmlformats.org/officeDocument/2006/relationships" xmlns:p="http://schemas.openxmlformats.org/presentationml/2006/main">
   <p:cSld>
+    <p:bg>
+      <p:bgPr>
+        <a:solidFill>
+          <a:schemeClr val="accent2">
+            <a:lumMod val="20000"/>
+            <a:lumOff val="80000"/>
+          </a:schemeClr>
+        </a:solidFill>
+        <a:effectLst/>
+      </p:bgPr>
+    </p:bg>
     <p:spTree>
       <p:nvGrpSpPr>
         <p:cNvPr id="1" name=""/>
@@ -35499,10 +35685,13 @@
               <a:defRPr/>
             </a:pPr>
             <a:r>
-              <a:rPr kumimoji="0" lang="en-US" sz="3200" b="1" i="0" u="sng" strike="noStrike" kern="1200" cap="none" spc="0" normalizeH="0" baseline="0" noProof="0" dirty="0">
+              <a:rPr kumimoji="0" lang="en-US" sz="3200" b="1" i="0" u="sng" strike="noStrike" kern="1200" cap="none" spc="0" normalizeH="0" baseline="0" noProof="0">
                 <a:ln>
                   <a:noFill/>
                 </a:ln>
+                <a:solidFill>
+                  <a:srgbClr val="010000"/>
+                </a:solidFill>
                 <a:effectLst/>
                 <a:uLnTx/>
                 <a:uFillTx/>
@@ -35512,10 +35701,13 @@
               <a:t>AI</a:t>
             </a:r>
             <a:r>
-              <a:rPr kumimoji="0" lang="en-US" sz="3200" b="1" i="0" u="sng" strike="noStrike" kern="1200" cap="none" spc="0" normalizeH="0" noProof="0" dirty="0">
+              <a:rPr kumimoji="0" lang="en-US" sz="3200" b="1" i="0" u="sng" strike="noStrike" kern="1200" cap="none" spc="0" normalizeH="0" noProof="0">
                 <a:ln>
                   <a:noFill/>
                 </a:ln>
+                <a:solidFill>
+                  <a:srgbClr val="010000"/>
+                </a:solidFill>
                 <a:effectLst/>
                 <a:uLnTx/>
                 <a:uFillTx/>
@@ -35525,24 +35717,33 @@
               <a:t> Symptoms </a:t>
             </a:r>
             <a:r>
-              <a:rPr lang="en-US" sz="3200" b="1" u="sng" noProof="0" dirty="0">
+              <a:rPr lang="en-US" sz="3200" b="1" u="sng" noProof="0">
+                <a:solidFill>
+                  <a:srgbClr val="010000"/>
+                </a:solidFill>
                 <a:latin typeface="Calibri"/>
                 <a:ea typeface="ＭＳ Ｐゴシック"/>
               </a:rPr>
               <a:t>Diagnosis</a:t>
             </a:r>
             <a:r>
-              <a:rPr lang="en-US" sz="3200" b="1" u="sng" dirty="0">
+              <a:rPr lang="en-US" sz="3200" b="1" u="sng">
+                <a:solidFill>
+                  <a:srgbClr val="010000"/>
+                </a:solidFill>
                 <a:latin typeface="Calibri"/>
                 <a:ea typeface="ＭＳ Ｐゴシック"/>
               </a:rPr>
               <a:t> </a:t>
             </a:r>
             <a:r>
-              <a:rPr kumimoji="0" lang="en-US" sz="3200" b="1" i="0" u="sng" strike="noStrike" kern="1200" cap="none" spc="0" normalizeH="0" baseline="0" noProof="0" dirty="0">
+              <a:rPr kumimoji="0" lang="en-US" sz="3200" b="1" i="0" u="sng" strike="noStrike" kern="1200" cap="none" spc="0" normalizeH="0" baseline="0" noProof="0">
                 <a:ln>
                   <a:noFill/>
                 </a:ln>
+                <a:solidFill>
+                  <a:srgbClr val="010000"/>
+                </a:solidFill>
                 <a:effectLst/>
                 <a:uLnTx/>
                 <a:uFillTx/>
@@ -35555,10 +35756,10 @@
           <a:p>
             <a:pPr lvl="0" algn="ctr"/>
             <a:r>
-              <a:rPr lang="en-US" sz="5400" dirty="0">
+              <a:rPr lang="en-US" sz="5400">
                 <a:ln w="0"/>
                 <a:solidFill>
-                  <a:prstClr val="black"/>
+                  <a:srgbClr val="010000"/>
                 </a:solidFill>
                 <a:effectLst>
                   <a:outerShdw blurRad="38100" dist="19050" dir="2700000" algn="tl" rotWithShape="0">
@@ -35571,7 +35772,7 @@
               </a:rPr>
               <a:t>MEDI CHECK</a:t>
             </a:r>
-            <a:endParaRPr lang="en-US" sz="5400" b="1" dirty="0">
+            <a:endParaRPr lang="en-US" sz="5400" b="1">
               <a:ln w="22225">
                 <a:solidFill>
                   <a:srgbClr val="C0504D"/>
@@ -35579,10 +35780,7 @@
                 <a:prstDash val="solid"/>
               </a:ln>
               <a:solidFill>
-                <a:srgbClr val="C0504D">
-                  <a:lumMod val="40000"/>
-                  <a:lumOff val="60000"/>
-                </a:srgbClr>
+                <a:srgbClr val="010000"/>
               </a:solidFill>
               <a:latin typeface="BankGothic Md BT" panose="020B0807020203060204" pitchFamily="34" charset="0"/>
             </a:endParaRPr>
@@ -35605,12 +35803,12 @@
               <a:tabLst/>
               <a:defRPr/>
             </a:pPr>
-            <a:endParaRPr kumimoji="0" lang="en-US" sz="2400" b="1" i="0" u="sng" strike="noStrike" kern="1200" cap="none" spc="0" normalizeH="0" baseline="0" noProof="0" dirty="0">
+            <a:endParaRPr kumimoji="0" lang="en-US" sz="2400" b="1" i="0" u="sng" strike="noStrike" kern="1200" cap="none" spc="0" normalizeH="0" baseline="0" noProof="0">
               <a:ln>
                 <a:noFill/>
               </a:ln>
               <a:solidFill>
-                <a:prstClr val="black"/>
+                <a:srgbClr val="010000"/>
               </a:solidFill>
               <a:effectLst/>
               <a:uLnTx/>
@@ -35635,7 +35833,7 @@
           <p:nvPr>
             <p:extLst>
               <p:ext uri="{D42A27DB-BD31-4B8C-83A1-F6EECF244321}">
-                <p14:modId xmlns:p14="http://schemas.microsoft.com/office/powerpoint/2010/main" val="3417260630"/>
+                <p14:modId xmlns:p14="http://schemas.microsoft.com/office/powerpoint/2010/main" val="2553912496"/>
               </p:ext>
             </p:extLst>
           </p:nvPr>
@@ -35696,15 +35894,12 @@
               <a:defRPr/>
             </a:pPr>
             <a:r>
-              <a:rPr kumimoji="0" lang="en-US" sz="3200" b="1" i="0" u="sng" strike="noStrike" kern="1200" cap="none" spc="0" normalizeH="0" baseline="0" noProof="0" dirty="0">
+              <a:rPr kumimoji="0" lang="en-US" sz="3200" b="1" i="0" u="sng" strike="noStrike" kern="1200" cap="none" spc="0" normalizeH="0" baseline="0" noProof="0">
                 <a:ln>
                   <a:noFill/>
                 </a:ln>
                 <a:solidFill>
-                  <a:schemeClr val="bg2">
-                    <a:lumMod val="20000"/>
-                    <a:lumOff val="80000"/>
-                  </a:schemeClr>
+                  <a:schemeClr val="bg2"/>
                 </a:solidFill>
                 <a:effectLst/>
                 <a:uLnTx/>
@@ -35734,12 +35929,12 @@
               <a:tabLst/>
               <a:defRPr/>
             </a:pPr>
-            <a:endParaRPr kumimoji="0" lang="en-IN" sz="1800" b="0" i="0" u="none" strike="noStrike" kern="1200" cap="none" spc="0" normalizeH="0" baseline="0" noProof="0" dirty="0">
+            <a:endParaRPr kumimoji="0" lang="en-IN" sz="1800" b="0" i="0" u="none" strike="noStrike" kern="1200" cap="none" spc="0" normalizeH="0" baseline="0" noProof="0">
               <a:ln>
                 <a:noFill/>
               </a:ln>
               <a:solidFill>
-                <a:prstClr val="black"/>
+                <a:schemeClr val="bg2"/>
               </a:solidFill>
               <a:effectLst/>
               <a:uLnTx/>
@@ -35761,13 +35956,13 @@
   <p:clrMapOvr>
     <a:masterClrMapping/>
   </p:clrMapOvr>
-  <mc:AlternateContent xmlns:mc="http://schemas.openxmlformats.org/markup-compatibility/2006" xmlns:p14="http://schemas.microsoft.com/office/powerpoint/2010/main">
-    <mc:Choice Requires="p14">
+  <mc:AlternateContent xmlns:mc="http://schemas.openxmlformats.org/markup-compatibility/2006">
+    <mc:Choice xmlns:p14="http://schemas.microsoft.com/office/powerpoint/2010/main" Requires="p14">
       <p:transition spd="slow" p14:dur="1500">
         <p:split orient="vert"/>
       </p:transition>
     </mc:Choice>
-    <mc:Fallback xmlns="">
+    <mc:Fallback>
       <p:transition spd="slow">
         <p:split orient="vert"/>
       </p:transition>
@@ -35975,6 +36170,17 @@
 <file path=ppt/slides/slide3.xml><?xml version="1.0" encoding="utf-8"?>
 <p:sld xmlns:a="http://schemas.openxmlformats.org/drawingml/2006/main" xmlns:r="http://schemas.openxmlformats.org/officeDocument/2006/relationships" xmlns:p="http://schemas.openxmlformats.org/presentationml/2006/main">
   <p:cSld>
+    <p:bg>
+      <p:bgPr>
+        <a:solidFill>
+          <a:schemeClr val="accent2">
+            <a:lumMod val="20000"/>
+            <a:lumOff val="80000"/>
+          </a:schemeClr>
+        </a:solidFill>
+        <a:effectLst/>
+      </p:bgPr>
+    </p:bg>
     <p:spTree>
       <p:nvGrpSpPr>
         <p:cNvPr id="1" name=""/>
@@ -36159,7 +36365,7 @@
           <p:nvPr>
             <p:extLst>
               <p:ext uri="{D42A27DB-BD31-4B8C-83A1-F6EECF244321}">
-                <p14:modId xmlns:p14="http://schemas.microsoft.com/office/powerpoint/2010/main" val="3132631980"/>
+                <p14:modId xmlns:p14="http://schemas.microsoft.com/office/powerpoint/2010/main" val="1122815879"/>
               </p:ext>
             </p:extLst>
           </p:nvPr>
@@ -36223,10 +36429,13 @@
               <a:defRPr/>
             </a:pPr>
             <a:r>
-              <a:rPr kumimoji="0" lang="en-US" sz="3200" b="1" i="0" u="sng" strike="noStrike" kern="1200" cap="none" spc="0" normalizeH="0" baseline="0" noProof="0">
+              <a:rPr kumimoji="0" lang="en-US" sz="3200" b="1" i="0" u="sng" strike="noStrike" kern="1200" cap="none" spc="0" normalizeH="0" baseline="0" noProof="0" dirty="0">
                 <a:ln>
                   <a:noFill/>
                 </a:ln>
+                <a:solidFill>
+                  <a:schemeClr val="bg1"/>
+                </a:solidFill>
                 <a:effectLst/>
                 <a:uLnTx/>
                 <a:uFillTx/>
@@ -36236,10 +36445,13 @@
               <a:t>AI</a:t>
             </a:r>
             <a:r>
-              <a:rPr kumimoji="0" lang="en-US" sz="3200" b="1" i="0" u="sng" strike="noStrike" kern="1200" cap="none" spc="0" normalizeH="0" noProof="0">
+              <a:rPr kumimoji="0" lang="en-US" sz="3200" b="1" i="0" u="sng" strike="noStrike" kern="1200" cap="none" spc="0" normalizeH="0" noProof="0" dirty="0">
                 <a:ln>
                   <a:noFill/>
                 </a:ln>
+                <a:solidFill>
+                  <a:schemeClr val="bg1"/>
+                </a:solidFill>
                 <a:effectLst/>
                 <a:uLnTx/>
                 <a:uFillTx/>
@@ -36249,24 +36461,33 @@
               <a:t> Symptoms </a:t>
             </a:r>
             <a:r>
-              <a:rPr lang="en-US" sz="3200" b="1" u="sng" noProof="0">
+              <a:rPr lang="en-US" sz="3200" b="1" u="sng" noProof="0" dirty="0">
+                <a:solidFill>
+                  <a:schemeClr val="bg1"/>
+                </a:solidFill>
                 <a:latin typeface="Calibri"/>
                 <a:ea typeface="ＭＳ Ｐゴシック"/>
               </a:rPr>
               <a:t>Diagnosis</a:t>
             </a:r>
             <a:r>
-              <a:rPr lang="en-US" sz="3200" b="1" u="sng">
+              <a:rPr lang="en-US" sz="3200" b="1" u="sng" dirty="0">
+                <a:solidFill>
+                  <a:schemeClr val="bg1"/>
+                </a:solidFill>
                 <a:latin typeface="Calibri"/>
                 <a:ea typeface="ＭＳ Ｐゴシック"/>
               </a:rPr>
               <a:t> </a:t>
             </a:r>
             <a:r>
-              <a:rPr kumimoji="0" lang="en-US" sz="3200" b="1" i="0" u="sng" strike="noStrike" kern="1200" cap="none" spc="0" normalizeH="0" baseline="0" noProof="0">
+              <a:rPr kumimoji="0" lang="en-US" sz="3200" b="1" i="0" u="sng" strike="noStrike" kern="1200" cap="none" spc="0" normalizeH="0" baseline="0" noProof="0" dirty="0">
                 <a:ln>
                   <a:noFill/>
                 </a:ln>
+                <a:solidFill>
+                  <a:schemeClr val="bg1"/>
+                </a:solidFill>
                 <a:effectLst/>
                 <a:uLnTx/>
                 <a:uFillTx/>
@@ -36279,10 +36500,10 @@
           <a:p>
             <a:pPr lvl="0" algn="ctr"/>
             <a:r>
-              <a:rPr lang="en-US" sz="5400">
+              <a:rPr lang="en-US" sz="5400" dirty="0">
                 <a:ln w="0"/>
                 <a:solidFill>
-                  <a:prstClr val="black"/>
+                  <a:schemeClr val="bg1"/>
                 </a:solidFill>
                 <a:effectLst>
                   <a:outerShdw blurRad="38100" dist="19050" dir="2700000" algn="tl" rotWithShape="0">
@@ -36295,7 +36516,7 @@
               </a:rPr>
               <a:t>MEDI CHECK</a:t>
             </a:r>
-            <a:endParaRPr lang="en-US" sz="5400" b="1">
+            <a:endParaRPr lang="en-US" sz="5400" b="1" dirty="0">
               <a:ln w="22225">
                 <a:solidFill>
                   <a:srgbClr val="C0504D"/>
@@ -36303,10 +36524,7 @@
                 <a:prstDash val="solid"/>
               </a:ln>
               <a:solidFill>
-                <a:srgbClr val="C0504D">
-                  <a:lumMod val="40000"/>
-                  <a:lumOff val="60000"/>
-                </a:srgbClr>
+                <a:schemeClr val="bg1"/>
               </a:solidFill>
               <a:latin typeface="BankGothic Md BT" panose="020B0807020203060204" pitchFamily="34" charset="0"/>
             </a:endParaRPr>
@@ -36329,12 +36547,12 @@
               <a:tabLst/>
               <a:defRPr/>
             </a:pPr>
-            <a:endParaRPr kumimoji="0" lang="en-US" sz="2400" b="1" i="0" u="sng" strike="noStrike" kern="1200" cap="none" spc="0" normalizeH="0" baseline="0" noProof="0">
+            <a:endParaRPr kumimoji="0" lang="en-US" sz="2400" b="1" i="0" u="sng" strike="noStrike" kern="1200" cap="none" spc="0" normalizeH="0" baseline="0" noProof="0" dirty="0">
               <a:ln>
                 <a:noFill/>
               </a:ln>
               <a:solidFill>
-                <a:prstClr val="black"/>
+                <a:schemeClr val="bg1"/>
               </a:solidFill>
               <a:effectLst/>
               <a:uLnTx/>
@@ -36804,6 +37022,17 @@
 <file path=ppt/slides/slide4.xml><?xml version="1.0" encoding="utf-8"?>
 <p:sld xmlns:a="http://schemas.openxmlformats.org/drawingml/2006/main" xmlns:r="http://schemas.openxmlformats.org/officeDocument/2006/relationships" xmlns:p="http://schemas.openxmlformats.org/presentationml/2006/main">
   <p:cSld>
+    <p:bg>
+      <p:bgPr>
+        <a:solidFill>
+          <a:schemeClr val="accent2">
+            <a:lumMod val="20000"/>
+            <a:lumOff val="80000"/>
+          </a:schemeClr>
+        </a:solidFill>
+        <a:effectLst/>
+      </p:bgPr>
+    </p:bg>
     <p:spTree>
       <p:nvGrpSpPr>
         <p:cNvPr id="1" name=""/>
@@ -36841,6 +37070,9 @@
             <a:pPr eaLnBrk="1" hangingPunct="1"/>
             <a:r>
               <a:rPr lang="en-US" sz="3600" b="1">
+                <a:solidFill>
+                  <a:schemeClr val="bg2"/>
+                </a:solidFill>
                 <a:latin typeface="Times New Roman" panose="02020603050405020304" pitchFamily="18" charset="0"/>
                 <a:ea typeface="ＭＳ Ｐゴシック" pitchFamily="1" charset="-128"/>
                 <a:cs typeface="Times New Roman" panose="02020603050405020304" pitchFamily="18" charset="0"/>
@@ -36990,12 +37222,12 @@
               <a:tabLst/>
             </a:pPr>
             <a:r>
-              <a:rPr kumimoji="0" lang="en-US" altLang="en-US" sz="1750" b="1" i="0" u="none" strike="noStrike" cap="none" normalizeH="0" baseline="0" dirty="0">
+              <a:rPr kumimoji="0" lang="en-US" altLang="en-US" sz="1750" b="1" i="0" u="none" strike="noStrike" cap="none" normalizeH="0" baseline="0">
                 <a:ln>
                   <a:noFill/>
                 </a:ln>
                 <a:solidFill>
-                  <a:schemeClr val="tx1"/>
+                  <a:schemeClr val="bg2"/>
                 </a:solidFill>
                 <a:effectLst/>
                 <a:latin typeface="Arial" panose="020B0604020202020204" pitchFamily="34" charset="0"/>
@@ -37003,12 +37235,12 @@
               <a:t>Programming Languages</a:t>
             </a:r>
             <a:r>
-              <a:rPr kumimoji="0" lang="en-US" altLang="en-US" sz="1750" b="0" i="0" u="none" strike="noStrike" cap="none" normalizeH="0" baseline="0" dirty="0">
+              <a:rPr kumimoji="0" lang="en-US" altLang="en-US" sz="1750" b="0" i="0" u="none" strike="noStrike" cap="none" normalizeH="0" baseline="0">
                 <a:ln>
                   <a:noFill/>
                 </a:ln>
                 <a:solidFill>
-                  <a:schemeClr val="tx1"/>
+                  <a:schemeClr val="bg2"/>
                 </a:solidFill>
                 <a:effectLst/>
                 <a:latin typeface="Arial" panose="020B0604020202020204" pitchFamily="34" charset="0"/>
@@ -37028,12 +37260,12 @@
               <a:buChar char="•"/>
             </a:pPr>
             <a:r>
-              <a:rPr kumimoji="0" lang="en-US" altLang="en-US" sz="1750" b="1" i="0" u="none" strike="noStrike" cap="none" normalizeH="0" baseline="0" dirty="0">
+              <a:rPr kumimoji="0" lang="en-US" altLang="en-US" sz="1750" b="1" i="0" u="none" strike="noStrike" cap="none" normalizeH="0" baseline="0">
                 <a:ln>
                   <a:noFill/>
                 </a:ln>
                 <a:solidFill>
-                  <a:schemeClr val="tx1"/>
+                  <a:schemeClr val="bg2"/>
                 </a:solidFill>
                 <a:effectLst/>
                 <a:latin typeface="Arial" panose="020B0604020202020204" pitchFamily="34" charset="0"/>
@@ -37041,12 +37273,12 @@
               <a:t>Python</a:t>
             </a:r>
             <a:r>
-              <a:rPr kumimoji="0" lang="en-US" altLang="en-US" sz="1750" b="0" i="0" u="none" strike="noStrike" cap="none" normalizeH="0" baseline="0" dirty="0">
+              <a:rPr kumimoji="0" lang="en-US" altLang="en-US" sz="1750" b="0" i="0" u="none" strike="noStrike" cap="none" normalizeH="0" baseline="0">
                 <a:ln>
                   <a:noFill/>
                 </a:ln>
                 <a:solidFill>
-                  <a:schemeClr val="tx1"/>
+                  <a:schemeClr val="bg2"/>
                 </a:solidFill>
                 <a:effectLst/>
                 <a:latin typeface="Arial" panose="020B0604020202020204" pitchFamily="34" charset="0"/>
@@ -37066,12 +37298,12 @@
               <a:buChar char="•"/>
             </a:pPr>
             <a:r>
-              <a:rPr kumimoji="0" lang="en-US" altLang="en-US" sz="1750" b="1" i="0" u="none" strike="noStrike" cap="none" normalizeH="0" baseline="0" dirty="0">
+              <a:rPr kumimoji="0" lang="en-US" altLang="en-US" sz="1750" b="1" i="0" u="none" strike="noStrike" cap="none" normalizeH="0" baseline="0">
                 <a:ln>
                   <a:noFill/>
                 </a:ln>
                 <a:solidFill>
-                  <a:schemeClr val="tx1"/>
+                  <a:schemeClr val="bg2"/>
                 </a:solidFill>
                 <a:effectLst/>
                 <a:latin typeface="Arial" panose="020B0604020202020204" pitchFamily="34" charset="0"/>
@@ -37079,12 +37311,12 @@
               <a:t>JavaScript/React</a:t>
             </a:r>
             <a:r>
-              <a:rPr kumimoji="0" lang="en-US" altLang="en-US" sz="1750" b="0" i="0" u="none" strike="noStrike" cap="none" normalizeH="0" baseline="0" dirty="0">
+              <a:rPr kumimoji="0" lang="en-US" altLang="en-US" sz="1750" b="0" i="0" u="none" strike="noStrike" cap="none" normalizeH="0" baseline="0">
                 <a:ln>
                   <a:noFill/>
                 </a:ln>
                 <a:solidFill>
-                  <a:schemeClr val="tx1"/>
+                  <a:schemeClr val="bg2"/>
                 </a:solidFill>
                 <a:effectLst/>
                 <a:latin typeface="Arial" panose="020B0604020202020204" pitchFamily="34" charset="0"/>
@@ -37104,12 +37336,12 @@
               <a:buChar char="•"/>
             </a:pPr>
             <a:r>
-              <a:rPr kumimoji="0" lang="en-US" altLang="en-US" sz="1750" b="1" i="0" u="none" strike="noStrike" cap="none" normalizeH="0" baseline="0" dirty="0">
+              <a:rPr kumimoji="0" lang="en-US" altLang="en-US" sz="1750" b="1" i="0" u="none" strike="noStrike" cap="none" normalizeH="0" baseline="0">
                 <a:ln>
                   <a:noFill/>
                 </a:ln>
                 <a:solidFill>
-                  <a:schemeClr val="tx1"/>
+                  <a:schemeClr val="bg2"/>
                 </a:solidFill>
                 <a:effectLst/>
                 <a:latin typeface="Arial" panose="020B0604020202020204" pitchFamily="34" charset="0"/>
@@ -37117,12 +37349,12 @@
               <a:t>HTML/CSS</a:t>
             </a:r>
             <a:r>
-              <a:rPr kumimoji="0" lang="en-US" altLang="en-US" sz="1750" b="0" i="0" u="none" strike="noStrike" cap="none" normalizeH="0" baseline="0" dirty="0">
+              <a:rPr kumimoji="0" lang="en-US" altLang="en-US" sz="1750" b="0" i="0" u="none" strike="noStrike" cap="none" normalizeH="0" baseline="0">
                 <a:ln>
                   <a:noFill/>
                 </a:ln>
                 <a:solidFill>
-                  <a:schemeClr val="tx1"/>
+                  <a:schemeClr val="bg2"/>
                 </a:solidFill>
                 <a:effectLst/>
                 <a:latin typeface="Arial" panose="020B0604020202020204" pitchFamily="34" charset="0"/>
@@ -37148,12 +37380,12 @@
               <a:tabLst/>
             </a:pPr>
             <a:r>
-              <a:rPr kumimoji="0" lang="en-US" altLang="en-US" sz="1750" b="1" i="0" u="none" strike="noStrike" cap="none" normalizeH="0" baseline="0" dirty="0">
+              <a:rPr kumimoji="0" lang="en-US" altLang="en-US" sz="1750" b="1" i="0" u="none" strike="noStrike" cap="none" normalizeH="0" baseline="0">
                 <a:ln>
                   <a:noFill/>
                 </a:ln>
                 <a:solidFill>
-                  <a:schemeClr val="tx1"/>
+                  <a:schemeClr val="bg2"/>
                 </a:solidFill>
                 <a:effectLst/>
                 <a:latin typeface="Arial" panose="020B0604020202020204" pitchFamily="34" charset="0"/>
@@ -37161,12 +37393,12 @@
               <a:t>Framework</a:t>
             </a:r>
             <a:r>
-              <a:rPr kumimoji="0" lang="en-US" altLang="en-US" sz="1750" b="0" i="0" u="none" strike="noStrike" cap="none" normalizeH="0" baseline="0" dirty="0">
+              <a:rPr kumimoji="0" lang="en-US" altLang="en-US" sz="1750" b="0" i="0" u="none" strike="noStrike" cap="none" normalizeH="0" baseline="0">
                 <a:ln>
                   <a:noFill/>
                 </a:ln>
                 <a:solidFill>
-                  <a:schemeClr val="tx1"/>
+                  <a:schemeClr val="bg2"/>
                 </a:solidFill>
                 <a:effectLst/>
                 <a:latin typeface="Arial" panose="020B0604020202020204" pitchFamily="34" charset="0"/>
@@ -37186,12 +37418,12 @@
               <a:buChar char="•"/>
             </a:pPr>
             <a:r>
-              <a:rPr kumimoji="0" lang="en-US" altLang="en-US" sz="1750" b="1" i="0" u="none" strike="noStrike" cap="none" normalizeH="0" baseline="0" dirty="0">
+              <a:rPr kumimoji="0" lang="en-US" altLang="en-US" sz="1750" b="1" i="0" u="none" strike="noStrike" cap="none" normalizeH="0" baseline="0">
                 <a:ln>
                   <a:noFill/>
                 </a:ln>
                 <a:solidFill>
-                  <a:schemeClr val="tx1"/>
+                  <a:schemeClr val="bg2"/>
                 </a:solidFill>
                 <a:effectLst/>
                 <a:latin typeface="Arial" panose="020B0604020202020204" pitchFamily="34" charset="0"/>
@@ -37199,12 +37431,12 @@
               <a:t>Flask</a:t>
             </a:r>
             <a:r>
-              <a:rPr kumimoji="0" lang="en-US" altLang="en-US" sz="1750" b="0" i="0" u="none" strike="noStrike" cap="none" normalizeH="0" baseline="0" dirty="0">
+              <a:rPr kumimoji="0" lang="en-US" altLang="en-US" sz="1750" b="0" i="0" u="none" strike="noStrike" cap="none" normalizeH="0" baseline="0">
                 <a:ln>
                   <a:noFill/>
                 </a:ln>
                 <a:solidFill>
-                  <a:schemeClr val="tx1"/>
+                  <a:schemeClr val="bg2"/>
                 </a:solidFill>
                 <a:effectLst/>
                 <a:latin typeface="Arial" panose="020B0604020202020204" pitchFamily="34" charset="0"/>
@@ -37230,12 +37462,12 @@
               <a:tabLst/>
             </a:pPr>
             <a:r>
-              <a:rPr kumimoji="0" lang="en-US" altLang="en-US" sz="1750" b="1" i="0" u="none" strike="noStrike" cap="none" normalizeH="0" baseline="0" dirty="0">
+              <a:rPr kumimoji="0" lang="en-US" altLang="en-US" sz="1750" b="1" i="0" u="none" strike="noStrike" cap="none" normalizeH="0" baseline="0">
                 <a:ln>
                   <a:noFill/>
                 </a:ln>
                 <a:solidFill>
-                  <a:schemeClr val="tx1"/>
+                  <a:schemeClr val="bg2"/>
                 </a:solidFill>
                 <a:effectLst/>
                 <a:latin typeface="Arial" panose="020B0604020202020204" pitchFamily="34" charset="0"/>
@@ -37243,12 +37475,12 @@
               <a:t>API Integration</a:t>
             </a:r>
             <a:r>
-              <a:rPr kumimoji="0" lang="en-US" altLang="en-US" sz="1750" b="0" i="0" u="none" strike="noStrike" cap="none" normalizeH="0" baseline="0" dirty="0">
+              <a:rPr kumimoji="0" lang="en-US" altLang="en-US" sz="1750" b="0" i="0" u="none" strike="noStrike" cap="none" normalizeH="0" baseline="0">
                 <a:ln>
                   <a:noFill/>
                 </a:ln>
                 <a:solidFill>
-                  <a:schemeClr val="tx1"/>
+                  <a:schemeClr val="bg2"/>
                 </a:solidFill>
                 <a:effectLst/>
                 <a:latin typeface="Arial" panose="020B0604020202020204" pitchFamily="34" charset="0"/>
@@ -37268,12 +37500,12 @@
               <a:buChar char="•"/>
             </a:pPr>
             <a:r>
-              <a:rPr kumimoji="0" lang="en-US" altLang="en-US" sz="1750" b="0" i="0" u="none" strike="noStrike" cap="none" normalizeH="0" baseline="0" dirty="0">
+              <a:rPr kumimoji="0" lang="en-US" altLang="en-US" sz="1750" b="0" i="0" u="none" strike="noStrike" cap="none" normalizeH="0" baseline="0">
                 <a:ln>
                   <a:noFill/>
                 </a:ln>
                 <a:solidFill>
-                  <a:schemeClr val="tx1"/>
+                  <a:schemeClr val="bg2"/>
                 </a:solidFill>
                 <a:effectLst/>
                 <a:latin typeface="Arial" panose="020B0604020202020204" pitchFamily="34" charset="0"/>
@@ -37281,12 +37513,12 @@
               <a:t>Integration with IBM </a:t>
             </a:r>
             <a:r>
-              <a:rPr kumimoji="0" lang="en-US" altLang="en-US" sz="1750" b="1" i="0" u="none" strike="noStrike" cap="none" normalizeH="0" baseline="0" dirty="0" err="1">
+              <a:rPr kumimoji="0" lang="en-US" altLang="en-US" sz="1750" b="1" i="0" u="none" strike="noStrike" cap="none" normalizeH="0" baseline="0" err="1">
                 <a:ln>
                   <a:noFill/>
                 </a:ln>
                 <a:solidFill>
-                  <a:schemeClr val="tx1"/>
+                  <a:schemeClr val="bg2"/>
                 </a:solidFill>
                 <a:effectLst/>
                 <a:latin typeface="Arial" panose="020B0604020202020204" pitchFamily="34" charset="0"/>
@@ -37294,12 +37526,12 @@
               <a:t>Cloudant</a:t>
             </a:r>
             <a:r>
-              <a:rPr kumimoji="0" lang="en-US" altLang="en-US" sz="1750" b="0" i="0" u="none" strike="noStrike" cap="none" normalizeH="0" baseline="0" dirty="0">
+              <a:rPr kumimoji="0" lang="en-US" altLang="en-US" sz="1750" b="0" i="0" u="none" strike="noStrike" cap="none" normalizeH="0" baseline="0">
                 <a:ln>
                   <a:noFill/>
                 </a:ln>
                 <a:solidFill>
-                  <a:schemeClr val="tx1"/>
+                  <a:schemeClr val="bg2"/>
                 </a:solidFill>
                 <a:effectLst/>
                 <a:latin typeface="Arial" panose="020B0604020202020204" pitchFamily="34" charset="0"/>
@@ -37325,12 +37557,12 @@
               <a:tabLst/>
             </a:pPr>
             <a:r>
-              <a:rPr kumimoji="0" lang="en-US" altLang="en-US" sz="1750" b="1" i="0" u="none" strike="noStrike" cap="none" normalizeH="0" baseline="0" dirty="0">
+              <a:rPr kumimoji="0" lang="en-US" altLang="en-US" sz="1750" b="1" i="0" u="none" strike="noStrike" cap="none" normalizeH="0" baseline="0">
                 <a:ln>
                   <a:noFill/>
                 </a:ln>
                 <a:solidFill>
-                  <a:schemeClr val="tx1"/>
+                  <a:schemeClr val="bg2"/>
                 </a:solidFill>
                 <a:effectLst/>
                 <a:latin typeface="Arial" panose="020B0604020202020204" pitchFamily="34" charset="0"/>
@@ -37338,12 +37570,12 @@
               <a:t>Database</a:t>
             </a:r>
             <a:r>
-              <a:rPr kumimoji="0" lang="en-US" altLang="en-US" sz="1750" b="0" i="0" u="none" strike="noStrike" cap="none" normalizeH="0" baseline="0" dirty="0">
+              <a:rPr kumimoji="0" lang="en-US" altLang="en-US" sz="1750" b="0" i="0" u="none" strike="noStrike" cap="none" normalizeH="0" baseline="0">
                 <a:ln>
                   <a:noFill/>
                 </a:ln>
                 <a:solidFill>
-                  <a:schemeClr val="tx1"/>
+                  <a:schemeClr val="bg2"/>
                 </a:solidFill>
                 <a:effectLst/>
                 <a:latin typeface="Arial" panose="020B0604020202020204" pitchFamily="34" charset="0"/>
@@ -37363,12 +37595,12 @@
               <a:buChar char="•"/>
             </a:pPr>
             <a:r>
-              <a:rPr kumimoji="0" lang="en-US" altLang="en-US" sz="1750" b="1" i="0" u="none" strike="noStrike" cap="none" normalizeH="0" baseline="0" dirty="0">
+              <a:rPr kumimoji="0" lang="en-US" altLang="en-US" sz="1750" b="1" i="0" u="none" strike="noStrike" cap="none" normalizeH="0" baseline="0">
                 <a:ln>
                   <a:noFill/>
                 </a:ln>
                 <a:solidFill>
-                  <a:schemeClr val="tx1"/>
+                  <a:schemeClr val="bg2"/>
                 </a:solidFill>
                 <a:effectLst/>
                 <a:latin typeface="Arial" panose="020B0604020202020204" pitchFamily="34" charset="0"/>
@@ -37376,12 +37608,12 @@
               <a:t>IBM </a:t>
             </a:r>
             <a:r>
-              <a:rPr kumimoji="0" lang="en-US" altLang="en-US" sz="1750" b="1" i="0" u="none" strike="noStrike" cap="none" normalizeH="0" baseline="0" dirty="0" err="1">
+              <a:rPr kumimoji="0" lang="en-US" altLang="en-US" sz="1750" b="1" i="0" u="none" strike="noStrike" cap="none" normalizeH="0" baseline="0" err="1">
                 <a:ln>
                   <a:noFill/>
                 </a:ln>
                 <a:solidFill>
-                  <a:schemeClr val="tx1"/>
+                  <a:schemeClr val="bg2"/>
                 </a:solidFill>
                 <a:effectLst/>
                 <a:latin typeface="Arial" panose="020B0604020202020204" pitchFamily="34" charset="0"/>
@@ -37389,12 +37621,12 @@
               <a:t>Cloudant</a:t>
             </a:r>
             <a:r>
-              <a:rPr kumimoji="0" lang="en-US" altLang="en-US" sz="1750" b="0" i="0" u="none" strike="noStrike" cap="none" normalizeH="0" baseline="0" dirty="0">
+              <a:rPr kumimoji="0" lang="en-US" altLang="en-US" sz="1750" b="0" i="0" u="none" strike="noStrike" cap="none" normalizeH="0" baseline="0">
                 <a:ln>
                   <a:noFill/>
                 </a:ln>
                 <a:solidFill>
-                  <a:schemeClr val="tx1"/>
+                  <a:schemeClr val="bg2"/>
                 </a:solidFill>
                 <a:effectLst/>
                 <a:latin typeface="Arial" panose="020B0604020202020204" pitchFamily="34" charset="0"/>
@@ -37420,12 +37652,12 @@
               <a:tabLst/>
             </a:pPr>
             <a:r>
-              <a:rPr kumimoji="0" lang="en-US" altLang="en-US" sz="1750" b="1" i="0" u="none" strike="noStrike" cap="none" normalizeH="0" baseline="0" dirty="0">
+              <a:rPr kumimoji="0" lang="en-US" altLang="en-US" sz="1750" b="1" i="0" u="none" strike="noStrike" cap="none" normalizeH="0" baseline="0">
                 <a:ln>
                   <a:noFill/>
                 </a:ln>
                 <a:solidFill>
-                  <a:schemeClr val="tx1"/>
+                  <a:schemeClr val="bg2"/>
                 </a:solidFill>
                 <a:effectLst/>
                 <a:latin typeface="Arial" panose="020B0604020202020204" pitchFamily="34" charset="0"/>
@@ -37433,12 +37665,12 @@
               <a:t>Security</a:t>
             </a:r>
             <a:r>
-              <a:rPr kumimoji="0" lang="en-US" altLang="en-US" sz="1750" b="0" i="0" u="none" strike="noStrike" cap="none" normalizeH="0" baseline="0" dirty="0">
+              <a:rPr kumimoji="0" lang="en-US" altLang="en-US" sz="1750" b="0" i="0" u="none" strike="noStrike" cap="none" normalizeH="0" baseline="0">
                 <a:ln>
                   <a:noFill/>
                 </a:ln>
                 <a:solidFill>
-                  <a:schemeClr val="tx1"/>
+                  <a:schemeClr val="bg2"/>
                 </a:solidFill>
                 <a:effectLst/>
                 <a:latin typeface="Arial" panose="020B0604020202020204" pitchFamily="34" charset="0"/>
@@ -37458,12 +37690,12 @@
               <a:buChar char="•"/>
             </a:pPr>
             <a:r>
-              <a:rPr kumimoji="0" lang="en-US" altLang="en-US" sz="1750" b="0" i="0" u="none" strike="noStrike" cap="none" normalizeH="0" baseline="0" dirty="0">
+              <a:rPr kumimoji="0" lang="en-US" altLang="en-US" sz="1750" b="0" i="0" u="none" strike="noStrike" cap="none" normalizeH="0" baseline="0">
                 <a:ln>
                   <a:noFill/>
                 </a:ln>
                 <a:solidFill>
-                  <a:schemeClr val="tx1"/>
+                  <a:schemeClr val="bg2"/>
                 </a:solidFill>
                 <a:effectLst/>
                 <a:latin typeface="Arial" panose="020B0604020202020204" pitchFamily="34" charset="0"/>
@@ -37489,12 +37721,12 @@
               <a:tabLst/>
             </a:pPr>
             <a:r>
-              <a:rPr kumimoji="0" lang="en-US" altLang="en-US" sz="1750" b="1" i="0" u="none" strike="noStrike" cap="none" normalizeH="0" baseline="0" dirty="0">
+              <a:rPr kumimoji="0" lang="en-US" altLang="en-US" sz="1750" b="1" i="0" u="none" strike="noStrike" cap="none" normalizeH="0" baseline="0">
                 <a:ln>
                   <a:noFill/>
                 </a:ln>
                 <a:solidFill>
-                  <a:schemeClr val="tx1"/>
+                  <a:schemeClr val="bg2"/>
                 </a:solidFill>
                 <a:effectLst/>
                 <a:latin typeface="Arial" panose="020B0604020202020204" pitchFamily="34" charset="0"/>
@@ -37502,12 +37734,12 @@
               <a:t>Libraries Used</a:t>
             </a:r>
             <a:r>
-              <a:rPr kumimoji="0" lang="en-US" altLang="en-US" sz="1750" b="0" i="0" u="none" strike="noStrike" cap="none" normalizeH="0" baseline="0" dirty="0">
+              <a:rPr kumimoji="0" lang="en-US" altLang="en-US" sz="1750" b="0" i="0" u="none" strike="noStrike" cap="none" normalizeH="0" baseline="0">
                 <a:ln>
                   <a:noFill/>
                 </a:ln>
                 <a:solidFill>
-                  <a:schemeClr val="tx1"/>
+                  <a:schemeClr val="bg2"/>
                 </a:solidFill>
                 <a:effectLst/>
                 <a:latin typeface="Arial" panose="020B0604020202020204" pitchFamily="34" charset="0"/>
@@ -37527,12 +37759,12 @@
               <a:buChar char="•"/>
             </a:pPr>
             <a:r>
-              <a:rPr kumimoji="0" lang="en-US" altLang="en-US" sz="1750" b="1" i="0" u="none" strike="noStrike" cap="none" normalizeH="0" baseline="0" dirty="0">
+              <a:rPr kumimoji="0" lang="en-US" altLang="en-US" sz="1750" b="1" i="0" u="none" strike="noStrike" cap="none" normalizeH="0" baseline="0">
                 <a:ln>
                   <a:noFill/>
                 </a:ln>
                 <a:solidFill>
-                  <a:schemeClr val="tx1"/>
+                  <a:schemeClr val="bg2"/>
                 </a:solidFill>
                 <a:effectLst/>
                 <a:latin typeface="Arial" panose="020B0604020202020204" pitchFamily="34" charset="0"/>
@@ -37540,18 +37772,21 @@
               <a:t>NumPy</a:t>
             </a:r>
             <a:r>
-              <a:rPr lang="en-US" altLang="en-US" sz="1750" dirty="0">
+              <a:rPr lang="en-US" altLang="en-US" sz="1750">
+                <a:solidFill>
+                  <a:schemeClr val="bg2"/>
+                </a:solidFill>
                 <a:latin typeface="Arial" panose="020B0604020202020204" pitchFamily="34" charset="0"/>
               </a:rPr>
               <a:t>, </a:t>
             </a:r>
             <a:r>
-              <a:rPr kumimoji="0" lang="en-US" altLang="en-US" sz="1750" b="1" i="0" u="none" strike="noStrike" cap="none" normalizeH="0" baseline="0" dirty="0">
+              <a:rPr kumimoji="0" lang="en-US" altLang="en-US" sz="1750" b="1" i="0" u="none" strike="noStrike" cap="none" normalizeH="0" baseline="0">
                 <a:ln>
                   <a:noFill/>
                 </a:ln>
                 <a:solidFill>
-                  <a:schemeClr val="tx1"/>
+                  <a:schemeClr val="bg2"/>
                 </a:solidFill>
                 <a:effectLst/>
                 <a:latin typeface="Arial" panose="020B0604020202020204" pitchFamily="34" charset="0"/>
@@ -37559,18 +37794,21 @@
               <a:t>Scikit-learn</a:t>
             </a:r>
             <a:r>
-              <a:rPr lang="en-US" altLang="en-US" sz="1750" dirty="0">
+              <a:rPr lang="en-US" altLang="en-US" sz="1750">
+                <a:solidFill>
+                  <a:schemeClr val="bg2"/>
+                </a:solidFill>
                 <a:latin typeface="Arial" panose="020B0604020202020204" pitchFamily="34" charset="0"/>
               </a:rPr>
               <a:t>, </a:t>
             </a:r>
             <a:r>
-              <a:rPr kumimoji="0" lang="en-US" altLang="en-US" sz="1750" b="1" i="0" u="none" strike="noStrike" cap="none" normalizeH="0" baseline="0" dirty="0">
+              <a:rPr kumimoji="0" lang="en-US" altLang="en-US" sz="1750" b="1" i="0" u="none" strike="noStrike" cap="none" normalizeH="0" baseline="0">
                 <a:ln>
                   <a:noFill/>
                 </a:ln>
                 <a:solidFill>
-                  <a:schemeClr val="tx1"/>
+                  <a:schemeClr val="bg2"/>
                 </a:solidFill>
                 <a:effectLst/>
                 <a:latin typeface="Arial" panose="020B0604020202020204" pitchFamily="34" charset="0"/>
@@ -37578,12 +37816,12 @@
               <a:t>Pandas, </a:t>
             </a:r>
             <a:r>
-              <a:rPr kumimoji="0" lang="en-US" altLang="en-US" sz="1750" b="1" i="0" u="none" strike="noStrike" cap="none" normalizeH="0" baseline="0" dirty="0" err="1">
+              <a:rPr kumimoji="0" lang="en-US" altLang="en-US" sz="1750" b="1" i="0" u="none" strike="noStrike" cap="none" normalizeH="0" baseline="0" err="1">
                 <a:ln>
                   <a:noFill/>
                 </a:ln>
                 <a:solidFill>
-                  <a:schemeClr val="tx1"/>
+                  <a:schemeClr val="bg2"/>
                 </a:solidFill>
                 <a:effectLst/>
                 <a:latin typeface="Arial" panose="020B0604020202020204" pitchFamily="34" charset="0"/>
@@ -37591,30 +37829,33 @@
               <a:t>Joblib</a:t>
             </a:r>
             <a:r>
-              <a:rPr lang="en-US" altLang="en-US" sz="1750" b="1" dirty="0">
+              <a:rPr lang="en-US" altLang="en-US" sz="1750" b="1">
+                <a:solidFill>
+                  <a:schemeClr val="bg2"/>
+                </a:solidFill>
                 <a:latin typeface="Arial" panose="020B0604020202020204" pitchFamily="34" charset="0"/>
               </a:rPr>
               <a:t> and</a:t>
             </a:r>
             <a:r>
-              <a:rPr kumimoji="0" lang="en-US" altLang="en-US" sz="1750" b="1" i="0" u="none" strike="noStrike" cap="none" normalizeH="0" baseline="0" dirty="0">
+              <a:rPr kumimoji="0" lang="en-US" altLang="en-US" sz="1750" b="1" i="0" u="none" strike="noStrike" cap="none" normalizeH="0" baseline="0">
                 <a:ln>
                   <a:noFill/>
                 </a:ln>
                 <a:solidFill>
-                  <a:schemeClr val="tx1"/>
+                  <a:schemeClr val="bg2"/>
                 </a:solidFill>
                 <a:effectLst/>
                 <a:latin typeface="Arial" panose="020B0604020202020204" pitchFamily="34" charset="0"/>
               </a:rPr>
               <a:t> Flask-CORS</a:t>
             </a:r>
-            <a:endParaRPr kumimoji="0" lang="en-US" altLang="en-US" sz="1750" b="0" i="0" u="none" strike="noStrike" cap="none" normalizeH="0" baseline="0" dirty="0">
+            <a:endParaRPr kumimoji="0" lang="en-US" altLang="en-US" sz="1750" b="0" i="0" u="none" strike="noStrike" cap="none" normalizeH="0" baseline="0">
               <a:ln>
                 <a:noFill/>
               </a:ln>
               <a:solidFill>
-                <a:schemeClr val="tx1"/>
+                <a:schemeClr val="bg2"/>
               </a:solidFill>
               <a:effectLst/>
               <a:latin typeface="Arial" panose="020B0604020202020204" pitchFamily="34" charset="0"/>
@@ -37637,12 +37878,12 @@
               <a:buNone/>
               <a:tabLst/>
             </a:pPr>
-            <a:endParaRPr kumimoji="0" lang="en-US" altLang="en-US" sz="1800" b="0" i="0" u="none" strike="noStrike" cap="none" normalizeH="0" baseline="0" dirty="0">
+            <a:endParaRPr kumimoji="0" lang="en-US" altLang="en-US" sz="1800" b="0" i="0" u="none" strike="noStrike" cap="none" normalizeH="0" baseline="0">
               <a:ln>
                 <a:noFill/>
               </a:ln>
               <a:solidFill>
-                <a:schemeClr val="tx1"/>
+                <a:schemeClr val="bg2"/>
               </a:solidFill>
               <a:effectLst/>
               <a:latin typeface="Arial" panose="020B0604020202020204" pitchFamily="34" charset="0"/>
@@ -37655,13 +37896,13 @@
   <p:clrMapOvr>
     <a:masterClrMapping/>
   </p:clrMapOvr>
-  <mc:AlternateContent xmlns:mc="http://schemas.openxmlformats.org/markup-compatibility/2006">
-    <mc:Choice xmlns:p15="http://schemas.microsoft.com/office/powerpoint/2012/main" Requires="p15">
+  <mc:AlternateContent xmlns:mc="http://schemas.openxmlformats.org/markup-compatibility/2006" xmlns:p15="http://schemas.microsoft.com/office/powerpoint/2012/main">
+    <mc:Choice Requires="p15">
       <p:transition xmlns:p14="http://schemas.microsoft.com/office/powerpoint/2010/main" spd="slow" p14:dur="1250">
         <p15:prstTrans prst="fallOver"/>
       </p:transition>
     </mc:Choice>
-    <mc:Fallback>
+    <mc:Fallback xmlns="">
       <p:transition spd="slow">
         <p:fade/>
       </p:transition>
@@ -37761,6 +38002,17 @@
 <file path=ppt/slides/slide5.xml><?xml version="1.0" encoding="utf-8"?>
 <p:sld xmlns:a="http://schemas.openxmlformats.org/drawingml/2006/main" xmlns:r="http://schemas.openxmlformats.org/officeDocument/2006/relationships" xmlns:p="http://schemas.openxmlformats.org/presentationml/2006/main">
   <p:cSld>
+    <p:bg>
+      <p:bgPr>
+        <a:solidFill>
+          <a:schemeClr val="accent2">
+            <a:lumMod val="20000"/>
+            <a:lumOff val="80000"/>
+          </a:schemeClr>
+        </a:solidFill>
+        <a:effectLst/>
+      </p:bgPr>
+    </p:bg>
     <p:spTree>
       <p:nvGrpSpPr>
         <p:cNvPr id="1" name=""/>
@@ -37828,52 +38080,91 @@
               <a:pPr algn="ctr"/>
               <a:r>
                 <a:rPr lang="en-US" sz="3600" b="1">
+                  <a:solidFill>
+                    <a:schemeClr val="bg2"/>
+                  </a:solidFill>
                   <a:latin typeface="Times New Roman" panose="02020603050405020304" pitchFamily="18" charset="0"/>
                   <a:cs typeface="Times New Roman" panose="02020603050405020304" pitchFamily="18" charset="0"/>
                 </a:rPr>
                 <a:t>FEASIBILITY AND VIABILITY</a:t>
               </a:r>
-              <a:endParaRPr lang="en-US" sz="3600" b="1" u="sng"/>
+              <a:endParaRPr lang="en-US" sz="3600" b="1" u="sng">
+                <a:solidFill>
+                  <a:schemeClr val="bg2"/>
+                </a:solidFill>
+              </a:endParaRPr>
             </a:p>
             <a:p>
               <a:pPr algn="ctr"/>
-              <a:endParaRPr lang="en-US" sz="2400" b="1" u="sng"/>
+              <a:endParaRPr lang="en-US" sz="2400" b="1" u="sng">
+                <a:solidFill>
+                  <a:schemeClr val="bg2"/>
+                </a:solidFill>
+              </a:endParaRPr>
             </a:p>
             <a:p>
               <a:pPr algn="ctr"/>
               <a:r>
-                <a:rPr lang="en-US" sz="2400" b="1" u="sng"/>
+                <a:rPr lang="en-US" sz="2400" b="1" u="sng">
+                  <a:solidFill>
+                    <a:schemeClr val="bg2"/>
+                  </a:solidFill>
+                </a:rPr>
                 <a:t>Analysis of Feasibility</a:t>
               </a:r>
-              <a:endParaRPr lang="en-US" sz="2400" u="sng"/>
+              <a:endParaRPr lang="en-US" sz="2400" u="sng">
+                <a:solidFill>
+                  <a:schemeClr val="bg2"/>
+                </a:solidFill>
+              </a:endParaRPr>
             </a:p>
             <a:p>
-              <a:endParaRPr lang="en-US" sz="2400"/>
+              <a:endParaRPr lang="en-US" sz="2400">
+                <a:solidFill>
+                  <a:schemeClr val="bg2"/>
+                </a:solidFill>
+              </a:endParaRPr>
             </a:p>
             <a:p>
-              <a:endParaRPr lang="en-US" sz="2400" b="1"/>
+              <a:endParaRPr lang="en-US" sz="2400" b="1">
+                <a:solidFill>
+                  <a:schemeClr val="bg2"/>
+                </a:solidFill>
+              </a:endParaRPr>
             </a:p>
             <a:p>
-              <a:endParaRPr lang="en-US" sz="2400" b="1"/>
+              <a:endParaRPr lang="en-US" sz="2400" b="1">
+                <a:solidFill>
+                  <a:schemeClr val="bg2"/>
+                </a:solidFill>
+              </a:endParaRPr>
             </a:p>
             <a:p>
-              <a:endParaRPr lang="en-US" sz="2400" b="1"/>
+              <a:endParaRPr lang="en-US" sz="2400" b="1">
+                <a:solidFill>
+                  <a:schemeClr val="bg2"/>
+                </a:solidFill>
+              </a:endParaRPr>
             </a:p>
             <a:p>
-              <a:endParaRPr lang="en-US" sz="2400" b="1"/>
+              <a:endParaRPr lang="en-US" sz="2400" b="1">
+                <a:solidFill>
+                  <a:schemeClr val="bg2"/>
+                </a:solidFill>
+              </a:endParaRPr>
             </a:p>
             <a:p>
               <a:r>
                 <a:rPr lang="en-US" sz="2400" b="1">
                   <a:solidFill>
-                    <a:schemeClr val="tx2"/>
+                    <a:schemeClr val="bg2"/>
                   </a:solidFill>
                 </a:rPr>
                 <a:t>Potential Challenges and risks:</a:t>
               </a:r>
               <a:endParaRPr lang="en-US" sz="2400">
                 <a:solidFill>
-                  <a:schemeClr val="tx2"/>
+                  <a:schemeClr val="bg2"/>
                 </a:solidFill>
               </a:endParaRPr>
             </a:p>
@@ -37883,11 +38174,19 @@
                 <a:buChar char="•"/>
               </a:pPr>
               <a:r>
-                <a:rPr lang="en-US" sz="2400" i="1"/>
+                <a:rPr lang="en-US" sz="2400" i="1">
+                  <a:solidFill>
+                    <a:schemeClr val="bg2"/>
+                  </a:solidFill>
+                </a:rPr>
                 <a:t>Security challenges: </a:t>
               </a:r>
               <a:r>
-                <a:rPr lang="en-US" sz="2400"/>
+                <a:rPr lang="en-US" sz="2400">
+                  <a:solidFill>
+                    <a:schemeClr val="bg2"/>
+                  </a:solidFill>
+                </a:rPr>
                 <a:t>Data protection and privacy.</a:t>
               </a:r>
             </a:p>
@@ -37897,11 +38196,19 @@
                 <a:buChar char="•"/>
               </a:pPr>
               <a:r>
-                <a:rPr lang="en-US" sz="2400" i="1"/>
+                <a:rPr lang="en-US" sz="2400" i="1">
+                  <a:solidFill>
+                    <a:schemeClr val="bg2"/>
+                  </a:solidFill>
+                </a:rPr>
                 <a:t>Operational Concerns</a:t>
               </a:r>
               <a:r>
-                <a:rPr lang="en-US" sz="2400"/>
+                <a:rPr lang="en-US" sz="2400">
+                  <a:solidFill>
+                    <a:schemeClr val="bg2"/>
+                  </a:solidFill>
+                </a:rPr>
                 <a:t>: Acceptance and reliability concerns among some audience.</a:t>
               </a:r>
             </a:p>
@@ -37909,14 +38216,14 @@
               <a:r>
                 <a:rPr lang="en-US" sz="2400" b="1">
                   <a:solidFill>
-                    <a:schemeClr val="tx2"/>
+                    <a:schemeClr val="bg2"/>
                   </a:solidFill>
                 </a:rPr>
                 <a:t>Strategies to overcome these challenges:</a:t>
               </a:r>
               <a:endParaRPr lang="en-US" sz="2400">
                 <a:solidFill>
-                  <a:schemeClr val="tx2"/>
+                  <a:schemeClr val="bg2"/>
                 </a:solidFill>
               </a:endParaRPr>
             </a:p>
@@ -37926,11 +38233,19 @@
                 <a:buChar char="•"/>
               </a:pPr>
               <a:r>
-                <a:rPr lang="en-US" sz="2000" i="1"/>
+                <a:rPr lang="en-US" sz="2000" i="1">
+                  <a:solidFill>
+                    <a:schemeClr val="bg2"/>
+                  </a:solidFill>
+                </a:rPr>
                 <a:t>Test &amp; Secure</a:t>
               </a:r>
               <a:r>
-                <a:rPr lang="en-US" sz="2000"/>
+                <a:rPr lang="en-US" sz="2000">
+                  <a:solidFill>
+                    <a:schemeClr val="bg2"/>
+                  </a:solidFill>
+                </a:rPr>
                 <a:t>: Ensured smooth operation and strong security.</a:t>
               </a:r>
             </a:p>
@@ -37940,11 +38255,19 @@
                 <a:buChar char="•"/>
               </a:pPr>
               <a:r>
-                <a:rPr lang="en-US" sz="2000" i="1"/>
+                <a:rPr lang="en-US" sz="2000" i="1">
+                  <a:solidFill>
+                    <a:schemeClr val="bg2"/>
+                  </a:solidFill>
+                </a:rPr>
                 <a:t>Clean UI/UX</a:t>
               </a:r>
               <a:r>
-                <a:rPr lang="en-US" sz="2000"/>
+                <a:rPr lang="en-US" sz="2000">
+                  <a:solidFill>
+                    <a:schemeClr val="bg2"/>
+                  </a:solidFill>
+                </a:rPr>
                 <a:t>: Made the interface simple and easy to use.</a:t>
               </a:r>
             </a:p>
@@ -38157,6 +38480,17 @@
 <file path=ppt/slides/slide6.xml><?xml version="1.0" encoding="utf-8"?>
 <p:sld xmlns:a="http://schemas.openxmlformats.org/drawingml/2006/main" xmlns:r="http://schemas.openxmlformats.org/officeDocument/2006/relationships" xmlns:p="http://schemas.openxmlformats.org/presentationml/2006/main">
   <p:cSld>
+    <p:bg>
+      <p:bgPr>
+        <a:solidFill>
+          <a:schemeClr val="accent2">
+            <a:lumMod val="20000"/>
+            <a:lumOff val="80000"/>
+          </a:schemeClr>
+        </a:solidFill>
+        <a:effectLst/>
+      </p:bgPr>
+    </p:bg>
     <p:spTree>
       <p:nvGrpSpPr>
         <p:cNvPr id="1" name=""/>
@@ -38241,13 +38575,13 @@
   <p:clrMapOvr>
     <a:masterClrMapping/>
   </p:clrMapOvr>
-  <mc:AlternateContent xmlns:mc="http://schemas.openxmlformats.org/markup-compatibility/2006">
-    <mc:Choice xmlns:p15="http://schemas.microsoft.com/office/powerpoint/2012/main" Requires="p15">
+  <mc:AlternateContent xmlns:mc="http://schemas.openxmlformats.org/markup-compatibility/2006" xmlns:p15="http://schemas.microsoft.com/office/powerpoint/2012/main">
+    <mc:Choice Requires="p15">
       <p:transition xmlns:p14="http://schemas.microsoft.com/office/powerpoint/2010/main" spd="slow" p14:dur="1250">
         <p15:prstTrans prst="curtains"/>
       </p:transition>
     </mc:Choice>
-    <mc:Fallback>
+    <mc:Fallback xmlns="">
       <p:transition spd="slow">
         <p:fade/>
       </p:transition>
@@ -38259,6 +38593,17 @@
 <file path=ppt/slides/slide7.xml><?xml version="1.0" encoding="utf-8"?>
 <p:sld xmlns:a="http://schemas.openxmlformats.org/drawingml/2006/main" xmlns:r="http://schemas.openxmlformats.org/officeDocument/2006/relationships" xmlns:p="http://schemas.openxmlformats.org/presentationml/2006/main">
   <p:cSld>
+    <p:bg>
+      <p:bgPr>
+        <a:solidFill>
+          <a:schemeClr val="accent2">
+            <a:lumMod val="20000"/>
+            <a:lumOff val="80000"/>
+          </a:schemeClr>
+        </a:solidFill>
+        <a:effectLst/>
+      </p:bgPr>
+    </p:bg>
     <p:spTree>
       <p:nvGrpSpPr>
         <p:cNvPr id="1" name=""/>
@@ -38296,6 +38641,9 @@
             <a:pPr algn="ctr" eaLnBrk="1" hangingPunct="1"/>
             <a:r>
               <a:rPr lang="en-US" sz="3600" b="1">
+                <a:solidFill>
+                  <a:schemeClr val="bg2"/>
+                </a:solidFill>
                 <a:latin typeface="Times New Roman" panose="02020603050405020304" pitchFamily="18" charset="0"/>
                 <a:ea typeface="ＭＳ Ｐゴシック" pitchFamily="1" charset="-128"/>
                 <a:cs typeface="Times New Roman" panose="02020603050405020304" pitchFamily="18" charset="0"/>
@@ -38365,33 +38713,57 @@
           <a:p>
             <a:pPr algn="ctr"/>
             <a:r>
-              <a:rPr lang="en-IN" sz="2000" b="1" i="1"/>
+              <a:rPr lang="en-IN" sz="2000" b="1" i="1">
+                <a:solidFill>
+                  <a:schemeClr val="bg1"/>
+                </a:solidFill>
+              </a:rPr>
               <a:t>Social benefits</a:t>
             </a:r>
             <a:r>
-              <a:rPr lang="en-IN" sz="2000"/>
+              <a:rPr lang="en-IN" sz="2000">
+                <a:solidFill>
+                  <a:schemeClr val="bg1"/>
+                </a:solidFill>
+              </a:rPr>
               <a:t>: Enhanced User Experience, Inclusive Access to Healthcare, Promotion of Health Awareness</a:t>
             </a:r>
           </a:p>
           <a:p>
             <a:pPr algn="ctr"/>
             <a:r>
-              <a:rPr lang="en-IN" sz="2000" b="1" i="1"/>
+              <a:rPr lang="en-IN" sz="2000" b="1" i="1">
+                <a:solidFill>
+                  <a:schemeClr val="bg1"/>
+                </a:solidFill>
+              </a:rPr>
               <a:t>Economic benefits</a:t>
             </a:r>
             <a:r>
-              <a:rPr lang="en-IN" sz="2000"/>
+              <a:rPr lang="en-IN" sz="2000">
+                <a:solidFill>
+                  <a:schemeClr val="bg1"/>
+                </a:solidFill>
+              </a:rPr>
               <a:t>: Cost Reduction, Revenue Growth Opportunities, Targeted Health Marketing</a:t>
             </a:r>
           </a:p>
           <a:p>
             <a:pPr algn="ctr"/>
             <a:r>
-              <a:rPr lang="en-IN" sz="2000" b="1" i="1"/>
+              <a:rPr lang="en-IN" sz="2000" b="1" i="1">
+                <a:solidFill>
+                  <a:schemeClr val="bg1"/>
+                </a:solidFill>
+              </a:rPr>
               <a:t>Environmental benefits</a:t>
             </a:r>
             <a:r>
-              <a:rPr lang="en-IN" sz="2000"/>
+              <a:rPr lang="en-IN" sz="2000">
+                <a:solidFill>
+                  <a:schemeClr val="bg1"/>
+                </a:solidFill>
+              </a:rPr>
               <a:t>: Sustainable Healthcare Practices, Responsible Consumption, Support for Climate Action Initiatives</a:t>
             </a:r>
           </a:p>
@@ -38410,7 +38782,7 @@
           <p:nvPr>
             <p:extLst>
               <p:ext uri="{D42A27DB-BD31-4B8C-83A1-F6EECF244321}">
-                <p14:modId xmlns:p14="http://schemas.microsoft.com/office/powerpoint/2010/main" val="3985291093"/>
+                <p14:modId xmlns:p14="http://schemas.microsoft.com/office/powerpoint/2010/main" val="1843279576"/>
               </p:ext>
             </p:extLst>
           </p:nvPr>
@@ -39152,6 +39524,17 @@
 <file path=ppt/slides/slide8.xml><?xml version="1.0" encoding="utf-8"?>
 <p:sld xmlns:a="http://schemas.openxmlformats.org/drawingml/2006/main" xmlns:r="http://schemas.openxmlformats.org/officeDocument/2006/relationships" xmlns:p="http://schemas.openxmlformats.org/presentationml/2006/main">
   <p:cSld>
+    <p:bg>
+      <p:bgPr>
+        <a:solidFill>
+          <a:schemeClr val="accent2">
+            <a:lumMod val="20000"/>
+            <a:lumOff val="80000"/>
+          </a:schemeClr>
+        </a:solidFill>
+        <a:effectLst/>
+      </p:bgPr>
+    </p:bg>
     <p:spTree>
       <p:nvGrpSpPr>
         <p:cNvPr id="1" name=""/>
@@ -39219,6 +39602,9 @@
               <a:pPr algn="ctr"/>
               <a:r>
                 <a:rPr lang="en-US" sz="3600" b="1">
+                  <a:solidFill>
+                    <a:schemeClr val="bg2"/>
+                  </a:solidFill>
                   <a:latin typeface="Times New Roman" panose="02020603050405020304" pitchFamily="18" charset="0"/>
                   <a:cs typeface="Times New Roman" panose="02020603050405020304" pitchFamily="18" charset="0"/>
                 </a:rPr>
@@ -39226,7 +39612,7 @@
               </a:r>
               <a:endParaRPr lang="en-US" sz="3200" b="1">
                 <a:solidFill>
-                  <a:schemeClr val="tx2"/>
+                  <a:schemeClr val="bg2"/>
                 </a:solidFill>
               </a:endParaRPr>
             </a:p>
@@ -39274,7 +39660,7 @@
           <p:nvPr>
             <p:extLst>
               <p:ext uri="{D42A27DB-BD31-4B8C-83A1-F6EECF244321}">
-                <p14:modId xmlns:p14="http://schemas.microsoft.com/office/powerpoint/2010/main" val="3110233003"/>
+                <p14:modId xmlns:p14="http://schemas.microsoft.com/office/powerpoint/2010/main" val="1355681599"/>
               </p:ext>
             </p:extLst>
           </p:nvPr>
@@ -39329,13 +39715,13 @@
   <p:clrMapOvr>
     <a:masterClrMapping/>
   </p:clrMapOvr>
-  <mc:AlternateContent xmlns:mc="http://schemas.openxmlformats.org/markup-compatibility/2006" xmlns:p15="http://schemas.microsoft.com/office/powerpoint/2012/main">
-    <mc:Choice Requires="p15">
+  <mc:AlternateContent xmlns:mc="http://schemas.openxmlformats.org/markup-compatibility/2006">
+    <mc:Choice xmlns:p15="http://schemas.microsoft.com/office/powerpoint/2012/main" Requires="p15">
       <p:transition xmlns:p14="http://schemas.microsoft.com/office/powerpoint/2010/main" spd="slow" p14:dur="1250">
         <p15:prstTrans prst="pageCurlDouble"/>
       </p:transition>
     </mc:Choice>
-    <mc:Fallback xmlns="">
+    <mc:Fallback>
       <p:transition spd="slow">
         <p:fade/>
       </p:transition>
@@ -39572,6 +39958,17 @@
 <file path=ppt/slides/slide9.xml><?xml version="1.0" encoding="utf-8"?>
 <p:sld xmlns:a="http://schemas.openxmlformats.org/drawingml/2006/main" xmlns:r="http://schemas.openxmlformats.org/officeDocument/2006/relationships" xmlns:p="http://schemas.openxmlformats.org/presentationml/2006/main">
   <p:cSld>
+    <p:bg>
+      <p:bgPr>
+        <a:solidFill>
+          <a:schemeClr val="accent2">
+            <a:lumMod val="20000"/>
+            <a:lumOff val="80000"/>
+          </a:schemeClr>
+        </a:solidFill>
+        <a:effectLst/>
+      </p:bgPr>
+    </p:bg>
     <p:spTree>
       <p:nvGrpSpPr>
         <p:cNvPr id="1" name=""/>
@@ -39609,6 +40006,9 @@
             <a:pPr eaLnBrk="1" hangingPunct="1"/>
             <a:r>
               <a:rPr lang="en-US" sz="3600" b="1">
+                <a:solidFill>
+                  <a:schemeClr val="bg2"/>
+                </a:solidFill>
                 <a:latin typeface="Times New Roman" panose="02020603050405020304" pitchFamily="18" charset="0"/>
                 <a:ea typeface="ＭＳ Ｐゴシック" pitchFamily="1" charset="-128"/>
                 <a:cs typeface="Times New Roman" panose="02020603050405020304" pitchFamily="18" charset="0"/>
@@ -39662,7 +40062,7 @@
         </p:nvSpPr>
         <p:spPr>
           <a:xfrm>
-            <a:off x="1094957" y="1739286"/>
+            <a:off x="1163783" y="1739286"/>
             <a:ext cx="9746672" cy="3108543"/>
           </a:xfrm>
           <a:prstGeom prst="rect">
@@ -39681,17 +40081,25 @@
               <a:buChar char="•"/>
             </a:pPr>
             <a:r>
-              <a:rPr lang="pt-BR" sz="2800" u="sng" dirty="0"/>
+              <a:rPr lang="pt-BR" sz="2800" u="sng" dirty="0">
+                <a:solidFill>
+                  <a:schemeClr val="bg2"/>
+                </a:solidFill>
+              </a:rPr>
               <a:t>GitHub repo link</a:t>
             </a:r>
             <a:r>
-              <a:rPr lang="pt-BR" sz="2800" dirty="0"/>
+              <a:rPr lang="pt-BR" sz="2800" dirty="0">
+                <a:solidFill>
+                  <a:schemeClr val="bg2"/>
+                </a:solidFill>
+              </a:rPr>
               <a:t>: </a:t>
             </a:r>
             <a:r>
               <a:rPr lang="pt-BR" sz="2800" dirty="0">
                 <a:solidFill>
-                  <a:schemeClr val="bg1"/>
+                  <a:schemeClr val="bg2"/>
                 </a:solidFill>
                 <a:hlinkClick r:id="rId3">
                   <a:extLst>
@@ -39705,7 +40113,7 @@
             </a:r>
             <a:endParaRPr lang="pt-BR" sz="2800" dirty="0">
               <a:solidFill>
-                <a:schemeClr val="bg1"/>
+                <a:schemeClr val="bg2"/>
               </a:solidFill>
             </a:endParaRPr>
           </a:p>
@@ -39715,13 +40123,17 @@
               <a:buChar char="•"/>
             </a:pPr>
             <a:r>
-              <a:rPr lang="pt-BR" sz="2800" u="sng" dirty="0"/>
+              <a:rPr lang="pt-BR" sz="2800" u="sng" dirty="0">
+                <a:solidFill>
+                  <a:schemeClr val="bg2"/>
+                </a:solidFill>
+              </a:rPr>
               <a:t>Demonstration video link: </a:t>
             </a:r>
             <a:r>
               <a:rPr lang="pt-BR" sz="2800" u="sng" dirty="0">
                 <a:solidFill>
-                  <a:schemeClr val="bg1"/>
+                  <a:schemeClr val="bg2"/>
                 </a:solidFill>
                 <a:hlinkClick r:id="rId4">
                   <a:extLst>
@@ -39735,7 +40147,7 @@
             </a:r>
             <a:endParaRPr lang="pt-BR" sz="2800" u="sng" dirty="0">
               <a:solidFill>
-                <a:schemeClr val="bg1"/>
+                <a:schemeClr val="bg2"/>
               </a:solidFill>
             </a:endParaRPr>
           </a:p>
@@ -39747,7 +40159,7 @@
             <a:r>
               <a:rPr lang="pt-BR" sz="2800" u="sng" dirty="0">
                 <a:solidFill>
-                  <a:schemeClr val="bg1"/>
+                  <a:schemeClr val="bg2"/>
                 </a:solidFill>
                 <a:hlinkClick r:id="rId5">
                   <a:extLst>
@@ -39761,7 +40173,7 @@
             </a:r>
             <a:endParaRPr lang="pt-BR" sz="2800" u="sng" dirty="0">
               <a:solidFill>
-                <a:schemeClr val="bg1"/>
+                <a:schemeClr val="bg2"/>
               </a:solidFill>
             </a:endParaRPr>
           </a:p>
@@ -39773,7 +40185,7 @@
             <a:r>
               <a:rPr lang="pt-BR" sz="2800" u="sng" dirty="0">
                 <a:solidFill>
-                  <a:schemeClr val="bg1"/>
+                  <a:schemeClr val="bg2"/>
                 </a:solidFill>
               </a:rPr>
               <a:t>https://www.apollo247.com/</a:t>
@@ -39784,14 +40196,22 @@
               <a:buFont typeface="Arial" panose="020B0604020202020204" pitchFamily="34" charset="0"/>
               <a:buChar char="•"/>
             </a:pPr>
-            <a:endParaRPr lang="pt-BR" sz="2800" u="sng" dirty="0"/>
+            <a:endParaRPr lang="pt-BR" sz="2800" u="sng" dirty="0">
+              <a:solidFill>
+                <a:schemeClr val="bg2"/>
+              </a:solidFill>
+            </a:endParaRPr>
           </a:p>
           <a:p>
             <a:pPr marL="457200" indent="-457200">
               <a:buFont typeface="Arial" panose="020B0604020202020204" pitchFamily="34" charset="0"/>
               <a:buChar char="•"/>
             </a:pPr>
-            <a:endParaRPr lang="pt-BR" sz="2800" dirty="0"/>
+            <a:endParaRPr lang="pt-BR" sz="2800" dirty="0">
+              <a:solidFill>
+                <a:schemeClr val="bg2"/>
+              </a:solidFill>
+            </a:endParaRPr>
           </a:p>
         </p:txBody>
       </p:sp>
@@ -40936,20 +41356,20 @@
 </file>
 
 <file path=customXml/item1.xml><?xml version="1.0" encoding="utf-8"?>
-<p:properties xmlns:p="http://schemas.microsoft.com/office/2006/metadata/properties" xmlns:xsi="http://www.w3.org/2001/XMLSchema-instance" xmlns:pc="http://schemas.microsoft.com/office/infopath/2007/PartnerControls">
-  <documentManagement>
-    <_activity xmlns="1334ca57-34e5-4a9d-86aa-ba9321dc4734" xsi:nil="true"/>
-  </documentManagement>
-</p:properties>
-</file>
-
-<file path=customXml/item2.xml><?xml version="1.0" encoding="utf-8"?>
 <?mso-contentType ?>
 <FormTemplates xmlns="http://schemas.microsoft.com/sharepoint/v3/contenttype/forms">
   <Display>DocumentLibraryForm</Display>
   <Edit>DocumentLibraryForm</Edit>
   <New>DocumentLibraryForm</New>
 </FormTemplates>
+</file>
+
+<file path=customXml/item2.xml><?xml version="1.0" encoding="utf-8"?>
+<p:properties xmlns:p="http://schemas.microsoft.com/office/2006/metadata/properties" xmlns:xsi="http://www.w3.org/2001/XMLSchema-instance" xmlns:pc="http://schemas.microsoft.com/office/infopath/2007/PartnerControls">
+  <documentManagement>
+    <_activity xmlns="1334ca57-34e5-4a9d-86aa-ba9321dc4734" xsi:nil="true"/>
+  </documentManagement>
+</p:properties>
 </file>
 
 <file path=customXml/item3.xml><?xml version="1.0" encoding="utf-8"?>
@@ -41142,23 +41562,6 @@
 </file>
 
 <file path=customXml/itemProps1.xml><?xml version="1.0" encoding="utf-8"?>
-<ds:datastoreItem xmlns:ds="http://schemas.openxmlformats.org/officeDocument/2006/customXml" ds:itemID="{CE038457-F128-4A3A-BA04-615EE745F0C2}">
-  <ds:schemaRefs>
-    <ds:schemaRef ds:uri="http://purl.org/dc/elements/1.1/"/>
-    <ds:schemaRef ds:uri="1334ca57-34e5-4a9d-86aa-ba9321dc4734"/>
-    <ds:schemaRef ds:uri="http://schemas.microsoft.com/office/2006/documentManagement/types"/>
-    <ds:schemaRef ds:uri="http://purl.org/dc/dcmitype/"/>
-    <ds:schemaRef ds:uri="http://schemas.microsoft.com/office/2006/metadata/properties"/>
-    <ds:schemaRef ds:uri="http://schemas.microsoft.com/office/infopath/2007/PartnerControls"/>
-    <ds:schemaRef ds:uri="http://schemas.openxmlformats.org/package/2006/metadata/core-properties"/>
-    <ds:schemaRef ds:uri="8f5b5b35-17d8-4cbc-9d7e-397310bee1bc"/>
-    <ds:schemaRef ds:uri="http://www.w3.org/XML/1998/namespace"/>
-    <ds:schemaRef ds:uri="http://purl.org/dc/terms/"/>
-  </ds:schemaRefs>
-</ds:datastoreItem>
-</file>
-
-<file path=customXml/itemProps2.xml><?xml version="1.0" encoding="utf-8"?>
 <ds:datastoreItem xmlns:ds="http://schemas.openxmlformats.org/officeDocument/2006/customXml" ds:itemID="{22C178ED-2F8A-423A-B797-ED8F22E4BD86}">
   <ds:schemaRefs>
     <ds:schemaRef ds:uri="http://schemas.microsoft.com/sharepoint/v3/contenttype/forms"/>
@@ -41166,21 +41569,34 @@
 </ds:datastoreItem>
 </file>
 
+<file path=customXml/itemProps2.xml><?xml version="1.0" encoding="utf-8"?>
+<ds:datastoreItem xmlns:ds="http://schemas.openxmlformats.org/officeDocument/2006/customXml" ds:itemID="{CE038457-F128-4A3A-BA04-615EE745F0C2}">
+  <ds:schemaRefs>
+    <ds:schemaRef ds:uri="http://schemas.microsoft.com/office/2006/metadata/properties"/>
+    <ds:schemaRef ds:uri="http://www.w3.org/2000/xmlns/"/>
+    <ds:schemaRef ds:uri="1334ca57-34e5-4a9d-86aa-ba9321dc4734"/>
+    <ds:schemaRef ds:uri="http://www.w3.org/2001/XMLSchema-instance"/>
+    <ds:schemaRef ds:uri="http://schemas.microsoft.com/office/infopath/2007/PartnerControls"/>
+  </ds:schemaRefs>
+</ds:datastoreItem>
+</file>
+
 <file path=customXml/itemProps3.xml><?xml version="1.0" encoding="utf-8"?>
 <ds:datastoreItem xmlns:ds="http://schemas.openxmlformats.org/officeDocument/2006/customXml" ds:itemID="{6CD33514-18A2-4F2B-A73D-5FCDF435ECC4}">
   <ds:schemaRefs>
+    <ds:schemaRef ds:uri="http://schemas.microsoft.com/office/2006/metadata/contentType"/>
+    <ds:schemaRef ds:uri="http://schemas.microsoft.com/office/2006/metadata/properties/metaAttributes"/>
+    <ds:schemaRef ds:uri="http://www.w3.org/2000/xmlns/"/>
+    <ds:schemaRef ds:uri="http://www.w3.org/2001/XMLSchema"/>
     <ds:schemaRef ds:uri="1334ca57-34e5-4a9d-86aa-ba9321dc4734"/>
     <ds:schemaRef ds:uri="8f5b5b35-17d8-4cbc-9d7e-397310bee1bc"/>
+    <ds:schemaRef ds:uri="http://schemas.microsoft.com/office/2006/metadata/properties"/>
+    <ds:schemaRef ds:uri="http://schemas.microsoft.com/office/2006/documentManagement/types"/>
+    <ds:schemaRef ds:uri="http://schemas.microsoft.com/office/infopath/2007/PartnerControls"/>
+    <ds:schemaRef ds:uri="http://schemas.openxmlformats.org/package/2006/metadata/core-properties"/>
     <ds:schemaRef ds:uri="http://purl.org/dc/elements/1.1/"/>
     <ds:schemaRef ds:uri="http://purl.org/dc/terms/"/>
     <ds:schemaRef ds:uri="http://schemas.microsoft.com/internal/obd"/>
-    <ds:schemaRef ds:uri="http://schemas.microsoft.com/office/2006/documentManagement/types"/>
-    <ds:schemaRef ds:uri="http://schemas.microsoft.com/office/2006/metadata/contentType"/>
-    <ds:schemaRef ds:uri="http://schemas.microsoft.com/office/2006/metadata/properties"/>
-    <ds:schemaRef ds:uri="http://schemas.microsoft.com/office/2006/metadata/properties/metaAttributes"/>
-    <ds:schemaRef ds:uri="http://schemas.microsoft.com/office/infopath/2007/PartnerControls"/>
-    <ds:schemaRef ds:uri="http://schemas.openxmlformats.org/package/2006/metadata/core-properties"/>
-    <ds:schemaRef ds:uri="http://www.w3.org/2001/XMLSchema"/>
   </ds:schemaRefs>
 </ds:datastoreItem>
 </file>